--- a/Documentation/thesisDefense.pptx
+++ b/Documentation/thesisDefense.pptx
@@ -5,20 +5,40 @@
     <p:sldMasterId id="2147483669" r:id="rId4"/>
   </p:sldMasterIdLst>
   <p:notesMasterIdLst>
-    <p:notesMasterId r:id="rId13"/>
+    <p:notesMasterId r:id="rId33"/>
   </p:notesMasterIdLst>
   <p:handoutMasterIdLst>
-    <p:handoutMasterId r:id="rId14"/>
+    <p:handoutMasterId r:id="rId34"/>
   </p:handoutMasterIdLst>
   <p:sldIdLst>
     <p:sldId id="256" r:id="rId5"/>
-    <p:sldId id="257" r:id="rId6"/>
-    <p:sldId id="258" r:id="rId7"/>
-    <p:sldId id="259" r:id="rId8"/>
-    <p:sldId id="260" r:id="rId9"/>
-    <p:sldId id="261" r:id="rId10"/>
-    <p:sldId id="262" r:id="rId11"/>
-    <p:sldId id="263" r:id="rId12"/>
+    <p:sldId id="286" r:id="rId6"/>
+    <p:sldId id="265" r:id="rId7"/>
+    <p:sldId id="287" r:id="rId8"/>
+    <p:sldId id="288" r:id="rId9"/>
+    <p:sldId id="289" r:id="rId10"/>
+    <p:sldId id="257" r:id="rId11"/>
+    <p:sldId id="267" r:id="rId12"/>
+    <p:sldId id="268" r:id="rId13"/>
+    <p:sldId id="291" r:id="rId14"/>
+    <p:sldId id="270" r:id="rId15"/>
+    <p:sldId id="269" r:id="rId16"/>
+    <p:sldId id="292" r:id="rId17"/>
+    <p:sldId id="271" r:id="rId18"/>
+    <p:sldId id="277" r:id="rId19"/>
+    <p:sldId id="274" r:id="rId20"/>
+    <p:sldId id="275" r:id="rId21"/>
+    <p:sldId id="273" r:id="rId22"/>
+    <p:sldId id="272" r:id="rId23"/>
+    <p:sldId id="279" r:id="rId24"/>
+    <p:sldId id="278" r:id="rId25"/>
+    <p:sldId id="290" r:id="rId26"/>
+    <p:sldId id="281" r:id="rId27"/>
+    <p:sldId id="280" r:id="rId28"/>
+    <p:sldId id="282" r:id="rId29"/>
+    <p:sldId id="283" r:id="rId30"/>
+    <p:sldId id="263" r:id="rId31"/>
+    <p:sldId id="284" r:id="rId32"/>
   </p:sldIdLst>
   <p:sldSz cx="12192000" cy="6858000"/>
   <p:notesSz cx="6858000" cy="9144000"/>
@@ -875,924 +895,11 @@
 </dgm:colorsDef>
 </file>
 
-<file path=ppt/diagrams/colors2.xml><?xml version="1.0" encoding="utf-8"?>
-<dgm:colorsDef xmlns:dgm="http://schemas.openxmlformats.org/drawingml/2006/diagram" xmlns:a="http://schemas.openxmlformats.org/drawingml/2006/main" uniqueId="urn:microsoft.com/office/officeart/2005/8/colors/accent1_2">
-  <dgm:title val=""/>
-  <dgm:desc val=""/>
-  <dgm:catLst>
-    <dgm:cat type="accent1" pri="11200"/>
-  </dgm:catLst>
-  <dgm:styleLbl name="node0">
-    <dgm:fillClrLst meth="repeat">
-      <a:schemeClr val="accent1"/>
-    </dgm:fillClrLst>
-    <dgm:linClrLst meth="repeat">
-      <a:schemeClr val="lt1"/>
-    </dgm:linClrLst>
-    <dgm:effectClrLst/>
-    <dgm:txLinClrLst/>
-    <dgm:txFillClrLst/>
-    <dgm:txEffectClrLst/>
-  </dgm:styleLbl>
-  <dgm:styleLbl name="alignNode1">
-    <dgm:fillClrLst meth="repeat">
-      <a:schemeClr val="accent1"/>
-    </dgm:fillClrLst>
-    <dgm:linClrLst meth="repeat">
-      <a:schemeClr val="accent1"/>
-    </dgm:linClrLst>
-    <dgm:effectClrLst/>
-    <dgm:txLinClrLst/>
-    <dgm:txFillClrLst/>
-    <dgm:txEffectClrLst/>
-  </dgm:styleLbl>
-  <dgm:styleLbl name="node1">
-    <dgm:fillClrLst meth="repeat">
-      <a:schemeClr val="accent1"/>
-    </dgm:fillClrLst>
-    <dgm:linClrLst meth="repeat">
-      <a:schemeClr val="lt1"/>
-    </dgm:linClrLst>
-    <dgm:effectClrLst/>
-    <dgm:txLinClrLst/>
-    <dgm:txFillClrLst/>
-    <dgm:txEffectClrLst/>
-  </dgm:styleLbl>
-  <dgm:styleLbl name="lnNode1">
-    <dgm:fillClrLst meth="repeat">
-      <a:schemeClr val="accent1"/>
-    </dgm:fillClrLst>
-    <dgm:linClrLst meth="repeat">
-      <a:schemeClr val="lt1"/>
-    </dgm:linClrLst>
-    <dgm:effectClrLst/>
-    <dgm:txLinClrLst/>
-    <dgm:txFillClrLst/>
-    <dgm:txEffectClrLst/>
-  </dgm:styleLbl>
-  <dgm:styleLbl name="vennNode1">
-    <dgm:fillClrLst meth="repeat">
-      <a:schemeClr val="accent1">
-        <a:alpha val="50000"/>
-      </a:schemeClr>
-    </dgm:fillClrLst>
-    <dgm:linClrLst meth="repeat">
-      <a:schemeClr val="lt1"/>
-    </dgm:linClrLst>
-    <dgm:effectClrLst/>
-    <dgm:txLinClrLst/>
-    <dgm:txFillClrLst/>
-    <dgm:txEffectClrLst/>
-  </dgm:styleLbl>
-  <dgm:styleLbl name="node2">
-    <dgm:fillClrLst meth="repeat">
-      <a:schemeClr val="accent1"/>
-    </dgm:fillClrLst>
-    <dgm:linClrLst meth="repeat">
-      <a:schemeClr val="lt1"/>
-    </dgm:linClrLst>
-    <dgm:effectClrLst/>
-    <dgm:txLinClrLst/>
-    <dgm:txFillClrLst/>
-    <dgm:txEffectClrLst/>
-  </dgm:styleLbl>
-  <dgm:styleLbl name="node3">
-    <dgm:fillClrLst meth="repeat">
-      <a:schemeClr val="accent1"/>
-    </dgm:fillClrLst>
-    <dgm:linClrLst meth="repeat">
-      <a:schemeClr val="lt1"/>
-    </dgm:linClrLst>
-    <dgm:effectClrLst/>
-    <dgm:txLinClrLst/>
-    <dgm:txFillClrLst/>
-    <dgm:txEffectClrLst/>
-  </dgm:styleLbl>
-  <dgm:styleLbl name="node4">
-    <dgm:fillClrLst meth="repeat">
-      <a:schemeClr val="accent1"/>
-    </dgm:fillClrLst>
-    <dgm:linClrLst meth="repeat">
-      <a:schemeClr val="lt1"/>
-    </dgm:linClrLst>
-    <dgm:effectClrLst/>
-    <dgm:txLinClrLst/>
-    <dgm:txFillClrLst/>
-    <dgm:txEffectClrLst/>
-  </dgm:styleLbl>
-  <dgm:styleLbl name="fgImgPlace1">
-    <dgm:fillClrLst meth="repeat">
-      <a:schemeClr val="accent1">
-        <a:tint val="50000"/>
-      </a:schemeClr>
-    </dgm:fillClrLst>
-    <dgm:linClrLst meth="repeat">
-      <a:schemeClr val="lt1"/>
-    </dgm:linClrLst>
-    <dgm:effectClrLst/>
-    <dgm:txLinClrLst/>
-    <dgm:txFillClrLst meth="repeat">
-      <a:schemeClr val="lt1"/>
-    </dgm:txFillClrLst>
-    <dgm:txEffectClrLst/>
-  </dgm:styleLbl>
-  <dgm:styleLbl name="alignImgPlace1">
-    <dgm:fillClrLst meth="repeat">
-      <a:schemeClr val="accent1">
-        <a:tint val="50000"/>
-      </a:schemeClr>
-    </dgm:fillClrLst>
-    <dgm:linClrLst meth="repeat">
-      <a:schemeClr val="lt1"/>
-    </dgm:linClrLst>
-    <dgm:effectClrLst/>
-    <dgm:txLinClrLst/>
-    <dgm:txFillClrLst meth="repeat">
-      <a:schemeClr val="lt1"/>
-    </dgm:txFillClrLst>
-    <dgm:txEffectClrLst/>
-  </dgm:styleLbl>
-  <dgm:styleLbl name="bgImgPlace1">
-    <dgm:fillClrLst meth="repeat">
-      <a:schemeClr val="accent1">
-        <a:tint val="50000"/>
-      </a:schemeClr>
-    </dgm:fillClrLst>
-    <dgm:linClrLst meth="repeat">
-      <a:schemeClr val="lt1"/>
-    </dgm:linClrLst>
-    <dgm:effectClrLst/>
-    <dgm:txLinClrLst/>
-    <dgm:txFillClrLst meth="repeat">
-      <a:schemeClr val="lt1"/>
-    </dgm:txFillClrLst>
-    <dgm:txEffectClrLst/>
-  </dgm:styleLbl>
-  <dgm:styleLbl name="sibTrans2D1">
-    <dgm:fillClrLst meth="repeat">
-      <a:schemeClr val="accent1">
-        <a:tint val="60000"/>
-      </a:schemeClr>
-    </dgm:fillClrLst>
-    <dgm:linClrLst meth="repeat">
-      <a:schemeClr val="accent1">
-        <a:tint val="60000"/>
-      </a:schemeClr>
-    </dgm:linClrLst>
-    <dgm:effectClrLst/>
-    <dgm:txLinClrLst/>
-    <dgm:txFillClrLst/>
-    <dgm:txEffectClrLst/>
-  </dgm:styleLbl>
-  <dgm:styleLbl name="fgSibTrans2D1">
-    <dgm:fillClrLst meth="repeat">
-      <a:schemeClr val="accent1">
-        <a:tint val="60000"/>
-      </a:schemeClr>
-    </dgm:fillClrLst>
-    <dgm:linClrLst meth="repeat">
-      <a:schemeClr val="accent1">
-        <a:tint val="60000"/>
-      </a:schemeClr>
-    </dgm:linClrLst>
-    <dgm:effectClrLst/>
-    <dgm:txLinClrLst/>
-    <dgm:txFillClrLst/>
-    <dgm:txEffectClrLst/>
-  </dgm:styleLbl>
-  <dgm:styleLbl name="bgSibTrans2D1">
-    <dgm:fillClrLst meth="repeat">
-      <a:schemeClr val="accent1">
-        <a:tint val="60000"/>
-      </a:schemeClr>
-    </dgm:fillClrLst>
-    <dgm:linClrLst meth="repeat">
-      <a:schemeClr val="accent1">
-        <a:tint val="60000"/>
-      </a:schemeClr>
-    </dgm:linClrLst>
-    <dgm:effectClrLst/>
-    <dgm:txLinClrLst/>
-    <dgm:txFillClrLst/>
-    <dgm:txEffectClrLst/>
-  </dgm:styleLbl>
-  <dgm:styleLbl name="sibTrans1D1">
-    <dgm:fillClrLst meth="repeat">
-      <a:schemeClr val="accent1"/>
-    </dgm:fillClrLst>
-    <dgm:linClrLst meth="repeat">
-      <a:schemeClr val="accent1"/>
-    </dgm:linClrLst>
-    <dgm:effectClrLst/>
-    <dgm:txLinClrLst/>
-    <dgm:txFillClrLst meth="repeat">
-      <a:schemeClr val="tx1"/>
-    </dgm:txFillClrLst>
-    <dgm:txEffectClrLst/>
-  </dgm:styleLbl>
-  <dgm:styleLbl name="callout">
-    <dgm:fillClrLst meth="repeat">
-      <a:schemeClr val="accent1"/>
-    </dgm:fillClrLst>
-    <dgm:linClrLst meth="repeat">
-      <a:schemeClr val="accent1">
-        <a:tint val="50000"/>
-      </a:schemeClr>
-    </dgm:linClrLst>
-    <dgm:effectClrLst/>
-    <dgm:txLinClrLst/>
-    <dgm:txFillClrLst meth="repeat">
-      <a:schemeClr val="tx1"/>
-    </dgm:txFillClrLst>
-    <dgm:txEffectClrLst/>
-  </dgm:styleLbl>
-  <dgm:styleLbl name="asst0">
-    <dgm:fillClrLst meth="repeat">
-      <a:schemeClr val="accent1"/>
-    </dgm:fillClrLst>
-    <dgm:linClrLst meth="repeat">
-      <a:schemeClr val="lt1"/>
-    </dgm:linClrLst>
-    <dgm:effectClrLst/>
-    <dgm:txLinClrLst/>
-    <dgm:txFillClrLst/>
-    <dgm:txEffectClrLst/>
-  </dgm:styleLbl>
-  <dgm:styleLbl name="asst1">
-    <dgm:fillClrLst meth="repeat">
-      <a:schemeClr val="accent1"/>
-    </dgm:fillClrLst>
-    <dgm:linClrLst meth="repeat">
-      <a:schemeClr val="lt1"/>
-    </dgm:linClrLst>
-    <dgm:effectClrLst/>
-    <dgm:txLinClrLst/>
-    <dgm:txFillClrLst/>
-    <dgm:txEffectClrLst/>
-  </dgm:styleLbl>
-  <dgm:styleLbl name="asst2">
-    <dgm:fillClrLst meth="repeat">
-      <a:schemeClr val="accent1"/>
-    </dgm:fillClrLst>
-    <dgm:linClrLst meth="repeat">
-      <a:schemeClr val="lt1"/>
-    </dgm:linClrLst>
-    <dgm:effectClrLst/>
-    <dgm:txLinClrLst/>
-    <dgm:txFillClrLst/>
-    <dgm:txEffectClrLst/>
-  </dgm:styleLbl>
-  <dgm:styleLbl name="asst3">
-    <dgm:fillClrLst meth="repeat">
-      <a:schemeClr val="accent1"/>
-    </dgm:fillClrLst>
-    <dgm:linClrLst meth="repeat">
-      <a:schemeClr val="lt1"/>
-    </dgm:linClrLst>
-    <dgm:effectClrLst/>
-    <dgm:txLinClrLst/>
-    <dgm:txFillClrLst/>
-    <dgm:txEffectClrLst/>
-  </dgm:styleLbl>
-  <dgm:styleLbl name="asst4">
-    <dgm:fillClrLst meth="repeat">
-      <a:schemeClr val="accent1"/>
-    </dgm:fillClrLst>
-    <dgm:linClrLst meth="repeat">
-      <a:schemeClr val="lt1"/>
-    </dgm:linClrLst>
-    <dgm:effectClrLst/>
-    <dgm:txLinClrLst/>
-    <dgm:txFillClrLst/>
-    <dgm:txEffectClrLst/>
-  </dgm:styleLbl>
-  <dgm:styleLbl name="parChTrans2D1">
-    <dgm:fillClrLst meth="repeat">
-      <a:schemeClr val="accent1">
-        <a:tint val="60000"/>
-      </a:schemeClr>
-    </dgm:fillClrLst>
-    <dgm:linClrLst meth="repeat">
-      <a:schemeClr val="accent1">
-        <a:tint val="60000"/>
-      </a:schemeClr>
-    </dgm:linClrLst>
-    <dgm:effectClrLst/>
-    <dgm:txLinClrLst/>
-    <dgm:txFillClrLst meth="repeat">
-      <a:schemeClr val="lt1"/>
-    </dgm:txFillClrLst>
-    <dgm:txEffectClrLst/>
-  </dgm:styleLbl>
-  <dgm:styleLbl name="parChTrans2D2">
-    <dgm:fillClrLst meth="repeat">
-      <a:schemeClr val="accent1"/>
-    </dgm:fillClrLst>
-    <dgm:linClrLst meth="repeat">
-      <a:schemeClr val="accent1"/>
-    </dgm:linClrLst>
-    <dgm:effectClrLst/>
-    <dgm:txLinClrLst/>
-    <dgm:txFillClrLst meth="repeat">
-      <a:schemeClr val="lt1"/>
-    </dgm:txFillClrLst>
-    <dgm:txEffectClrLst/>
-  </dgm:styleLbl>
-  <dgm:styleLbl name="parChTrans2D3">
-    <dgm:fillClrLst meth="repeat">
-      <a:schemeClr val="accent1"/>
-    </dgm:fillClrLst>
-    <dgm:linClrLst meth="repeat">
-      <a:schemeClr val="accent1"/>
-    </dgm:linClrLst>
-    <dgm:effectClrLst/>
-    <dgm:txLinClrLst/>
-    <dgm:txFillClrLst meth="repeat">
-      <a:schemeClr val="lt1"/>
-    </dgm:txFillClrLst>
-    <dgm:txEffectClrLst/>
-  </dgm:styleLbl>
-  <dgm:styleLbl name="parChTrans2D4">
-    <dgm:fillClrLst meth="repeat">
-      <a:schemeClr val="accent1"/>
-    </dgm:fillClrLst>
-    <dgm:linClrLst meth="repeat">
-      <a:schemeClr val="accent1"/>
-    </dgm:linClrLst>
-    <dgm:effectClrLst/>
-    <dgm:txLinClrLst/>
-    <dgm:txFillClrLst meth="repeat">
-      <a:schemeClr val="lt1"/>
-    </dgm:txFillClrLst>
-    <dgm:txEffectClrLst/>
-  </dgm:styleLbl>
-  <dgm:styleLbl name="parChTrans1D1">
-    <dgm:fillClrLst meth="repeat">
-      <a:schemeClr val="accent1"/>
-    </dgm:fillClrLst>
-    <dgm:linClrLst meth="repeat">
-      <a:schemeClr val="accent1">
-        <a:shade val="60000"/>
-      </a:schemeClr>
-    </dgm:linClrLst>
-    <dgm:effectClrLst/>
-    <dgm:txLinClrLst/>
-    <dgm:txFillClrLst meth="repeat">
-      <a:schemeClr val="tx1"/>
-    </dgm:txFillClrLst>
-    <dgm:txEffectClrLst/>
-  </dgm:styleLbl>
-  <dgm:styleLbl name="parChTrans1D2">
-    <dgm:fillClrLst meth="repeat">
-      <a:schemeClr val="accent1"/>
-    </dgm:fillClrLst>
-    <dgm:linClrLst meth="repeat">
-      <a:schemeClr val="accent1">
-        <a:shade val="60000"/>
-      </a:schemeClr>
-    </dgm:linClrLst>
-    <dgm:effectClrLst/>
-    <dgm:txLinClrLst/>
-    <dgm:txFillClrLst meth="repeat">
-      <a:schemeClr val="tx1"/>
-    </dgm:txFillClrLst>
-    <dgm:txEffectClrLst/>
-  </dgm:styleLbl>
-  <dgm:styleLbl name="parChTrans1D3">
-    <dgm:fillClrLst meth="repeat">
-      <a:schemeClr val="accent1"/>
-    </dgm:fillClrLst>
-    <dgm:linClrLst meth="repeat">
-      <a:schemeClr val="accent1">
-        <a:shade val="80000"/>
-      </a:schemeClr>
-    </dgm:linClrLst>
-    <dgm:effectClrLst/>
-    <dgm:txLinClrLst/>
-    <dgm:txFillClrLst meth="repeat">
-      <a:schemeClr val="tx1"/>
-    </dgm:txFillClrLst>
-    <dgm:txEffectClrLst/>
-  </dgm:styleLbl>
-  <dgm:styleLbl name="parChTrans1D4">
-    <dgm:fillClrLst meth="repeat">
-      <a:schemeClr val="accent1"/>
-    </dgm:fillClrLst>
-    <dgm:linClrLst meth="repeat">
-      <a:schemeClr val="accent1">
-        <a:shade val="80000"/>
-      </a:schemeClr>
-    </dgm:linClrLst>
-    <dgm:effectClrLst/>
-    <dgm:txLinClrLst/>
-    <dgm:txFillClrLst meth="repeat">
-      <a:schemeClr val="tx1"/>
-    </dgm:txFillClrLst>
-    <dgm:txEffectClrLst/>
-  </dgm:styleLbl>
-  <dgm:styleLbl name="fgAcc1">
-    <dgm:fillClrLst meth="repeat">
-      <a:schemeClr val="lt1">
-        <a:alpha val="90000"/>
-      </a:schemeClr>
-    </dgm:fillClrLst>
-    <dgm:linClrLst meth="repeat">
-      <a:schemeClr val="accent1"/>
-    </dgm:linClrLst>
-    <dgm:effectClrLst/>
-    <dgm:txLinClrLst/>
-    <dgm:txFillClrLst meth="repeat">
-      <a:schemeClr val="dk1"/>
-    </dgm:txFillClrLst>
-    <dgm:txEffectClrLst/>
-  </dgm:styleLbl>
-  <dgm:styleLbl name="conFgAcc1">
-    <dgm:fillClrLst meth="repeat">
-      <a:schemeClr val="lt1">
-        <a:alpha val="90000"/>
-      </a:schemeClr>
-    </dgm:fillClrLst>
-    <dgm:linClrLst meth="repeat">
-      <a:schemeClr val="accent1"/>
-    </dgm:linClrLst>
-    <dgm:effectClrLst/>
-    <dgm:txLinClrLst/>
-    <dgm:txFillClrLst meth="repeat">
-      <a:schemeClr val="dk1"/>
-    </dgm:txFillClrLst>
-    <dgm:txEffectClrLst/>
-  </dgm:styleLbl>
-  <dgm:styleLbl name="alignAcc1">
-    <dgm:fillClrLst meth="repeat">
-      <a:schemeClr val="lt1">
-        <a:alpha val="90000"/>
-      </a:schemeClr>
-    </dgm:fillClrLst>
-    <dgm:linClrLst meth="repeat">
-      <a:schemeClr val="accent1"/>
-    </dgm:linClrLst>
-    <dgm:effectClrLst/>
-    <dgm:txLinClrLst/>
-    <dgm:txFillClrLst meth="repeat">
-      <a:schemeClr val="dk1"/>
-    </dgm:txFillClrLst>
-    <dgm:txEffectClrLst/>
-  </dgm:styleLbl>
-  <dgm:styleLbl name="trAlignAcc1">
-    <dgm:fillClrLst meth="repeat">
-      <a:schemeClr val="lt1">
-        <a:alpha val="40000"/>
-      </a:schemeClr>
-    </dgm:fillClrLst>
-    <dgm:linClrLst meth="repeat">
-      <a:schemeClr val="accent1"/>
-    </dgm:linClrLst>
-    <dgm:effectClrLst/>
-    <dgm:txLinClrLst/>
-    <dgm:txFillClrLst meth="repeat">
-      <a:schemeClr val="dk1"/>
-    </dgm:txFillClrLst>
-    <dgm:txEffectClrLst/>
-  </dgm:styleLbl>
-  <dgm:styleLbl name="bgAcc1">
-    <dgm:fillClrLst meth="repeat">
-      <a:schemeClr val="lt1">
-        <a:alpha val="90000"/>
-      </a:schemeClr>
-    </dgm:fillClrLst>
-    <dgm:linClrLst meth="repeat">
-      <a:schemeClr val="accent1"/>
-    </dgm:linClrLst>
-    <dgm:effectClrLst/>
-    <dgm:txLinClrLst/>
-    <dgm:txFillClrLst meth="repeat">
-      <a:schemeClr val="dk1"/>
-    </dgm:txFillClrLst>
-    <dgm:txEffectClrLst/>
-  </dgm:styleLbl>
-  <dgm:styleLbl name="solidFgAcc1">
-    <dgm:fillClrLst meth="repeat">
-      <a:schemeClr val="lt1"/>
-    </dgm:fillClrLst>
-    <dgm:linClrLst meth="repeat">
-      <a:schemeClr val="accent1"/>
-    </dgm:linClrLst>
-    <dgm:effectClrLst/>
-    <dgm:txLinClrLst/>
-    <dgm:txFillClrLst meth="repeat">
-      <a:schemeClr val="dk1"/>
-    </dgm:txFillClrLst>
-    <dgm:txEffectClrLst/>
-  </dgm:styleLbl>
-  <dgm:styleLbl name="solidAlignAcc1">
-    <dgm:fillClrLst meth="repeat">
-      <a:schemeClr val="lt1"/>
-    </dgm:fillClrLst>
-    <dgm:linClrLst meth="repeat">
-      <a:schemeClr val="accent1"/>
-    </dgm:linClrLst>
-    <dgm:effectClrLst/>
-    <dgm:txLinClrLst/>
-    <dgm:txFillClrLst meth="repeat">
-      <a:schemeClr val="dk1"/>
-    </dgm:txFillClrLst>
-    <dgm:txEffectClrLst/>
-  </dgm:styleLbl>
-  <dgm:styleLbl name="solidBgAcc1">
-    <dgm:fillClrLst meth="repeat">
-      <a:schemeClr val="lt1"/>
-    </dgm:fillClrLst>
-    <dgm:linClrLst meth="repeat">
-      <a:schemeClr val="accent1"/>
-    </dgm:linClrLst>
-    <dgm:effectClrLst/>
-    <dgm:txLinClrLst/>
-    <dgm:txFillClrLst meth="repeat">
-      <a:schemeClr val="dk1"/>
-    </dgm:txFillClrLst>
-    <dgm:txEffectClrLst/>
-  </dgm:styleLbl>
-  <dgm:styleLbl name="fgAccFollowNode1">
-    <dgm:fillClrLst meth="repeat">
-      <a:schemeClr val="accent1">
-        <a:alpha val="90000"/>
-        <a:tint val="40000"/>
-      </a:schemeClr>
-    </dgm:fillClrLst>
-    <dgm:linClrLst meth="repeat">
-      <a:schemeClr val="accent1">
-        <a:alpha val="90000"/>
-        <a:tint val="40000"/>
-      </a:schemeClr>
-    </dgm:linClrLst>
-    <dgm:effectClrLst/>
-    <dgm:txLinClrLst/>
-    <dgm:txFillClrLst meth="repeat">
-      <a:schemeClr val="dk1"/>
-    </dgm:txFillClrLst>
-    <dgm:txEffectClrLst/>
-  </dgm:styleLbl>
-  <dgm:styleLbl name="alignAccFollowNode1">
-    <dgm:fillClrLst meth="repeat">
-      <a:schemeClr val="accent1">
-        <a:alpha val="90000"/>
-        <a:tint val="40000"/>
-      </a:schemeClr>
-    </dgm:fillClrLst>
-    <dgm:linClrLst meth="repeat">
-      <a:schemeClr val="accent1">
-        <a:alpha val="90000"/>
-        <a:tint val="40000"/>
-      </a:schemeClr>
-    </dgm:linClrLst>
-    <dgm:effectClrLst/>
-    <dgm:txLinClrLst/>
-    <dgm:txFillClrLst meth="repeat">
-      <a:schemeClr val="dk1"/>
-    </dgm:txFillClrLst>
-    <dgm:txEffectClrLst/>
-  </dgm:styleLbl>
-  <dgm:styleLbl name="bgAccFollowNode1">
-    <dgm:fillClrLst meth="repeat">
-      <a:schemeClr val="accent1">
-        <a:alpha val="90000"/>
-        <a:tint val="40000"/>
-      </a:schemeClr>
-    </dgm:fillClrLst>
-    <dgm:linClrLst meth="repeat">
-      <a:schemeClr val="accent1">
-        <a:alpha val="90000"/>
-        <a:tint val="40000"/>
-      </a:schemeClr>
-    </dgm:linClrLst>
-    <dgm:effectClrLst/>
-    <dgm:txLinClrLst/>
-    <dgm:txFillClrLst meth="repeat">
-      <a:schemeClr val="dk1"/>
-    </dgm:txFillClrLst>
-    <dgm:txEffectClrLst/>
-  </dgm:styleLbl>
-  <dgm:styleLbl name="fgAcc0">
-    <dgm:fillClrLst meth="repeat">
-      <a:schemeClr val="lt1">
-        <a:alpha val="90000"/>
-      </a:schemeClr>
-    </dgm:fillClrLst>
-    <dgm:linClrLst meth="repeat">
-      <a:schemeClr val="accent1"/>
-    </dgm:linClrLst>
-    <dgm:effectClrLst/>
-    <dgm:txLinClrLst/>
-    <dgm:txFillClrLst meth="repeat">
-      <a:schemeClr val="dk1"/>
-    </dgm:txFillClrLst>
-    <dgm:txEffectClrLst/>
-  </dgm:styleLbl>
-  <dgm:styleLbl name="fgAcc2">
-    <dgm:fillClrLst meth="repeat">
-      <a:schemeClr val="lt1">
-        <a:alpha val="90000"/>
-      </a:schemeClr>
-    </dgm:fillClrLst>
-    <dgm:linClrLst meth="repeat">
-      <a:schemeClr val="accent1"/>
-    </dgm:linClrLst>
-    <dgm:effectClrLst/>
-    <dgm:txLinClrLst/>
-    <dgm:txFillClrLst meth="repeat">
-      <a:schemeClr val="dk1"/>
-    </dgm:txFillClrLst>
-    <dgm:txEffectClrLst/>
-  </dgm:styleLbl>
-  <dgm:styleLbl name="fgAcc3">
-    <dgm:fillClrLst meth="repeat">
-      <a:schemeClr val="lt1">
-        <a:alpha val="90000"/>
-      </a:schemeClr>
-    </dgm:fillClrLst>
-    <dgm:linClrLst meth="repeat">
-      <a:schemeClr val="accent1"/>
-    </dgm:linClrLst>
-    <dgm:effectClrLst/>
-    <dgm:txLinClrLst/>
-    <dgm:txFillClrLst meth="repeat">
-      <a:schemeClr val="dk1"/>
-    </dgm:txFillClrLst>
-    <dgm:txEffectClrLst/>
-  </dgm:styleLbl>
-  <dgm:styleLbl name="fgAcc4">
-    <dgm:fillClrLst meth="repeat">
-      <a:schemeClr val="lt1">
-        <a:alpha val="90000"/>
-      </a:schemeClr>
-    </dgm:fillClrLst>
-    <dgm:linClrLst meth="repeat">
-      <a:schemeClr val="accent1"/>
-    </dgm:linClrLst>
-    <dgm:effectClrLst/>
-    <dgm:txLinClrLst/>
-    <dgm:txFillClrLst meth="repeat">
-      <a:schemeClr val="dk1"/>
-    </dgm:txFillClrLst>
-    <dgm:txEffectClrLst/>
-  </dgm:styleLbl>
-  <dgm:styleLbl name="bgShp">
-    <dgm:fillClrLst meth="repeat">
-      <a:schemeClr val="accent1">
-        <a:tint val="40000"/>
-      </a:schemeClr>
-    </dgm:fillClrLst>
-    <dgm:linClrLst meth="repeat">
-      <a:schemeClr val="accent1"/>
-    </dgm:linClrLst>
-    <dgm:effectClrLst/>
-    <dgm:txLinClrLst/>
-    <dgm:txFillClrLst meth="repeat">
-      <a:schemeClr val="dk1"/>
-    </dgm:txFillClrLst>
-    <dgm:txEffectClrLst/>
-  </dgm:styleLbl>
-  <dgm:styleLbl name="dkBgShp">
-    <dgm:fillClrLst meth="repeat">
-      <a:schemeClr val="accent1">
-        <a:shade val="80000"/>
-      </a:schemeClr>
-    </dgm:fillClrLst>
-    <dgm:linClrLst meth="repeat">
-      <a:schemeClr val="accent1"/>
-    </dgm:linClrLst>
-    <dgm:effectClrLst/>
-    <dgm:txLinClrLst/>
-    <dgm:txFillClrLst meth="repeat">
-      <a:schemeClr val="lt1"/>
-    </dgm:txFillClrLst>
-    <dgm:txEffectClrLst/>
-  </dgm:styleLbl>
-  <dgm:styleLbl name="trBgShp">
-    <dgm:fillClrLst meth="repeat">
-      <a:schemeClr val="accent1">
-        <a:tint val="50000"/>
-        <a:alpha val="40000"/>
-      </a:schemeClr>
-    </dgm:fillClrLst>
-    <dgm:linClrLst meth="repeat">
-      <a:schemeClr val="accent1"/>
-    </dgm:linClrLst>
-    <dgm:effectClrLst/>
-    <dgm:txLinClrLst/>
-    <dgm:txFillClrLst meth="repeat">
-      <a:schemeClr val="lt1"/>
-    </dgm:txFillClrLst>
-    <dgm:txEffectClrLst/>
-  </dgm:styleLbl>
-  <dgm:styleLbl name="fgShp">
-    <dgm:fillClrLst meth="repeat">
-      <a:schemeClr val="accent1">
-        <a:tint val="60000"/>
-      </a:schemeClr>
-    </dgm:fillClrLst>
-    <dgm:linClrLst meth="repeat">
-      <a:schemeClr val="lt1"/>
-    </dgm:linClrLst>
-    <dgm:effectClrLst/>
-    <dgm:txLinClrLst/>
-    <dgm:txFillClrLst meth="repeat">
-      <a:schemeClr val="dk1"/>
-    </dgm:txFillClrLst>
-    <dgm:txEffectClrLst/>
-  </dgm:styleLbl>
-  <dgm:styleLbl name="revTx">
-    <dgm:fillClrLst meth="repeat">
-      <a:schemeClr val="lt1">
-        <a:alpha val="0"/>
-      </a:schemeClr>
-    </dgm:fillClrLst>
-    <dgm:linClrLst meth="repeat">
-      <a:schemeClr val="dk1">
-        <a:alpha val="0"/>
-      </a:schemeClr>
-    </dgm:linClrLst>
-    <dgm:effectClrLst/>
-    <dgm:txLinClrLst/>
-    <dgm:txFillClrLst meth="repeat">
-      <a:schemeClr val="tx1"/>
-    </dgm:txFillClrLst>
-    <dgm:txEffectClrLst/>
-  </dgm:styleLbl>
-</dgm:colorsDef>
-</file>
-
 <file path=ppt/diagrams/data1.xml><?xml version="1.0" encoding="utf-8"?>
 <dgm:dataModel xmlns:dgm="http://schemas.openxmlformats.org/drawingml/2006/diagram" xmlns:a="http://schemas.openxmlformats.org/drawingml/2006/main">
   <dgm:ptLst>
     <dgm:pt modelId="{81269538-BFC5-48BB-BEA1-D7AF1F385FD5}" type="doc">
       <dgm:prSet loTypeId="urn:microsoft.com/office/officeart/2005/8/layout/vList5" loCatId="list" qsTypeId="urn:microsoft.com/office/officeart/2005/8/quickstyle/simple1" qsCatId="simple" csTypeId="urn:microsoft.com/office/officeart/2005/8/colors/accent1_2" csCatId="accent1" phldr="1"/>
-      <dgm:spPr/>
-      <dgm:t>
-        <a:bodyPr/>
-        <a:lstStyle/>
-        <a:p>
-          <a:endParaRPr lang="en-US"/>
-        </a:p>
-      </dgm:t>
-    </dgm:pt>
-    <dgm:pt modelId="{0D51337A-31FA-4717-B2BF-9243F96D2B9B}">
-      <dgm:prSet phldrT="[Text]"/>
-      <dgm:spPr/>
-      <dgm:t>
-        <a:bodyPr/>
-        <a:lstStyle/>
-        <a:p>
-          <a:r>
-            <a:rPr lang="en-US" dirty="0">
-              <a:solidFill>
-                <a:schemeClr val="tx1"/>
-              </a:solidFill>
-              <a:latin typeface="Tahoma" panose="020B0604030504040204" pitchFamily="34" charset="0"/>
-              <a:ea typeface="Tahoma" panose="020B0604030504040204" pitchFamily="34" charset="0"/>
-              <a:cs typeface="Tahoma" panose="020B0604030504040204" pitchFamily="34" charset="0"/>
-            </a:rPr>
-            <a:t>What is the problem?</a:t>
-          </a:r>
-        </a:p>
-      </dgm:t>
-    </dgm:pt>
-    <dgm:pt modelId="{A9294D65-F371-46C8-A624-E557E9DF1A30}" type="parTrans" cxnId="{9E6BB655-7FE4-4F8D-B1D2-F885E60B8754}">
-      <dgm:prSet/>
-      <dgm:spPr/>
-      <dgm:t>
-        <a:bodyPr/>
-        <a:lstStyle/>
-        <a:p>
-          <a:endParaRPr lang="en-US"/>
-        </a:p>
-      </dgm:t>
-    </dgm:pt>
-    <dgm:pt modelId="{6799645E-F42F-43D8-B2EA-A1377D84D0B3}" type="sibTrans" cxnId="{9E6BB655-7FE4-4F8D-B1D2-F885E60B8754}">
-      <dgm:prSet/>
-      <dgm:spPr/>
-      <dgm:t>
-        <a:bodyPr/>
-        <a:lstStyle/>
-        <a:p>
-          <a:endParaRPr lang="en-US"/>
-        </a:p>
-      </dgm:t>
-    </dgm:pt>
-    <dgm:pt modelId="{E40970FA-9468-4353-8343-FE5E2BEBB8B0}">
-      <dgm:prSet phldrT="[Text]" custT="1"/>
-      <dgm:spPr/>
-      <dgm:t>
-        <a:bodyPr/>
-        <a:lstStyle/>
-        <a:p>
-          <a:r>
-            <a:rPr lang="en-US" sz="2400" dirty="0">
-              <a:latin typeface="Tahoma" panose="020B0604030504040204" pitchFamily="34" charset="0"/>
-              <a:ea typeface="Tahoma" panose="020B0604030504040204" pitchFamily="34" charset="0"/>
-              <a:cs typeface="Tahoma" panose="020B0604030504040204" pitchFamily="34" charset="0"/>
-            </a:rPr>
-            <a:t>[Text]</a:t>
-          </a:r>
-        </a:p>
-      </dgm:t>
-    </dgm:pt>
-    <dgm:pt modelId="{85FA6A33-9FA9-4134-A6A3-A5D4748A1779}" type="parTrans" cxnId="{A316347C-9D1A-43C6-BE2B-DC184440E1C9}">
-      <dgm:prSet/>
-      <dgm:spPr/>
-      <dgm:t>
-        <a:bodyPr/>
-        <a:lstStyle/>
-        <a:p>
-          <a:endParaRPr lang="en-US"/>
-        </a:p>
-      </dgm:t>
-    </dgm:pt>
-    <dgm:pt modelId="{04FF68DF-CF36-4D12-9ECE-A3519B0AC88A}" type="sibTrans" cxnId="{A316347C-9D1A-43C6-BE2B-DC184440E1C9}">
-      <dgm:prSet/>
-      <dgm:spPr/>
-      <dgm:t>
-        <a:bodyPr/>
-        <a:lstStyle/>
-        <a:p>
-          <a:endParaRPr lang="en-US"/>
-        </a:p>
-      </dgm:t>
-    </dgm:pt>
-    <dgm:pt modelId="{A7F7584C-6CC5-40A2-9566-2842A5DEA97A}">
-      <dgm:prSet phldrT="[Text]"/>
-      <dgm:spPr/>
-      <dgm:t>
-        <a:bodyPr/>
-        <a:lstStyle/>
-        <a:p>
-          <a:r>
-            <a:rPr lang="en-US" dirty="0">
-              <a:solidFill>
-                <a:schemeClr val="tx1"/>
-              </a:solidFill>
-              <a:latin typeface="Tahoma" panose="020B0604030504040204" pitchFamily="34" charset="0"/>
-              <a:ea typeface="Tahoma" panose="020B0604030504040204" pitchFamily="34" charset="0"/>
-              <a:cs typeface="Tahoma" panose="020B0604030504040204" pitchFamily="34" charset="0"/>
-            </a:rPr>
-            <a:t>Who has this problem?</a:t>
-          </a:r>
-        </a:p>
-      </dgm:t>
-    </dgm:pt>
-    <dgm:pt modelId="{581272CD-5908-4C17-8E9B-8BF6DCE43C3E}" type="parTrans" cxnId="{F68422C1-CD34-4DED-AA4B-85EFFF4FE933}">
-      <dgm:prSet/>
-      <dgm:spPr/>
-      <dgm:t>
-        <a:bodyPr/>
-        <a:lstStyle/>
-        <a:p>
-          <a:endParaRPr lang="en-US"/>
-        </a:p>
-      </dgm:t>
-    </dgm:pt>
-    <dgm:pt modelId="{C41ED6A4-512C-48AB-901D-671B73446005}" type="sibTrans" cxnId="{F68422C1-CD34-4DED-AA4B-85EFFF4FE933}">
-      <dgm:prSet/>
-      <dgm:spPr/>
-      <dgm:t>
-        <a:bodyPr/>
-        <a:lstStyle/>
-        <a:p>
-          <a:endParaRPr lang="en-US"/>
-        </a:p>
-      </dgm:t>
-    </dgm:pt>
-    <dgm:pt modelId="{9D8DAFB6-C744-4BD6-B757-393BF647EBB6}">
-      <dgm:prSet phldrT="[Text]" custT="1"/>
-      <dgm:spPr/>
-      <dgm:t>
-        <a:bodyPr/>
-        <a:lstStyle/>
-        <a:p>
-          <a:r>
-            <a:rPr lang="en-US" sz="2400" dirty="0">
-              <a:latin typeface="Tahoma" panose="020B0604030504040204" pitchFamily="34" charset="0"/>
-              <a:ea typeface="Tahoma" panose="020B0604030504040204" pitchFamily="34" charset="0"/>
-              <a:cs typeface="Tahoma" panose="020B0604030504040204" pitchFamily="34" charset="0"/>
-            </a:rPr>
-            <a:t>[Text]</a:t>
-          </a:r>
-        </a:p>
-      </dgm:t>
-    </dgm:pt>
-    <dgm:pt modelId="{17C1C47E-8D1A-404A-B227-B017391CB5F6}" type="parTrans" cxnId="{56052809-46E4-4445-B520-94004C28BB9D}">
-      <dgm:prSet/>
-      <dgm:spPr/>
-      <dgm:t>
-        <a:bodyPr/>
-        <a:lstStyle/>
-        <a:p>
-          <a:endParaRPr lang="en-US"/>
-        </a:p>
-      </dgm:t>
-    </dgm:pt>
-    <dgm:pt modelId="{C9B44773-68B1-427B-B9CA-0AEA186B621E}" type="sibTrans" cxnId="{56052809-46E4-4445-B520-94004C28BB9D}">
-      <dgm:prSet/>
       <dgm:spPr/>
       <dgm:t>
         <a:bodyPr/>
@@ -1818,7 +925,7 @@
               <a:ea typeface="Tahoma" panose="020B0604030504040204" pitchFamily="34" charset="0"/>
               <a:cs typeface="Tahoma" panose="020B0604030504040204" pitchFamily="34" charset="0"/>
             </a:rPr>
-            <a:t>Why should this problem be solved?</a:t>
+            <a:t>Knowledge Development</a:t>
           </a:r>
         </a:p>
       </dgm:t>
@@ -1858,7 +965,23 @@
               <a:ea typeface="Tahoma" panose="020B0604030504040204" pitchFamily="34" charset="0"/>
               <a:cs typeface="Tahoma" panose="020B0604030504040204" pitchFamily="34" charset="0"/>
             </a:rPr>
-            <a:t>[Text]</a:t>
+            <a:t>Use Teachers as Growth, Create New Horizons: </a:t>
+          </a:r>
+          <a:r>
+            <a:rPr lang="en-US" sz="2400" i="1" dirty="0">
+              <a:latin typeface="Tahoma" panose="020B0604030504040204" pitchFamily="34" charset="0"/>
+              <a:ea typeface="Tahoma" panose="020B0604030504040204" pitchFamily="34" charset="0"/>
+              <a:cs typeface="Tahoma" panose="020B0604030504040204" pitchFamily="34" charset="0"/>
+            </a:rPr>
+            <a:t>Constructivism in Computer Science Education</a:t>
+          </a:r>
+          <a:r>
+            <a:rPr lang="en-US" sz="2400" dirty="0">
+              <a:latin typeface="Tahoma" panose="020B0604030504040204" pitchFamily="34" charset="0"/>
+              <a:ea typeface="Tahoma" panose="020B0604030504040204" pitchFamily="34" charset="0"/>
+              <a:cs typeface="Tahoma" panose="020B0604030504040204" pitchFamily="34" charset="0"/>
+            </a:rPr>
+            <a:t>, Mordechai</a:t>
           </a:r>
         </a:p>
       </dgm:t>
@@ -1901,7 +1024,7 @@
               <a:ea typeface="Tahoma" panose="020B0604030504040204" pitchFamily="34" charset="0"/>
               <a:cs typeface="Tahoma" panose="020B0604030504040204" pitchFamily="34" charset="0"/>
             </a:rPr>
-            <a:t>How will I know this problem has been solved?</a:t>
+            <a:t>Confinement Problem</a:t>
           </a:r>
         </a:p>
       </dgm:t>
@@ -1941,7 +1064,23 @@
               <a:ea typeface="Tahoma" panose="020B0604030504040204" pitchFamily="34" charset="0"/>
               <a:cs typeface="Tahoma" panose="020B0604030504040204" pitchFamily="34" charset="0"/>
             </a:rPr>
-            <a:t>[Text]</a:t>
+            <a:t>Limitations of Executions outside Base Program: </a:t>
+          </a:r>
+          <a:r>
+            <a:rPr lang="en-US" sz="2400" i="1" dirty="0">
+              <a:latin typeface="Tahoma" panose="020B0604030504040204" pitchFamily="34" charset="0"/>
+              <a:ea typeface="Tahoma" panose="020B0604030504040204" pitchFamily="34" charset="0"/>
+              <a:cs typeface="Tahoma" panose="020B0604030504040204" pitchFamily="34" charset="0"/>
+            </a:rPr>
+            <a:t>A Note on the Confinement Problem</a:t>
+          </a:r>
+          <a:r>
+            <a:rPr lang="en-US" sz="2400" dirty="0">
+              <a:latin typeface="Tahoma" panose="020B0604030504040204" pitchFamily="34" charset="0"/>
+              <a:ea typeface="Tahoma" panose="020B0604030504040204" pitchFamily="34" charset="0"/>
+              <a:cs typeface="Tahoma" panose="020B0604030504040204" pitchFamily="34" charset="0"/>
+            </a:rPr>
+            <a:t>, Lampson</a:t>
           </a:r>
         </a:p>
       </dgm:t>
@@ -1978,62 +1117,12 @@
       </dgm:prSet>
       <dgm:spPr/>
     </dgm:pt>
-    <dgm:pt modelId="{BBAB8945-0B00-4547-92CF-AE59FDD0EF39}" type="pres">
-      <dgm:prSet presAssocID="{0D51337A-31FA-4717-B2BF-9243F96D2B9B}" presName="linNode" presStyleCnt="0"/>
-      <dgm:spPr/>
-    </dgm:pt>
-    <dgm:pt modelId="{3230722F-B757-4673-BD2F-9D4BAB5CEE8D}" type="pres">
-      <dgm:prSet presAssocID="{0D51337A-31FA-4717-B2BF-9243F96D2B9B}" presName="parentText" presStyleLbl="node1" presStyleIdx="0" presStyleCnt="4">
-        <dgm:presLayoutVars>
-          <dgm:chMax val="1"/>
-          <dgm:bulletEnabled val="1"/>
-        </dgm:presLayoutVars>
-      </dgm:prSet>
-      <dgm:spPr/>
-    </dgm:pt>
-    <dgm:pt modelId="{6FB9694A-6C63-4B23-90F6-4F208C00D399}" type="pres">
-      <dgm:prSet presAssocID="{0D51337A-31FA-4717-B2BF-9243F96D2B9B}" presName="descendantText" presStyleLbl="alignAccFollowNode1" presStyleIdx="0" presStyleCnt="4">
-        <dgm:presLayoutVars>
-          <dgm:bulletEnabled val="1"/>
-        </dgm:presLayoutVars>
-      </dgm:prSet>
-      <dgm:spPr/>
-    </dgm:pt>
-    <dgm:pt modelId="{3E4AEBB9-D07D-412D-A9F3-5F50CE85FF20}" type="pres">
-      <dgm:prSet presAssocID="{6799645E-F42F-43D8-B2EA-A1377D84D0B3}" presName="sp" presStyleCnt="0"/>
-      <dgm:spPr/>
-    </dgm:pt>
-    <dgm:pt modelId="{C60E4332-AB2E-4201-AF29-E3D9D2CE99DD}" type="pres">
-      <dgm:prSet presAssocID="{A7F7584C-6CC5-40A2-9566-2842A5DEA97A}" presName="linNode" presStyleCnt="0"/>
-      <dgm:spPr/>
-    </dgm:pt>
-    <dgm:pt modelId="{8A3FE5E4-2689-4041-B2C5-C63BC276A3EF}" type="pres">
-      <dgm:prSet presAssocID="{A7F7584C-6CC5-40A2-9566-2842A5DEA97A}" presName="parentText" presStyleLbl="node1" presStyleIdx="1" presStyleCnt="4">
-        <dgm:presLayoutVars>
-          <dgm:chMax val="1"/>
-          <dgm:bulletEnabled val="1"/>
-        </dgm:presLayoutVars>
-      </dgm:prSet>
-      <dgm:spPr/>
-    </dgm:pt>
-    <dgm:pt modelId="{329ECF1A-78BE-41CB-B252-8011825B67CD}" type="pres">
-      <dgm:prSet presAssocID="{A7F7584C-6CC5-40A2-9566-2842A5DEA97A}" presName="descendantText" presStyleLbl="alignAccFollowNode1" presStyleIdx="1" presStyleCnt="4">
-        <dgm:presLayoutVars>
-          <dgm:bulletEnabled val="1"/>
-        </dgm:presLayoutVars>
-      </dgm:prSet>
-      <dgm:spPr/>
-    </dgm:pt>
-    <dgm:pt modelId="{CF97419B-1653-4404-8A25-A4EB2811914A}" type="pres">
-      <dgm:prSet presAssocID="{C41ED6A4-512C-48AB-901D-671B73446005}" presName="sp" presStyleCnt="0"/>
-      <dgm:spPr/>
-    </dgm:pt>
     <dgm:pt modelId="{74B4E996-D144-43FA-9C7B-5183D295C315}" type="pres">
       <dgm:prSet presAssocID="{51A6936C-668E-4912-B1B4-BA2D45D3F624}" presName="linNode" presStyleCnt="0"/>
       <dgm:spPr/>
     </dgm:pt>
     <dgm:pt modelId="{1C763A21-352A-41D1-A2E2-E305DABA275D}" type="pres">
-      <dgm:prSet presAssocID="{51A6936C-668E-4912-B1B4-BA2D45D3F624}" presName="parentText" presStyleLbl="node1" presStyleIdx="2" presStyleCnt="4">
+      <dgm:prSet presAssocID="{51A6936C-668E-4912-B1B4-BA2D45D3F624}" presName="parentText" presStyleLbl="node1" presStyleIdx="0" presStyleCnt="2">
         <dgm:presLayoutVars>
           <dgm:chMax val="1"/>
           <dgm:bulletEnabled val="1"/>
@@ -2042,7 +1131,7 @@
       <dgm:spPr/>
     </dgm:pt>
     <dgm:pt modelId="{A66EBD3D-E7C5-421C-B8B5-728648057DDC}" type="pres">
-      <dgm:prSet presAssocID="{51A6936C-668E-4912-B1B4-BA2D45D3F624}" presName="descendantText" presStyleLbl="alignAccFollowNode1" presStyleIdx="2" presStyleCnt="4">
+      <dgm:prSet presAssocID="{51A6936C-668E-4912-B1B4-BA2D45D3F624}" presName="descendantText" presStyleLbl="alignAccFollowNode1" presStyleIdx="0" presStyleCnt="2">
         <dgm:presLayoutVars>
           <dgm:bulletEnabled val="1"/>
         </dgm:presLayoutVars>
@@ -2058,7 +1147,7 @@
       <dgm:spPr/>
     </dgm:pt>
     <dgm:pt modelId="{B9324B26-5FF5-4FF7-9073-66103CBE8481}" type="pres">
-      <dgm:prSet presAssocID="{928B5CB8-3545-4EE5-8BED-981D3C6157A5}" presName="parentText" presStyleLbl="node1" presStyleIdx="3" presStyleCnt="4">
+      <dgm:prSet presAssocID="{928B5CB8-3545-4EE5-8BED-981D3C6157A5}" presName="parentText" presStyleLbl="node1" presStyleIdx="1" presStyleCnt="2">
         <dgm:presLayoutVars>
           <dgm:chMax val="1"/>
           <dgm:bulletEnabled val="1"/>
@@ -2067,7 +1156,7 @@
       <dgm:spPr/>
     </dgm:pt>
     <dgm:pt modelId="{95E0557D-F0A1-4F38-8083-55DE7503164F}" type="pres">
-      <dgm:prSet presAssocID="{928B5CB8-3545-4EE5-8BED-981D3C6157A5}" presName="descendantText" presStyleLbl="alignAccFollowNode1" presStyleIdx="3" presStyleCnt="4">
+      <dgm:prSet presAssocID="{928B5CB8-3545-4EE5-8BED-981D3C6157A5}" presName="descendantText" presStyleLbl="alignAccFollowNode1" presStyleIdx="1" presStyleCnt="2">
         <dgm:presLayoutVars>
           <dgm:bulletEnabled val="1"/>
         </dgm:presLayoutVars>
@@ -2076,710 +1165,22 @@
     </dgm:pt>
   </dgm:ptLst>
   <dgm:cxnLst>
-    <dgm:cxn modelId="{56052809-46E4-4445-B520-94004C28BB9D}" srcId="{A7F7584C-6CC5-40A2-9566-2842A5DEA97A}" destId="{9D8DAFB6-C744-4BD6-B757-393BF647EBB6}" srcOrd="0" destOrd="0" parTransId="{17C1C47E-8D1A-404A-B227-B017391CB5F6}" sibTransId="{C9B44773-68B1-427B-B9CA-0AEA186B621E}"/>
-    <dgm:cxn modelId="{A38C1039-CB78-4EBF-844F-7A838983E228}" type="presOf" srcId="{A7F7584C-6CC5-40A2-9566-2842A5DEA97A}" destId="{8A3FE5E4-2689-4041-B2C5-C63BC276A3EF}" srcOrd="0" destOrd="0" presId="urn:microsoft.com/office/officeart/2005/8/layout/vList5"/>
     <dgm:cxn modelId="{764A7F40-FC93-4B5E-82E4-B29F920B2D30}" srcId="{928B5CB8-3545-4EE5-8BED-981D3C6157A5}" destId="{95A524E6-8A71-49A1-AF74-29696A02028A}" srcOrd="0" destOrd="0" parTransId="{52C86CAF-440B-4BB7-BD46-805908EC2D17}" sibTransId="{EE0C23C2-8A0C-497A-A914-ED60FDCA930F}"/>
     <dgm:cxn modelId="{1D59D94A-4BF7-417E-B49B-225C005839A9}" srcId="{51A6936C-668E-4912-B1B4-BA2D45D3F624}" destId="{2A9B6C90-9B70-4ED8-9084-8651413BB905}" srcOrd="0" destOrd="0" parTransId="{47C005B7-F5AA-4111-A87D-782B117A0259}" sibTransId="{54109FB3-0563-4B2C-BFF0-181E047427F8}"/>
-    <dgm:cxn modelId="{6DF17F4D-4120-4DE8-8738-503F2519CD40}" type="presOf" srcId="{9D8DAFB6-C744-4BD6-B757-393BF647EBB6}" destId="{329ECF1A-78BE-41CB-B252-8011825B67CD}" srcOrd="0" destOrd="0" presId="urn:microsoft.com/office/officeart/2005/8/layout/vList5"/>
     <dgm:cxn modelId="{D51B6075-27E4-4292-9F89-0CC50DF21ED9}" type="presOf" srcId="{51A6936C-668E-4912-B1B4-BA2D45D3F624}" destId="{1C763A21-352A-41D1-A2E2-E305DABA275D}" srcOrd="0" destOrd="0" presId="urn:microsoft.com/office/officeart/2005/8/layout/vList5"/>
-    <dgm:cxn modelId="{9E6BB655-7FE4-4F8D-B1D2-F885E60B8754}" srcId="{81269538-BFC5-48BB-BEA1-D7AF1F385FD5}" destId="{0D51337A-31FA-4717-B2BF-9243F96D2B9B}" srcOrd="0" destOrd="0" parTransId="{A9294D65-F371-46C8-A624-E557E9DF1A30}" sibTransId="{6799645E-F42F-43D8-B2EA-A1377D84D0B3}"/>
-    <dgm:cxn modelId="{085D3777-7996-4375-B5FB-BFD96D1BF9E4}" srcId="{81269538-BFC5-48BB-BEA1-D7AF1F385FD5}" destId="{928B5CB8-3545-4EE5-8BED-981D3C6157A5}" srcOrd="3" destOrd="0" parTransId="{8452F8D0-82FD-4609-B6BD-446E31563D8A}" sibTransId="{8EF545BA-8D8A-4813-A428-2F18D76E61FA}"/>
+    <dgm:cxn modelId="{085D3777-7996-4375-B5FB-BFD96D1BF9E4}" srcId="{81269538-BFC5-48BB-BEA1-D7AF1F385FD5}" destId="{928B5CB8-3545-4EE5-8BED-981D3C6157A5}" srcOrd="1" destOrd="0" parTransId="{8452F8D0-82FD-4609-B6BD-446E31563D8A}" sibTransId="{8EF545BA-8D8A-4813-A428-2F18D76E61FA}"/>
     <dgm:cxn modelId="{C65EFE7A-5430-4917-89D2-D70BAF0289E3}" type="presOf" srcId="{2A9B6C90-9B70-4ED8-9084-8651413BB905}" destId="{A66EBD3D-E7C5-421C-B8B5-728648057DDC}" srcOrd="0" destOrd="0" presId="urn:microsoft.com/office/officeart/2005/8/layout/vList5"/>
-    <dgm:cxn modelId="{A316347C-9D1A-43C6-BE2B-DC184440E1C9}" srcId="{0D51337A-31FA-4717-B2BF-9243F96D2B9B}" destId="{E40970FA-9468-4353-8343-FE5E2BEBB8B0}" srcOrd="0" destOrd="0" parTransId="{85FA6A33-9FA9-4134-A6A3-A5D4748A1779}" sibTransId="{04FF68DF-CF36-4D12-9ECE-A3519B0AC88A}"/>
     <dgm:cxn modelId="{53988784-A0E1-4D82-B36B-740DE83EB0C9}" type="presOf" srcId="{81269538-BFC5-48BB-BEA1-D7AF1F385FD5}" destId="{99FD7F24-5BB9-46E8-BB7C-4B477B73B815}" srcOrd="0" destOrd="0" presId="urn:microsoft.com/office/officeart/2005/8/layout/vList5"/>
-    <dgm:cxn modelId="{993E0796-DCBD-4EB2-9BAB-4437E125DA45}" type="presOf" srcId="{E40970FA-9468-4353-8343-FE5E2BEBB8B0}" destId="{6FB9694A-6C63-4B23-90F6-4F208C00D399}" srcOrd="0" destOrd="0" presId="urn:microsoft.com/office/officeart/2005/8/layout/vList5"/>
-    <dgm:cxn modelId="{000FE2BB-9FE6-4965-ADF5-E3E85B644286}" srcId="{81269538-BFC5-48BB-BEA1-D7AF1F385FD5}" destId="{51A6936C-668E-4912-B1B4-BA2D45D3F624}" srcOrd="2" destOrd="0" parTransId="{8F7D40F1-9723-47F5-BFD2-340696378D49}" sibTransId="{E68031D9-E3F9-439E-86FC-2A0A3A3988D0}"/>
-    <dgm:cxn modelId="{F68422C1-CD34-4DED-AA4B-85EFFF4FE933}" srcId="{81269538-BFC5-48BB-BEA1-D7AF1F385FD5}" destId="{A7F7584C-6CC5-40A2-9566-2842A5DEA97A}" srcOrd="1" destOrd="0" parTransId="{581272CD-5908-4C17-8E9B-8BF6DCE43C3E}" sibTransId="{C41ED6A4-512C-48AB-901D-671B73446005}"/>
-    <dgm:cxn modelId="{02B1C3C3-F2D2-4C80-8962-E0C9B39A6EF4}" type="presOf" srcId="{0D51337A-31FA-4717-B2BF-9243F96D2B9B}" destId="{3230722F-B757-4673-BD2F-9D4BAB5CEE8D}" srcOrd="0" destOrd="0" presId="urn:microsoft.com/office/officeart/2005/8/layout/vList5"/>
+    <dgm:cxn modelId="{000FE2BB-9FE6-4965-ADF5-E3E85B644286}" srcId="{81269538-BFC5-48BB-BEA1-D7AF1F385FD5}" destId="{51A6936C-668E-4912-B1B4-BA2D45D3F624}" srcOrd="0" destOrd="0" parTransId="{8F7D40F1-9723-47F5-BFD2-340696378D49}" sibTransId="{E68031D9-E3F9-439E-86FC-2A0A3A3988D0}"/>
     <dgm:cxn modelId="{A44DF6E5-2150-478D-AAB9-24BC6742BCEE}" type="presOf" srcId="{928B5CB8-3545-4EE5-8BED-981D3C6157A5}" destId="{B9324B26-5FF5-4FF7-9073-66103CBE8481}" srcOrd="0" destOrd="0" presId="urn:microsoft.com/office/officeart/2005/8/layout/vList5"/>
     <dgm:cxn modelId="{66EBA0EC-F77C-4ABE-8815-8C8F4F6ACAB5}" type="presOf" srcId="{95A524E6-8A71-49A1-AF74-29696A02028A}" destId="{95E0557D-F0A1-4F38-8083-55DE7503164F}" srcOrd="0" destOrd="0" presId="urn:microsoft.com/office/officeart/2005/8/layout/vList5"/>
-    <dgm:cxn modelId="{45435F90-22A5-4C03-B101-FD4577E8A794}" type="presParOf" srcId="{99FD7F24-5BB9-46E8-BB7C-4B477B73B815}" destId="{BBAB8945-0B00-4547-92CF-AE59FDD0EF39}" srcOrd="0" destOrd="0" presId="urn:microsoft.com/office/officeart/2005/8/layout/vList5"/>
-    <dgm:cxn modelId="{B399DCC2-FF40-4D75-A2A7-A495D4AF2387}" type="presParOf" srcId="{BBAB8945-0B00-4547-92CF-AE59FDD0EF39}" destId="{3230722F-B757-4673-BD2F-9D4BAB5CEE8D}" srcOrd="0" destOrd="0" presId="urn:microsoft.com/office/officeart/2005/8/layout/vList5"/>
-    <dgm:cxn modelId="{4A0749A4-83B7-4DF9-BA0E-5506B76F10A1}" type="presParOf" srcId="{BBAB8945-0B00-4547-92CF-AE59FDD0EF39}" destId="{6FB9694A-6C63-4B23-90F6-4F208C00D399}" srcOrd="1" destOrd="0" presId="urn:microsoft.com/office/officeart/2005/8/layout/vList5"/>
-    <dgm:cxn modelId="{26C2F444-58E5-4B3C-A169-EBC64ABE0EE9}" type="presParOf" srcId="{99FD7F24-5BB9-46E8-BB7C-4B477B73B815}" destId="{3E4AEBB9-D07D-412D-A9F3-5F50CE85FF20}" srcOrd="1" destOrd="0" presId="urn:microsoft.com/office/officeart/2005/8/layout/vList5"/>
-    <dgm:cxn modelId="{FB2D3183-70C6-44DD-875A-CC09A2C89FEB}" type="presParOf" srcId="{99FD7F24-5BB9-46E8-BB7C-4B477B73B815}" destId="{C60E4332-AB2E-4201-AF29-E3D9D2CE99DD}" srcOrd="2" destOrd="0" presId="urn:microsoft.com/office/officeart/2005/8/layout/vList5"/>
-    <dgm:cxn modelId="{B9D84324-BE5B-4514-8201-6B25BE814C19}" type="presParOf" srcId="{C60E4332-AB2E-4201-AF29-E3D9D2CE99DD}" destId="{8A3FE5E4-2689-4041-B2C5-C63BC276A3EF}" srcOrd="0" destOrd="0" presId="urn:microsoft.com/office/officeart/2005/8/layout/vList5"/>
-    <dgm:cxn modelId="{62F196CC-DD4E-41F1-95F6-0E80E18CA40A}" type="presParOf" srcId="{C60E4332-AB2E-4201-AF29-E3D9D2CE99DD}" destId="{329ECF1A-78BE-41CB-B252-8011825B67CD}" srcOrd="1" destOrd="0" presId="urn:microsoft.com/office/officeart/2005/8/layout/vList5"/>
-    <dgm:cxn modelId="{902C8576-A8E1-4C1E-B647-4F0EFC878EDE}" type="presParOf" srcId="{99FD7F24-5BB9-46E8-BB7C-4B477B73B815}" destId="{CF97419B-1653-4404-8A25-A4EB2811914A}" srcOrd="3" destOrd="0" presId="urn:microsoft.com/office/officeart/2005/8/layout/vList5"/>
-    <dgm:cxn modelId="{C0AE58B2-3BCF-4A17-9962-82AF5DB00A66}" type="presParOf" srcId="{99FD7F24-5BB9-46E8-BB7C-4B477B73B815}" destId="{74B4E996-D144-43FA-9C7B-5183D295C315}" srcOrd="4" destOrd="0" presId="urn:microsoft.com/office/officeart/2005/8/layout/vList5"/>
+    <dgm:cxn modelId="{C0AE58B2-3BCF-4A17-9962-82AF5DB00A66}" type="presParOf" srcId="{99FD7F24-5BB9-46E8-BB7C-4B477B73B815}" destId="{74B4E996-D144-43FA-9C7B-5183D295C315}" srcOrd="0" destOrd="0" presId="urn:microsoft.com/office/officeart/2005/8/layout/vList5"/>
     <dgm:cxn modelId="{CC23B1CA-2592-479D-988C-BB870D7E9EC9}" type="presParOf" srcId="{74B4E996-D144-43FA-9C7B-5183D295C315}" destId="{1C763A21-352A-41D1-A2E2-E305DABA275D}" srcOrd="0" destOrd="0" presId="urn:microsoft.com/office/officeart/2005/8/layout/vList5"/>
     <dgm:cxn modelId="{477107E6-023C-4B3F-96EF-D2D5DA516C5C}" type="presParOf" srcId="{74B4E996-D144-43FA-9C7B-5183D295C315}" destId="{A66EBD3D-E7C5-421C-B8B5-728648057DDC}" srcOrd="1" destOrd="0" presId="urn:microsoft.com/office/officeart/2005/8/layout/vList5"/>
-    <dgm:cxn modelId="{933347A6-BCAF-495A-96A7-208A97A1751A}" type="presParOf" srcId="{99FD7F24-5BB9-46E8-BB7C-4B477B73B815}" destId="{4D3735EA-64D5-44A4-9D60-787BDDA83D1A}" srcOrd="5" destOrd="0" presId="urn:microsoft.com/office/officeart/2005/8/layout/vList5"/>
-    <dgm:cxn modelId="{677D4939-AE22-4645-A75D-BD07DA38E78F}" type="presParOf" srcId="{99FD7F24-5BB9-46E8-BB7C-4B477B73B815}" destId="{120DCED0-01FF-429D-8B4B-923E0875F75E}" srcOrd="6" destOrd="0" presId="urn:microsoft.com/office/officeart/2005/8/layout/vList5"/>
+    <dgm:cxn modelId="{933347A6-BCAF-495A-96A7-208A97A1751A}" type="presParOf" srcId="{99FD7F24-5BB9-46E8-BB7C-4B477B73B815}" destId="{4D3735EA-64D5-44A4-9D60-787BDDA83D1A}" srcOrd="1" destOrd="0" presId="urn:microsoft.com/office/officeart/2005/8/layout/vList5"/>
+    <dgm:cxn modelId="{677D4939-AE22-4645-A75D-BD07DA38E78F}" type="presParOf" srcId="{99FD7F24-5BB9-46E8-BB7C-4B477B73B815}" destId="{120DCED0-01FF-429D-8B4B-923E0875F75E}" srcOrd="2" destOrd="0" presId="urn:microsoft.com/office/officeart/2005/8/layout/vList5"/>
     <dgm:cxn modelId="{AF6385C2-1319-4602-9D19-9A89E6EBF57F}" type="presParOf" srcId="{120DCED0-01FF-429D-8B4B-923E0875F75E}" destId="{B9324B26-5FF5-4FF7-9073-66103CBE8481}" srcOrd="0" destOrd="0" presId="urn:microsoft.com/office/officeart/2005/8/layout/vList5"/>
     <dgm:cxn modelId="{16466152-551A-417E-9EB3-4C0FC3867902}" type="presParOf" srcId="{120DCED0-01FF-429D-8B4B-923E0875F75E}" destId="{95E0557D-F0A1-4F38-8083-55DE7503164F}" srcOrd="1" destOrd="0" presId="urn:microsoft.com/office/officeart/2005/8/layout/vList5"/>
-  </dgm:cxnLst>
-  <dgm:bg/>
-  <dgm:whole/>
-  <dgm:extLst>
-    <a:ext uri="http://schemas.microsoft.com/office/drawing/2008/diagram">
-      <dsp:dataModelExt xmlns:dsp="http://schemas.microsoft.com/office/drawing/2008/diagram" relId="rId6" minVer="http://schemas.openxmlformats.org/drawingml/2006/diagram"/>
-    </a:ext>
-  </dgm:extLst>
-</dgm:dataModel>
-</file>
-
-<file path=ppt/diagrams/data2.xml><?xml version="1.0" encoding="utf-8"?>
-<dgm:dataModel xmlns:dgm="http://schemas.openxmlformats.org/drawingml/2006/diagram" xmlns:a="http://schemas.openxmlformats.org/drawingml/2006/main">
-  <dgm:ptLst>
-    <dgm:pt modelId="{CF9FC193-7A05-4631-B681-B56EAB543D38}" type="doc">
-      <dgm:prSet loTypeId="urn:microsoft.com/office/officeart/2005/8/layout/hList1" loCatId="list" qsTypeId="urn:microsoft.com/office/officeart/2005/8/quickstyle/simple1" qsCatId="simple" csTypeId="urn:microsoft.com/office/officeart/2005/8/colors/accent1_2" csCatId="accent1" phldr="1"/>
-      <dgm:spPr/>
-      <dgm:t>
-        <a:bodyPr/>
-        <a:lstStyle/>
-        <a:p>
-          <a:endParaRPr lang="en-US"/>
-        </a:p>
-      </dgm:t>
-    </dgm:pt>
-    <dgm:pt modelId="{6857B86A-DEC1-407C-A1BB-5BF9ACCBCA6A}">
-      <dgm:prSet phldrT="[Text]"/>
-      <dgm:spPr/>
-      <dgm:t>
-        <a:bodyPr/>
-        <a:lstStyle/>
-        <a:p>
-          <a:r>
-            <a:rPr lang="en-US" b="1" dirty="0">
-              <a:solidFill>
-                <a:schemeClr val="tx1"/>
-              </a:solidFill>
-              <a:latin typeface="Tahoma" panose="020B0604030504040204" pitchFamily="34" charset="0"/>
-              <a:ea typeface="Tahoma" panose="020B0604030504040204" pitchFamily="34" charset="0"/>
-              <a:cs typeface="Tahoma" panose="020B0604030504040204" pitchFamily="34" charset="0"/>
-            </a:rPr>
-            <a:t>Solution #1</a:t>
-          </a:r>
-        </a:p>
-      </dgm:t>
-    </dgm:pt>
-    <dgm:pt modelId="{8CA7BF9B-8199-4683-AD57-CB0086659013}" type="parTrans" cxnId="{B12F0503-977A-4B5D-8CB7-420B041FF863}">
-      <dgm:prSet/>
-      <dgm:spPr/>
-      <dgm:t>
-        <a:bodyPr/>
-        <a:lstStyle/>
-        <a:p>
-          <a:endParaRPr lang="en-US"/>
-        </a:p>
-      </dgm:t>
-    </dgm:pt>
-    <dgm:pt modelId="{F087F24E-A7D7-4DCE-B2A7-9B941289621A}" type="sibTrans" cxnId="{B12F0503-977A-4B5D-8CB7-420B041FF863}">
-      <dgm:prSet/>
-      <dgm:spPr/>
-      <dgm:t>
-        <a:bodyPr/>
-        <a:lstStyle/>
-        <a:p>
-          <a:endParaRPr lang="en-US"/>
-        </a:p>
-      </dgm:t>
-    </dgm:pt>
-    <dgm:pt modelId="{4C8BFA56-3F75-4CAD-90A3-2F214D699322}">
-      <dgm:prSet phldrT="[Text]"/>
-      <dgm:spPr/>
-      <dgm:t>
-        <a:bodyPr/>
-        <a:lstStyle/>
-        <a:p>
-          <a:pPr>
-            <a:buFont typeface="Wingdings" panose="05000000000000000000" pitchFamily="2" charset="2"/>
-            <a:buChar char=""/>
-          </a:pPr>
-          <a:r>
-            <a:rPr lang="en-US" dirty="0">
-              <a:latin typeface="Tahoma" panose="020B0604030504040204" pitchFamily="34" charset="0"/>
-              <a:ea typeface="Tahoma" panose="020B0604030504040204" pitchFamily="34" charset="0"/>
-              <a:cs typeface="Tahoma" panose="020B0604030504040204" pitchFamily="34" charset="0"/>
-            </a:rPr>
-            <a:t>What materials does this solution require?</a:t>
-          </a:r>
-        </a:p>
-      </dgm:t>
-    </dgm:pt>
-    <dgm:pt modelId="{9A6E3B20-A734-4412-84CF-0134D93D4B28}" type="parTrans" cxnId="{4CD5FCDD-1F8A-43A3-BD77-CBE3B3864C41}">
-      <dgm:prSet/>
-      <dgm:spPr/>
-      <dgm:t>
-        <a:bodyPr/>
-        <a:lstStyle/>
-        <a:p>
-          <a:endParaRPr lang="en-US"/>
-        </a:p>
-      </dgm:t>
-    </dgm:pt>
-    <dgm:pt modelId="{7B50916F-B8BA-427F-B9F0-A301E54D7FB3}" type="sibTrans" cxnId="{4CD5FCDD-1F8A-43A3-BD77-CBE3B3864C41}">
-      <dgm:prSet/>
-      <dgm:spPr/>
-      <dgm:t>
-        <a:bodyPr/>
-        <a:lstStyle/>
-        <a:p>
-          <a:endParaRPr lang="en-US"/>
-        </a:p>
-      </dgm:t>
-    </dgm:pt>
-    <dgm:pt modelId="{B6B39D33-D046-47BE-829F-7DE9C1355A93}">
-      <dgm:prSet phldrT="[Text]"/>
-      <dgm:spPr/>
-      <dgm:t>
-        <a:bodyPr/>
-        <a:lstStyle/>
-        <a:p>
-          <a:pPr>
-            <a:buFont typeface="Wingdings" panose="05000000000000000000" pitchFamily="2" charset="2"/>
-            <a:buChar char=""/>
-          </a:pPr>
-          <a:r>
-            <a:rPr lang="en-US" dirty="0">
-              <a:latin typeface="Tahoma" panose="020B0604030504040204" pitchFamily="34" charset="0"/>
-              <a:ea typeface="Tahoma" panose="020B0604030504040204" pitchFamily="34" charset="0"/>
-              <a:cs typeface="Tahoma" panose="020B0604030504040204" pitchFamily="34" charset="0"/>
-            </a:rPr>
-            <a:t>What would this solution look like (drawing, pictures, text)?</a:t>
-          </a:r>
-        </a:p>
-      </dgm:t>
-    </dgm:pt>
-    <dgm:pt modelId="{E15A7BCB-F8C9-469E-AAD5-364C09881B8A}" type="parTrans" cxnId="{877B3C1A-839E-4419-A916-B4E946768D4D}">
-      <dgm:prSet/>
-      <dgm:spPr/>
-      <dgm:t>
-        <a:bodyPr/>
-        <a:lstStyle/>
-        <a:p>
-          <a:endParaRPr lang="en-US"/>
-        </a:p>
-      </dgm:t>
-    </dgm:pt>
-    <dgm:pt modelId="{AC756B1C-E9B8-4AF1-AAAF-F8402FE8B80B}" type="sibTrans" cxnId="{877B3C1A-839E-4419-A916-B4E946768D4D}">
-      <dgm:prSet/>
-      <dgm:spPr/>
-      <dgm:t>
-        <a:bodyPr/>
-        <a:lstStyle/>
-        <a:p>
-          <a:endParaRPr lang="en-US"/>
-        </a:p>
-      </dgm:t>
-    </dgm:pt>
-    <dgm:pt modelId="{ABA77F75-8642-4931-8D7E-BE6C6DB9940D}">
-      <dgm:prSet phldrT="[Text]"/>
-      <dgm:spPr/>
-      <dgm:t>
-        <a:bodyPr/>
-        <a:lstStyle/>
-        <a:p>
-          <a:r>
-            <a:rPr lang="en-US" b="1" dirty="0">
-              <a:solidFill>
-                <a:schemeClr val="tx1"/>
-              </a:solidFill>
-              <a:latin typeface="Tahoma" panose="020B0604030504040204" pitchFamily="34" charset="0"/>
-              <a:ea typeface="Tahoma" panose="020B0604030504040204" pitchFamily="34" charset="0"/>
-              <a:cs typeface="Tahoma" panose="020B0604030504040204" pitchFamily="34" charset="0"/>
-            </a:rPr>
-            <a:t>Solution #2</a:t>
-          </a:r>
-        </a:p>
-      </dgm:t>
-    </dgm:pt>
-    <dgm:pt modelId="{FCF9AE1B-B22B-4F91-BFD8-DDBBF762F128}" type="parTrans" cxnId="{D959B3EA-A66A-4B40-901C-93ECD4985A93}">
-      <dgm:prSet/>
-      <dgm:spPr/>
-      <dgm:t>
-        <a:bodyPr/>
-        <a:lstStyle/>
-        <a:p>
-          <a:endParaRPr lang="en-US"/>
-        </a:p>
-      </dgm:t>
-    </dgm:pt>
-    <dgm:pt modelId="{1A095211-ADB0-42CA-9F24-F1BC942872F3}" type="sibTrans" cxnId="{D959B3EA-A66A-4B40-901C-93ECD4985A93}">
-      <dgm:prSet/>
-      <dgm:spPr/>
-      <dgm:t>
-        <a:bodyPr/>
-        <a:lstStyle/>
-        <a:p>
-          <a:endParaRPr lang="en-US"/>
-        </a:p>
-      </dgm:t>
-    </dgm:pt>
-    <dgm:pt modelId="{611C3B18-07F8-4A66-9682-97E24AEF6014}">
-      <dgm:prSet phldrT="[Text]"/>
-      <dgm:spPr/>
-      <dgm:t>
-        <a:bodyPr/>
-        <a:lstStyle/>
-        <a:p>
-          <a:pPr>
-            <a:buFont typeface="Wingdings" panose="05000000000000000000" pitchFamily="2" charset="2"/>
-            <a:buChar char=""/>
-          </a:pPr>
-          <a:r>
-            <a:rPr lang="en-US" dirty="0">
-              <a:latin typeface="Tahoma" panose="020B0604030504040204" pitchFamily="34" charset="0"/>
-              <a:ea typeface="Tahoma" panose="020B0604030504040204" pitchFamily="34" charset="0"/>
-              <a:cs typeface="Tahoma" panose="020B0604030504040204" pitchFamily="34" charset="0"/>
-            </a:rPr>
-            <a:t>What materials does this solution require?</a:t>
-          </a:r>
-        </a:p>
-      </dgm:t>
-    </dgm:pt>
-    <dgm:pt modelId="{5940BF2D-F08A-4150-9A86-173D9242DE8C}" type="parTrans" cxnId="{D5D61B4C-1312-427C-BDCC-013237D8A488}">
-      <dgm:prSet/>
-      <dgm:spPr/>
-      <dgm:t>
-        <a:bodyPr/>
-        <a:lstStyle/>
-        <a:p>
-          <a:endParaRPr lang="en-US"/>
-        </a:p>
-      </dgm:t>
-    </dgm:pt>
-    <dgm:pt modelId="{477660C6-2B6D-4FB8-B9A3-D555E2082C2A}" type="sibTrans" cxnId="{D5D61B4C-1312-427C-BDCC-013237D8A488}">
-      <dgm:prSet/>
-      <dgm:spPr/>
-      <dgm:t>
-        <a:bodyPr/>
-        <a:lstStyle/>
-        <a:p>
-          <a:endParaRPr lang="en-US"/>
-        </a:p>
-      </dgm:t>
-    </dgm:pt>
-    <dgm:pt modelId="{A84AA4D5-2E69-4308-B848-AF7C866DBA37}">
-      <dgm:prSet phldrT="[Text]"/>
-      <dgm:spPr/>
-      <dgm:t>
-        <a:bodyPr/>
-        <a:lstStyle/>
-        <a:p>
-          <a:pPr>
-            <a:buFont typeface="Wingdings" panose="05000000000000000000" pitchFamily="2" charset="2"/>
-            <a:buChar char=""/>
-          </a:pPr>
-          <a:r>
-            <a:rPr lang="en-US" dirty="0">
-              <a:latin typeface="Tahoma" panose="020B0604030504040204" pitchFamily="34" charset="0"/>
-              <a:ea typeface="Tahoma" panose="020B0604030504040204" pitchFamily="34" charset="0"/>
-              <a:cs typeface="Tahoma" panose="020B0604030504040204" pitchFamily="34" charset="0"/>
-            </a:rPr>
-            <a:t>What would this solution look like (drawing, pictures, text)?</a:t>
-          </a:r>
-        </a:p>
-      </dgm:t>
-    </dgm:pt>
-    <dgm:pt modelId="{5AA60D0F-7C99-4FA0-90CA-9CD92DBEF3B7}" type="parTrans" cxnId="{E785B928-0A23-43BA-9D0D-4355335BED79}">
-      <dgm:prSet/>
-      <dgm:spPr/>
-      <dgm:t>
-        <a:bodyPr/>
-        <a:lstStyle/>
-        <a:p>
-          <a:endParaRPr lang="en-US"/>
-        </a:p>
-      </dgm:t>
-    </dgm:pt>
-    <dgm:pt modelId="{195A1AC7-FDFE-47D0-B6D9-46AB9BA4736B}" type="sibTrans" cxnId="{E785B928-0A23-43BA-9D0D-4355335BED79}">
-      <dgm:prSet/>
-      <dgm:spPr/>
-      <dgm:t>
-        <a:bodyPr/>
-        <a:lstStyle/>
-        <a:p>
-          <a:endParaRPr lang="en-US"/>
-        </a:p>
-      </dgm:t>
-    </dgm:pt>
-    <dgm:pt modelId="{DA5DFAD8-E443-4F53-9341-A0903BBBD378}">
-      <dgm:prSet phldrT="[Text]"/>
-      <dgm:spPr/>
-      <dgm:t>
-        <a:bodyPr/>
-        <a:lstStyle/>
-        <a:p>
-          <a:r>
-            <a:rPr lang="en-US" b="1" dirty="0">
-              <a:solidFill>
-                <a:schemeClr val="tx1"/>
-              </a:solidFill>
-              <a:latin typeface="Tahoma" panose="020B0604030504040204" pitchFamily="34" charset="0"/>
-              <a:ea typeface="Tahoma" panose="020B0604030504040204" pitchFamily="34" charset="0"/>
-              <a:cs typeface="Tahoma" panose="020B0604030504040204" pitchFamily="34" charset="0"/>
-            </a:rPr>
-            <a:t>Solution #3</a:t>
-          </a:r>
-        </a:p>
-      </dgm:t>
-    </dgm:pt>
-    <dgm:pt modelId="{F6012B3B-01B0-4E7C-A363-0177B95D3DD8}" type="parTrans" cxnId="{0073D4C3-F488-4F79-B637-186FAECF6BAD}">
-      <dgm:prSet/>
-      <dgm:spPr/>
-      <dgm:t>
-        <a:bodyPr/>
-        <a:lstStyle/>
-        <a:p>
-          <a:endParaRPr lang="en-US"/>
-        </a:p>
-      </dgm:t>
-    </dgm:pt>
-    <dgm:pt modelId="{76D9F54E-47B3-4FE0-B465-AD673964072E}" type="sibTrans" cxnId="{0073D4C3-F488-4F79-B637-186FAECF6BAD}">
-      <dgm:prSet/>
-      <dgm:spPr/>
-      <dgm:t>
-        <a:bodyPr/>
-        <a:lstStyle/>
-        <a:p>
-          <a:endParaRPr lang="en-US"/>
-        </a:p>
-      </dgm:t>
-    </dgm:pt>
-    <dgm:pt modelId="{6EE89B4E-BAED-4A90-B29D-70AF11256801}">
-      <dgm:prSet phldrT="[Text]"/>
-      <dgm:spPr/>
-      <dgm:t>
-        <a:bodyPr/>
-        <a:lstStyle/>
-        <a:p>
-          <a:pPr>
-            <a:buFont typeface="Wingdings" panose="05000000000000000000" pitchFamily="2" charset="2"/>
-            <a:buChar char=""/>
-          </a:pPr>
-          <a:r>
-            <a:rPr lang="en-US" dirty="0">
-              <a:latin typeface="Tahoma" panose="020B0604030504040204" pitchFamily="34" charset="0"/>
-              <a:ea typeface="Tahoma" panose="020B0604030504040204" pitchFamily="34" charset="0"/>
-              <a:cs typeface="Tahoma" panose="020B0604030504040204" pitchFamily="34" charset="0"/>
-            </a:rPr>
-            <a:t>What materials does this solution require?</a:t>
-          </a:r>
-        </a:p>
-      </dgm:t>
-    </dgm:pt>
-    <dgm:pt modelId="{39BF20C7-31E5-452B-8EA2-17224A13C7FB}" type="parTrans" cxnId="{CA949A5F-9945-4C59-A233-D70AFFF70BDA}">
-      <dgm:prSet/>
-      <dgm:spPr/>
-      <dgm:t>
-        <a:bodyPr/>
-        <a:lstStyle/>
-        <a:p>
-          <a:endParaRPr lang="en-US"/>
-        </a:p>
-      </dgm:t>
-    </dgm:pt>
-    <dgm:pt modelId="{E71503C3-CFB7-4144-AD9F-7A42A87A3A6B}" type="sibTrans" cxnId="{CA949A5F-9945-4C59-A233-D70AFFF70BDA}">
-      <dgm:prSet/>
-      <dgm:spPr/>
-      <dgm:t>
-        <a:bodyPr/>
-        <a:lstStyle/>
-        <a:p>
-          <a:endParaRPr lang="en-US"/>
-        </a:p>
-      </dgm:t>
-    </dgm:pt>
-    <dgm:pt modelId="{4EA3F7C2-8BCE-45BE-A919-CBBB33285BD0}">
-      <dgm:prSet phldrT="[Text]"/>
-      <dgm:spPr/>
-      <dgm:t>
-        <a:bodyPr/>
-        <a:lstStyle/>
-        <a:p>
-          <a:pPr>
-            <a:buFont typeface="Wingdings" panose="05000000000000000000" pitchFamily="2" charset="2"/>
-            <a:buChar char=""/>
-          </a:pPr>
-          <a:r>
-            <a:rPr lang="en-US" dirty="0">
-              <a:latin typeface="Tahoma" panose="020B0604030504040204" pitchFamily="34" charset="0"/>
-              <a:ea typeface="Tahoma" panose="020B0604030504040204" pitchFamily="34" charset="0"/>
-              <a:cs typeface="Tahoma" panose="020B0604030504040204" pitchFamily="34" charset="0"/>
-            </a:rPr>
-            <a:t>What would this solution look like (drawing, pictures, text)?</a:t>
-          </a:r>
-        </a:p>
-      </dgm:t>
-    </dgm:pt>
-    <dgm:pt modelId="{E5A5DB8F-AE1A-4DCD-9400-C8317BA7D81B}" type="parTrans" cxnId="{496CC152-66F4-4FEB-99ED-C8BD1F8A40F9}">
-      <dgm:prSet/>
-      <dgm:spPr/>
-      <dgm:t>
-        <a:bodyPr/>
-        <a:lstStyle/>
-        <a:p>
-          <a:endParaRPr lang="en-US"/>
-        </a:p>
-      </dgm:t>
-    </dgm:pt>
-    <dgm:pt modelId="{BC932F0D-8B77-458E-AF60-BC2FDCBE0C75}" type="sibTrans" cxnId="{496CC152-66F4-4FEB-99ED-C8BD1F8A40F9}">
-      <dgm:prSet/>
-      <dgm:spPr/>
-      <dgm:t>
-        <a:bodyPr/>
-        <a:lstStyle/>
-        <a:p>
-          <a:endParaRPr lang="en-US"/>
-        </a:p>
-      </dgm:t>
-    </dgm:pt>
-    <dgm:pt modelId="{F82601E6-6FF6-41B5-BDEF-C0E73D0B30BE}">
-      <dgm:prSet phldrT="[Text]"/>
-      <dgm:spPr/>
-      <dgm:t>
-        <a:bodyPr/>
-        <a:lstStyle/>
-        <a:p>
-          <a:pPr>
-            <a:buFont typeface="Wingdings" panose="05000000000000000000" pitchFamily="2" charset="2"/>
-            <a:buChar char=""/>
-          </a:pPr>
-          <a:r>
-            <a:rPr lang="en-US" dirty="0">
-              <a:latin typeface="Tahoma" panose="020B0604030504040204" pitchFamily="34" charset="0"/>
-              <a:ea typeface="Tahoma" panose="020B0604030504040204" pitchFamily="34" charset="0"/>
-              <a:cs typeface="Tahoma" panose="020B0604030504040204" pitchFamily="34" charset="0"/>
-            </a:rPr>
-            <a:t>What are some barriers you might come across with this solution?</a:t>
-          </a:r>
-        </a:p>
-      </dgm:t>
-    </dgm:pt>
-    <dgm:pt modelId="{936C8FEA-0125-468F-AC7E-0D933F696D03}" type="parTrans" cxnId="{1FCB23E5-E983-4435-8A6F-78F13DE6D873}">
-      <dgm:prSet/>
-      <dgm:spPr/>
-      <dgm:t>
-        <a:bodyPr/>
-        <a:lstStyle/>
-        <a:p>
-          <a:endParaRPr lang="en-US"/>
-        </a:p>
-      </dgm:t>
-    </dgm:pt>
-    <dgm:pt modelId="{EAEC7697-68BC-4B26-A3B6-9BD23217CF44}" type="sibTrans" cxnId="{1FCB23E5-E983-4435-8A6F-78F13DE6D873}">
-      <dgm:prSet/>
-      <dgm:spPr/>
-      <dgm:t>
-        <a:bodyPr/>
-        <a:lstStyle/>
-        <a:p>
-          <a:endParaRPr lang="en-US"/>
-        </a:p>
-      </dgm:t>
-    </dgm:pt>
-    <dgm:pt modelId="{26ECA639-0A60-4D96-A34B-F5ACC75DAA0C}">
-      <dgm:prSet phldrT="[Text]"/>
-      <dgm:spPr/>
-      <dgm:t>
-        <a:bodyPr/>
-        <a:lstStyle/>
-        <a:p>
-          <a:pPr>
-            <a:buFont typeface="Wingdings" panose="05000000000000000000" pitchFamily="2" charset="2"/>
-            <a:buChar char=""/>
-          </a:pPr>
-          <a:r>
-            <a:rPr lang="en-US" dirty="0">
-              <a:latin typeface="Tahoma" panose="020B0604030504040204" pitchFamily="34" charset="0"/>
-              <a:ea typeface="Tahoma" panose="020B0604030504040204" pitchFamily="34" charset="0"/>
-              <a:cs typeface="Tahoma" panose="020B0604030504040204" pitchFamily="34" charset="0"/>
-            </a:rPr>
-            <a:t>What are some barriers you might come across with this solution?</a:t>
-          </a:r>
-        </a:p>
-      </dgm:t>
-    </dgm:pt>
-    <dgm:pt modelId="{C4856BF6-9736-45B2-AF8E-AA325F8A725C}" type="parTrans" cxnId="{F270B5BD-559B-4711-AB5A-FD85478BE916}">
-      <dgm:prSet/>
-      <dgm:spPr/>
-      <dgm:t>
-        <a:bodyPr/>
-        <a:lstStyle/>
-        <a:p>
-          <a:endParaRPr lang="en-US"/>
-        </a:p>
-      </dgm:t>
-    </dgm:pt>
-    <dgm:pt modelId="{DA3F4B23-A392-40BF-A1BD-D150AE345EB0}" type="sibTrans" cxnId="{F270B5BD-559B-4711-AB5A-FD85478BE916}">
-      <dgm:prSet/>
-      <dgm:spPr/>
-      <dgm:t>
-        <a:bodyPr/>
-        <a:lstStyle/>
-        <a:p>
-          <a:endParaRPr lang="en-US"/>
-        </a:p>
-      </dgm:t>
-    </dgm:pt>
-    <dgm:pt modelId="{388D911F-5131-4B95-8FCA-44355C31A787}">
-      <dgm:prSet phldrT="[Text]"/>
-      <dgm:spPr/>
-      <dgm:t>
-        <a:bodyPr/>
-        <a:lstStyle/>
-        <a:p>
-          <a:pPr>
-            <a:buFont typeface="Wingdings" panose="05000000000000000000" pitchFamily="2" charset="2"/>
-            <a:buChar char=""/>
-          </a:pPr>
-          <a:r>
-            <a:rPr lang="en-US" dirty="0">
-              <a:latin typeface="Tahoma" panose="020B0604030504040204" pitchFamily="34" charset="0"/>
-              <a:ea typeface="Tahoma" panose="020B0604030504040204" pitchFamily="34" charset="0"/>
-              <a:cs typeface="Tahoma" panose="020B0604030504040204" pitchFamily="34" charset="0"/>
-            </a:rPr>
-            <a:t>What are some barriers you might come across with this solution?</a:t>
-          </a:r>
-        </a:p>
-      </dgm:t>
-    </dgm:pt>
-    <dgm:pt modelId="{90DE3C42-B930-4A61-B78B-7BCFF7A9C3BC}" type="parTrans" cxnId="{64A00AFB-D909-4E4F-881C-95919A0EED97}">
-      <dgm:prSet/>
-      <dgm:spPr/>
-      <dgm:t>
-        <a:bodyPr/>
-        <a:lstStyle/>
-        <a:p>
-          <a:endParaRPr lang="en-US"/>
-        </a:p>
-      </dgm:t>
-    </dgm:pt>
-    <dgm:pt modelId="{6C88182B-48B6-413C-BAE8-817D076D6F78}" type="sibTrans" cxnId="{64A00AFB-D909-4E4F-881C-95919A0EED97}">
-      <dgm:prSet/>
-      <dgm:spPr/>
-      <dgm:t>
-        <a:bodyPr/>
-        <a:lstStyle/>
-        <a:p>
-          <a:endParaRPr lang="en-US"/>
-        </a:p>
-      </dgm:t>
-    </dgm:pt>
-    <dgm:pt modelId="{DE3F77CF-6A8C-4783-A2CE-00E88C4199CB}" type="pres">
-      <dgm:prSet presAssocID="{CF9FC193-7A05-4631-B681-B56EAB543D38}" presName="Name0" presStyleCnt="0">
-        <dgm:presLayoutVars>
-          <dgm:dir/>
-          <dgm:animLvl val="lvl"/>
-          <dgm:resizeHandles val="exact"/>
-        </dgm:presLayoutVars>
-      </dgm:prSet>
-      <dgm:spPr/>
-    </dgm:pt>
-    <dgm:pt modelId="{4E69B62D-7E76-4E06-9330-583771E53BDE}" type="pres">
-      <dgm:prSet presAssocID="{6857B86A-DEC1-407C-A1BB-5BF9ACCBCA6A}" presName="composite" presStyleCnt="0"/>
-      <dgm:spPr/>
-    </dgm:pt>
-    <dgm:pt modelId="{F0C1B2C7-0B23-4FE8-AB0F-5877B88532DB}" type="pres">
-      <dgm:prSet presAssocID="{6857B86A-DEC1-407C-A1BB-5BF9ACCBCA6A}" presName="parTx" presStyleLbl="alignNode1" presStyleIdx="0" presStyleCnt="3">
-        <dgm:presLayoutVars>
-          <dgm:chMax val="0"/>
-          <dgm:chPref val="0"/>
-          <dgm:bulletEnabled val="1"/>
-        </dgm:presLayoutVars>
-      </dgm:prSet>
-      <dgm:spPr/>
-    </dgm:pt>
-    <dgm:pt modelId="{17CA1487-CDD9-4364-92F6-A11DBDAFE16C}" type="pres">
-      <dgm:prSet presAssocID="{6857B86A-DEC1-407C-A1BB-5BF9ACCBCA6A}" presName="desTx" presStyleLbl="alignAccFollowNode1" presStyleIdx="0" presStyleCnt="3">
-        <dgm:presLayoutVars>
-          <dgm:bulletEnabled val="1"/>
-        </dgm:presLayoutVars>
-      </dgm:prSet>
-      <dgm:spPr/>
-    </dgm:pt>
-    <dgm:pt modelId="{3FA24A66-31D3-4A69-B628-8BE88627B97D}" type="pres">
-      <dgm:prSet presAssocID="{F087F24E-A7D7-4DCE-B2A7-9B941289621A}" presName="space" presStyleCnt="0"/>
-      <dgm:spPr/>
-    </dgm:pt>
-    <dgm:pt modelId="{3B158D6E-E3AA-49BB-988A-758B59ED8F3B}" type="pres">
-      <dgm:prSet presAssocID="{ABA77F75-8642-4931-8D7E-BE6C6DB9940D}" presName="composite" presStyleCnt="0"/>
-      <dgm:spPr/>
-    </dgm:pt>
-    <dgm:pt modelId="{055A5EAB-EAE0-4501-8649-31F112FF9AD5}" type="pres">
-      <dgm:prSet presAssocID="{ABA77F75-8642-4931-8D7E-BE6C6DB9940D}" presName="parTx" presStyleLbl="alignNode1" presStyleIdx="1" presStyleCnt="3">
-        <dgm:presLayoutVars>
-          <dgm:chMax val="0"/>
-          <dgm:chPref val="0"/>
-          <dgm:bulletEnabled val="1"/>
-        </dgm:presLayoutVars>
-      </dgm:prSet>
-      <dgm:spPr/>
-    </dgm:pt>
-    <dgm:pt modelId="{E4FD5043-5612-43C5-B6AE-CCD431549399}" type="pres">
-      <dgm:prSet presAssocID="{ABA77F75-8642-4931-8D7E-BE6C6DB9940D}" presName="desTx" presStyleLbl="alignAccFollowNode1" presStyleIdx="1" presStyleCnt="3">
-        <dgm:presLayoutVars>
-          <dgm:bulletEnabled val="1"/>
-        </dgm:presLayoutVars>
-      </dgm:prSet>
-      <dgm:spPr/>
-    </dgm:pt>
-    <dgm:pt modelId="{3E20F600-AFBC-427F-8295-F096F694BC17}" type="pres">
-      <dgm:prSet presAssocID="{1A095211-ADB0-42CA-9F24-F1BC942872F3}" presName="space" presStyleCnt="0"/>
-      <dgm:spPr/>
-    </dgm:pt>
-    <dgm:pt modelId="{173DA3A6-F783-42D4-9ED8-FD330979BCEA}" type="pres">
-      <dgm:prSet presAssocID="{DA5DFAD8-E443-4F53-9341-A0903BBBD378}" presName="composite" presStyleCnt="0"/>
-      <dgm:spPr/>
-    </dgm:pt>
-    <dgm:pt modelId="{23D06E36-F688-4B37-8BB8-73015E665B0E}" type="pres">
-      <dgm:prSet presAssocID="{DA5DFAD8-E443-4F53-9341-A0903BBBD378}" presName="parTx" presStyleLbl="alignNode1" presStyleIdx="2" presStyleCnt="3">
-        <dgm:presLayoutVars>
-          <dgm:chMax val="0"/>
-          <dgm:chPref val="0"/>
-          <dgm:bulletEnabled val="1"/>
-        </dgm:presLayoutVars>
-      </dgm:prSet>
-      <dgm:spPr/>
-    </dgm:pt>
-    <dgm:pt modelId="{EA81ED6A-A7EA-4137-A3DC-D16E79F1B938}" type="pres">
-      <dgm:prSet presAssocID="{DA5DFAD8-E443-4F53-9341-A0903BBBD378}" presName="desTx" presStyleLbl="alignAccFollowNode1" presStyleIdx="2" presStyleCnt="3">
-        <dgm:presLayoutVars>
-          <dgm:bulletEnabled val="1"/>
-        </dgm:presLayoutVars>
-      </dgm:prSet>
-      <dgm:spPr/>
-    </dgm:pt>
-  </dgm:ptLst>
-  <dgm:cxnLst>
-    <dgm:cxn modelId="{B12F0503-977A-4B5D-8CB7-420B041FF863}" srcId="{CF9FC193-7A05-4631-B681-B56EAB543D38}" destId="{6857B86A-DEC1-407C-A1BB-5BF9ACCBCA6A}" srcOrd="0" destOrd="0" parTransId="{8CA7BF9B-8199-4683-AD57-CB0086659013}" sibTransId="{F087F24E-A7D7-4DCE-B2A7-9B941289621A}"/>
-    <dgm:cxn modelId="{15558403-8721-4CBE-97C1-25F56F385AD1}" type="presOf" srcId="{A84AA4D5-2E69-4308-B848-AF7C866DBA37}" destId="{E4FD5043-5612-43C5-B6AE-CCD431549399}" srcOrd="0" destOrd="1" presId="urn:microsoft.com/office/officeart/2005/8/layout/hList1"/>
-    <dgm:cxn modelId="{877B3C1A-839E-4419-A916-B4E946768D4D}" srcId="{6857B86A-DEC1-407C-A1BB-5BF9ACCBCA6A}" destId="{B6B39D33-D046-47BE-829F-7DE9C1355A93}" srcOrd="1" destOrd="0" parTransId="{E15A7BCB-F8C9-469E-AAD5-364C09881B8A}" sibTransId="{AC756B1C-E9B8-4AF1-AAAF-F8402FE8B80B}"/>
-    <dgm:cxn modelId="{E785B928-0A23-43BA-9D0D-4355335BED79}" srcId="{ABA77F75-8642-4931-8D7E-BE6C6DB9940D}" destId="{A84AA4D5-2E69-4308-B848-AF7C866DBA37}" srcOrd="1" destOrd="0" parTransId="{5AA60D0F-7C99-4FA0-90CA-9CD92DBEF3B7}" sibTransId="{195A1AC7-FDFE-47D0-B6D9-46AB9BA4736B}"/>
-    <dgm:cxn modelId="{CA949A5F-9945-4C59-A233-D70AFFF70BDA}" srcId="{DA5DFAD8-E443-4F53-9341-A0903BBBD378}" destId="{6EE89B4E-BAED-4A90-B29D-70AF11256801}" srcOrd="0" destOrd="0" parTransId="{39BF20C7-31E5-452B-8EA2-17224A13C7FB}" sibTransId="{E71503C3-CFB7-4144-AD9F-7A42A87A3A6B}"/>
-    <dgm:cxn modelId="{052CD662-FA04-4C38-BDDB-2453E96D014D}" type="presOf" srcId="{B6B39D33-D046-47BE-829F-7DE9C1355A93}" destId="{17CA1487-CDD9-4364-92F6-A11DBDAFE16C}" srcOrd="0" destOrd="1" presId="urn:microsoft.com/office/officeart/2005/8/layout/hList1"/>
-    <dgm:cxn modelId="{D5D61B4C-1312-427C-BDCC-013237D8A488}" srcId="{ABA77F75-8642-4931-8D7E-BE6C6DB9940D}" destId="{611C3B18-07F8-4A66-9682-97E24AEF6014}" srcOrd="0" destOrd="0" parTransId="{5940BF2D-F08A-4150-9A86-173D9242DE8C}" sibTransId="{477660C6-2B6D-4FB8-B9A3-D555E2082C2A}"/>
-    <dgm:cxn modelId="{496CC152-66F4-4FEB-99ED-C8BD1F8A40F9}" srcId="{DA5DFAD8-E443-4F53-9341-A0903BBBD378}" destId="{4EA3F7C2-8BCE-45BE-A919-CBBB33285BD0}" srcOrd="1" destOrd="0" parTransId="{E5A5DB8F-AE1A-4DCD-9400-C8317BA7D81B}" sibTransId="{BC932F0D-8B77-458E-AF60-BC2FDCBE0C75}"/>
-    <dgm:cxn modelId="{A1C8977F-9410-43CB-98CB-34EEA3A0F02D}" type="presOf" srcId="{4EA3F7C2-8BCE-45BE-A919-CBBB33285BD0}" destId="{EA81ED6A-A7EA-4137-A3DC-D16E79F1B938}" srcOrd="0" destOrd="1" presId="urn:microsoft.com/office/officeart/2005/8/layout/hList1"/>
-    <dgm:cxn modelId="{AAECF784-8F1D-4908-B93D-837F49AB8751}" type="presOf" srcId="{CF9FC193-7A05-4631-B681-B56EAB543D38}" destId="{DE3F77CF-6A8C-4783-A2CE-00E88C4199CB}" srcOrd="0" destOrd="0" presId="urn:microsoft.com/office/officeart/2005/8/layout/hList1"/>
-    <dgm:cxn modelId="{2A048A8A-D3E9-4D78-97F5-CDA37AB1D412}" type="presOf" srcId="{DA5DFAD8-E443-4F53-9341-A0903BBBD378}" destId="{23D06E36-F688-4B37-8BB8-73015E665B0E}" srcOrd="0" destOrd="0" presId="urn:microsoft.com/office/officeart/2005/8/layout/hList1"/>
-    <dgm:cxn modelId="{4BF1EEA1-6E89-4F91-BAE8-11038685C515}" type="presOf" srcId="{4C8BFA56-3F75-4CAD-90A3-2F214D699322}" destId="{17CA1487-CDD9-4364-92F6-A11DBDAFE16C}" srcOrd="0" destOrd="0" presId="urn:microsoft.com/office/officeart/2005/8/layout/hList1"/>
-    <dgm:cxn modelId="{F791BDAD-3CBB-4228-AE46-C0CD336D9884}" type="presOf" srcId="{26ECA639-0A60-4D96-A34B-F5ACC75DAA0C}" destId="{E4FD5043-5612-43C5-B6AE-CCD431549399}" srcOrd="0" destOrd="2" presId="urn:microsoft.com/office/officeart/2005/8/layout/hList1"/>
-    <dgm:cxn modelId="{5F12E8B9-000C-441B-B9E7-99ED7A20363B}" type="presOf" srcId="{6857B86A-DEC1-407C-A1BB-5BF9ACCBCA6A}" destId="{F0C1B2C7-0B23-4FE8-AB0F-5877B88532DB}" srcOrd="0" destOrd="0" presId="urn:microsoft.com/office/officeart/2005/8/layout/hList1"/>
-    <dgm:cxn modelId="{F270B5BD-559B-4711-AB5A-FD85478BE916}" srcId="{ABA77F75-8642-4931-8D7E-BE6C6DB9940D}" destId="{26ECA639-0A60-4D96-A34B-F5ACC75DAA0C}" srcOrd="2" destOrd="0" parTransId="{C4856BF6-9736-45B2-AF8E-AA325F8A725C}" sibTransId="{DA3F4B23-A392-40BF-A1BD-D150AE345EB0}"/>
-    <dgm:cxn modelId="{0073D4C3-F488-4F79-B637-186FAECF6BAD}" srcId="{CF9FC193-7A05-4631-B681-B56EAB543D38}" destId="{DA5DFAD8-E443-4F53-9341-A0903BBBD378}" srcOrd="2" destOrd="0" parTransId="{F6012B3B-01B0-4E7C-A363-0177B95D3DD8}" sibTransId="{76D9F54E-47B3-4FE0-B465-AD673964072E}"/>
-    <dgm:cxn modelId="{AE6FB6CA-9639-462E-96F4-59A30B62D0EB}" type="presOf" srcId="{F82601E6-6FF6-41B5-BDEF-C0E73D0B30BE}" destId="{17CA1487-CDD9-4364-92F6-A11DBDAFE16C}" srcOrd="0" destOrd="2" presId="urn:microsoft.com/office/officeart/2005/8/layout/hList1"/>
-    <dgm:cxn modelId="{4E21C5D3-FA97-4E62-8CC9-01B68E76021E}" type="presOf" srcId="{ABA77F75-8642-4931-8D7E-BE6C6DB9940D}" destId="{055A5EAB-EAE0-4501-8649-31F112FF9AD5}" srcOrd="0" destOrd="0" presId="urn:microsoft.com/office/officeart/2005/8/layout/hList1"/>
-    <dgm:cxn modelId="{4CD5FCDD-1F8A-43A3-BD77-CBE3B3864C41}" srcId="{6857B86A-DEC1-407C-A1BB-5BF9ACCBCA6A}" destId="{4C8BFA56-3F75-4CAD-90A3-2F214D699322}" srcOrd="0" destOrd="0" parTransId="{9A6E3B20-A734-4412-84CF-0134D93D4B28}" sibTransId="{7B50916F-B8BA-427F-B9F0-A301E54D7FB3}"/>
-    <dgm:cxn modelId="{F6983BDE-0D2B-4BD0-8BD5-4647B42A264E}" type="presOf" srcId="{388D911F-5131-4B95-8FCA-44355C31A787}" destId="{EA81ED6A-A7EA-4137-A3DC-D16E79F1B938}" srcOrd="0" destOrd="2" presId="urn:microsoft.com/office/officeart/2005/8/layout/hList1"/>
-    <dgm:cxn modelId="{1FCB23E5-E983-4435-8A6F-78F13DE6D873}" srcId="{6857B86A-DEC1-407C-A1BB-5BF9ACCBCA6A}" destId="{F82601E6-6FF6-41B5-BDEF-C0E73D0B30BE}" srcOrd="2" destOrd="0" parTransId="{936C8FEA-0125-468F-AC7E-0D933F696D03}" sibTransId="{EAEC7697-68BC-4B26-A3B6-9BD23217CF44}"/>
-    <dgm:cxn modelId="{58D887E9-04DA-4285-827F-DA6F12BD080E}" type="presOf" srcId="{611C3B18-07F8-4A66-9682-97E24AEF6014}" destId="{E4FD5043-5612-43C5-B6AE-CCD431549399}" srcOrd="0" destOrd="0" presId="urn:microsoft.com/office/officeart/2005/8/layout/hList1"/>
-    <dgm:cxn modelId="{D959B3EA-A66A-4B40-901C-93ECD4985A93}" srcId="{CF9FC193-7A05-4631-B681-B56EAB543D38}" destId="{ABA77F75-8642-4931-8D7E-BE6C6DB9940D}" srcOrd="1" destOrd="0" parTransId="{FCF9AE1B-B22B-4F91-BFD8-DDBBF762F128}" sibTransId="{1A095211-ADB0-42CA-9F24-F1BC942872F3}"/>
-    <dgm:cxn modelId="{64A00AFB-D909-4E4F-881C-95919A0EED97}" srcId="{DA5DFAD8-E443-4F53-9341-A0903BBBD378}" destId="{388D911F-5131-4B95-8FCA-44355C31A787}" srcOrd="2" destOrd="0" parTransId="{90DE3C42-B930-4A61-B78B-7BCFF7A9C3BC}" sibTransId="{6C88182B-48B6-413C-BAE8-817D076D6F78}"/>
-    <dgm:cxn modelId="{765D4AFC-C3A4-4F8B-A000-988DC6C44800}" type="presOf" srcId="{6EE89B4E-BAED-4A90-B29D-70AF11256801}" destId="{EA81ED6A-A7EA-4137-A3DC-D16E79F1B938}" srcOrd="0" destOrd="0" presId="urn:microsoft.com/office/officeart/2005/8/layout/hList1"/>
-    <dgm:cxn modelId="{1F4D79B9-0A03-4486-BB92-D4BA991ED70D}" type="presParOf" srcId="{DE3F77CF-6A8C-4783-A2CE-00E88C4199CB}" destId="{4E69B62D-7E76-4E06-9330-583771E53BDE}" srcOrd="0" destOrd="0" presId="urn:microsoft.com/office/officeart/2005/8/layout/hList1"/>
-    <dgm:cxn modelId="{EFFE150E-7CB3-4A38-AC57-820444F8E7BA}" type="presParOf" srcId="{4E69B62D-7E76-4E06-9330-583771E53BDE}" destId="{F0C1B2C7-0B23-4FE8-AB0F-5877B88532DB}" srcOrd="0" destOrd="0" presId="urn:microsoft.com/office/officeart/2005/8/layout/hList1"/>
-    <dgm:cxn modelId="{332F5817-5A55-4FC1-BA35-DBB23A0AD13C}" type="presParOf" srcId="{4E69B62D-7E76-4E06-9330-583771E53BDE}" destId="{17CA1487-CDD9-4364-92F6-A11DBDAFE16C}" srcOrd="1" destOrd="0" presId="urn:microsoft.com/office/officeart/2005/8/layout/hList1"/>
-    <dgm:cxn modelId="{697E9D8E-F51C-4123-B62B-291815C4E7C1}" type="presParOf" srcId="{DE3F77CF-6A8C-4783-A2CE-00E88C4199CB}" destId="{3FA24A66-31D3-4A69-B628-8BE88627B97D}" srcOrd="1" destOrd="0" presId="urn:microsoft.com/office/officeart/2005/8/layout/hList1"/>
-    <dgm:cxn modelId="{A09CCE6C-77C7-4B5A-B9DA-7E705F8B286E}" type="presParOf" srcId="{DE3F77CF-6A8C-4783-A2CE-00E88C4199CB}" destId="{3B158D6E-E3AA-49BB-988A-758B59ED8F3B}" srcOrd="2" destOrd="0" presId="urn:microsoft.com/office/officeart/2005/8/layout/hList1"/>
-    <dgm:cxn modelId="{817F5423-5421-4F7E-968E-B3D3A624058B}" type="presParOf" srcId="{3B158D6E-E3AA-49BB-988A-758B59ED8F3B}" destId="{055A5EAB-EAE0-4501-8649-31F112FF9AD5}" srcOrd="0" destOrd="0" presId="urn:microsoft.com/office/officeart/2005/8/layout/hList1"/>
-    <dgm:cxn modelId="{63113D3E-83F3-4A52-BAD6-246138FEC15C}" type="presParOf" srcId="{3B158D6E-E3AA-49BB-988A-758B59ED8F3B}" destId="{E4FD5043-5612-43C5-B6AE-CCD431549399}" srcOrd="1" destOrd="0" presId="urn:microsoft.com/office/officeart/2005/8/layout/hList1"/>
-    <dgm:cxn modelId="{6DF49720-E4F0-4625-B768-1FADCBFE92E0}" type="presParOf" srcId="{DE3F77CF-6A8C-4783-A2CE-00E88C4199CB}" destId="{3E20F600-AFBC-427F-8295-F096F694BC17}" srcOrd="3" destOrd="0" presId="urn:microsoft.com/office/officeart/2005/8/layout/hList1"/>
-    <dgm:cxn modelId="{C0F7FF12-72ED-4C65-8A42-67FCEE3903CF}" type="presParOf" srcId="{DE3F77CF-6A8C-4783-A2CE-00E88C4199CB}" destId="{173DA3A6-F783-42D4-9ED8-FD330979BCEA}" srcOrd="4" destOrd="0" presId="urn:microsoft.com/office/officeart/2005/8/layout/hList1"/>
-    <dgm:cxn modelId="{67AEDA95-4E81-49EB-9136-C42824BC288A}" type="presParOf" srcId="{173DA3A6-F783-42D4-9ED8-FD330979BCEA}" destId="{23D06E36-F688-4B37-8BB8-73015E665B0E}" srcOrd="0" destOrd="0" presId="urn:microsoft.com/office/officeart/2005/8/layout/hList1"/>
-    <dgm:cxn modelId="{190091E1-69E5-482F-89E9-B5A6338D6BCD}" type="presParOf" srcId="{173DA3A6-F783-42D4-9ED8-FD330979BCEA}" destId="{EA81ED6A-A7EA-4137-A3DC-D16E79F1B938}" srcOrd="1" destOrd="0" presId="urn:microsoft.com/office/officeart/2005/8/layout/hList1"/>
   </dgm:cxnLst>
   <dgm:bg/>
   <dgm:whole/>
@@ -2799,15 +1200,15 @@
       <dsp:cNvGrpSpPr/>
     </dsp:nvGrpSpPr>
     <dsp:grpSpPr/>
-    <dsp:sp modelId="{6FB9694A-6C63-4B23-90F6-4F208C00D399}">
+    <dsp:sp modelId="{A66EBD3D-E7C5-421C-B8B5-728648057DDC}">
       <dsp:nvSpPr>
         <dsp:cNvPr id="0" name=""/>
         <dsp:cNvSpPr/>
       </dsp:nvSpPr>
       <dsp:spPr>
         <a:xfrm rot="5400000">
-          <a:off x="6395051" y="-2741862"/>
-          <a:ext cx="682056" cy="6339840"/>
+          <a:off x="6045031" y="-2306065"/>
+          <a:ext cx="1382097" cy="6339840"/>
         </a:xfrm>
         <a:prstGeom prst="round2SameRect">
           <a:avLst/>
@@ -2873,24 +1274,40 @@
               <a:ea typeface="Tahoma" panose="020B0604030504040204" pitchFamily="34" charset="0"/>
               <a:cs typeface="Tahoma" panose="020B0604030504040204" pitchFamily="34" charset="0"/>
             </a:rPr>
-            <a:t>[Text]</a:t>
+            <a:t>Use Teachers as Growth, Create New Horizons: </a:t>
+          </a:r>
+          <a:r>
+            <a:rPr lang="en-US" sz="2400" i="1" kern="1200" dirty="0">
+              <a:latin typeface="Tahoma" panose="020B0604030504040204" pitchFamily="34" charset="0"/>
+              <a:ea typeface="Tahoma" panose="020B0604030504040204" pitchFamily="34" charset="0"/>
+              <a:cs typeface="Tahoma" panose="020B0604030504040204" pitchFamily="34" charset="0"/>
+            </a:rPr>
+            <a:t>Constructivism in Computer Science Education</a:t>
+          </a:r>
+          <a:r>
+            <a:rPr lang="en-US" sz="2400" kern="1200" dirty="0">
+              <a:latin typeface="Tahoma" panose="020B0604030504040204" pitchFamily="34" charset="0"/>
+              <a:ea typeface="Tahoma" panose="020B0604030504040204" pitchFamily="34" charset="0"/>
+              <a:cs typeface="Tahoma" panose="020B0604030504040204" pitchFamily="34" charset="0"/>
+            </a:rPr>
+            <a:t>, Mordechai</a:t>
           </a:r>
         </a:p>
       </dsp:txBody>
       <dsp:txXfrm rot="-5400000">
-        <a:off x="3566160" y="120324"/>
-        <a:ext cx="6306545" cy="615466"/>
+        <a:off x="3566160" y="240274"/>
+        <a:ext cx="6272372" cy="1247161"/>
       </dsp:txXfrm>
     </dsp:sp>
-    <dsp:sp modelId="{3230722F-B757-4673-BD2F-9D4BAB5CEE8D}">
+    <dsp:sp modelId="{1C763A21-352A-41D1-A2E2-E305DABA275D}">
       <dsp:nvSpPr>
         <dsp:cNvPr id="0" name=""/>
         <dsp:cNvSpPr/>
       </dsp:nvSpPr>
       <dsp:spPr>
         <a:xfrm>
-          <a:off x="0" y="1772"/>
-          <a:ext cx="3566160" cy="852570"/>
+          <a:off x="0" y="43"/>
+          <a:ext cx="3566160" cy="1727622"/>
         </a:xfrm>
         <a:prstGeom prst="roundRect">
           <a:avLst/>
@@ -2931,12 +1348,12 @@
         </a:fontRef>
       </dsp:style>
       <dsp:txBody>
-        <a:bodyPr spcFirstLastPara="0" vert="horz" wrap="square" lIns="83820" tIns="41910" rIns="83820" bIns="41910" numCol="1" spcCol="1270" anchor="ctr" anchorCtr="0">
+        <a:bodyPr spcFirstLastPara="0" vert="horz" wrap="square" lIns="148590" tIns="74295" rIns="148590" bIns="74295" numCol="1" spcCol="1270" anchor="ctr" anchorCtr="0">
           <a:noAutofit/>
         </a:bodyPr>
         <a:lstStyle/>
         <a:p>
-          <a:pPr marL="0" lvl="0" indent="0" algn="ctr" defTabSz="977900">
+          <a:pPr marL="0" lvl="0" indent="0" algn="ctr" defTabSz="1733550">
             <a:lnSpc>
               <a:spcPct val="90000"/>
             </a:lnSpc>
@@ -2949,7 +1366,7 @@
             <a:buNone/>
           </a:pPr>
           <a:r>
-            <a:rPr lang="en-US" sz="2200" kern="1200" dirty="0">
+            <a:rPr lang="en-US" sz="3900" kern="1200" dirty="0">
               <a:solidFill>
                 <a:schemeClr val="tx1"/>
               </a:solidFill>
@@ -2957,24 +1374,24 @@
               <a:ea typeface="Tahoma" panose="020B0604030504040204" pitchFamily="34" charset="0"/>
               <a:cs typeface="Tahoma" panose="020B0604030504040204" pitchFamily="34" charset="0"/>
             </a:rPr>
-            <a:t>What is the problem?</a:t>
+            <a:t>Knowledge Development</a:t>
           </a:r>
         </a:p>
       </dsp:txBody>
       <dsp:txXfrm>
-        <a:off x="41619" y="43391"/>
-        <a:ext cx="3482922" cy="769332"/>
+        <a:off x="84336" y="84379"/>
+        <a:ext cx="3397488" cy="1558950"/>
       </dsp:txXfrm>
     </dsp:sp>
-    <dsp:sp modelId="{329ECF1A-78BE-41CB-B252-8011825B67CD}">
+    <dsp:sp modelId="{95E0557D-F0A1-4F38-8083-55DE7503164F}">
       <dsp:nvSpPr>
         <dsp:cNvPr id="0" name=""/>
         <dsp:cNvSpPr/>
       </dsp:nvSpPr>
       <dsp:spPr>
         <a:xfrm rot="5400000">
-          <a:off x="6395051" y="-1846663"/>
-          <a:ext cx="682056" cy="6339840"/>
+          <a:off x="6045031" y="-492062"/>
+          <a:ext cx="1382097" cy="6339840"/>
         </a:xfrm>
         <a:prstGeom prst="round2SameRect">
           <a:avLst/>
@@ -3040,24 +1457,40 @@
               <a:ea typeface="Tahoma" panose="020B0604030504040204" pitchFamily="34" charset="0"/>
               <a:cs typeface="Tahoma" panose="020B0604030504040204" pitchFamily="34" charset="0"/>
             </a:rPr>
-            <a:t>[Text]</a:t>
+            <a:t>Limitations of Executions outside Base Program: </a:t>
+          </a:r>
+          <a:r>
+            <a:rPr lang="en-US" sz="2400" i="1" kern="1200" dirty="0">
+              <a:latin typeface="Tahoma" panose="020B0604030504040204" pitchFamily="34" charset="0"/>
+              <a:ea typeface="Tahoma" panose="020B0604030504040204" pitchFamily="34" charset="0"/>
+              <a:cs typeface="Tahoma" panose="020B0604030504040204" pitchFamily="34" charset="0"/>
+            </a:rPr>
+            <a:t>A Note on the Confinement Problem</a:t>
+          </a:r>
+          <a:r>
+            <a:rPr lang="en-US" sz="2400" kern="1200" dirty="0">
+              <a:latin typeface="Tahoma" panose="020B0604030504040204" pitchFamily="34" charset="0"/>
+              <a:ea typeface="Tahoma" panose="020B0604030504040204" pitchFamily="34" charset="0"/>
+              <a:cs typeface="Tahoma" panose="020B0604030504040204" pitchFamily="34" charset="0"/>
+            </a:rPr>
+            <a:t>, Lampson</a:t>
           </a:r>
         </a:p>
       </dsp:txBody>
       <dsp:txXfrm rot="-5400000">
-        <a:off x="3566160" y="1015523"/>
-        <a:ext cx="6306545" cy="615466"/>
+        <a:off x="3566160" y="2054277"/>
+        <a:ext cx="6272372" cy="1247161"/>
       </dsp:txXfrm>
     </dsp:sp>
-    <dsp:sp modelId="{8A3FE5E4-2689-4041-B2C5-C63BC276A3EF}">
+    <dsp:sp modelId="{B9324B26-5FF5-4FF7-9073-66103CBE8481}">
       <dsp:nvSpPr>
         <dsp:cNvPr id="0" name=""/>
         <dsp:cNvSpPr/>
       </dsp:nvSpPr>
       <dsp:spPr>
         <a:xfrm>
-          <a:off x="0" y="896971"/>
-          <a:ext cx="3566160" cy="852570"/>
+          <a:off x="0" y="1814046"/>
+          <a:ext cx="3566160" cy="1727622"/>
         </a:xfrm>
         <a:prstGeom prst="roundRect">
           <a:avLst/>
@@ -3098,12 +1531,12 @@
         </a:fontRef>
       </dsp:style>
       <dsp:txBody>
-        <a:bodyPr spcFirstLastPara="0" vert="horz" wrap="square" lIns="83820" tIns="41910" rIns="83820" bIns="41910" numCol="1" spcCol="1270" anchor="ctr" anchorCtr="0">
+        <a:bodyPr spcFirstLastPara="0" vert="horz" wrap="square" lIns="148590" tIns="74295" rIns="148590" bIns="74295" numCol="1" spcCol="1270" anchor="ctr" anchorCtr="0">
           <a:noAutofit/>
         </a:bodyPr>
         <a:lstStyle/>
         <a:p>
-          <a:pPr marL="0" lvl="0" indent="0" algn="ctr" defTabSz="977900">
+          <a:pPr marL="0" lvl="0" indent="0" algn="ctr" defTabSz="1733550">
             <a:lnSpc>
               <a:spcPct val="90000"/>
             </a:lnSpc>
@@ -3116,7 +1549,7 @@
             <a:buNone/>
           </a:pPr>
           <a:r>
-            <a:rPr lang="en-US" sz="2200" kern="1200" dirty="0">
+            <a:rPr lang="en-US" sz="3900" kern="1200" dirty="0">
               <a:solidFill>
                 <a:schemeClr val="tx1"/>
               </a:solidFill>
@@ -3124,1001 +1557,13 @@
               <a:ea typeface="Tahoma" panose="020B0604030504040204" pitchFamily="34" charset="0"/>
               <a:cs typeface="Tahoma" panose="020B0604030504040204" pitchFamily="34" charset="0"/>
             </a:rPr>
-            <a:t>Who has this problem?</a:t>
+            <a:t>Confinement Problem</a:t>
           </a:r>
         </a:p>
       </dsp:txBody>
       <dsp:txXfrm>
-        <a:off x="41619" y="938590"/>
-        <a:ext cx="3482922" cy="769332"/>
-      </dsp:txXfrm>
-    </dsp:sp>
-    <dsp:sp modelId="{A66EBD3D-E7C5-421C-B8B5-728648057DDC}">
-      <dsp:nvSpPr>
-        <dsp:cNvPr id="0" name=""/>
-        <dsp:cNvSpPr/>
-      </dsp:nvSpPr>
-      <dsp:spPr>
-        <a:xfrm rot="5400000">
-          <a:off x="6395051" y="-951464"/>
-          <a:ext cx="682056" cy="6339840"/>
-        </a:xfrm>
-        <a:prstGeom prst="round2SameRect">
-          <a:avLst/>
-        </a:prstGeom>
-        <a:solidFill>
-          <a:schemeClr val="accent1">
-            <a:alpha val="90000"/>
-            <a:tint val="40000"/>
-            <a:hueOff val="0"/>
-            <a:satOff val="0"/>
-            <a:lumOff val="0"/>
-            <a:alphaOff val="0"/>
-          </a:schemeClr>
-        </a:solidFill>
-        <a:ln w="15875" cap="flat" cmpd="sng" algn="ctr">
-          <a:solidFill>
-            <a:schemeClr val="accent1">
-              <a:alpha val="90000"/>
-              <a:tint val="40000"/>
-              <a:hueOff val="0"/>
-              <a:satOff val="0"/>
-              <a:lumOff val="0"/>
-              <a:alphaOff val="0"/>
-            </a:schemeClr>
-          </a:solidFill>
-          <a:prstDash val="solid"/>
-        </a:ln>
-        <a:effectLst/>
-      </dsp:spPr>
-      <dsp:style>
-        <a:lnRef idx="2">
-          <a:scrgbClr r="0" g="0" b="0"/>
-        </a:lnRef>
-        <a:fillRef idx="1">
-          <a:scrgbClr r="0" g="0" b="0"/>
-        </a:fillRef>
-        <a:effectRef idx="0">
-          <a:scrgbClr r="0" g="0" b="0"/>
-        </a:effectRef>
-        <a:fontRef idx="minor"/>
-      </dsp:style>
-      <dsp:txBody>
-        <a:bodyPr spcFirstLastPara="0" vert="horz" wrap="square" lIns="247650" tIns="123825" rIns="247650" bIns="123825" numCol="1" spcCol="1270" anchor="ctr" anchorCtr="0">
-          <a:noAutofit/>
-        </a:bodyPr>
-        <a:lstStyle/>
-        <a:p>
-          <a:pPr marL="228600" lvl="1" indent="-228600" algn="l" defTabSz="1066800">
-            <a:lnSpc>
-              <a:spcPct val="90000"/>
-            </a:lnSpc>
-            <a:spcBef>
-              <a:spcPct val="0"/>
-            </a:spcBef>
-            <a:spcAft>
-              <a:spcPct val="15000"/>
-            </a:spcAft>
-            <a:buChar char="•"/>
-          </a:pPr>
-          <a:r>
-            <a:rPr lang="en-US" sz="2400" kern="1200" dirty="0">
-              <a:latin typeface="Tahoma" panose="020B0604030504040204" pitchFamily="34" charset="0"/>
-              <a:ea typeface="Tahoma" panose="020B0604030504040204" pitchFamily="34" charset="0"/>
-              <a:cs typeface="Tahoma" panose="020B0604030504040204" pitchFamily="34" charset="0"/>
-            </a:rPr>
-            <a:t>[Text]</a:t>
-          </a:r>
-        </a:p>
-      </dsp:txBody>
-      <dsp:txXfrm rot="-5400000">
-        <a:off x="3566160" y="1910722"/>
-        <a:ext cx="6306545" cy="615466"/>
-      </dsp:txXfrm>
-    </dsp:sp>
-    <dsp:sp modelId="{1C763A21-352A-41D1-A2E2-E305DABA275D}">
-      <dsp:nvSpPr>
-        <dsp:cNvPr id="0" name=""/>
-        <dsp:cNvSpPr/>
-      </dsp:nvSpPr>
-      <dsp:spPr>
-        <a:xfrm>
-          <a:off x="0" y="1792170"/>
-          <a:ext cx="3566160" cy="852570"/>
-        </a:xfrm>
-        <a:prstGeom prst="roundRect">
-          <a:avLst/>
-        </a:prstGeom>
-        <a:solidFill>
-          <a:schemeClr val="accent1">
-            <a:hueOff val="0"/>
-            <a:satOff val="0"/>
-            <a:lumOff val="0"/>
-            <a:alphaOff val="0"/>
-          </a:schemeClr>
-        </a:solidFill>
-        <a:ln w="15875" cap="flat" cmpd="sng" algn="ctr">
-          <a:solidFill>
-            <a:schemeClr val="lt1">
-              <a:hueOff val="0"/>
-              <a:satOff val="0"/>
-              <a:lumOff val="0"/>
-              <a:alphaOff val="0"/>
-            </a:schemeClr>
-          </a:solidFill>
-          <a:prstDash val="solid"/>
-        </a:ln>
-        <a:effectLst/>
-      </dsp:spPr>
-      <dsp:style>
-        <a:lnRef idx="2">
-          <a:scrgbClr r="0" g="0" b="0"/>
-        </a:lnRef>
-        <a:fillRef idx="1">
-          <a:scrgbClr r="0" g="0" b="0"/>
-        </a:fillRef>
-        <a:effectRef idx="0">
-          <a:scrgbClr r="0" g="0" b="0"/>
-        </a:effectRef>
-        <a:fontRef idx="minor">
-          <a:schemeClr val="lt1"/>
-        </a:fontRef>
-      </dsp:style>
-      <dsp:txBody>
-        <a:bodyPr spcFirstLastPara="0" vert="horz" wrap="square" lIns="83820" tIns="41910" rIns="83820" bIns="41910" numCol="1" spcCol="1270" anchor="ctr" anchorCtr="0">
-          <a:noAutofit/>
-        </a:bodyPr>
-        <a:lstStyle/>
-        <a:p>
-          <a:pPr marL="0" lvl="0" indent="0" algn="ctr" defTabSz="977900">
-            <a:lnSpc>
-              <a:spcPct val="90000"/>
-            </a:lnSpc>
-            <a:spcBef>
-              <a:spcPct val="0"/>
-            </a:spcBef>
-            <a:spcAft>
-              <a:spcPct val="35000"/>
-            </a:spcAft>
-            <a:buNone/>
-          </a:pPr>
-          <a:r>
-            <a:rPr lang="en-US" sz="2200" kern="1200" dirty="0">
-              <a:solidFill>
-                <a:schemeClr val="tx1"/>
-              </a:solidFill>
-              <a:latin typeface="Tahoma" panose="020B0604030504040204" pitchFamily="34" charset="0"/>
-              <a:ea typeface="Tahoma" panose="020B0604030504040204" pitchFamily="34" charset="0"/>
-              <a:cs typeface="Tahoma" panose="020B0604030504040204" pitchFamily="34" charset="0"/>
-            </a:rPr>
-            <a:t>Why should this problem be solved?</a:t>
-          </a:r>
-        </a:p>
-      </dsp:txBody>
-      <dsp:txXfrm>
-        <a:off x="41619" y="1833789"/>
-        <a:ext cx="3482922" cy="769332"/>
-      </dsp:txXfrm>
-    </dsp:sp>
-    <dsp:sp modelId="{95E0557D-F0A1-4F38-8083-55DE7503164F}">
-      <dsp:nvSpPr>
-        <dsp:cNvPr id="0" name=""/>
-        <dsp:cNvSpPr/>
-      </dsp:nvSpPr>
-      <dsp:spPr>
-        <a:xfrm rot="5400000">
-          <a:off x="6395051" y="-56265"/>
-          <a:ext cx="682056" cy="6339840"/>
-        </a:xfrm>
-        <a:prstGeom prst="round2SameRect">
-          <a:avLst/>
-        </a:prstGeom>
-        <a:solidFill>
-          <a:schemeClr val="accent1">
-            <a:alpha val="90000"/>
-            <a:tint val="40000"/>
-            <a:hueOff val="0"/>
-            <a:satOff val="0"/>
-            <a:lumOff val="0"/>
-            <a:alphaOff val="0"/>
-          </a:schemeClr>
-        </a:solidFill>
-        <a:ln w="15875" cap="flat" cmpd="sng" algn="ctr">
-          <a:solidFill>
-            <a:schemeClr val="accent1">
-              <a:alpha val="90000"/>
-              <a:tint val="40000"/>
-              <a:hueOff val="0"/>
-              <a:satOff val="0"/>
-              <a:lumOff val="0"/>
-              <a:alphaOff val="0"/>
-            </a:schemeClr>
-          </a:solidFill>
-          <a:prstDash val="solid"/>
-        </a:ln>
-        <a:effectLst/>
-      </dsp:spPr>
-      <dsp:style>
-        <a:lnRef idx="2">
-          <a:scrgbClr r="0" g="0" b="0"/>
-        </a:lnRef>
-        <a:fillRef idx="1">
-          <a:scrgbClr r="0" g="0" b="0"/>
-        </a:fillRef>
-        <a:effectRef idx="0">
-          <a:scrgbClr r="0" g="0" b="0"/>
-        </a:effectRef>
-        <a:fontRef idx="minor"/>
-      </dsp:style>
-      <dsp:txBody>
-        <a:bodyPr spcFirstLastPara="0" vert="horz" wrap="square" lIns="247650" tIns="123825" rIns="247650" bIns="123825" numCol="1" spcCol="1270" anchor="ctr" anchorCtr="0">
-          <a:noAutofit/>
-        </a:bodyPr>
-        <a:lstStyle/>
-        <a:p>
-          <a:pPr marL="228600" lvl="1" indent="-228600" algn="l" defTabSz="1066800">
-            <a:lnSpc>
-              <a:spcPct val="90000"/>
-            </a:lnSpc>
-            <a:spcBef>
-              <a:spcPct val="0"/>
-            </a:spcBef>
-            <a:spcAft>
-              <a:spcPct val="15000"/>
-            </a:spcAft>
-            <a:buChar char="•"/>
-          </a:pPr>
-          <a:r>
-            <a:rPr lang="en-US" sz="2400" kern="1200" dirty="0">
-              <a:latin typeface="Tahoma" panose="020B0604030504040204" pitchFamily="34" charset="0"/>
-              <a:ea typeface="Tahoma" panose="020B0604030504040204" pitchFamily="34" charset="0"/>
-              <a:cs typeface="Tahoma" panose="020B0604030504040204" pitchFamily="34" charset="0"/>
-            </a:rPr>
-            <a:t>[Text]</a:t>
-          </a:r>
-        </a:p>
-      </dsp:txBody>
-      <dsp:txXfrm rot="-5400000">
-        <a:off x="3566160" y="2805921"/>
-        <a:ext cx="6306545" cy="615466"/>
-      </dsp:txXfrm>
-    </dsp:sp>
-    <dsp:sp modelId="{B9324B26-5FF5-4FF7-9073-66103CBE8481}">
-      <dsp:nvSpPr>
-        <dsp:cNvPr id="0" name=""/>
-        <dsp:cNvSpPr/>
-      </dsp:nvSpPr>
-      <dsp:spPr>
-        <a:xfrm>
-          <a:off x="0" y="2687369"/>
-          <a:ext cx="3566160" cy="852570"/>
-        </a:xfrm>
-        <a:prstGeom prst="roundRect">
-          <a:avLst/>
-        </a:prstGeom>
-        <a:solidFill>
-          <a:schemeClr val="accent1">
-            <a:hueOff val="0"/>
-            <a:satOff val="0"/>
-            <a:lumOff val="0"/>
-            <a:alphaOff val="0"/>
-          </a:schemeClr>
-        </a:solidFill>
-        <a:ln w="15875" cap="flat" cmpd="sng" algn="ctr">
-          <a:solidFill>
-            <a:schemeClr val="lt1">
-              <a:hueOff val="0"/>
-              <a:satOff val="0"/>
-              <a:lumOff val="0"/>
-              <a:alphaOff val="0"/>
-            </a:schemeClr>
-          </a:solidFill>
-          <a:prstDash val="solid"/>
-        </a:ln>
-        <a:effectLst/>
-      </dsp:spPr>
-      <dsp:style>
-        <a:lnRef idx="2">
-          <a:scrgbClr r="0" g="0" b="0"/>
-        </a:lnRef>
-        <a:fillRef idx="1">
-          <a:scrgbClr r="0" g="0" b="0"/>
-        </a:fillRef>
-        <a:effectRef idx="0">
-          <a:scrgbClr r="0" g="0" b="0"/>
-        </a:effectRef>
-        <a:fontRef idx="minor">
-          <a:schemeClr val="lt1"/>
-        </a:fontRef>
-      </dsp:style>
-      <dsp:txBody>
-        <a:bodyPr spcFirstLastPara="0" vert="horz" wrap="square" lIns="83820" tIns="41910" rIns="83820" bIns="41910" numCol="1" spcCol="1270" anchor="ctr" anchorCtr="0">
-          <a:noAutofit/>
-        </a:bodyPr>
-        <a:lstStyle/>
-        <a:p>
-          <a:pPr marL="0" lvl="0" indent="0" algn="ctr" defTabSz="977900">
-            <a:lnSpc>
-              <a:spcPct val="90000"/>
-            </a:lnSpc>
-            <a:spcBef>
-              <a:spcPct val="0"/>
-            </a:spcBef>
-            <a:spcAft>
-              <a:spcPct val="35000"/>
-            </a:spcAft>
-            <a:buNone/>
-          </a:pPr>
-          <a:r>
-            <a:rPr lang="en-US" sz="2200" kern="1200" dirty="0">
-              <a:solidFill>
-                <a:schemeClr val="tx1"/>
-              </a:solidFill>
-              <a:latin typeface="Tahoma" panose="020B0604030504040204" pitchFamily="34" charset="0"/>
-              <a:ea typeface="Tahoma" panose="020B0604030504040204" pitchFamily="34" charset="0"/>
-              <a:cs typeface="Tahoma" panose="020B0604030504040204" pitchFamily="34" charset="0"/>
-            </a:rPr>
-            <a:t>How will I know this problem has been solved?</a:t>
-          </a:r>
-        </a:p>
-      </dsp:txBody>
-      <dsp:txXfrm>
-        <a:off x="41619" y="2728988"/>
-        <a:ext cx="3482922" cy="769332"/>
-      </dsp:txXfrm>
-    </dsp:sp>
-  </dsp:spTree>
-</dsp:drawing>
-</file>
-
-<file path=ppt/diagrams/drawing2.xml><?xml version="1.0" encoding="utf-8"?>
-<dsp:drawing xmlns:dgm="http://schemas.openxmlformats.org/drawingml/2006/diagram" xmlns:dsp="http://schemas.microsoft.com/office/drawing/2008/diagram" xmlns:a="http://schemas.openxmlformats.org/drawingml/2006/main">
-  <dsp:spTree>
-    <dsp:nvGrpSpPr>
-      <dsp:cNvPr id="0" name=""/>
-      <dsp:cNvGrpSpPr/>
-    </dsp:nvGrpSpPr>
-    <dsp:grpSpPr/>
-    <dsp:sp modelId="{F0C1B2C7-0B23-4FE8-AB0F-5877B88532DB}">
-      <dsp:nvSpPr>
-        <dsp:cNvPr id="0" name=""/>
-        <dsp:cNvSpPr/>
-      </dsp:nvSpPr>
-      <dsp:spPr>
-        <a:xfrm>
-          <a:off x="3535" y="22947"/>
-          <a:ext cx="3447370" cy="691200"/>
-        </a:xfrm>
-        <a:prstGeom prst="rect">
-          <a:avLst/>
-        </a:prstGeom>
-        <a:solidFill>
-          <a:schemeClr val="accent1">
-            <a:hueOff val="0"/>
-            <a:satOff val="0"/>
-            <a:lumOff val="0"/>
-            <a:alphaOff val="0"/>
-          </a:schemeClr>
-        </a:solidFill>
-        <a:ln w="15875" cap="flat" cmpd="sng" algn="ctr">
-          <a:solidFill>
-            <a:schemeClr val="accent1">
-              <a:hueOff val="0"/>
-              <a:satOff val="0"/>
-              <a:lumOff val="0"/>
-              <a:alphaOff val="0"/>
-            </a:schemeClr>
-          </a:solidFill>
-          <a:prstDash val="solid"/>
-        </a:ln>
-        <a:effectLst/>
-      </dsp:spPr>
-      <dsp:style>
-        <a:lnRef idx="2">
-          <a:scrgbClr r="0" g="0" b="0"/>
-        </a:lnRef>
-        <a:fillRef idx="1">
-          <a:scrgbClr r="0" g="0" b="0"/>
-        </a:fillRef>
-        <a:effectRef idx="0">
-          <a:scrgbClr r="0" g="0" b="0"/>
-        </a:effectRef>
-        <a:fontRef idx="minor">
-          <a:schemeClr val="lt1"/>
-        </a:fontRef>
-      </dsp:style>
-      <dsp:txBody>
-        <a:bodyPr spcFirstLastPara="0" vert="horz" wrap="square" lIns="170688" tIns="97536" rIns="170688" bIns="97536" numCol="1" spcCol="1270" anchor="ctr" anchorCtr="0">
-          <a:noAutofit/>
-        </a:bodyPr>
-        <a:lstStyle/>
-        <a:p>
-          <a:pPr marL="0" lvl="0" indent="0" algn="ctr" defTabSz="1066800">
-            <a:lnSpc>
-              <a:spcPct val="90000"/>
-            </a:lnSpc>
-            <a:spcBef>
-              <a:spcPct val="0"/>
-            </a:spcBef>
-            <a:spcAft>
-              <a:spcPct val="35000"/>
-            </a:spcAft>
-            <a:buNone/>
-          </a:pPr>
-          <a:r>
-            <a:rPr lang="en-US" sz="2400" b="1" kern="1200" dirty="0">
-              <a:solidFill>
-                <a:schemeClr val="tx1"/>
-              </a:solidFill>
-              <a:latin typeface="Tahoma" panose="020B0604030504040204" pitchFamily="34" charset="0"/>
-              <a:ea typeface="Tahoma" panose="020B0604030504040204" pitchFamily="34" charset="0"/>
-              <a:cs typeface="Tahoma" panose="020B0604030504040204" pitchFamily="34" charset="0"/>
-            </a:rPr>
-            <a:t>Solution #1</a:t>
-          </a:r>
-        </a:p>
-      </dsp:txBody>
-      <dsp:txXfrm>
-        <a:off x="3535" y="22947"/>
-        <a:ext cx="3447370" cy="691200"/>
-      </dsp:txXfrm>
-    </dsp:sp>
-    <dsp:sp modelId="{17CA1487-CDD9-4364-92F6-A11DBDAFE16C}">
-      <dsp:nvSpPr>
-        <dsp:cNvPr id="0" name=""/>
-        <dsp:cNvSpPr/>
-      </dsp:nvSpPr>
-      <dsp:spPr>
-        <a:xfrm>
-          <a:off x="3535" y="714147"/>
-          <a:ext cx="3447370" cy="3755160"/>
-        </a:xfrm>
-        <a:prstGeom prst="rect">
-          <a:avLst/>
-        </a:prstGeom>
-        <a:solidFill>
-          <a:schemeClr val="accent1">
-            <a:alpha val="90000"/>
-            <a:tint val="40000"/>
-            <a:hueOff val="0"/>
-            <a:satOff val="0"/>
-            <a:lumOff val="0"/>
-            <a:alphaOff val="0"/>
-          </a:schemeClr>
-        </a:solidFill>
-        <a:ln w="15875" cap="flat" cmpd="sng" algn="ctr">
-          <a:solidFill>
-            <a:schemeClr val="accent1">
-              <a:alpha val="90000"/>
-              <a:tint val="40000"/>
-              <a:hueOff val="0"/>
-              <a:satOff val="0"/>
-              <a:lumOff val="0"/>
-              <a:alphaOff val="0"/>
-            </a:schemeClr>
-          </a:solidFill>
-          <a:prstDash val="solid"/>
-        </a:ln>
-        <a:effectLst/>
-      </dsp:spPr>
-      <dsp:style>
-        <a:lnRef idx="2">
-          <a:scrgbClr r="0" g="0" b="0"/>
-        </a:lnRef>
-        <a:fillRef idx="1">
-          <a:scrgbClr r="0" g="0" b="0"/>
-        </a:fillRef>
-        <a:effectRef idx="0">
-          <a:scrgbClr r="0" g="0" b="0"/>
-        </a:effectRef>
-        <a:fontRef idx="minor"/>
-      </dsp:style>
-      <dsp:txBody>
-        <a:bodyPr spcFirstLastPara="0" vert="horz" wrap="square" lIns="128016" tIns="128016" rIns="170688" bIns="192024" numCol="1" spcCol="1270" anchor="t" anchorCtr="0">
-          <a:noAutofit/>
-        </a:bodyPr>
-        <a:lstStyle/>
-        <a:p>
-          <a:pPr marL="228600" lvl="1" indent="-228600" algn="l" defTabSz="1066800">
-            <a:lnSpc>
-              <a:spcPct val="90000"/>
-            </a:lnSpc>
-            <a:spcBef>
-              <a:spcPct val="0"/>
-            </a:spcBef>
-            <a:spcAft>
-              <a:spcPct val="15000"/>
-            </a:spcAft>
-            <a:buFont typeface="Wingdings" panose="05000000000000000000" pitchFamily="2" charset="2"/>
-            <a:buChar char=""/>
-          </a:pPr>
-          <a:r>
-            <a:rPr lang="en-US" sz="2400" kern="1200" dirty="0">
-              <a:latin typeface="Tahoma" panose="020B0604030504040204" pitchFamily="34" charset="0"/>
-              <a:ea typeface="Tahoma" panose="020B0604030504040204" pitchFamily="34" charset="0"/>
-              <a:cs typeface="Tahoma" panose="020B0604030504040204" pitchFamily="34" charset="0"/>
-            </a:rPr>
-            <a:t>What materials does this solution require?</a:t>
-          </a:r>
-        </a:p>
-        <a:p>
-          <a:pPr marL="228600" lvl="1" indent="-228600" algn="l" defTabSz="1066800">
-            <a:lnSpc>
-              <a:spcPct val="90000"/>
-            </a:lnSpc>
-            <a:spcBef>
-              <a:spcPct val="0"/>
-            </a:spcBef>
-            <a:spcAft>
-              <a:spcPct val="15000"/>
-            </a:spcAft>
-            <a:buFont typeface="Wingdings" panose="05000000000000000000" pitchFamily="2" charset="2"/>
-            <a:buChar char=""/>
-          </a:pPr>
-          <a:r>
-            <a:rPr lang="en-US" sz="2400" kern="1200" dirty="0">
-              <a:latin typeface="Tahoma" panose="020B0604030504040204" pitchFamily="34" charset="0"/>
-              <a:ea typeface="Tahoma" panose="020B0604030504040204" pitchFamily="34" charset="0"/>
-              <a:cs typeface="Tahoma" panose="020B0604030504040204" pitchFamily="34" charset="0"/>
-            </a:rPr>
-            <a:t>What would this solution look like (drawing, pictures, text)?</a:t>
-          </a:r>
-        </a:p>
-        <a:p>
-          <a:pPr marL="228600" lvl="1" indent="-228600" algn="l" defTabSz="1066800">
-            <a:lnSpc>
-              <a:spcPct val="90000"/>
-            </a:lnSpc>
-            <a:spcBef>
-              <a:spcPct val="0"/>
-            </a:spcBef>
-            <a:spcAft>
-              <a:spcPct val="15000"/>
-            </a:spcAft>
-            <a:buFont typeface="Wingdings" panose="05000000000000000000" pitchFamily="2" charset="2"/>
-            <a:buChar char=""/>
-          </a:pPr>
-          <a:r>
-            <a:rPr lang="en-US" sz="2400" kern="1200" dirty="0">
-              <a:latin typeface="Tahoma" panose="020B0604030504040204" pitchFamily="34" charset="0"/>
-              <a:ea typeface="Tahoma" panose="020B0604030504040204" pitchFamily="34" charset="0"/>
-              <a:cs typeface="Tahoma" panose="020B0604030504040204" pitchFamily="34" charset="0"/>
-            </a:rPr>
-            <a:t>What are some barriers you might come across with this solution?</a:t>
-          </a:r>
-        </a:p>
-      </dsp:txBody>
-      <dsp:txXfrm>
-        <a:off x="3535" y="714147"/>
-        <a:ext cx="3447370" cy="3755160"/>
-      </dsp:txXfrm>
-    </dsp:sp>
-    <dsp:sp modelId="{055A5EAB-EAE0-4501-8649-31F112FF9AD5}">
-      <dsp:nvSpPr>
-        <dsp:cNvPr id="0" name=""/>
-        <dsp:cNvSpPr/>
-      </dsp:nvSpPr>
-      <dsp:spPr>
-        <a:xfrm>
-          <a:off x="3933537" y="22947"/>
-          <a:ext cx="3447370" cy="691200"/>
-        </a:xfrm>
-        <a:prstGeom prst="rect">
-          <a:avLst/>
-        </a:prstGeom>
-        <a:solidFill>
-          <a:schemeClr val="accent1">
-            <a:hueOff val="0"/>
-            <a:satOff val="0"/>
-            <a:lumOff val="0"/>
-            <a:alphaOff val="0"/>
-          </a:schemeClr>
-        </a:solidFill>
-        <a:ln w="15875" cap="flat" cmpd="sng" algn="ctr">
-          <a:solidFill>
-            <a:schemeClr val="accent1">
-              <a:hueOff val="0"/>
-              <a:satOff val="0"/>
-              <a:lumOff val="0"/>
-              <a:alphaOff val="0"/>
-            </a:schemeClr>
-          </a:solidFill>
-          <a:prstDash val="solid"/>
-        </a:ln>
-        <a:effectLst/>
-      </dsp:spPr>
-      <dsp:style>
-        <a:lnRef idx="2">
-          <a:scrgbClr r="0" g="0" b="0"/>
-        </a:lnRef>
-        <a:fillRef idx="1">
-          <a:scrgbClr r="0" g="0" b="0"/>
-        </a:fillRef>
-        <a:effectRef idx="0">
-          <a:scrgbClr r="0" g="0" b="0"/>
-        </a:effectRef>
-        <a:fontRef idx="minor">
-          <a:schemeClr val="lt1"/>
-        </a:fontRef>
-      </dsp:style>
-      <dsp:txBody>
-        <a:bodyPr spcFirstLastPara="0" vert="horz" wrap="square" lIns="170688" tIns="97536" rIns="170688" bIns="97536" numCol="1" spcCol="1270" anchor="ctr" anchorCtr="0">
-          <a:noAutofit/>
-        </a:bodyPr>
-        <a:lstStyle/>
-        <a:p>
-          <a:pPr marL="0" lvl="0" indent="0" algn="ctr" defTabSz="1066800">
-            <a:lnSpc>
-              <a:spcPct val="90000"/>
-            </a:lnSpc>
-            <a:spcBef>
-              <a:spcPct val="0"/>
-            </a:spcBef>
-            <a:spcAft>
-              <a:spcPct val="35000"/>
-            </a:spcAft>
-            <a:buNone/>
-          </a:pPr>
-          <a:r>
-            <a:rPr lang="en-US" sz="2400" b="1" kern="1200" dirty="0">
-              <a:solidFill>
-                <a:schemeClr val="tx1"/>
-              </a:solidFill>
-              <a:latin typeface="Tahoma" panose="020B0604030504040204" pitchFamily="34" charset="0"/>
-              <a:ea typeface="Tahoma" panose="020B0604030504040204" pitchFamily="34" charset="0"/>
-              <a:cs typeface="Tahoma" panose="020B0604030504040204" pitchFamily="34" charset="0"/>
-            </a:rPr>
-            <a:t>Solution #2</a:t>
-          </a:r>
-        </a:p>
-      </dsp:txBody>
-      <dsp:txXfrm>
-        <a:off x="3933537" y="22947"/>
-        <a:ext cx="3447370" cy="691200"/>
-      </dsp:txXfrm>
-    </dsp:sp>
-    <dsp:sp modelId="{E4FD5043-5612-43C5-B6AE-CCD431549399}">
-      <dsp:nvSpPr>
-        <dsp:cNvPr id="0" name=""/>
-        <dsp:cNvSpPr/>
-      </dsp:nvSpPr>
-      <dsp:spPr>
-        <a:xfrm>
-          <a:off x="3933537" y="714147"/>
-          <a:ext cx="3447370" cy="3755160"/>
-        </a:xfrm>
-        <a:prstGeom prst="rect">
-          <a:avLst/>
-        </a:prstGeom>
-        <a:solidFill>
-          <a:schemeClr val="accent1">
-            <a:alpha val="90000"/>
-            <a:tint val="40000"/>
-            <a:hueOff val="0"/>
-            <a:satOff val="0"/>
-            <a:lumOff val="0"/>
-            <a:alphaOff val="0"/>
-          </a:schemeClr>
-        </a:solidFill>
-        <a:ln w="15875" cap="flat" cmpd="sng" algn="ctr">
-          <a:solidFill>
-            <a:schemeClr val="accent1">
-              <a:alpha val="90000"/>
-              <a:tint val="40000"/>
-              <a:hueOff val="0"/>
-              <a:satOff val="0"/>
-              <a:lumOff val="0"/>
-              <a:alphaOff val="0"/>
-            </a:schemeClr>
-          </a:solidFill>
-          <a:prstDash val="solid"/>
-        </a:ln>
-        <a:effectLst/>
-      </dsp:spPr>
-      <dsp:style>
-        <a:lnRef idx="2">
-          <a:scrgbClr r="0" g="0" b="0"/>
-        </a:lnRef>
-        <a:fillRef idx="1">
-          <a:scrgbClr r="0" g="0" b="0"/>
-        </a:fillRef>
-        <a:effectRef idx="0">
-          <a:scrgbClr r="0" g="0" b="0"/>
-        </a:effectRef>
-        <a:fontRef idx="minor"/>
-      </dsp:style>
-      <dsp:txBody>
-        <a:bodyPr spcFirstLastPara="0" vert="horz" wrap="square" lIns="128016" tIns="128016" rIns="170688" bIns="192024" numCol="1" spcCol="1270" anchor="t" anchorCtr="0">
-          <a:noAutofit/>
-        </a:bodyPr>
-        <a:lstStyle/>
-        <a:p>
-          <a:pPr marL="228600" lvl="1" indent="-228600" algn="l" defTabSz="1066800">
-            <a:lnSpc>
-              <a:spcPct val="90000"/>
-            </a:lnSpc>
-            <a:spcBef>
-              <a:spcPct val="0"/>
-            </a:spcBef>
-            <a:spcAft>
-              <a:spcPct val="15000"/>
-            </a:spcAft>
-            <a:buFont typeface="Wingdings" panose="05000000000000000000" pitchFamily="2" charset="2"/>
-            <a:buChar char=""/>
-          </a:pPr>
-          <a:r>
-            <a:rPr lang="en-US" sz="2400" kern="1200" dirty="0">
-              <a:latin typeface="Tahoma" panose="020B0604030504040204" pitchFamily="34" charset="0"/>
-              <a:ea typeface="Tahoma" panose="020B0604030504040204" pitchFamily="34" charset="0"/>
-              <a:cs typeface="Tahoma" panose="020B0604030504040204" pitchFamily="34" charset="0"/>
-            </a:rPr>
-            <a:t>What materials does this solution require?</a:t>
-          </a:r>
-        </a:p>
-        <a:p>
-          <a:pPr marL="228600" lvl="1" indent="-228600" algn="l" defTabSz="1066800">
-            <a:lnSpc>
-              <a:spcPct val="90000"/>
-            </a:lnSpc>
-            <a:spcBef>
-              <a:spcPct val="0"/>
-            </a:spcBef>
-            <a:spcAft>
-              <a:spcPct val="15000"/>
-            </a:spcAft>
-            <a:buFont typeface="Wingdings" panose="05000000000000000000" pitchFamily="2" charset="2"/>
-            <a:buChar char=""/>
-          </a:pPr>
-          <a:r>
-            <a:rPr lang="en-US" sz="2400" kern="1200" dirty="0">
-              <a:latin typeface="Tahoma" panose="020B0604030504040204" pitchFamily="34" charset="0"/>
-              <a:ea typeface="Tahoma" panose="020B0604030504040204" pitchFamily="34" charset="0"/>
-              <a:cs typeface="Tahoma" panose="020B0604030504040204" pitchFamily="34" charset="0"/>
-            </a:rPr>
-            <a:t>What would this solution look like (drawing, pictures, text)?</a:t>
-          </a:r>
-        </a:p>
-        <a:p>
-          <a:pPr marL="228600" lvl="1" indent="-228600" algn="l" defTabSz="1066800">
-            <a:lnSpc>
-              <a:spcPct val="90000"/>
-            </a:lnSpc>
-            <a:spcBef>
-              <a:spcPct val="0"/>
-            </a:spcBef>
-            <a:spcAft>
-              <a:spcPct val="15000"/>
-            </a:spcAft>
-            <a:buFont typeface="Wingdings" panose="05000000000000000000" pitchFamily="2" charset="2"/>
-            <a:buChar char=""/>
-          </a:pPr>
-          <a:r>
-            <a:rPr lang="en-US" sz="2400" kern="1200" dirty="0">
-              <a:latin typeface="Tahoma" panose="020B0604030504040204" pitchFamily="34" charset="0"/>
-              <a:ea typeface="Tahoma" panose="020B0604030504040204" pitchFamily="34" charset="0"/>
-              <a:cs typeface="Tahoma" panose="020B0604030504040204" pitchFamily="34" charset="0"/>
-            </a:rPr>
-            <a:t>What are some barriers you might come across with this solution?</a:t>
-          </a:r>
-        </a:p>
-      </dsp:txBody>
-      <dsp:txXfrm>
-        <a:off x="3933537" y="714147"/>
-        <a:ext cx="3447370" cy="3755160"/>
-      </dsp:txXfrm>
-    </dsp:sp>
-    <dsp:sp modelId="{23D06E36-F688-4B37-8BB8-73015E665B0E}">
-      <dsp:nvSpPr>
-        <dsp:cNvPr id="0" name=""/>
-        <dsp:cNvSpPr/>
-      </dsp:nvSpPr>
-      <dsp:spPr>
-        <a:xfrm>
-          <a:off x="7863539" y="22947"/>
-          <a:ext cx="3447370" cy="691200"/>
-        </a:xfrm>
-        <a:prstGeom prst="rect">
-          <a:avLst/>
-        </a:prstGeom>
-        <a:solidFill>
-          <a:schemeClr val="accent1">
-            <a:hueOff val="0"/>
-            <a:satOff val="0"/>
-            <a:lumOff val="0"/>
-            <a:alphaOff val="0"/>
-          </a:schemeClr>
-        </a:solidFill>
-        <a:ln w="15875" cap="flat" cmpd="sng" algn="ctr">
-          <a:solidFill>
-            <a:schemeClr val="accent1">
-              <a:hueOff val="0"/>
-              <a:satOff val="0"/>
-              <a:lumOff val="0"/>
-              <a:alphaOff val="0"/>
-            </a:schemeClr>
-          </a:solidFill>
-          <a:prstDash val="solid"/>
-        </a:ln>
-        <a:effectLst/>
-      </dsp:spPr>
-      <dsp:style>
-        <a:lnRef idx="2">
-          <a:scrgbClr r="0" g="0" b="0"/>
-        </a:lnRef>
-        <a:fillRef idx="1">
-          <a:scrgbClr r="0" g="0" b="0"/>
-        </a:fillRef>
-        <a:effectRef idx="0">
-          <a:scrgbClr r="0" g="0" b="0"/>
-        </a:effectRef>
-        <a:fontRef idx="minor">
-          <a:schemeClr val="lt1"/>
-        </a:fontRef>
-      </dsp:style>
-      <dsp:txBody>
-        <a:bodyPr spcFirstLastPara="0" vert="horz" wrap="square" lIns="170688" tIns="97536" rIns="170688" bIns="97536" numCol="1" spcCol="1270" anchor="ctr" anchorCtr="0">
-          <a:noAutofit/>
-        </a:bodyPr>
-        <a:lstStyle/>
-        <a:p>
-          <a:pPr marL="0" lvl="0" indent="0" algn="ctr" defTabSz="1066800">
-            <a:lnSpc>
-              <a:spcPct val="90000"/>
-            </a:lnSpc>
-            <a:spcBef>
-              <a:spcPct val="0"/>
-            </a:spcBef>
-            <a:spcAft>
-              <a:spcPct val="35000"/>
-            </a:spcAft>
-            <a:buNone/>
-          </a:pPr>
-          <a:r>
-            <a:rPr lang="en-US" sz="2400" b="1" kern="1200" dirty="0">
-              <a:solidFill>
-                <a:schemeClr val="tx1"/>
-              </a:solidFill>
-              <a:latin typeface="Tahoma" panose="020B0604030504040204" pitchFamily="34" charset="0"/>
-              <a:ea typeface="Tahoma" panose="020B0604030504040204" pitchFamily="34" charset="0"/>
-              <a:cs typeface="Tahoma" panose="020B0604030504040204" pitchFamily="34" charset="0"/>
-            </a:rPr>
-            <a:t>Solution #3</a:t>
-          </a:r>
-        </a:p>
-      </dsp:txBody>
-      <dsp:txXfrm>
-        <a:off x="7863539" y="22947"/>
-        <a:ext cx="3447370" cy="691200"/>
-      </dsp:txXfrm>
-    </dsp:sp>
-    <dsp:sp modelId="{EA81ED6A-A7EA-4137-A3DC-D16E79F1B938}">
-      <dsp:nvSpPr>
-        <dsp:cNvPr id="0" name=""/>
-        <dsp:cNvSpPr/>
-      </dsp:nvSpPr>
-      <dsp:spPr>
-        <a:xfrm>
-          <a:off x="7863539" y="714147"/>
-          <a:ext cx="3447370" cy="3755160"/>
-        </a:xfrm>
-        <a:prstGeom prst="rect">
-          <a:avLst/>
-        </a:prstGeom>
-        <a:solidFill>
-          <a:schemeClr val="accent1">
-            <a:alpha val="90000"/>
-            <a:tint val="40000"/>
-            <a:hueOff val="0"/>
-            <a:satOff val="0"/>
-            <a:lumOff val="0"/>
-            <a:alphaOff val="0"/>
-          </a:schemeClr>
-        </a:solidFill>
-        <a:ln w="15875" cap="flat" cmpd="sng" algn="ctr">
-          <a:solidFill>
-            <a:schemeClr val="accent1">
-              <a:alpha val="90000"/>
-              <a:tint val="40000"/>
-              <a:hueOff val="0"/>
-              <a:satOff val="0"/>
-              <a:lumOff val="0"/>
-              <a:alphaOff val="0"/>
-            </a:schemeClr>
-          </a:solidFill>
-          <a:prstDash val="solid"/>
-        </a:ln>
-        <a:effectLst/>
-      </dsp:spPr>
-      <dsp:style>
-        <a:lnRef idx="2">
-          <a:scrgbClr r="0" g="0" b="0"/>
-        </a:lnRef>
-        <a:fillRef idx="1">
-          <a:scrgbClr r="0" g="0" b="0"/>
-        </a:fillRef>
-        <a:effectRef idx="0">
-          <a:scrgbClr r="0" g="0" b="0"/>
-        </a:effectRef>
-        <a:fontRef idx="minor"/>
-      </dsp:style>
-      <dsp:txBody>
-        <a:bodyPr spcFirstLastPara="0" vert="horz" wrap="square" lIns="128016" tIns="128016" rIns="170688" bIns="192024" numCol="1" spcCol="1270" anchor="t" anchorCtr="0">
-          <a:noAutofit/>
-        </a:bodyPr>
-        <a:lstStyle/>
-        <a:p>
-          <a:pPr marL="228600" lvl="1" indent="-228600" algn="l" defTabSz="1066800">
-            <a:lnSpc>
-              <a:spcPct val="90000"/>
-            </a:lnSpc>
-            <a:spcBef>
-              <a:spcPct val="0"/>
-            </a:spcBef>
-            <a:spcAft>
-              <a:spcPct val="15000"/>
-            </a:spcAft>
-            <a:buFont typeface="Wingdings" panose="05000000000000000000" pitchFamily="2" charset="2"/>
-            <a:buChar char=""/>
-          </a:pPr>
-          <a:r>
-            <a:rPr lang="en-US" sz="2400" kern="1200" dirty="0">
-              <a:latin typeface="Tahoma" panose="020B0604030504040204" pitchFamily="34" charset="0"/>
-              <a:ea typeface="Tahoma" panose="020B0604030504040204" pitchFamily="34" charset="0"/>
-              <a:cs typeface="Tahoma" panose="020B0604030504040204" pitchFamily="34" charset="0"/>
-            </a:rPr>
-            <a:t>What materials does this solution require?</a:t>
-          </a:r>
-        </a:p>
-        <a:p>
-          <a:pPr marL="228600" lvl="1" indent="-228600" algn="l" defTabSz="1066800">
-            <a:lnSpc>
-              <a:spcPct val="90000"/>
-            </a:lnSpc>
-            <a:spcBef>
-              <a:spcPct val="0"/>
-            </a:spcBef>
-            <a:spcAft>
-              <a:spcPct val="15000"/>
-            </a:spcAft>
-            <a:buFont typeface="Wingdings" panose="05000000000000000000" pitchFamily="2" charset="2"/>
-            <a:buChar char=""/>
-          </a:pPr>
-          <a:r>
-            <a:rPr lang="en-US" sz="2400" kern="1200" dirty="0">
-              <a:latin typeface="Tahoma" panose="020B0604030504040204" pitchFamily="34" charset="0"/>
-              <a:ea typeface="Tahoma" panose="020B0604030504040204" pitchFamily="34" charset="0"/>
-              <a:cs typeface="Tahoma" panose="020B0604030504040204" pitchFamily="34" charset="0"/>
-            </a:rPr>
-            <a:t>What would this solution look like (drawing, pictures, text)?</a:t>
-          </a:r>
-        </a:p>
-        <a:p>
-          <a:pPr marL="228600" lvl="1" indent="-228600" algn="l" defTabSz="1066800">
-            <a:lnSpc>
-              <a:spcPct val="90000"/>
-            </a:lnSpc>
-            <a:spcBef>
-              <a:spcPct val="0"/>
-            </a:spcBef>
-            <a:spcAft>
-              <a:spcPct val="15000"/>
-            </a:spcAft>
-            <a:buFont typeface="Wingdings" panose="05000000000000000000" pitchFamily="2" charset="2"/>
-            <a:buChar char=""/>
-          </a:pPr>
-          <a:r>
-            <a:rPr lang="en-US" sz="2400" kern="1200" dirty="0">
-              <a:latin typeface="Tahoma" panose="020B0604030504040204" pitchFamily="34" charset="0"/>
-              <a:ea typeface="Tahoma" panose="020B0604030504040204" pitchFamily="34" charset="0"/>
-              <a:cs typeface="Tahoma" panose="020B0604030504040204" pitchFamily="34" charset="0"/>
-            </a:rPr>
-            <a:t>What are some barriers you might come across with this solution?</a:t>
-          </a:r>
-        </a:p>
-      </dsp:txBody>
-      <dsp:txXfrm>
-        <a:off x="7863539" y="714147"/>
-        <a:ext cx="3447370" cy="3755160"/>
+        <a:off x="84336" y="1898382"/>
+        <a:ext cx="3397488" cy="1558950"/>
       </dsp:txXfrm>
     </dsp:sp>
   </dsp:spTree>
@@ -4358,1258 +1803,7 @@
 </dgm:layoutDef>
 </file>
 
-<file path=ppt/diagrams/layout2.xml><?xml version="1.0" encoding="utf-8"?>
-<dgm:layoutDef xmlns:dgm="http://schemas.openxmlformats.org/drawingml/2006/diagram" xmlns:a="http://schemas.openxmlformats.org/drawingml/2006/main" uniqueId="urn:microsoft.com/office/officeart/2005/8/layout/hList1">
-  <dgm:title val=""/>
-  <dgm:desc val=""/>
-  <dgm:catLst>
-    <dgm:cat type="list" pri="5000"/>
-    <dgm:cat type="convert" pri="5000"/>
-  </dgm:catLst>
-  <dgm:sampData>
-    <dgm:dataModel>
-      <dgm:ptLst>
-        <dgm:pt modelId="0" type="doc"/>
-        <dgm:pt modelId="1">
-          <dgm:prSet phldr="1"/>
-        </dgm:pt>
-        <dgm:pt modelId="11">
-          <dgm:prSet phldr="1"/>
-        </dgm:pt>
-        <dgm:pt modelId="12">
-          <dgm:prSet phldr="1"/>
-        </dgm:pt>
-        <dgm:pt modelId="2">
-          <dgm:prSet phldr="1"/>
-        </dgm:pt>
-        <dgm:pt modelId="21">
-          <dgm:prSet phldr="1"/>
-        </dgm:pt>
-        <dgm:pt modelId="22">
-          <dgm:prSet phldr="1"/>
-        </dgm:pt>
-        <dgm:pt modelId="3">
-          <dgm:prSet phldr="1"/>
-        </dgm:pt>
-        <dgm:pt modelId="31">
-          <dgm:prSet phldr="1"/>
-        </dgm:pt>
-        <dgm:pt modelId="32">
-          <dgm:prSet phldr="1"/>
-        </dgm:pt>
-      </dgm:ptLst>
-      <dgm:cxnLst>
-        <dgm:cxn modelId="4" srcId="0" destId="1" srcOrd="0" destOrd="0"/>
-        <dgm:cxn modelId="5" srcId="0" destId="2" srcOrd="1" destOrd="0"/>
-        <dgm:cxn modelId="6" srcId="0" destId="3" srcOrd="2" destOrd="0"/>
-        <dgm:cxn modelId="13" srcId="1" destId="11" srcOrd="0" destOrd="0"/>
-        <dgm:cxn modelId="14" srcId="1" destId="12" srcOrd="1" destOrd="0"/>
-        <dgm:cxn modelId="23" srcId="2" destId="21" srcOrd="0" destOrd="0"/>
-        <dgm:cxn modelId="24" srcId="2" destId="22" srcOrd="1" destOrd="0"/>
-        <dgm:cxn modelId="33" srcId="3" destId="31" srcOrd="0" destOrd="0"/>
-        <dgm:cxn modelId="34" srcId="3" destId="32" srcOrd="1" destOrd="0"/>
-      </dgm:cxnLst>
-      <dgm:bg/>
-      <dgm:whole/>
-    </dgm:dataModel>
-  </dgm:sampData>
-  <dgm:styleData>
-    <dgm:dataModel>
-      <dgm:ptLst>
-        <dgm:pt modelId="0" type="doc"/>
-        <dgm:pt modelId="1">
-          <dgm:prSet phldr="1"/>
-        </dgm:pt>
-        <dgm:pt modelId="2">
-          <dgm:prSet phldr="1"/>
-        </dgm:pt>
-      </dgm:ptLst>
-      <dgm:cxnLst>
-        <dgm:cxn modelId="3" srcId="0" destId="1" srcOrd="0" destOrd="0"/>
-        <dgm:cxn modelId="4" srcId="0" destId="2" srcOrd="1" destOrd="0"/>
-      </dgm:cxnLst>
-      <dgm:bg/>
-      <dgm:whole/>
-    </dgm:dataModel>
-  </dgm:styleData>
-  <dgm:clrData>
-    <dgm:dataModel>
-      <dgm:ptLst>
-        <dgm:pt modelId="0" type="doc"/>
-        <dgm:pt modelId="1">
-          <dgm:prSet phldr="1"/>
-        </dgm:pt>
-        <dgm:pt modelId="2">
-          <dgm:prSet phldr="1"/>
-        </dgm:pt>
-        <dgm:pt modelId="3">
-          <dgm:prSet phldr="1"/>
-        </dgm:pt>
-        <dgm:pt modelId="4">
-          <dgm:prSet phldr="1"/>
-        </dgm:pt>
-      </dgm:ptLst>
-      <dgm:cxnLst>
-        <dgm:cxn modelId="5" srcId="0" destId="1" srcOrd="0" destOrd="0"/>
-        <dgm:cxn modelId="6" srcId="0" destId="2" srcOrd="1" destOrd="0"/>
-        <dgm:cxn modelId="7" srcId="0" destId="3" srcOrd="2" destOrd="0"/>
-        <dgm:cxn modelId="8" srcId="0" destId="4" srcOrd="3" destOrd="0"/>
-      </dgm:cxnLst>
-      <dgm:bg/>
-      <dgm:whole/>
-    </dgm:dataModel>
-  </dgm:clrData>
-  <dgm:layoutNode name="Name0">
-    <dgm:varLst>
-      <dgm:dir/>
-      <dgm:animLvl val="lvl"/>
-      <dgm:resizeHandles val="exact"/>
-    </dgm:varLst>
-    <dgm:choose name="Name1">
-      <dgm:if name="Name2" func="var" arg="dir" op="equ" val="norm">
-        <dgm:alg type="lin"/>
-      </dgm:if>
-      <dgm:else name="Name3">
-        <dgm:alg type="lin">
-          <dgm:param type="linDir" val="fromR"/>
-        </dgm:alg>
-      </dgm:else>
-    </dgm:choose>
-    <dgm:shape xmlns:r="http://schemas.openxmlformats.org/officeDocument/2006/relationships" r:blip="">
-      <dgm:adjLst/>
-    </dgm:shape>
-    <dgm:presOf/>
-    <dgm:constrLst>
-      <dgm:constr type="h" for="ch" forName="composite" refType="h"/>
-      <dgm:constr type="w" for="ch" forName="composite" refType="w"/>
-      <dgm:constr type="w" for="des" forName="parTx"/>
-      <dgm:constr type="h" for="des" forName="parTx" op="equ"/>
-      <dgm:constr type="w" for="des" forName="desTx"/>
-      <dgm:constr type="h" for="des" forName="desTx" op="equ"/>
-      <dgm:constr type="primFontSz" for="des" forName="parTx" val="65"/>
-      <dgm:constr type="secFontSz" for="des" forName="desTx" refType="primFontSz" refFor="des" refForName="parTx" op="equ"/>
-      <dgm:constr type="h" for="des" forName="parTx" refType="primFontSz" refFor="des" refForName="parTx" fact="0.8"/>
-      <dgm:constr type="h" for="des" forName="desTx" refType="primFontSz" refFor="des" refForName="parTx" fact="1.22"/>
-      <dgm:constr type="w" for="ch" forName="space" refType="w" refFor="ch" refForName="composite" op="equ" fact="0.14"/>
-    </dgm:constrLst>
-    <dgm:ruleLst>
-      <dgm:rule type="w" for="ch" forName="composite" val="0" fact="NaN" max="NaN"/>
-      <dgm:rule type="primFontSz" for="des" forName="parTx" val="5" fact="NaN" max="NaN"/>
-    </dgm:ruleLst>
-    <dgm:forEach name="Name4" axis="ch" ptType="node">
-      <dgm:layoutNode name="composite">
-        <dgm:alg type="composite"/>
-        <dgm:shape xmlns:r="http://schemas.openxmlformats.org/officeDocument/2006/relationships" r:blip="">
-          <dgm:adjLst/>
-        </dgm:shape>
-        <dgm:presOf/>
-        <dgm:constrLst>
-          <dgm:constr type="l" for="ch" forName="parTx"/>
-          <dgm:constr type="w" for="ch" forName="parTx" refType="w"/>
-          <dgm:constr type="t" for="ch" forName="parTx"/>
-          <dgm:constr type="l" for="ch" forName="desTx"/>
-          <dgm:constr type="w" for="ch" forName="desTx" refType="w" refFor="ch" refForName="parTx"/>
-          <dgm:constr type="t" for="ch" forName="desTx" refType="h" refFor="ch" refForName="parTx"/>
-        </dgm:constrLst>
-        <dgm:ruleLst>
-          <dgm:rule type="h" val="INF" fact="NaN" max="NaN"/>
-        </dgm:ruleLst>
-        <dgm:layoutNode name="parTx" styleLbl="alignNode1">
-          <dgm:varLst>
-            <dgm:chMax val="0"/>
-            <dgm:chPref val="0"/>
-            <dgm:bulletEnabled val="1"/>
-          </dgm:varLst>
-          <dgm:alg type="tx"/>
-          <dgm:shape xmlns:r="http://schemas.openxmlformats.org/officeDocument/2006/relationships" type="rect" r:blip="">
-            <dgm:adjLst/>
-          </dgm:shape>
-          <dgm:presOf axis="self" ptType="node"/>
-          <dgm:constrLst>
-            <dgm:constr type="h" refType="w" op="lte" fact="0.4"/>
-            <dgm:constr type="h"/>
-            <dgm:constr type="tMarg" refType="primFontSz" fact="0.32"/>
-            <dgm:constr type="bMarg" refType="primFontSz" fact="0.32"/>
-          </dgm:constrLst>
-          <dgm:ruleLst>
-            <dgm:rule type="h" val="INF" fact="NaN" max="NaN"/>
-          </dgm:ruleLst>
-        </dgm:layoutNode>
-        <dgm:layoutNode name="desTx" styleLbl="alignAccFollowNode1">
-          <dgm:varLst>
-            <dgm:bulletEnabled val="1"/>
-          </dgm:varLst>
-          <dgm:alg type="tx">
-            <dgm:param type="stBulletLvl" val="1"/>
-          </dgm:alg>
-          <dgm:shape xmlns:r="http://schemas.openxmlformats.org/officeDocument/2006/relationships" type="rect" r:blip="">
-            <dgm:adjLst/>
-          </dgm:shape>
-          <dgm:presOf axis="des" ptType="node"/>
-          <dgm:constrLst>
-            <dgm:constr type="secFontSz" val="65"/>
-            <dgm:constr type="primFontSz" refType="secFontSz"/>
-            <dgm:constr type="h"/>
-            <dgm:constr type="lMarg" refType="primFontSz" fact="0.42"/>
-            <dgm:constr type="tMarg" refType="primFontSz" fact="0.42"/>
-            <dgm:constr type="bMarg" refType="primFontSz" fact="0.63"/>
-          </dgm:constrLst>
-          <dgm:ruleLst>
-            <dgm:rule type="h" val="INF" fact="NaN" max="NaN"/>
-          </dgm:ruleLst>
-        </dgm:layoutNode>
-      </dgm:layoutNode>
-      <dgm:forEach name="Name5" axis="followSib" ptType="sibTrans" cnt="1">
-        <dgm:layoutNode name="space">
-          <dgm:alg type="sp"/>
-          <dgm:shape xmlns:r="http://schemas.openxmlformats.org/officeDocument/2006/relationships" r:blip="">
-            <dgm:adjLst/>
-          </dgm:shape>
-          <dgm:presOf/>
-          <dgm:constrLst/>
-          <dgm:ruleLst/>
-        </dgm:layoutNode>
-      </dgm:forEach>
-    </dgm:forEach>
-  </dgm:layoutNode>
-</dgm:layoutDef>
-</file>
-
 <file path=ppt/diagrams/quickStyle1.xml><?xml version="1.0" encoding="utf-8"?>
-<dgm:styleDef xmlns:dgm="http://schemas.openxmlformats.org/drawingml/2006/diagram" xmlns:a="http://schemas.openxmlformats.org/drawingml/2006/main" uniqueId="urn:microsoft.com/office/officeart/2005/8/quickstyle/simple1">
-  <dgm:title val=""/>
-  <dgm:desc val=""/>
-  <dgm:catLst>
-    <dgm:cat type="simple" pri="10100"/>
-  </dgm:catLst>
-  <dgm:scene3d>
-    <a:camera prst="orthographicFront"/>
-    <a:lightRig rig="threePt" dir="t"/>
-  </dgm:scene3d>
-  <dgm:styleLbl name="node0">
-    <dgm:scene3d>
-      <a:camera prst="orthographicFront"/>
-      <a:lightRig rig="threePt" dir="t"/>
-    </dgm:scene3d>
-    <dgm:sp3d/>
-    <dgm:txPr/>
-    <dgm:style>
-      <a:lnRef idx="2">
-        <a:scrgbClr r="0" g="0" b="0"/>
-      </a:lnRef>
-      <a:fillRef idx="1">
-        <a:scrgbClr r="0" g="0" b="0"/>
-      </a:fillRef>
-      <a:effectRef idx="0">
-        <a:scrgbClr r="0" g="0" b="0"/>
-      </a:effectRef>
-      <a:fontRef idx="minor">
-        <a:schemeClr val="lt1"/>
-      </a:fontRef>
-    </dgm:style>
-  </dgm:styleLbl>
-  <dgm:styleLbl name="lnNode1">
-    <dgm:scene3d>
-      <a:camera prst="orthographicFront"/>
-      <a:lightRig rig="threePt" dir="t"/>
-    </dgm:scene3d>
-    <dgm:sp3d/>
-    <dgm:txPr/>
-    <dgm:style>
-      <a:lnRef idx="2">
-        <a:scrgbClr r="0" g="0" b="0"/>
-      </a:lnRef>
-      <a:fillRef idx="1">
-        <a:scrgbClr r="0" g="0" b="0"/>
-      </a:fillRef>
-      <a:effectRef idx="0">
-        <a:scrgbClr r="0" g="0" b="0"/>
-      </a:effectRef>
-      <a:fontRef idx="minor">
-        <a:schemeClr val="lt1"/>
-      </a:fontRef>
-    </dgm:style>
-  </dgm:styleLbl>
-  <dgm:styleLbl name="vennNode1">
-    <dgm:scene3d>
-      <a:camera prst="orthographicFront"/>
-      <a:lightRig rig="threePt" dir="t"/>
-    </dgm:scene3d>
-    <dgm:sp3d/>
-    <dgm:txPr/>
-    <dgm:style>
-      <a:lnRef idx="2">
-        <a:scrgbClr r="0" g="0" b="0"/>
-      </a:lnRef>
-      <a:fillRef idx="1">
-        <a:scrgbClr r="0" g="0" b="0"/>
-      </a:fillRef>
-      <a:effectRef idx="0">
-        <a:scrgbClr r="0" g="0" b="0"/>
-      </a:effectRef>
-      <a:fontRef idx="minor">
-        <a:schemeClr val="tx1"/>
-      </a:fontRef>
-    </dgm:style>
-  </dgm:styleLbl>
-  <dgm:styleLbl name="alignNode1">
-    <dgm:scene3d>
-      <a:camera prst="orthographicFront"/>
-      <a:lightRig rig="threePt" dir="t"/>
-    </dgm:scene3d>
-    <dgm:sp3d/>
-    <dgm:txPr/>
-    <dgm:style>
-      <a:lnRef idx="2">
-        <a:scrgbClr r="0" g="0" b="0"/>
-      </a:lnRef>
-      <a:fillRef idx="1">
-        <a:scrgbClr r="0" g="0" b="0"/>
-      </a:fillRef>
-      <a:effectRef idx="0">
-        <a:scrgbClr r="0" g="0" b="0"/>
-      </a:effectRef>
-      <a:fontRef idx="minor">
-        <a:schemeClr val="lt1"/>
-      </a:fontRef>
-    </dgm:style>
-  </dgm:styleLbl>
-  <dgm:styleLbl name="node1">
-    <dgm:scene3d>
-      <a:camera prst="orthographicFront"/>
-      <a:lightRig rig="threePt" dir="t"/>
-    </dgm:scene3d>
-    <dgm:sp3d/>
-    <dgm:txPr/>
-    <dgm:style>
-      <a:lnRef idx="2">
-        <a:scrgbClr r="0" g="0" b="0"/>
-      </a:lnRef>
-      <a:fillRef idx="1">
-        <a:scrgbClr r="0" g="0" b="0"/>
-      </a:fillRef>
-      <a:effectRef idx="0">
-        <a:scrgbClr r="0" g="0" b="0"/>
-      </a:effectRef>
-      <a:fontRef idx="minor">
-        <a:schemeClr val="lt1"/>
-      </a:fontRef>
-    </dgm:style>
-  </dgm:styleLbl>
-  <dgm:styleLbl name="node2">
-    <dgm:scene3d>
-      <a:camera prst="orthographicFront"/>
-      <a:lightRig rig="threePt" dir="t"/>
-    </dgm:scene3d>
-    <dgm:sp3d/>
-    <dgm:txPr/>
-    <dgm:style>
-      <a:lnRef idx="2">
-        <a:scrgbClr r="0" g="0" b="0"/>
-      </a:lnRef>
-      <a:fillRef idx="1">
-        <a:scrgbClr r="0" g="0" b="0"/>
-      </a:fillRef>
-      <a:effectRef idx="0">
-        <a:scrgbClr r="0" g="0" b="0"/>
-      </a:effectRef>
-      <a:fontRef idx="minor">
-        <a:schemeClr val="lt1"/>
-      </a:fontRef>
-    </dgm:style>
-  </dgm:styleLbl>
-  <dgm:styleLbl name="node3">
-    <dgm:scene3d>
-      <a:camera prst="orthographicFront"/>
-      <a:lightRig rig="threePt" dir="t"/>
-    </dgm:scene3d>
-    <dgm:sp3d/>
-    <dgm:txPr/>
-    <dgm:style>
-      <a:lnRef idx="2">
-        <a:scrgbClr r="0" g="0" b="0"/>
-      </a:lnRef>
-      <a:fillRef idx="1">
-        <a:scrgbClr r="0" g="0" b="0"/>
-      </a:fillRef>
-      <a:effectRef idx="0">
-        <a:scrgbClr r="0" g="0" b="0"/>
-      </a:effectRef>
-      <a:fontRef idx="minor">
-        <a:schemeClr val="lt1"/>
-      </a:fontRef>
-    </dgm:style>
-  </dgm:styleLbl>
-  <dgm:styleLbl name="node4">
-    <dgm:scene3d>
-      <a:camera prst="orthographicFront"/>
-      <a:lightRig rig="threePt" dir="t"/>
-    </dgm:scene3d>
-    <dgm:sp3d/>
-    <dgm:txPr/>
-    <dgm:style>
-      <a:lnRef idx="2">
-        <a:scrgbClr r="0" g="0" b="0"/>
-      </a:lnRef>
-      <a:fillRef idx="1">
-        <a:scrgbClr r="0" g="0" b="0"/>
-      </a:fillRef>
-      <a:effectRef idx="0">
-        <a:scrgbClr r="0" g="0" b="0"/>
-      </a:effectRef>
-      <a:fontRef idx="minor">
-        <a:schemeClr val="lt1"/>
-      </a:fontRef>
-    </dgm:style>
-  </dgm:styleLbl>
-  <dgm:styleLbl name="fgImgPlace1">
-    <dgm:scene3d>
-      <a:camera prst="orthographicFront"/>
-      <a:lightRig rig="threePt" dir="t"/>
-    </dgm:scene3d>
-    <dgm:sp3d/>
-    <dgm:txPr/>
-    <dgm:style>
-      <a:lnRef idx="2">
-        <a:scrgbClr r="0" g="0" b="0"/>
-      </a:lnRef>
-      <a:fillRef idx="1">
-        <a:scrgbClr r="0" g="0" b="0"/>
-      </a:fillRef>
-      <a:effectRef idx="0">
-        <a:scrgbClr r="0" g="0" b="0"/>
-      </a:effectRef>
-      <a:fontRef idx="minor"/>
-    </dgm:style>
-  </dgm:styleLbl>
-  <dgm:styleLbl name="alignImgPlace1">
-    <dgm:scene3d>
-      <a:camera prst="orthographicFront"/>
-      <a:lightRig rig="threePt" dir="t"/>
-    </dgm:scene3d>
-    <dgm:sp3d/>
-    <dgm:txPr/>
-    <dgm:style>
-      <a:lnRef idx="2">
-        <a:scrgbClr r="0" g="0" b="0"/>
-      </a:lnRef>
-      <a:fillRef idx="1">
-        <a:scrgbClr r="0" g="0" b="0"/>
-      </a:fillRef>
-      <a:effectRef idx="0">
-        <a:scrgbClr r="0" g="0" b="0"/>
-      </a:effectRef>
-      <a:fontRef idx="minor"/>
-    </dgm:style>
-  </dgm:styleLbl>
-  <dgm:styleLbl name="bgImgPlace1">
-    <dgm:scene3d>
-      <a:camera prst="orthographicFront"/>
-      <a:lightRig rig="threePt" dir="t"/>
-    </dgm:scene3d>
-    <dgm:sp3d/>
-    <dgm:txPr/>
-    <dgm:style>
-      <a:lnRef idx="2">
-        <a:scrgbClr r="0" g="0" b="0"/>
-      </a:lnRef>
-      <a:fillRef idx="1">
-        <a:scrgbClr r="0" g="0" b="0"/>
-      </a:fillRef>
-      <a:effectRef idx="0">
-        <a:scrgbClr r="0" g="0" b="0"/>
-      </a:effectRef>
-      <a:fontRef idx="minor"/>
-    </dgm:style>
-  </dgm:styleLbl>
-  <dgm:styleLbl name="sibTrans2D1">
-    <dgm:scene3d>
-      <a:camera prst="orthographicFront"/>
-      <a:lightRig rig="threePt" dir="t"/>
-    </dgm:scene3d>
-    <dgm:sp3d/>
-    <dgm:txPr/>
-    <dgm:style>
-      <a:lnRef idx="0">
-        <a:scrgbClr r="0" g="0" b="0"/>
-      </a:lnRef>
-      <a:fillRef idx="1">
-        <a:scrgbClr r="0" g="0" b="0"/>
-      </a:fillRef>
-      <a:effectRef idx="0">
-        <a:scrgbClr r="0" g="0" b="0"/>
-      </a:effectRef>
-      <a:fontRef idx="minor">
-        <a:schemeClr val="lt1"/>
-      </a:fontRef>
-    </dgm:style>
-  </dgm:styleLbl>
-  <dgm:styleLbl name="fgSibTrans2D1">
-    <dgm:scene3d>
-      <a:camera prst="orthographicFront"/>
-      <a:lightRig rig="threePt" dir="t"/>
-    </dgm:scene3d>
-    <dgm:sp3d/>
-    <dgm:txPr/>
-    <dgm:style>
-      <a:lnRef idx="0">
-        <a:scrgbClr r="0" g="0" b="0"/>
-      </a:lnRef>
-      <a:fillRef idx="1">
-        <a:scrgbClr r="0" g="0" b="0"/>
-      </a:fillRef>
-      <a:effectRef idx="0">
-        <a:scrgbClr r="0" g="0" b="0"/>
-      </a:effectRef>
-      <a:fontRef idx="minor">
-        <a:schemeClr val="lt1"/>
-      </a:fontRef>
-    </dgm:style>
-  </dgm:styleLbl>
-  <dgm:styleLbl name="bgSibTrans2D1">
-    <dgm:scene3d>
-      <a:camera prst="orthographicFront"/>
-      <a:lightRig rig="threePt" dir="t"/>
-    </dgm:scene3d>
-    <dgm:sp3d/>
-    <dgm:txPr/>
-    <dgm:style>
-      <a:lnRef idx="0">
-        <a:scrgbClr r="0" g="0" b="0"/>
-      </a:lnRef>
-      <a:fillRef idx="1">
-        <a:scrgbClr r="0" g="0" b="0"/>
-      </a:fillRef>
-      <a:effectRef idx="0">
-        <a:scrgbClr r="0" g="0" b="0"/>
-      </a:effectRef>
-      <a:fontRef idx="minor">
-        <a:schemeClr val="lt1"/>
-      </a:fontRef>
-    </dgm:style>
-  </dgm:styleLbl>
-  <dgm:styleLbl name="sibTrans1D1">
-    <dgm:scene3d>
-      <a:camera prst="orthographicFront"/>
-      <a:lightRig rig="threePt" dir="t"/>
-    </dgm:scene3d>
-    <dgm:sp3d/>
-    <dgm:txPr/>
-    <dgm:style>
-      <a:lnRef idx="1">
-        <a:scrgbClr r="0" g="0" b="0"/>
-      </a:lnRef>
-      <a:fillRef idx="0">
-        <a:scrgbClr r="0" g="0" b="0"/>
-      </a:fillRef>
-      <a:effectRef idx="0">
-        <a:scrgbClr r="0" g="0" b="0"/>
-      </a:effectRef>
-      <a:fontRef idx="minor"/>
-    </dgm:style>
-  </dgm:styleLbl>
-  <dgm:styleLbl name="callout">
-    <dgm:scene3d>
-      <a:camera prst="orthographicFront"/>
-      <a:lightRig rig="threePt" dir="t"/>
-    </dgm:scene3d>
-    <dgm:sp3d/>
-    <dgm:txPr/>
-    <dgm:style>
-      <a:lnRef idx="2">
-        <a:scrgbClr r="0" g="0" b="0"/>
-      </a:lnRef>
-      <a:fillRef idx="1">
-        <a:scrgbClr r="0" g="0" b="0"/>
-      </a:fillRef>
-      <a:effectRef idx="0">
-        <a:scrgbClr r="0" g="0" b="0"/>
-      </a:effectRef>
-      <a:fontRef idx="minor"/>
-    </dgm:style>
-  </dgm:styleLbl>
-  <dgm:styleLbl name="asst0">
-    <dgm:scene3d>
-      <a:camera prst="orthographicFront"/>
-      <a:lightRig rig="threePt" dir="t"/>
-    </dgm:scene3d>
-    <dgm:sp3d/>
-    <dgm:txPr/>
-    <dgm:style>
-      <a:lnRef idx="2">
-        <a:scrgbClr r="0" g="0" b="0"/>
-      </a:lnRef>
-      <a:fillRef idx="1">
-        <a:scrgbClr r="0" g="0" b="0"/>
-      </a:fillRef>
-      <a:effectRef idx="0">
-        <a:scrgbClr r="0" g="0" b="0"/>
-      </a:effectRef>
-      <a:fontRef idx="minor">
-        <a:schemeClr val="lt1"/>
-      </a:fontRef>
-    </dgm:style>
-  </dgm:styleLbl>
-  <dgm:styleLbl name="asst1">
-    <dgm:scene3d>
-      <a:camera prst="orthographicFront"/>
-      <a:lightRig rig="threePt" dir="t"/>
-    </dgm:scene3d>
-    <dgm:sp3d/>
-    <dgm:txPr/>
-    <dgm:style>
-      <a:lnRef idx="2">
-        <a:scrgbClr r="0" g="0" b="0"/>
-      </a:lnRef>
-      <a:fillRef idx="1">
-        <a:scrgbClr r="0" g="0" b="0"/>
-      </a:fillRef>
-      <a:effectRef idx="0">
-        <a:scrgbClr r="0" g="0" b="0"/>
-      </a:effectRef>
-      <a:fontRef idx="minor">
-        <a:schemeClr val="lt1"/>
-      </a:fontRef>
-    </dgm:style>
-  </dgm:styleLbl>
-  <dgm:styleLbl name="asst2">
-    <dgm:scene3d>
-      <a:camera prst="orthographicFront"/>
-      <a:lightRig rig="threePt" dir="t"/>
-    </dgm:scene3d>
-    <dgm:sp3d/>
-    <dgm:txPr/>
-    <dgm:style>
-      <a:lnRef idx="2">
-        <a:scrgbClr r="0" g="0" b="0"/>
-      </a:lnRef>
-      <a:fillRef idx="1">
-        <a:scrgbClr r="0" g="0" b="0"/>
-      </a:fillRef>
-      <a:effectRef idx="0">
-        <a:scrgbClr r="0" g="0" b="0"/>
-      </a:effectRef>
-      <a:fontRef idx="minor">
-        <a:schemeClr val="lt1"/>
-      </a:fontRef>
-    </dgm:style>
-  </dgm:styleLbl>
-  <dgm:styleLbl name="asst3">
-    <dgm:scene3d>
-      <a:camera prst="orthographicFront"/>
-      <a:lightRig rig="threePt" dir="t"/>
-    </dgm:scene3d>
-    <dgm:sp3d/>
-    <dgm:txPr/>
-    <dgm:style>
-      <a:lnRef idx="2">
-        <a:scrgbClr r="0" g="0" b="0"/>
-      </a:lnRef>
-      <a:fillRef idx="1">
-        <a:scrgbClr r="0" g="0" b="0"/>
-      </a:fillRef>
-      <a:effectRef idx="0">
-        <a:scrgbClr r="0" g="0" b="0"/>
-      </a:effectRef>
-      <a:fontRef idx="minor">
-        <a:schemeClr val="lt1"/>
-      </a:fontRef>
-    </dgm:style>
-  </dgm:styleLbl>
-  <dgm:styleLbl name="asst4">
-    <dgm:scene3d>
-      <a:camera prst="orthographicFront"/>
-      <a:lightRig rig="threePt" dir="t"/>
-    </dgm:scene3d>
-    <dgm:sp3d/>
-    <dgm:txPr/>
-    <dgm:style>
-      <a:lnRef idx="2">
-        <a:scrgbClr r="0" g="0" b="0"/>
-      </a:lnRef>
-      <a:fillRef idx="1">
-        <a:scrgbClr r="0" g="0" b="0"/>
-      </a:fillRef>
-      <a:effectRef idx="0">
-        <a:scrgbClr r="0" g="0" b="0"/>
-      </a:effectRef>
-      <a:fontRef idx="minor">
-        <a:schemeClr val="lt1"/>
-      </a:fontRef>
-    </dgm:style>
-  </dgm:styleLbl>
-  <dgm:styleLbl name="parChTrans2D1">
-    <dgm:scene3d>
-      <a:camera prst="orthographicFront"/>
-      <a:lightRig rig="threePt" dir="t"/>
-    </dgm:scene3d>
-    <dgm:sp3d/>
-    <dgm:txPr/>
-    <dgm:style>
-      <a:lnRef idx="2">
-        <a:scrgbClr r="0" g="0" b="0"/>
-      </a:lnRef>
-      <a:fillRef idx="1">
-        <a:scrgbClr r="0" g="0" b="0"/>
-      </a:fillRef>
-      <a:effectRef idx="0">
-        <a:scrgbClr r="0" g="0" b="0"/>
-      </a:effectRef>
-      <a:fontRef idx="minor">
-        <a:schemeClr val="lt1"/>
-      </a:fontRef>
-    </dgm:style>
-  </dgm:styleLbl>
-  <dgm:styleLbl name="parChTrans2D2">
-    <dgm:scene3d>
-      <a:camera prst="orthographicFront"/>
-      <a:lightRig rig="threePt" dir="t"/>
-    </dgm:scene3d>
-    <dgm:sp3d/>
-    <dgm:txPr/>
-    <dgm:style>
-      <a:lnRef idx="2">
-        <a:scrgbClr r="0" g="0" b="0"/>
-      </a:lnRef>
-      <a:fillRef idx="1">
-        <a:scrgbClr r="0" g="0" b="0"/>
-      </a:fillRef>
-      <a:effectRef idx="0">
-        <a:scrgbClr r="0" g="0" b="0"/>
-      </a:effectRef>
-      <a:fontRef idx="minor">
-        <a:schemeClr val="lt1"/>
-      </a:fontRef>
-    </dgm:style>
-  </dgm:styleLbl>
-  <dgm:styleLbl name="parChTrans2D3">
-    <dgm:scene3d>
-      <a:camera prst="orthographicFront"/>
-      <a:lightRig rig="threePt" dir="t"/>
-    </dgm:scene3d>
-    <dgm:sp3d/>
-    <dgm:txPr/>
-    <dgm:style>
-      <a:lnRef idx="2">
-        <a:scrgbClr r="0" g="0" b="0"/>
-      </a:lnRef>
-      <a:fillRef idx="1">
-        <a:scrgbClr r="0" g="0" b="0"/>
-      </a:fillRef>
-      <a:effectRef idx="0">
-        <a:scrgbClr r="0" g="0" b="0"/>
-      </a:effectRef>
-      <a:fontRef idx="minor">
-        <a:schemeClr val="lt1"/>
-      </a:fontRef>
-    </dgm:style>
-  </dgm:styleLbl>
-  <dgm:styleLbl name="parChTrans2D4">
-    <dgm:scene3d>
-      <a:camera prst="orthographicFront"/>
-      <a:lightRig rig="threePt" dir="t"/>
-    </dgm:scene3d>
-    <dgm:sp3d/>
-    <dgm:txPr/>
-    <dgm:style>
-      <a:lnRef idx="2">
-        <a:scrgbClr r="0" g="0" b="0"/>
-      </a:lnRef>
-      <a:fillRef idx="1">
-        <a:scrgbClr r="0" g="0" b="0"/>
-      </a:fillRef>
-      <a:effectRef idx="0">
-        <a:scrgbClr r="0" g="0" b="0"/>
-      </a:effectRef>
-      <a:fontRef idx="minor">
-        <a:schemeClr val="lt1"/>
-      </a:fontRef>
-    </dgm:style>
-  </dgm:styleLbl>
-  <dgm:styleLbl name="parChTrans1D1">
-    <dgm:scene3d>
-      <a:camera prst="orthographicFront"/>
-      <a:lightRig rig="threePt" dir="t"/>
-    </dgm:scene3d>
-    <dgm:sp3d/>
-    <dgm:txPr/>
-    <dgm:style>
-      <a:lnRef idx="2">
-        <a:scrgbClr r="0" g="0" b="0"/>
-      </a:lnRef>
-      <a:fillRef idx="0">
-        <a:scrgbClr r="0" g="0" b="0"/>
-      </a:fillRef>
-      <a:effectRef idx="0">
-        <a:scrgbClr r="0" g="0" b="0"/>
-      </a:effectRef>
-      <a:fontRef idx="minor"/>
-    </dgm:style>
-  </dgm:styleLbl>
-  <dgm:styleLbl name="parChTrans1D2">
-    <dgm:scene3d>
-      <a:camera prst="orthographicFront"/>
-      <a:lightRig rig="threePt" dir="t"/>
-    </dgm:scene3d>
-    <dgm:sp3d/>
-    <dgm:txPr/>
-    <dgm:style>
-      <a:lnRef idx="2">
-        <a:scrgbClr r="0" g="0" b="0"/>
-      </a:lnRef>
-      <a:fillRef idx="0">
-        <a:scrgbClr r="0" g="0" b="0"/>
-      </a:fillRef>
-      <a:effectRef idx="0">
-        <a:scrgbClr r="0" g="0" b="0"/>
-      </a:effectRef>
-      <a:fontRef idx="minor"/>
-    </dgm:style>
-  </dgm:styleLbl>
-  <dgm:styleLbl name="parChTrans1D3">
-    <dgm:scene3d>
-      <a:camera prst="orthographicFront"/>
-      <a:lightRig rig="threePt" dir="t"/>
-    </dgm:scene3d>
-    <dgm:sp3d/>
-    <dgm:txPr/>
-    <dgm:style>
-      <a:lnRef idx="2">
-        <a:scrgbClr r="0" g="0" b="0"/>
-      </a:lnRef>
-      <a:fillRef idx="0">
-        <a:scrgbClr r="0" g="0" b="0"/>
-      </a:fillRef>
-      <a:effectRef idx="0">
-        <a:scrgbClr r="0" g="0" b="0"/>
-      </a:effectRef>
-      <a:fontRef idx="minor"/>
-    </dgm:style>
-  </dgm:styleLbl>
-  <dgm:styleLbl name="parChTrans1D4">
-    <dgm:scene3d>
-      <a:camera prst="orthographicFront"/>
-      <a:lightRig rig="threePt" dir="t"/>
-    </dgm:scene3d>
-    <dgm:sp3d/>
-    <dgm:txPr/>
-    <dgm:style>
-      <a:lnRef idx="2">
-        <a:scrgbClr r="0" g="0" b="0"/>
-      </a:lnRef>
-      <a:fillRef idx="0">
-        <a:scrgbClr r="0" g="0" b="0"/>
-      </a:fillRef>
-      <a:effectRef idx="0">
-        <a:scrgbClr r="0" g="0" b="0"/>
-      </a:effectRef>
-      <a:fontRef idx="minor"/>
-    </dgm:style>
-  </dgm:styleLbl>
-  <dgm:styleLbl name="fgAcc1">
-    <dgm:scene3d>
-      <a:camera prst="orthographicFront"/>
-      <a:lightRig rig="threePt" dir="t"/>
-    </dgm:scene3d>
-    <dgm:sp3d/>
-    <dgm:txPr/>
-    <dgm:style>
-      <a:lnRef idx="2">
-        <a:scrgbClr r="0" g="0" b="0"/>
-      </a:lnRef>
-      <a:fillRef idx="1">
-        <a:scrgbClr r="0" g="0" b="0"/>
-      </a:fillRef>
-      <a:effectRef idx="0">
-        <a:scrgbClr r="0" g="0" b="0"/>
-      </a:effectRef>
-      <a:fontRef idx="minor"/>
-    </dgm:style>
-  </dgm:styleLbl>
-  <dgm:styleLbl name="conFgAcc1">
-    <dgm:scene3d>
-      <a:camera prst="orthographicFront"/>
-      <a:lightRig rig="threePt" dir="t"/>
-    </dgm:scene3d>
-    <dgm:sp3d/>
-    <dgm:txPr/>
-    <dgm:style>
-      <a:lnRef idx="2">
-        <a:scrgbClr r="0" g="0" b="0"/>
-      </a:lnRef>
-      <a:fillRef idx="1">
-        <a:scrgbClr r="0" g="0" b="0"/>
-      </a:fillRef>
-      <a:effectRef idx="0">
-        <a:scrgbClr r="0" g="0" b="0"/>
-      </a:effectRef>
-      <a:fontRef idx="minor"/>
-    </dgm:style>
-  </dgm:styleLbl>
-  <dgm:styleLbl name="alignAcc1">
-    <dgm:scene3d>
-      <a:camera prst="orthographicFront"/>
-      <a:lightRig rig="threePt" dir="t"/>
-    </dgm:scene3d>
-    <dgm:sp3d/>
-    <dgm:txPr/>
-    <dgm:style>
-      <a:lnRef idx="2">
-        <a:scrgbClr r="0" g="0" b="0"/>
-      </a:lnRef>
-      <a:fillRef idx="1">
-        <a:scrgbClr r="0" g="0" b="0"/>
-      </a:fillRef>
-      <a:effectRef idx="0">
-        <a:scrgbClr r="0" g="0" b="0"/>
-      </a:effectRef>
-      <a:fontRef idx="minor"/>
-    </dgm:style>
-  </dgm:styleLbl>
-  <dgm:styleLbl name="trAlignAcc1">
-    <dgm:scene3d>
-      <a:camera prst="orthographicFront"/>
-      <a:lightRig rig="threePt" dir="t"/>
-    </dgm:scene3d>
-    <dgm:sp3d/>
-    <dgm:txPr/>
-    <dgm:style>
-      <a:lnRef idx="1">
-        <a:scrgbClr r="0" g="0" b="0"/>
-      </a:lnRef>
-      <a:fillRef idx="1">
-        <a:scrgbClr r="0" g="0" b="0"/>
-      </a:fillRef>
-      <a:effectRef idx="0">
-        <a:scrgbClr r="0" g="0" b="0"/>
-      </a:effectRef>
-      <a:fontRef idx="minor"/>
-    </dgm:style>
-  </dgm:styleLbl>
-  <dgm:styleLbl name="bgAcc1">
-    <dgm:scene3d>
-      <a:camera prst="orthographicFront"/>
-      <a:lightRig rig="threePt" dir="t"/>
-    </dgm:scene3d>
-    <dgm:sp3d/>
-    <dgm:txPr/>
-    <dgm:style>
-      <a:lnRef idx="2">
-        <a:scrgbClr r="0" g="0" b="0"/>
-      </a:lnRef>
-      <a:fillRef idx="1">
-        <a:scrgbClr r="0" g="0" b="0"/>
-      </a:fillRef>
-      <a:effectRef idx="0">
-        <a:scrgbClr r="0" g="0" b="0"/>
-      </a:effectRef>
-      <a:fontRef idx="minor"/>
-    </dgm:style>
-  </dgm:styleLbl>
-  <dgm:styleLbl name="solidFgAcc1">
-    <dgm:scene3d>
-      <a:camera prst="orthographicFront"/>
-      <a:lightRig rig="threePt" dir="t"/>
-    </dgm:scene3d>
-    <dgm:sp3d/>
-    <dgm:txPr/>
-    <dgm:style>
-      <a:lnRef idx="2">
-        <a:scrgbClr r="0" g="0" b="0"/>
-      </a:lnRef>
-      <a:fillRef idx="1">
-        <a:scrgbClr r="0" g="0" b="0"/>
-      </a:fillRef>
-      <a:effectRef idx="0">
-        <a:scrgbClr r="0" g="0" b="0"/>
-      </a:effectRef>
-      <a:fontRef idx="minor"/>
-    </dgm:style>
-  </dgm:styleLbl>
-  <dgm:styleLbl name="solidAlignAcc1">
-    <dgm:scene3d>
-      <a:camera prst="orthographicFront"/>
-      <a:lightRig rig="threePt" dir="t"/>
-    </dgm:scene3d>
-    <dgm:sp3d/>
-    <dgm:txPr/>
-    <dgm:style>
-      <a:lnRef idx="2">
-        <a:scrgbClr r="0" g="0" b="0"/>
-      </a:lnRef>
-      <a:fillRef idx="1">
-        <a:scrgbClr r="0" g="0" b="0"/>
-      </a:fillRef>
-      <a:effectRef idx="0">
-        <a:scrgbClr r="0" g="0" b="0"/>
-      </a:effectRef>
-      <a:fontRef idx="minor"/>
-    </dgm:style>
-  </dgm:styleLbl>
-  <dgm:styleLbl name="solidBgAcc1">
-    <dgm:scene3d>
-      <a:camera prst="orthographicFront"/>
-      <a:lightRig rig="threePt" dir="t"/>
-    </dgm:scene3d>
-    <dgm:sp3d/>
-    <dgm:txPr/>
-    <dgm:style>
-      <a:lnRef idx="2">
-        <a:scrgbClr r="0" g="0" b="0"/>
-      </a:lnRef>
-      <a:fillRef idx="1">
-        <a:scrgbClr r="0" g="0" b="0"/>
-      </a:fillRef>
-      <a:effectRef idx="0">
-        <a:scrgbClr r="0" g="0" b="0"/>
-      </a:effectRef>
-      <a:fontRef idx="minor"/>
-    </dgm:style>
-  </dgm:styleLbl>
-  <dgm:styleLbl name="fgAccFollowNode1">
-    <dgm:scene3d>
-      <a:camera prst="orthographicFront"/>
-      <a:lightRig rig="threePt" dir="t"/>
-    </dgm:scene3d>
-    <dgm:sp3d/>
-    <dgm:txPr/>
-    <dgm:style>
-      <a:lnRef idx="2">
-        <a:scrgbClr r="0" g="0" b="0"/>
-      </a:lnRef>
-      <a:fillRef idx="1">
-        <a:scrgbClr r="0" g="0" b="0"/>
-      </a:fillRef>
-      <a:effectRef idx="0">
-        <a:scrgbClr r="0" g="0" b="0"/>
-      </a:effectRef>
-      <a:fontRef idx="minor"/>
-    </dgm:style>
-  </dgm:styleLbl>
-  <dgm:styleLbl name="alignAccFollowNode1">
-    <dgm:scene3d>
-      <a:camera prst="orthographicFront"/>
-      <a:lightRig rig="threePt" dir="t"/>
-    </dgm:scene3d>
-    <dgm:sp3d/>
-    <dgm:txPr/>
-    <dgm:style>
-      <a:lnRef idx="2">
-        <a:scrgbClr r="0" g="0" b="0"/>
-      </a:lnRef>
-      <a:fillRef idx="1">
-        <a:scrgbClr r="0" g="0" b="0"/>
-      </a:fillRef>
-      <a:effectRef idx="0">
-        <a:scrgbClr r="0" g="0" b="0"/>
-      </a:effectRef>
-      <a:fontRef idx="minor"/>
-    </dgm:style>
-  </dgm:styleLbl>
-  <dgm:styleLbl name="bgAccFollowNode1">
-    <dgm:scene3d>
-      <a:camera prst="orthographicFront"/>
-      <a:lightRig rig="threePt" dir="t"/>
-    </dgm:scene3d>
-    <dgm:sp3d/>
-    <dgm:txPr/>
-    <dgm:style>
-      <a:lnRef idx="2">
-        <a:scrgbClr r="0" g="0" b="0"/>
-      </a:lnRef>
-      <a:fillRef idx="1">
-        <a:scrgbClr r="0" g="0" b="0"/>
-      </a:fillRef>
-      <a:effectRef idx="0">
-        <a:scrgbClr r="0" g="0" b="0"/>
-      </a:effectRef>
-      <a:fontRef idx="minor"/>
-    </dgm:style>
-  </dgm:styleLbl>
-  <dgm:styleLbl name="fgAcc0">
-    <dgm:scene3d>
-      <a:camera prst="orthographicFront"/>
-      <a:lightRig rig="threePt" dir="t"/>
-    </dgm:scene3d>
-    <dgm:sp3d/>
-    <dgm:txPr/>
-    <dgm:style>
-      <a:lnRef idx="2">
-        <a:scrgbClr r="0" g="0" b="0"/>
-      </a:lnRef>
-      <a:fillRef idx="1">
-        <a:scrgbClr r="0" g="0" b="0"/>
-      </a:fillRef>
-      <a:effectRef idx="0">
-        <a:scrgbClr r="0" g="0" b="0"/>
-      </a:effectRef>
-      <a:fontRef idx="minor"/>
-    </dgm:style>
-  </dgm:styleLbl>
-  <dgm:styleLbl name="fgAcc2">
-    <dgm:scene3d>
-      <a:camera prst="orthographicFront"/>
-      <a:lightRig rig="threePt" dir="t"/>
-    </dgm:scene3d>
-    <dgm:sp3d/>
-    <dgm:txPr/>
-    <dgm:style>
-      <a:lnRef idx="2">
-        <a:scrgbClr r="0" g="0" b="0"/>
-      </a:lnRef>
-      <a:fillRef idx="1">
-        <a:scrgbClr r="0" g="0" b="0"/>
-      </a:fillRef>
-      <a:effectRef idx="0">
-        <a:scrgbClr r="0" g="0" b="0"/>
-      </a:effectRef>
-      <a:fontRef idx="minor"/>
-    </dgm:style>
-  </dgm:styleLbl>
-  <dgm:styleLbl name="fgAcc3">
-    <dgm:scene3d>
-      <a:camera prst="orthographicFront"/>
-      <a:lightRig rig="threePt" dir="t"/>
-    </dgm:scene3d>
-    <dgm:sp3d/>
-    <dgm:txPr/>
-    <dgm:style>
-      <a:lnRef idx="2">
-        <a:scrgbClr r="0" g="0" b="0"/>
-      </a:lnRef>
-      <a:fillRef idx="1">
-        <a:scrgbClr r="0" g="0" b="0"/>
-      </a:fillRef>
-      <a:effectRef idx="0">
-        <a:scrgbClr r="0" g="0" b="0"/>
-      </a:effectRef>
-      <a:fontRef idx="minor"/>
-    </dgm:style>
-  </dgm:styleLbl>
-  <dgm:styleLbl name="fgAcc4">
-    <dgm:scene3d>
-      <a:camera prst="orthographicFront"/>
-      <a:lightRig rig="threePt" dir="t"/>
-    </dgm:scene3d>
-    <dgm:sp3d/>
-    <dgm:txPr/>
-    <dgm:style>
-      <a:lnRef idx="2">
-        <a:scrgbClr r="0" g="0" b="0"/>
-      </a:lnRef>
-      <a:fillRef idx="1">
-        <a:scrgbClr r="0" g="0" b="0"/>
-      </a:fillRef>
-      <a:effectRef idx="0">
-        <a:scrgbClr r="0" g="0" b="0"/>
-      </a:effectRef>
-      <a:fontRef idx="minor"/>
-    </dgm:style>
-  </dgm:styleLbl>
-  <dgm:styleLbl name="bgShp">
-    <dgm:scene3d>
-      <a:camera prst="orthographicFront"/>
-      <a:lightRig rig="threePt" dir="t"/>
-    </dgm:scene3d>
-    <dgm:sp3d/>
-    <dgm:txPr/>
-    <dgm:style>
-      <a:lnRef idx="0">
-        <a:scrgbClr r="0" g="0" b="0"/>
-      </a:lnRef>
-      <a:fillRef idx="1">
-        <a:scrgbClr r="0" g="0" b="0"/>
-      </a:fillRef>
-      <a:effectRef idx="0">
-        <a:scrgbClr r="0" g="0" b="0"/>
-      </a:effectRef>
-      <a:fontRef idx="minor"/>
-    </dgm:style>
-  </dgm:styleLbl>
-  <dgm:styleLbl name="dkBgShp">
-    <dgm:scene3d>
-      <a:camera prst="orthographicFront"/>
-      <a:lightRig rig="threePt" dir="t"/>
-    </dgm:scene3d>
-    <dgm:sp3d/>
-    <dgm:txPr/>
-    <dgm:style>
-      <a:lnRef idx="0">
-        <a:scrgbClr r="0" g="0" b="0"/>
-      </a:lnRef>
-      <a:fillRef idx="1">
-        <a:scrgbClr r="0" g="0" b="0"/>
-      </a:fillRef>
-      <a:effectRef idx="0">
-        <a:scrgbClr r="0" g="0" b="0"/>
-      </a:effectRef>
-      <a:fontRef idx="minor"/>
-    </dgm:style>
-  </dgm:styleLbl>
-  <dgm:styleLbl name="trBgShp">
-    <dgm:scene3d>
-      <a:camera prst="orthographicFront"/>
-      <a:lightRig rig="threePt" dir="t"/>
-    </dgm:scene3d>
-    <dgm:sp3d/>
-    <dgm:txPr/>
-    <dgm:style>
-      <a:lnRef idx="0">
-        <a:scrgbClr r="0" g="0" b="0"/>
-      </a:lnRef>
-      <a:fillRef idx="1">
-        <a:scrgbClr r="0" g="0" b="0"/>
-      </a:fillRef>
-      <a:effectRef idx="0">
-        <a:scrgbClr r="0" g="0" b="0"/>
-      </a:effectRef>
-      <a:fontRef idx="minor"/>
-    </dgm:style>
-  </dgm:styleLbl>
-  <dgm:styleLbl name="fgShp">
-    <dgm:scene3d>
-      <a:camera prst="orthographicFront"/>
-      <a:lightRig rig="threePt" dir="t"/>
-    </dgm:scene3d>
-    <dgm:sp3d/>
-    <dgm:txPr/>
-    <dgm:style>
-      <a:lnRef idx="2">
-        <a:scrgbClr r="0" g="0" b="0"/>
-      </a:lnRef>
-      <a:fillRef idx="1">
-        <a:scrgbClr r="0" g="0" b="0"/>
-      </a:fillRef>
-      <a:effectRef idx="0">
-        <a:scrgbClr r="0" g="0" b="0"/>
-      </a:effectRef>
-      <a:fontRef idx="minor"/>
-    </dgm:style>
-  </dgm:styleLbl>
-  <dgm:styleLbl name="revTx">
-    <dgm:scene3d>
-      <a:camera prst="orthographicFront"/>
-      <a:lightRig rig="threePt" dir="t"/>
-    </dgm:scene3d>
-    <dgm:sp3d/>
-    <dgm:txPr/>
-    <dgm:style>
-      <a:lnRef idx="0">
-        <a:scrgbClr r="0" g="0" b="0"/>
-      </a:lnRef>
-      <a:fillRef idx="0">
-        <a:scrgbClr r="0" g="0" b="0"/>
-      </a:fillRef>
-      <a:effectRef idx="0">
-        <a:scrgbClr r="0" g="0" b="0"/>
-      </a:effectRef>
-      <a:fontRef idx="minor"/>
-    </dgm:style>
-  </dgm:styleLbl>
-</dgm:styleDef>
-</file>
-
-<file path=ppt/diagrams/quickStyle2.xml><?xml version="1.0" encoding="utf-8"?>
 <dgm:styleDef xmlns:dgm="http://schemas.openxmlformats.org/drawingml/2006/diagram" xmlns:a="http://schemas.openxmlformats.org/drawingml/2006/main" uniqueId="urn:microsoft.com/office/officeart/2005/8/quickstyle/simple1">
   <dgm:title val=""/>
   <dgm:desc val=""/>
@@ -6737,7 +2931,7 @@
           <a:p>
             <a:fld id="{2B85766F-5EC0-4797-B4D1-777FCB005B11}" type="datetimeFigureOut">
               <a:rPr lang="en-US" smtClean="0"/>
-              <a:t>4/10/2021</a:t>
+              <a:t>4/20/2021</a:t>
             </a:fld>
             <a:endParaRPr lang="en-US" dirty="0"/>
           </a:p>
@@ -6914,7 +3108,7 @@
           <a:p>
             <a:fld id="{B2B4B5EC-152C-4627-80C0-63B10D5574EF}" type="datetimeFigureOut">
               <a:rPr lang="en-US" smtClean="0"/>
-              <a:t>4/10/2021</a:t>
+              <a:t>4/20/2021</a:t>
             </a:fld>
             <a:endParaRPr lang="en-US" dirty="0"/>
           </a:p>
@@ -11463,7 +7657,7 @@
           <a:p>
             <a:fld id="{48A87A34-81AB-432B-8DAE-1953F412C126}" type="datetimeFigureOut">
               <a:rPr lang="en-US" smtClean="0"/>
-              <a:t>4/10/2021</a:t>
+              <a:t>4/20/2021</a:t>
             </a:fld>
             <a:endParaRPr lang="en-US" dirty="0"/>
           </a:p>
@@ -11730,7 +7924,7 @@
           <a:p>
             <a:fld id="{48A87A34-81AB-432B-8DAE-1953F412C126}" type="datetimeFigureOut">
               <a:rPr lang="en-US" smtClean="0"/>
-              <a:t>4/10/2021</a:t>
+              <a:t>4/20/2021</a:t>
             </a:fld>
             <a:endParaRPr lang="en-US" dirty="0"/>
           </a:p>
@@ -11926,7 +8120,7 @@
           <a:p>
             <a:fld id="{48A87A34-81AB-432B-8DAE-1953F412C126}" type="datetimeFigureOut">
               <a:rPr lang="en-US" smtClean="0"/>
-              <a:t>4/10/2021</a:t>
+              <a:t>4/20/2021</a:t>
             </a:fld>
             <a:endParaRPr lang="en-US" dirty="0"/>
           </a:p>
@@ -12189,7 +8383,7 @@
           <a:p>
             <a:fld id="{48A87A34-81AB-432B-8DAE-1953F412C126}" type="datetimeFigureOut">
               <a:rPr lang="en-US" smtClean="0"/>
-              <a:t>4/10/2021</a:t>
+              <a:t>4/20/2021</a:t>
             </a:fld>
             <a:endParaRPr lang="en-US" dirty="0"/>
           </a:p>
@@ -12623,7 +8817,7 @@
           <a:p>
             <a:fld id="{48A87A34-81AB-432B-8DAE-1953F412C126}" type="datetimeFigureOut">
               <a:rPr lang="en-US" smtClean="0"/>
-              <a:t>4/10/2021</a:t>
+              <a:t>4/20/2021</a:t>
             </a:fld>
             <a:endParaRPr lang="en-US" dirty="0"/>
           </a:p>
@@ -13169,7 +9363,7 @@
           <a:p>
             <a:fld id="{48A87A34-81AB-432B-8DAE-1953F412C126}" type="datetimeFigureOut">
               <a:rPr lang="en-US" smtClean="0"/>
-              <a:t>4/10/2021</a:t>
+              <a:t>4/20/2021</a:t>
             </a:fld>
             <a:endParaRPr lang="en-US" dirty="0"/>
           </a:p>
@@ -13889,7 +10083,7 @@
           <a:p>
             <a:fld id="{48A87A34-81AB-432B-8DAE-1953F412C126}" type="datetimeFigureOut">
               <a:rPr lang="en-US" smtClean="0"/>
-              <a:t>4/10/2021</a:t>
+              <a:t>4/20/2021</a:t>
             </a:fld>
             <a:endParaRPr lang="en-US" dirty="0"/>
           </a:p>
@@ -14059,7 +10253,7 @@
           <a:p>
             <a:fld id="{48A87A34-81AB-432B-8DAE-1953F412C126}" type="datetimeFigureOut">
               <a:rPr lang="en-US" smtClean="0"/>
-              <a:t>4/10/2021</a:t>
+              <a:t>4/20/2021</a:t>
             </a:fld>
             <a:endParaRPr lang="en-US" dirty="0"/>
           </a:p>
@@ -14239,7 +10433,7 @@
           <a:p>
             <a:fld id="{48A87A34-81AB-432B-8DAE-1953F412C126}" type="datetimeFigureOut">
               <a:rPr lang="en-US" smtClean="0"/>
-              <a:t>4/10/2021</a:t>
+              <a:t>4/20/2021</a:t>
             </a:fld>
             <a:endParaRPr lang="en-US" dirty="0"/>
           </a:p>
@@ -14409,7 +10603,7 @@
           <a:p>
             <a:fld id="{48A87A34-81AB-432B-8DAE-1953F412C126}" type="datetimeFigureOut">
               <a:rPr lang="en-US" smtClean="0"/>
-              <a:t>4/10/2021</a:t>
+              <a:t>4/20/2021</a:t>
             </a:fld>
             <a:endParaRPr lang="en-US" dirty="0"/>
           </a:p>
@@ -14659,7 +10853,7 @@
           <a:p>
             <a:fld id="{48A87A34-81AB-432B-8DAE-1953F412C126}" type="datetimeFigureOut">
               <a:rPr lang="en-US" smtClean="0"/>
-              <a:t>4/10/2021</a:t>
+              <a:t>4/20/2021</a:t>
             </a:fld>
             <a:endParaRPr lang="en-US" dirty="0"/>
           </a:p>
@@ -14891,7 +11085,7 @@
           <a:p>
             <a:fld id="{48A87A34-81AB-432B-8DAE-1953F412C126}" type="datetimeFigureOut">
               <a:rPr lang="en-US" smtClean="0"/>
-              <a:t>4/10/2021</a:t>
+              <a:t>4/20/2021</a:t>
             </a:fld>
             <a:endParaRPr lang="en-US" dirty="0"/>
           </a:p>
@@ -15272,7 +11466,7 @@
           <a:p>
             <a:fld id="{48A87A34-81AB-432B-8DAE-1953F412C126}" type="datetimeFigureOut">
               <a:rPr lang="en-US" smtClean="0"/>
-              <a:t>4/10/2021</a:t>
+              <a:t>4/20/2021</a:t>
             </a:fld>
             <a:endParaRPr lang="en-US" dirty="0"/>
           </a:p>
@@ -15390,7 +11584,7 @@
           <a:p>
             <a:fld id="{48A87A34-81AB-432B-8DAE-1953F412C126}" type="datetimeFigureOut">
               <a:rPr lang="en-US" smtClean="0"/>
-              <a:t>4/10/2021</a:t>
+              <a:t>4/20/2021</a:t>
             </a:fld>
             <a:endParaRPr lang="en-US" dirty="0"/>
           </a:p>
@@ -15485,7 +11679,7 @@
           <a:p>
             <a:fld id="{48A87A34-81AB-432B-8DAE-1953F412C126}" type="datetimeFigureOut">
               <a:rPr lang="en-US" smtClean="0"/>
-              <a:t>4/10/2021</a:t>
+              <a:t>4/20/2021</a:t>
             </a:fld>
             <a:endParaRPr lang="en-US" dirty="0"/>
           </a:p>
@@ -15734,7 +11928,7 @@
           <a:p>
             <a:fld id="{48A87A34-81AB-432B-8DAE-1953F412C126}" type="datetimeFigureOut">
               <a:rPr lang="en-US" smtClean="0"/>
-              <a:t>4/10/2021</a:t>
+              <a:t>4/20/2021</a:t>
             </a:fld>
             <a:endParaRPr lang="en-US" dirty="0"/>
           </a:p>
@@ -16014,7 +12208,7 @@
           <a:p>
             <a:fld id="{48A87A34-81AB-432B-8DAE-1953F412C126}" type="datetimeFigureOut">
               <a:rPr lang="en-US" smtClean="0"/>
-              <a:t>4/10/2021</a:t>
+              <a:t>4/20/2021</a:t>
             </a:fld>
             <a:endParaRPr lang="en-US" dirty="0"/>
           </a:p>
@@ -19082,7 +15276,7 @@
             <a:fld id="{48A87A34-81AB-432B-8DAE-1953F412C126}" type="datetimeFigureOut">
               <a:rPr lang="en-US" smtClean="0"/>
               <a:pPr/>
-              <a:t>4/10/2021</a:t>
+              <a:t>4/20/2021</a:t>
             </a:fld>
             <a:endParaRPr lang="en-US" dirty="0"/>
           </a:p>
@@ -19519,7 +15713,12 @@
             <p:ph type="ctrTitle"/>
           </p:nvPr>
         </p:nvSpPr>
-        <p:spPr/>
+        <p:spPr>
+          <a:xfrm>
+            <a:off x="1248605" y="1130752"/>
+            <a:ext cx="8791575" cy="2387600"/>
+          </a:xfrm>
+        </p:spPr>
         <p:txBody>
           <a:bodyPr>
             <a:normAutofit/>
@@ -19531,7 +15730,7 @@
               <a:rPr lang="en-US" sz="5400" dirty="0">
                 <a:latin typeface="Rockwell" panose="02060603020205020403" pitchFamily="18" charset="0"/>
               </a:rPr>
-              <a:t>&lt;insert problem Title&gt;</a:t>
+              <a:t>SECURING WebRTC</a:t>
             </a:r>
           </a:p>
         </p:txBody>
@@ -19552,6 +15751,180 @@
             <p:ph type="subTitle" idx="1"/>
           </p:nvPr>
         </p:nvSpPr>
+        <p:spPr>
+          <a:xfrm>
+            <a:off x="620785" y="3585260"/>
+            <a:ext cx="10047214" cy="1655762"/>
+          </a:xfrm>
+        </p:spPr>
+        <p:txBody>
+          <a:bodyPr>
+            <a:normAutofit fontScale="55000" lnSpcReduction="20000"/>
+          </a:bodyPr>
+          <a:lstStyle/>
+          <a:p>
+            <a:pPr algn="ctr"/>
+            <a:r>
+              <a:rPr lang="en-US" sz="2400" b="1" dirty="0">
+                <a:latin typeface="Tahoma" panose="020B0604030504040204" pitchFamily="34" charset="0"/>
+                <a:ea typeface="Tahoma" panose="020B0604030504040204" pitchFamily="34" charset="0"/>
+                <a:cs typeface="Tahoma" panose="020B0604030504040204" pitchFamily="34" charset="0"/>
+              </a:rPr>
+              <a:t>Dennis </a:t>
+            </a:r>
+            <a:r>
+              <a:rPr lang="en-US" sz="2400" b="1" dirty="0" err="1">
+                <a:latin typeface="Tahoma" panose="020B0604030504040204" pitchFamily="34" charset="0"/>
+                <a:ea typeface="Tahoma" panose="020B0604030504040204" pitchFamily="34" charset="0"/>
+                <a:cs typeface="Tahoma" panose="020B0604030504040204" pitchFamily="34" charset="0"/>
+              </a:rPr>
+              <a:t>MCMeekan</a:t>
+            </a:r>
+            <a:r>
+              <a:rPr lang="en-US" sz="2400" b="1" dirty="0">
+                <a:latin typeface="Tahoma" panose="020B0604030504040204" pitchFamily="34" charset="0"/>
+                <a:ea typeface="Tahoma" panose="020B0604030504040204" pitchFamily="34" charset="0"/>
+                <a:cs typeface="Tahoma" panose="020B0604030504040204" pitchFamily="34" charset="0"/>
+              </a:rPr>
+              <a:t> (dj-mcmeekan@wiu.edu)</a:t>
+            </a:r>
+          </a:p>
+          <a:p>
+            <a:pPr algn="ctr"/>
+            <a:endParaRPr lang="en-US" sz="2400" b="1" dirty="0">
+              <a:latin typeface="Tahoma" panose="020B0604030504040204" pitchFamily="34" charset="0"/>
+              <a:ea typeface="Tahoma" panose="020B0604030504040204" pitchFamily="34" charset="0"/>
+              <a:cs typeface="Tahoma" panose="020B0604030504040204" pitchFamily="34" charset="0"/>
+            </a:endParaRPr>
+          </a:p>
+          <a:p>
+            <a:pPr algn="ctr"/>
+            <a:r>
+              <a:rPr lang="en-US" sz="2400" dirty="0">
+                <a:latin typeface="Tahoma" panose="020B0604030504040204" pitchFamily="34" charset="0"/>
+                <a:ea typeface="Tahoma" panose="020B0604030504040204" pitchFamily="34" charset="0"/>
+                <a:cs typeface="Tahoma" panose="020B0604030504040204" pitchFamily="34" charset="0"/>
+              </a:rPr>
+              <a:t>M.S. Thesis Defense Presentation</a:t>
+            </a:r>
+          </a:p>
+          <a:p>
+            <a:pPr algn="ctr"/>
+            <a:r>
+              <a:rPr lang="en-US" sz="2400" b="1" dirty="0">
+                <a:latin typeface="Tahoma" panose="020B0604030504040204" pitchFamily="34" charset="0"/>
+                <a:ea typeface="Tahoma" panose="020B0604030504040204" pitchFamily="34" charset="0"/>
+                <a:cs typeface="Tahoma" panose="020B0604030504040204" pitchFamily="34" charset="0"/>
+              </a:rPr>
+              <a:t>School of Computer Sciences</a:t>
+            </a:r>
+          </a:p>
+          <a:p>
+            <a:pPr algn="ctr"/>
+            <a:r>
+              <a:rPr lang="en-US" sz="2400" b="1" dirty="0">
+                <a:latin typeface="Tahoma" panose="020B0604030504040204" pitchFamily="34" charset="0"/>
+                <a:ea typeface="Tahoma" panose="020B0604030504040204" pitchFamily="34" charset="0"/>
+                <a:cs typeface="Tahoma" panose="020B0604030504040204" pitchFamily="34" charset="0"/>
+              </a:rPr>
+              <a:t>Western Illinois University</a:t>
+            </a:r>
+          </a:p>
+        </p:txBody>
+      </p:sp>
+      <p:pic>
+        <p:nvPicPr>
+          <p:cNvPr id="1026" name="Picture 2" descr="WebRTC Logo | PNGlib - Free PNG Library">
+            <a:extLst>
+              <a:ext uri="{FF2B5EF4-FFF2-40B4-BE49-F238E27FC236}">
+                <a16:creationId xmlns:a16="http://schemas.microsoft.com/office/drawing/2014/main" id="{7C10DB79-2230-439C-A485-69EE8EDDAFF4}"/>
+              </a:ext>
+            </a:extLst>
+          </p:cNvPr>
+          <p:cNvPicPr>
+            <a:picLocks noChangeAspect="1" noChangeArrowheads="1"/>
+          </p:cNvPicPr>
+          <p:nvPr/>
+        </p:nvPicPr>
+        <p:blipFill>
+          <a:blip r:embed="rId2">
+            <a:extLst>
+              <a:ext uri="{28A0092B-C50C-407E-A947-70E740481C1C}">
+                <a14:useLocalDpi xmlns:a14="http://schemas.microsoft.com/office/drawing/2010/main" val="0"/>
+              </a:ext>
+            </a:extLst>
+          </a:blip>
+          <a:srcRect/>
+          <a:stretch>
+            <a:fillRect/>
+          </a:stretch>
+        </p:blipFill>
+        <p:spPr bwMode="auto">
+          <a:xfrm>
+            <a:off x="8743612" y="54282"/>
+            <a:ext cx="3280608" cy="3193291"/>
+          </a:xfrm>
+          <a:prstGeom prst="rect">
+            <a:avLst/>
+          </a:prstGeom>
+          <a:noFill/>
+          <a:extLst>
+            <a:ext uri="{909E8E84-426E-40DD-AFC4-6F175D3DCCD1}">
+              <a14:hiddenFill xmlns:a14="http://schemas.microsoft.com/office/drawing/2010/main">
+                <a:solidFill>
+                  <a:srgbClr val="FFFFFF"/>
+                </a:solidFill>
+              </a14:hiddenFill>
+            </a:ext>
+          </a:extLst>
+        </p:spPr>
+      </p:pic>
+    </p:spTree>
+    <p:extLst>
+      <p:ext uri="{BB962C8B-B14F-4D97-AF65-F5344CB8AC3E}">
+        <p14:creationId xmlns:p14="http://schemas.microsoft.com/office/powerpoint/2010/main" val="1819359268"/>
+      </p:ext>
+    </p:extLst>
+  </p:cSld>
+  <p:clrMapOvr>
+    <a:masterClrMapping/>
+  </p:clrMapOvr>
+</p:sld>
+</file>
+
+<file path=ppt/slides/slide10.xml><?xml version="1.0" encoding="utf-8"?>
+<p:sld xmlns:a="http://schemas.openxmlformats.org/drawingml/2006/main" xmlns:r="http://schemas.openxmlformats.org/officeDocument/2006/relationships" xmlns:p="http://schemas.openxmlformats.org/presentationml/2006/main">
+  <p:cSld>
+    <p:spTree>
+      <p:nvGrpSpPr>
+        <p:cNvPr id="1" name=""/>
+        <p:cNvGrpSpPr/>
+        <p:nvPr/>
+      </p:nvGrpSpPr>
+      <p:grpSpPr>
+        <a:xfrm>
+          <a:off x="0" y="0"/>
+          <a:ext cx="0" cy="0"/>
+          <a:chOff x="0" y="0"/>
+          <a:chExt cx="0" cy="0"/>
+        </a:xfrm>
+      </p:grpSpPr>
+      <p:sp>
+        <p:nvSpPr>
+          <p:cNvPr id="2" name="Title 1">
+            <a:extLst>
+              <a:ext uri="{FF2B5EF4-FFF2-40B4-BE49-F238E27FC236}">
+                <a16:creationId xmlns:a16="http://schemas.microsoft.com/office/drawing/2014/main" id="{34DB6CE4-2B13-4715-B5B2-615A55922CA1}"/>
+              </a:ext>
+            </a:extLst>
+          </p:cNvPr>
+          <p:cNvSpPr>
+            <a:spLocks noGrp="1"/>
+          </p:cNvSpPr>
+          <p:nvPr>
+            <p:ph type="title"/>
+          </p:nvPr>
+        </p:nvSpPr>
         <p:spPr/>
         <p:txBody>
           <a:bodyPr>
@@ -19559,25 +15932,112 @@
           </a:bodyPr>
           <a:lstStyle/>
           <a:p>
-            <a:pPr algn="ctr"/>
+            <a:r>
+              <a:rPr lang="en-US" sz="4400" dirty="0">
+                <a:latin typeface="Rockwell" panose="02060603020205020403" pitchFamily="18" charset="0"/>
+              </a:rPr>
+              <a:t>Covert Channels</a:t>
+            </a:r>
+          </a:p>
+        </p:txBody>
+      </p:sp>
+      <p:sp>
+        <p:nvSpPr>
+          <p:cNvPr id="3" name="Content Placeholder 2">
+            <a:extLst>
+              <a:ext uri="{FF2B5EF4-FFF2-40B4-BE49-F238E27FC236}">
+                <a16:creationId xmlns:a16="http://schemas.microsoft.com/office/drawing/2014/main" id="{143F5361-68C0-4BF5-80C8-F1E7BF92B2DB}"/>
+              </a:ext>
+            </a:extLst>
+          </p:cNvPr>
+          <p:cNvSpPr>
+            <a:spLocks noGrp="1"/>
+          </p:cNvSpPr>
+          <p:nvPr>
+            <p:ph idx="1"/>
+          </p:nvPr>
+        </p:nvSpPr>
+        <p:spPr/>
+        <p:txBody>
+          <a:bodyPr>
+            <a:normAutofit/>
+          </a:bodyPr>
+          <a:lstStyle/>
+          <a:p>
+            <a:pPr lvl="1"/>
             <a:r>
               <a:rPr lang="en-US" sz="2400" dirty="0">
                 <a:latin typeface="Tahoma" panose="020B0604030504040204" pitchFamily="34" charset="0"/>
                 <a:ea typeface="Tahoma" panose="020B0604030504040204" pitchFamily="34" charset="0"/>
                 <a:cs typeface="Tahoma" panose="020B0604030504040204" pitchFamily="34" charset="0"/>
               </a:rPr>
-              <a:t>&lt;insert student name 1&gt;</a:t>
-            </a:r>
-          </a:p>
-          <a:p>
-            <a:pPr algn="ctr"/>
+              <a:t>Sending Data Unintentionally</a:t>
+            </a:r>
+          </a:p>
+          <a:p>
+            <a:pPr lvl="2"/>
+            <a:r>
+              <a:rPr lang="en-US" sz="2200" dirty="0">
+                <a:latin typeface="Tahoma" panose="020B0604030504040204" pitchFamily="34" charset="0"/>
+                <a:ea typeface="Tahoma" panose="020B0604030504040204" pitchFamily="34" charset="0"/>
+                <a:cs typeface="Tahoma" panose="020B0604030504040204" pitchFamily="34" charset="0"/>
+              </a:rPr>
+              <a:t>Can be Harmless/Harmful</a:t>
+            </a:r>
+          </a:p>
+          <a:p>
+            <a:pPr lvl="1"/>
             <a:r>
               <a:rPr lang="en-US" sz="2400" dirty="0">
                 <a:latin typeface="Tahoma" panose="020B0604030504040204" pitchFamily="34" charset="0"/>
                 <a:ea typeface="Tahoma" panose="020B0604030504040204" pitchFamily="34" charset="0"/>
                 <a:cs typeface="Tahoma" panose="020B0604030504040204" pitchFamily="34" charset="0"/>
               </a:rPr>
-              <a:t>&lt;insert student name 2&gt;</a:t>
+              <a:t>How It Works</a:t>
+            </a:r>
+          </a:p>
+          <a:p>
+            <a:pPr lvl="2"/>
+            <a:r>
+              <a:rPr lang="en-US" sz="2000" dirty="0">
+                <a:latin typeface="Tahoma" panose="020B0604030504040204" pitchFamily="34" charset="0"/>
+                <a:ea typeface="Tahoma" panose="020B0604030504040204" pitchFamily="34" charset="0"/>
+                <a:cs typeface="Tahoma" panose="020B0604030504040204" pitchFamily="34" charset="0"/>
+              </a:rPr>
+              <a:t>Exploit Certain Elements (WebRTC API) to Send/Receive Data</a:t>
+            </a:r>
+          </a:p>
+          <a:p>
+            <a:pPr lvl="1"/>
+            <a:r>
+              <a:rPr lang="en-US" sz="2200" dirty="0">
+                <a:latin typeface="Tahoma" panose="020B0604030504040204" pitchFamily="34" charset="0"/>
+                <a:ea typeface="Tahoma" panose="020B0604030504040204" pitchFamily="34" charset="0"/>
+                <a:cs typeface="Tahoma" panose="020B0604030504040204" pitchFamily="34" charset="0"/>
+              </a:rPr>
+              <a:t>Threat</a:t>
+            </a:r>
+          </a:p>
+          <a:p>
+            <a:pPr lvl="2"/>
+            <a:r>
+              <a:rPr lang="en-US" sz="2000" dirty="0">
+                <a:latin typeface="Tahoma" panose="020B0604030504040204" pitchFamily="34" charset="0"/>
+                <a:ea typeface="Tahoma" panose="020B0604030504040204" pitchFamily="34" charset="0"/>
+                <a:cs typeface="Tahoma" panose="020B0604030504040204" pitchFamily="34" charset="0"/>
+              </a:rPr>
+              <a:t>Sending Sensitive Data</a:t>
+            </a:r>
+          </a:p>
+          <a:p>
+            <a:pPr lvl="2"/>
+            <a:r>
+              <a:rPr lang="en-US" sz="2000" dirty="0">
+                <a:latin typeface="Tahoma" panose="020B0604030504040204" pitchFamily="34" charset="0"/>
+                <a:ea typeface="Tahoma" panose="020B0604030504040204" pitchFamily="34" charset="0"/>
+                <a:cs typeface="Tahoma" panose="020B0604030504040204" pitchFamily="34" charset="0"/>
+              </a:rPr>
+              <a:t>Malware</a:t>
             </a:r>
           </a:p>
         </p:txBody>
@@ -19585,7 +16045,1279 @@
     </p:spTree>
     <p:extLst>
       <p:ext uri="{BB962C8B-B14F-4D97-AF65-F5344CB8AC3E}">
-        <p14:creationId xmlns:p14="http://schemas.microsoft.com/office/powerpoint/2010/main" val="1819359268"/>
+        <p14:creationId xmlns:p14="http://schemas.microsoft.com/office/powerpoint/2010/main" val="3282932442"/>
+      </p:ext>
+    </p:extLst>
+  </p:cSld>
+  <p:clrMapOvr>
+    <a:masterClrMapping/>
+  </p:clrMapOvr>
+</p:sld>
+</file>
+
+<file path=ppt/slides/slide11.xml><?xml version="1.0" encoding="utf-8"?>
+<p:sld xmlns:a="http://schemas.openxmlformats.org/drawingml/2006/main" xmlns:r="http://schemas.openxmlformats.org/officeDocument/2006/relationships" xmlns:p="http://schemas.openxmlformats.org/presentationml/2006/main">
+  <p:cSld>
+    <p:spTree>
+      <p:nvGrpSpPr>
+        <p:cNvPr id="1" name=""/>
+        <p:cNvGrpSpPr/>
+        <p:nvPr/>
+      </p:nvGrpSpPr>
+      <p:grpSpPr>
+        <a:xfrm>
+          <a:off x="0" y="0"/>
+          <a:ext cx="0" cy="0"/>
+          <a:chOff x="0" y="0"/>
+          <a:chExt cx="0" cy="0"/>
+        </a:xfrm>
+      </p:grpSpPr>
+      <p:sp>
+        <p:nvSpPr>
+          <p:cNvPr id="2" name="Title 1">
+            <a:extLst>
+              <a:ext uri="{FF2B5EF4-FFF2-40B4-BE49-F238E27FC236}">
+                <a16:creationId xmlns:a16="http://schemas.microsoft.com/office/drawing/2014/main" id="{34DB6CE4-2B13-4715-B5B2-615A55922CA1}"/>
+              </a:ext>
+            </a:extLst>
+          </p:cNvPr>
+          <p:cNvSpPr>
+            <a:spLocks noGrp="1"/>
+          </p:cNvSpPr>
+          <p:nvPr>
+            <p:ph type="title"/>
+          </p:nvPr>
+        </p:nvSpPr>
+        <p:spPr/>
+        <p:txBody>
+          <a:bodyPr>
+            <a:normAutofit/>
+          </a:bodyPr>
+          <a:lstStyle/>
+          <a:p>
+            <a:r>
+              <a:rPr lang="en-US" sz="4400" dirty="0">
+                <a:latin typeface="Rockwell" panose="02060603020205020403" pitchFamily="18" charset="0"/>
+              </a:rPr>
+              <a:t>WebRTC API</a:t>
+            </a:r>
+          </a:p>
+        </p:txBody>
+      </p:sp>
+      <p:sp>
+        <p:nvSpPr>
+          <p:cNvPr id="3" name="Content Placeholder 2">
+            <a:extLst>
+              <a:ext uri="{FF2B5EF4-FFF2-40B4-BE49-F238E27FC236}">
+                <a16:creationId xmlns:a16="http://schemas.microsoft.com/office/drawing/2014/main" id="{143F5361-68C0-4BF5-80C8-F1E7BF92B2DB}"/>
+              </a:ext>
+            </a:extLst>
+          </p:cNvPr>
+          <p:cNvSpPr>
+            <a:spLocks noGrp="1"/>
+          </p:cNvSpPr>
+          <p:nvPr>
+            <p:ph idx="1"/>
+          </p:nvPr>
+        </p:nvSpPr>
+        <p:spPr/>
+        <p:txBody>
+          <a:bodyPr>
+            <a:normAutofit/>
+          </a:bodyPr>
+          <a:lstStyle/>
+          <a:p>
+            <a:pPr lvl="1"/>
+            <a:r>
+              <a:rPr lang="en-US" sz="2400" dirty="0">
+                <a:latin typeface="Tahoma" panose="020B0604030504040204" pitchFamily="34" charset="0"/>
+                <a:ea typeface="Tahoma" panose="020B0604030504040204" pitchFamily="34" charset="0"/>
+                <a:cs typeface="Tahoma" panose="020B0604030504040204" pitchFamily="34" charset="0"/>
+              </a:rPr>
+              <a:t>Detailed &amp; Resourceful</a:t>
+            </a:r>
+          </a:p>
+          <a:p>
+            <a:pPr lvl="1"/>
+            <a:r>
+              <a:rPr lang="en-US" sz="2400" dirty="0">
+                <a:latin typeface="Tahoma" panose="020B0604030504040204" pitchFamily="34" charset="0"/>
+                <a:ea typeface="Tahoma" panose="020B0604030504040204" pitchFamily="34" charset="0"/>
+                <a:cs typeface="Tahoma" panose="020B0604030504040204" pitchFamily="34" charset="0"/>
+              </a:rPr>
+              <a:t>Research -&gt; Examples -&gt; Prototype</a:t>
+            </a:r>
+          </a:p>
+          <a:p>
+            <a:pPr lvl="1"/>
+            <a:r>
+              <a:rPr lang="en-US" sz="2400" dirty="0">
+                <a:latin typeface="Tahoma" panose="020B0604030504040204" pitchFamily="34" charset="0"/>
+                <a:ea typeface="Tahoma" panose="020B0604030504040204" pitchFamily="34" charset="0"/>
+                <a:cs typeface="Tahoma" panose="020B0604030504040204" pitchFamily="34" charset="0"/>
+              </a:rPr>
+              <a:t>JavaScript &amp; HTML5</a:t>
+            </a:r>
+            <a:endParaRPr lang="en-US" sz="2200" dirty="0">
+              <a:latin typeface="Tahoma" panose="020B0604030504040204" pitchFamily="34" charset="0"/>
+              <a:ea typeface="Tahoma" panose="020B0604030504040204" pitchFamily="34" charset="0"/>
+              <a:cs typeface="Tahoma" panose="020B0604030504040204" pitchFamily="34" charset="0"/>
+            </a:endParaRPr>
+          </a:p>
+        </p:txBody>
+      </p:sp>
+      <p:pic>
+        <p:nvPicPr>
+          <p:cNvPr id="7170" name="Picture 2">
+            <a:extLst>
+              <a:ext uri="{FF2B5EF4-FFF2-40B4-BE49-F238E27FC236}">
+                <a16:creationId xmlns:a16="http://schemas.microsoft.com/office/drawing/2014/main" id="{02BD273F-EB34-42AC-A410-E23416626834}"/>
+              </a:ext>
+            </a:extLst>
+          </p:cNvPr>
+          <p:cNvPicPr>
+            <a:picLocks noChangeAspect="1" noChangeArrowheads="1"/>
+          </p:cNvPicPr>
+          <p:nvPr/>
+        </p:nvPicPr>
+        <p:blipFill>
+          <a:blip r:embed="rId2">
+            <a:extLst>
+              <a:ext uri="{28A0092B-C50C-407E-A947-70E740481C1C}">
+                <a14:useLocalDpi xmlns:a14="http://schemas.microsoft.com/office/drawing/2010/main" val="0"/>
+              </a:ext>
+            </a:extLst>
+          </a:blip>
+          <a:srcRect/>
+          <a:stretch>
+            <a:fillRect/>
+          </a:stretch>
+        </p:blipFill>
+        <p:spPr bwMode="auto">
+          <a:xfrm>
+            <a:off x="5413492" y="3429000"/>
+            <a:ext cx="5206970" cy="2929941"/>
+          </a:xfrm>
+          <a:prstGeom prst="rect">
+            <a:avLst/>
+          </a:prstGeom>
+          <a:noFill/>
+          <a:extLst>
+            <a:ext uri="{909E8E84-426E-40DD-AFC4-6F175D3DCCD1}">
+              <a14:hiddenFill xmlns:a14="http://schemas.microsoft.com/office/drawing/2010/main">
+                <a:solidFill>
+                  <a:srgbClr val="FFFFFF"/>
+                </a:solidFill>
+              </a14:hiddenFill>
+            </a:ext>
+          </a:extLst>
+        </p:spPr>
+      </p:pic>
+    </p:spTree>
+    <p:extLst>
+      <p:ext uri="{BB962C8B-B14F-4D97-AF65-F5344CB8AC3E}">
+        <p14:creationId xmlns:p14="http://schemas.microsoft.com/office/powerpoint/2010/main" val="1891377544"/>
+      </p:ext>
+    </p:extLst>
+  </p:cSld>
+  <p:clrMapOvr>
+    <a:masterClrMapping/>
+  </p:clrMapOvr>
+</p:sld>
+</file>
+
+<file path=ppt/slides/slide12.xml><?xml version="1.0" encoding="utf-8"?>
+<p:sld xmlns:a="http://schemas.openxmlformats.org/drawingml/2006/main" xmlns:r="http://schemas.openxmlformats.org/officeDocument/2006/relationships" xmlns:p="http://schemas.openxmlformats.org/presentationml/2006/main">
+  <p:cSld>
+    <p:spTree>
+      <p:nvGrpSpPr>
+        <p:cNvPr id="1" name=""/>
+        <p:cNvGrpSpPr/>
+        <p:nvPr/>
+      </p:nvGrpSpPr>
+      <p:grpSpPr>
+        <a:xfrm>
+          <a:off x="0" y="0"/>
+          <a:ext cx="0" cy="0"/>
+          <a:chOff x="0" y="0"/>
+          <a:chExt cx="0" cy="0"/>
+        </a:xfrm>
+      </p:grpSpPr>
+      <p:sp>
+        <p:nvSpPr>
+          <p:cNvPr id="2" name="Title 1">
+            <a:extLst>
+              <a:ext uri="{FF2B5EF4-FFF2-40B4-BE49-F238E27FC236}">
+                <a16:creationId xmlns:a16="http://schemas.microsoft.com/office/drawing/2014/main" id="{34DB6CE4-2B13-4715-B5B2-615A55922CA1}"/>
+              </a:ext>
+            </a:extLst>
+          </p:cNvPr>
+          <p:cNvSpPr>
+            <a:spLocks noGrp="1"/>
+          </p:cNvSpPr>
+          <p:nvPr>
+            <p:ph type="title"/>
+          </p:nvPr>
+        </p:nvSpPr>
+        <p:spPr>
+          <a:xfrm>
+            <a:off x="1141413" y="618518"/>
+            <a:ext cx="10552840" cy="1478570"/>
+          </a:xfrm>
+        </p:spPr>
+        <p:txBody>
+          <a:bodyPr>
+            <a:normAutofit/>
+          </a:bodyPr>
+          <a:lstStyle/>
+          <a:p>
+            <a:r>
+              <a:rPr lang="en-US" sz="4400" dirty="0">
+                <a:latin typeface="Rockwell" panose="02060603020205020403" pitchFamily="18" charset="0"/>
+              </a:rPr>
+              <a:t>Covert Channel Implementation</a:t>
+            </a:r>
+          </a:p>
+        </p:txBody>
+      </p:sp>
+      <p:sp>
+        <p:nvSpPr>
+          <p:cNvPr id="3" name="Content Placeholder 2">
+            <a:extLst>
+              <a:ext uri="{FF2B5EF4-FFF2-40B4-BE49-F238E27FC236}">
+                <a16:creationId xmlns:a16="http://schemas.microsoft.com/office/drawing/2014/main" id="{143F5361-68C0-4BF5-80C8-F1E7BF92B2DB}"/>
+              </a:ext>
+            </a:extLst>
+          </p:cNvPr>
+          <p:cNvSpPr>
+            <a:spLocks noGrp="1"/>
+          </p:cNvSpPr>
+          <p:nvPr>
+            <p:ph idx="1"/>
+          </p:nvPr>
+        </p:nvSpPr>
+        <p:spPr/>
+        <p:txBody>
+          <a:bodyPr>
+            <a:normAutofit/>
+          </a:bodyPr>
+          <a:lstStyle/>
+          <a:p>
+            <a:pPr lvl="1"/>
+            <a:r>
+              <a:rPr lang="en-US" sz="2400" dirty="0">
+                <a:latin typeface="Tahoma" panose="020B0604030504040204" pitchFamily="34" charset="0"/>
+                <a:ea typeface="Tahoma" panose="020B0604030504040204" pitchFamily="34" charset="0"/>
+                <a:cs typeface="Tahoma" panose="020B0604030504040204" pitchFamily="34" charset="0"/>
+              </a:rPr>
+              <a:t>via Image Filtering: JavaScript Method</a:t>
+            </a:r>
+          </a:p>
+          <a:p>
+            <a:pPr lvl="1"/>
+            <a:r>
+              <a:rPr lang="en-US" sz="2400" dirty="0">
+                <a:latin typeface="Tahoma" panose="020B0604030504040204" pitchFamily="34" charset="0"/>
+                <a:ea typeface="Tahoma" panose="020B0604030504040204" pitchFamily="34" charset="0"/>
+                <a:cs typeface="Tahoma" panose="020B0604030504040204" pitchFamily="34" charset="0"/>
+              </a:rPr>
+              <a:t>Local -&gt; Remote</a:t>
+            </a:r>
+          </a:p>
+          <a:p>
+            <a:pPr lvl="2"/>
+            <a:r>
+              <a:rPr lang="en-US" sz="2200" dirty="0">
+                <a:latin typeface="Tahoma" panose="020B0604030504040204" pitchFamily="34" charset="0"/>
+                <a:ea typeface="Tahoma" panose="020B0604030504040204" pitchFamily="34" charset="0"/>
+                <a:cs typeface="Tahoma" panose="020B0604030504040204" pitchFamily="34" charset="0"/>
+              </a:rPr>
+              <a:t>Local -&gt; Canvas -&gt; Remote</a:t>
+            </a:r>
+          </a:p>
+          <a:p>
+            <a:pPr lvl="1"/>
+            <a:r>
+              <a:rPr lang="en-US" sz="2400" dirty="0">
+                <a:latin typeface="Tahoma" panose="020B0604030504040204" pitchFamily="34" charset="0"/>
+                <a:ea typeface="Tahoma" panose="020B0604030504040204" pitchFamily="34" charset="0"/>
+                <a:cs typeface="Tahoma" panose="020B0604030504040204" pitchFamily="34" charset="0"/>
+              </a:rPr>
+              <a:t>Delay Implemented Using Canvas Element</a:t>
+            </a:r>
+            <a:endParaRPr lang="en-US" sz="2200" dirty="0">
+              <a:latin typeface="Tahoma" panose="020B0604030504040204" pitchFamily="34" charset="0"/>
+              <a:ea typeface="Tahoma" panose="020B0604030504040204" pitchFamily="34" charset="0"/>
+              <a:cs typeface="Tahoma" panose="020B0604030504040204" pitchFamily="34" charset="0"/>
+            </a:endParaRPr>
+          </a:p>
+        </p:txBody>
+      </p:sp>
+      <p:pic>
+        <p:nvPicPr>
+          <p:cNvPr id="4100" name="Picture 4">
+            <a:extLst>
+              <a:ext uri="{FF2B5EF4-FFF2-40B4-BE49-F238E27FC236}">
+                <a16:creationId xmlns:a16="http://schemas.microsoft.com/office/drawing/2014/main" id="{0DCDF605-E89B-4920-94E3-3F5C28281062}"/>
+              </a:ext>
+            </a:extLst>
+          </p:cNvPr>
+          <p:cNvPicPr>
+            <a:picLocks noChangeAspect="1" noChangeArrowheads="1"/>
+          </p:cNvPicPr>
+          <p:nvPr/>
+        </p:nvPicPr>
+        <p:blipFill>
+          <a:blip r:embed="rId2">
+            <a:extLst>
+              <a:ext uri="{28A0092B-C50C-407E-A947-70E740481C1C}">
+                <a14:useLocalDpi xmlns:a14="http://schemas.microsoft.com/office/drawing/2010/main" val="0"/>
+              </a:ext>
+            </a:extLst>
+          </a:blip>
+          <a:srcRect/>
+          <a:stretch>
+            <a:fillRect/>
+          </a:stretch>
+        </p:blipFill>
+        <p:spPr bwMode="auto">
+          <a:xfrm>
+            <a:off x="2548778" y="4295961"/>
+            <a:ext cx="7091266" cy="2448703"/>
+          </a:xfrm>
+          <a:prstGeom prst="rect">
+            <a:avLst/>
+          </a:prstGeom>
+          <a:solidFill>
+            <a:schemeClr val="tx1"/>
+          </a:solidFill>
+        </p:spPr>
+      </p:pic>
+    </p:spTree>
+    <p:extLst>
+      <p:ext uri="{BB962C8B-B14F-4D97-AF65-F5344CB8AC3E}">
+        <p14:creationId xmlns:p14="http://schemas.microsoft.com/office/powerpoint/2010/main" val="3712942517"/>
+      </p:ext>
+    </p:extLst>
+  </p:cSld>
+  <p:clrMapOvr>
+    <a:masterClrMapping/>
+  </p:clrMapOvr>
+</p:sld>
+</file>
+
+<file path=ppt/slides/slide13.xml><?xml version="1.0" encoding="utf-8"?>
+<p:sld xmlns:a="http://schemas.openxmlformats.org/drawingml/2006/main" xmlns:r="http://schemas.openxmlformats.org/officeDocument/2006/relationships" xmlns:p="http://schemas.openxmlformats.org/presentationml/2006/main">
+  <p:cSld>
+    <p:spTree>
+      <p:nvGrpSpPr>
+        <p:cNvPr id="1" name=""/>
+        <p:cNvGrpSpPr/>
+        <p:nvPr/>
+      </p:nvGrpSpPr>
+      <p:grpSpPr>
+        <a:xfrm>
+          <a:off x="0" y="0"/>
+          <a:ext cx="0" cy="0"/>
+          <a:chOff x="0" y="0"/>
+          <a:chExt cx="0" cy="0"/>
+        </a:xfrm>
+      </p:grpSpPr>
+      <p:sp>
+        <p:nvSpPr>
+          <p:cNvPr id="2" name="Title 1">
+            <a:extLst>
+              <a:ext uri="{FF2B5EF4-FFF2-40B4-BE49-F238E27FC236}">
+                <a16:creationId xmlns:a16="http://schemas.microsoft.com/office/drawing/2014/main" id="{34DB6CE4-2B13-4715-B5B2-615A55922CA1}"/>
+              </a:ext>
+            </a:extLst>
+          </p:cNvPr>
+          <p:cNvSpPr>
+            <a:spLocks noGrp="1"/>
+          </p:cNvSpPr>
+          <p:nvPr>
+            <p:ph type="title"/>
+          </p:nvPr>
+        </p:nvSpPr>
+        <p:spPr/>
+        <p:txBody>
+          <a:bodyPr>
+            <a:normAutofit/>
+          </a:bodyPr>
+          <a:lstStyle/>
+          <a:p>
+            <a:r>
+              <a:rPr lang="en-US" sz="4400" dirty="0">
+                <a:latin typeface="Rockwell" panose="02060603020205020403" pitchFamily="18" charset="0"/>
+              </a:rPr>
+              <a:t>Research Method</a:t>
+            </a:r>
+          </a:p>
+        </p:txBody>
+      </p:sp>
+      <p:sp>
+        <p:nvSpPr>
+          <p:cNvPr id="3" name="Content Placeholder 2">
+            <a:extLst>
+              <a:ext uri="{FF2B5EF4-FFF2-40B4-BE49-F238E27FC236}">
+                <a16:creationId xmlns:a16="http://schemas.microsoft.com/office/drawing/2014/main" id="{143F5361-68C0-4BF5-80C8-F1E7BF92B2DB}"/>
+              </a:ext>
+            </a:extLst>
+          </p:cNvPr>
+          <p:cNvSpPr>
+            <a:spLocks noGrp="1"/>
+          </p:cNvSpPr>
+          <p:nvPr>
+            <p:ph idx="1"/>
+          </p:nvPr>
+        </p:nvSpPr>
+        <p:spPr/>
+        <p:txBody>
+          <a:bodyPr>
+            <a:normAutofit/>
+          </a:bodyPr>
+          <a:lstStyle/>
+          <a:p>
+            <a:pPr lvl="1"/>
+            <a:r>
+              <a:rPr lang="en-US" sz="2400" dirty="0">
+                <a:latin typeface="Tahoma" panose="020B0604030504040204" pitchFamily="34" charset="0"/>
+                <a:ea typeface="Tahoma" panose="020B0604030504040204" pitchFamily="34" charset="0"/>
+                <a:cs typeface="Tahoma" panose="020B0604030504040204" pitchFamily="34" charset="0"/>
+              </a:rPr>
+              <a:t>Effectiveness of Covert Channels</a:t>
+            </a:r>
+          </a:p>
+          <a:p>
+            <a:pPr lvl="2"/>
+            <a:r>
+              <a:rPr lang="en-US" dirty="0">
+                <a:latin typeface="Tahoma" panose="020B0604030504040204" pitchFamily="34" charset="0"/>
+                <a:ea typeface="Tahoma" panose="020B0604030504040204" pitchFamily="34" charset="0"/>
+                <a:cs typeface="Tahoma" panose="020B0604030504040204" pitchFamily="34" charset="0"/>
+              </a:rPr>
+              <a:t>Error Rate &amp; Covert Channel Bandwidth</a:t>
+            </a:r>
+          </a:p>
+          <a:p>
+            <a:pPr lvl="3"/>
+            <a:r>
+              <a:rPr lang="en-US" dirty="0">
+                <a:latin typeface="Tahoma" panose="020B0604030504040204" pitchFamily="34" charset="0"/>
+                <a:ea typeface="Tahoma" panose="020B0604030504040204" pitchFamily="34" charset="0"/>
+                <a:cs typeface="Tahoma" panose="020B0604030504040204" pitchFamily="34" charset="0"/>
+              </a:rPr>
+              <a:t>Lower Error Rate: Effective Covert Channel</a:t>
+            </a:r>
+          </a:p>
+          <a:p>
+            <a:pPr lvl="3"/>
+            <a:r>
+              <a:rPr lang="en-US" dirty="0">
+                <a:latin typeface="Tahoma" panose="020B0604030504040204" pitchFamily="34" charset="0"/>
+                <a:ea typeface="Tahoma" panose="020B0604030504040204" pitchFamily="34" charset="0"/>
+                <a:cs typeface="Tahoma" panose="020B0604030504040204" pitchFamily="34" charset="0"/>
+              </a:rPr>
+              <a:t>Higher CCB: Quicker Data Can be Sent</a:t>
+            </a:r>
+          </a:p>
+          <a:p>
+            <a:pPr lvl="2"/>
+            <a:r>
+              <a:rPr lang="en-US" dirty="0">
+                <a:latin typeface="Tahoma" panose="020B0604030504040204" pitchFamily="34" charset="0"/>
+                <a:ea typeface="Tahoma" panose="020B0604030504040204" pitchFamily="34" charset="0"/>
+                <a:cs typeface="Tahoma" panose="020B0604030504040204" pitchFamily="34" charset="0"/>
+              </a:rPr>
+              <a:t>Two Prototypes</a:t>
+            </a:r>
+          </a:p>
+          <a:p>
+            <a:pPr lvl="3"/>
+            <a:r>
+              <a:rPr lang="en-US" dirty="0">
+                <a:latin typeface="Tahoma" panose="020B0604030504040204" pitchFamily="34" charset="0"/>
+                <a:ea typeface="Tahoma" panose="020B0604030504040204" pitchFamily="34" charset="0"/>
+                <a:cs typeface="Tahoma" panose="020B0604030504040204" pitchFamily="34" charset="0"/>
+              </a:rPr>
+              <a:t>Unsecure: Covert Channels</a:t>
+            </a:r>
+          </a:p>
+          <a:p>
+            <a:pPr lvl="3"/>
+            <a:r>
+              <a:rPr lang="en-US" dirty="0">
+                <a:latin typeface="Tahoma" panose="020B0604030504040204" pitchFamily="34" charset="0"/>
+                <a:ea typeface="Tahoma" panose="020B0604030504040204" pitchFamily="34" charset="0"/>
+                <a:cs typeface="Tahoma" panose="020B0604030504040204" pitchFamily="34" charset="0"/>
+              </a:rPr>
+              <a:t>Secure: Mitigating Covert Channels</a:t>
+            </a:r>
+          </a:p>
+          <a:p>
+            <a:pPr lvl="2"/>
+            <a:r>
+              <a:rPr lang="en-US" dirty="0">
+                <a:latin typeface="Tahoma" panose="020B0604030504040204" pitchFamily="34" charset="0"/>
+                <a:ea typeface="Tahoma" panose="020B0604030504040204" pitchFamily="34" charset="0"/>
+                <a:cs typeface="Tahoma" panose="020B0604030504040204" pitchFamily="34" charset="0"/>
+              </a:rPr>
+              <a:t>Black Screen/”Sample Presentation” Method – 10 Separate Tests for Each Graph</a:t>
+            </a:r>
+          </a:p>
+        </p:txBody>
+      </p:sp>
+    </p:spTree>
+    <p:extLst>
+      <p:ext uri="{BB962C8B-B14F-4D97-AF65-F5344CB8AC3E}">
+        <p14:creationId xmlns:p14="http://schemas.microsoft.com/office/powerpoint/2010/main" val="3731331067"/>
+      </p:ext>
+    </p:extLst>
+  </p:cSld>
+  <p:clrMapOvr>
+    <a:masterClrMapping/>
+  </p:clrMapOvr>
+</p:sld>
+</file>
+
+<file path=ppt/slides/slide14.xml><?xml version="1.0" encoding="utf-8"?>
+<p:sld xmlns:a="http://schemas.openxmlformats.org/drawingml/2006/main" xmlns:r="http://schemas.openxmlformats.org/officeDocument/2006/relationships" xmlns:p="http://schemas.openxmlformats.org/presentationml/2006/main">
+  <p:cSld>
+    <p:spTree>
+      <p:nvGrpSpPr>
+        <p:cNvPr id="1" name=""/>
+        <p:cNvGrpSpPr/>
+        <p:nvPr/>
+      </p:nvGrpSpPr>
+      <p:grpSpPr>
+        <a:xfrm>
+          <a:off x="0" y="0"/>
+          <a:ext cx="0" cy="0"/>
+          <a:chOff x="0" y="0"/>
+          <a:chExt cx="0" cy="0"/>
+        </a:xfrm>
+      </p:grpSpPr>
+      <p:sp>
+        <p:nvSpPr>
+          <p:cNvPr id="2" name="Title 1">
+            <a:extLst>
+              <a:ext uri="{FF2B5EF4-FFF2-40B4-BE49-F238E27FC236}">
+                <a16:creationId xmlns:a16="http://schemas.microsoft.com/office/drawing/2014/main" id="{34DB6CE4-2B13-4715-B5B2-615A55922CA1}"/>
+              </a:ext>
+            </a:extLst>
+          </p:cNvPr>
+          <p:cNvSpPr>
+            <a:spLocks noGrp="1"/>
+          </p:cNvSpPr>
+          <p:nvPr>
+            <p:ph type="title"/>
+          </p:nvPr>
+        </p:nvSpPr>
+        <p:spPr/>
+        <p:txBody>
+          <a:bodyPr>
+            <a:normAutofit/>
+          </a:bodyPr>
+          <a:lstStyle/>
+          <a:p>
+            <a:r>
+              <a:rPr lang="en-US" sz="4400" dirty="0">
+                <a:latin typeface="Rockwell" panose="02060603020205020403" pitchFamily="18" charset="0"/>
+              </a:rPr>
+              <a:t>Unsecure Prototype</a:t>
+            </a:r>
+          </a:p>
+        </p:txBody>
+      </p:sp>
+      <p:sp>
+        <p:nvSpPr>
+          <p:cNvPr id="3" name="Content Placeholder 2">
+            <a:extLst>
+              <a:ext uri="{FF2B5EF4-FFF2-40B4-BE49-F238E27FC236}">
+                <a16:creationId xmlns:a16="http://schemas.microsoft.com/office/drawing/2014/main" id="{143F5361-68C0-4BF5-80C8-F1E7BF92B2DB}"/>
+              </a:ext>
+            </a:extLst>
+          </p:cNvPr>
+          <p:cNvSpPr>
+            <a:spLocks noGrp="1"/>
+          </p:cNvSpPr>
+          <p:nvPr>
+            <p:ph idx="1"/>
+          </p:nvPr>
+        </p:nvSpPr>
+        <p:spPr/>
+        <p:txBody>
+          <a:bodyPr>
+            <a:normAutofit/>
+          </a:bodyPr>
+          <a:lstStyle/>
+          <a:p>
+            <a:pPr lvl="1"/>
+            <a:r>
+              <a:rPr lang="en-US" sz="2200" dirty="0">
+                <a:latin typeface="Tahoma" panose="020B0604030504040204" pitchFamily="34" charset="0"/>
+                <a:ea typeface="Tahoma" panose="020B0604030504040204" pitchFamily="34" charset="0"/>
+                <a:cs typeface="Tahoma" panose="020B0604030504040204" pitchFamily="34" charset="0"/>
+              </a:rPr>
+              <a:t>Covert Channel -&gt; Send &amp; Receive a Bit</a:t>
+            </a:r>
+          </a:p>
+          <a:p>
+            <a:pPr lvl="1"/>
+            <a:r>
+              <a:rPr lang="en-US" sz="2200" dirty="0">
+                <a:latin typeface="Tahoma" panose="020B0604030504040204" pitchFamily="34" charset="0"/>
+                <a:ea typeface="Tahoma" panose="020B0604030504040204" pitchFamily="34" charset="0"/>
+                <a:cs typeface="Tahoma" panose="020B0604030504040204" pitchFamily="34" charset="0"/>
+              </a:rPr>
+              <a:t>Implement Delay, Sense the Delay, Receive Bit</a:t>
+            </a:r>
+          </a:p>
+          <a:p>
+            <a:pPr lvl="2"/>
+            <a:r>
+              <a:rPr lang="en-US" sz="2000" dirty="0">
+                <a:latin typeface="Tahoma" panose="020B0604030504040204" pitchFamily="34" charset="0"/>
+                <a:ea typeface="Tahoma" panose="020B0604030504040204" pitchFamily="34" charset="0"/>
+                <a:cs typeface="Tahoma" panose="020B0604030504040204" pitchFamily="34" charset="0"/>
+              </a:rPr>
+              <a:t>Error Rate</a:t>
+            </a:r>
+          </a:p>
+          <a:p>
+            <a:pPr lvl="2"/>
+            <a:r>
+              <a:rPr lang="en-US" sz="2000" dirty="0">
+                <a:latin typeface="Tahoma" panose="020B0604030504040204" pitchFamily="34" charset="0"/>
+                <a:ea typeface="Tahoma" panose="020B0604030504040204" pitchFamily="34" charset="0"/>
+                <a:cs typeface="Tahoma" panose="020B0604030504040204" pitchFamily="34" charset="0"/>
+              </a:rPr>
+              <a:t>Covert Channel Bandwidth</a:t>
+            </a:r>
+          </a:p>
+          <a:p>
+            <a:pPr lvl="2"/>
+            <a:r>
+              <a:rPr lang="en-US" sz="2000" dirty="0">
+                <a:latin typeface="Tahoma" panose="020B0604030504040204" pitchFamily="34" charset="0"/>
+                <a:ea typeface="Tahoma" panose="020B0604030504040204" pitchFamily="34" charset="0"/>
+                <a:cs typeface="Tahoma" panose="020B0604030504040204" pitchFamily="34" charset="0"/>
+              </a:rPr>
+              <a:t>T or Input Rate</a:t>
+            </a:r>
+          </a:p>
+        </p:txBody>
+      </p:sp>
+      <p:pic>
+        <p:nvPicPr>
+          <p:cNvPr id="9" name="Picture 8">
+            <a:extLst>
+              <a:ext uri="{FF2B5EF4-FFF2-40B4-BE49-F238E27FC236}">
+                <a16:creationId xmlns:a16="http://schemas.microsoft.com/office/drawing/2014/main" id="{4B228A0E-7B44-4663-A1E2-1FBC80FE839B}"/>
+              </a:ext>
+            </a:extLst>
+          </p:cNvPr>
+          <p:cNvPicPr/>
+          <p:nvPr/>
+        </p:nvPicPr>
+        <p:blipFill>
+          <a:blip r:embed="rId2" cstate="print">
+            <a:extLst>
+              <a:ext uri="{28A0092B-C50C-407E-A947-70E740481C1C}">
+                <a14:useLocalDpi xmlns:a14="http://schemas.microsoft.com/office/drawing/2010/main" val="0"/>
+              </a:ext>
+            </a:extLst>
+          </a:blip>
+          <a:stretch>
+            <a:fillRect/>
+          </a:stretch>
+        </p:blipFill>
+        <p:spPr>
+          <a:xfrm>
+            <a:off x="6094411" y="3344284"/>
+            <a:ext cx="4790114" cy="2895198"/>
+          </a:xfrm>
+          <a:prstGeom prst="rect">
+            <a:avLst/>
+          </a:prstGeom>
+        </p:spPr>
+      </p:pic>
+    </p:spTree>
+    <p:extLst>
+      <p:ext uri="{BB962C8B-B14F-4D97-AF65-F5344CB8AC3E}">
+        <p14:creationId xmlns:p14="http://schemas.microsoft.com/office/powerpoint/2010/main" val="3434936265"/>
+      </p:ext>
+    </p:extLst>
+  </p:cSld>
+  <p:clrMapOvr>
+    <a:masterClrMapping/>
+  </p:clrMapOvr>
+</p:sld>
+</file>
+
+<file path=ppt/slides/slide15.xml><?xml version="1.0" encoding="utf-8"?>
+<p:sld xmlns:a="http://schemas.openxmlformats.org/drawingml/2006/main" xmlns:r="http://schemas.openxmlformats.org/officeDocument/2006/relationships" xmlns:p="http://schemas.openxmlformats.org/presentationml/2006/main">
+  <p:cSld>
+    <p:spTree>
+      <p:nvGrpSpPr>
+        <p:cNvPr id="1" name=""/>
+        <p:cNvGrpSpPr/>
+        <p:nvPr/>
+      </p:nvGrpSpPr>
+      <p:grpSpPr>
+        <a:xfrm>
+          <a:off x="0" y="0"/>
+          <a:ext cx="0" cy="0"/>
+          <a:chOff x="0" y="0"/>
+          <a:chExt cx="0" cy="0"/>
+        </a:xfrm>
+      </p:grpSpPr>
+      <p:sp>
+        <p:nvSpPr>
+          <p:cNvPr id="2" name="Title 1">
+            <a:extLst>
+              <a:ext uri="{FF2B5EF4-FFF2-40B4-BE49-F238E27FC236}">
+                <a16:creationId xmlns:a16="http://schemas.microsoft.com/office/drawing/2014/main" id="{34DB6CE4-2B13-4715-B5B2-615A55922CA1}"/>
+              </a:ext>
+            </a:extLst>
+          </p:cNvPr>
+          <p:cNvSpPr>
+            <a:spLocks noGrp="1"/>
+          </p:cNvSpPr>
+          <p:nvPr>
+            <p:ph type="title"/>
+          </p:nvPr>
+        </p:nvSpPr>
+        <p:spPr/>
+        <p:txBody>
+          <a:bodyPr>
+            <a:normAutofit/>
+          </a:bodyPr>
+          <a:lstStyle/>
+          <a:p>
+            <a:r>
+              <a:rPr lang="en-US" sz="4400" dirty="0">
+                <a:latin typeface="Rockwell" panose="02060603020205020403" pitchFamily="18" charset="0"/>
+              </a:rPr>
+              <a:t>Unsecure Prototype - Demo</a:t>
+            </a:r>
+          </a:p>
+        </p:txBody>
+      </p:sp>
+    </p:spTree>
+    <p:extLst>
+      <p:ext uri="{BB962C8B-B14F-4D97-AF65-F5344CB8AC3E}">
+        <p14:creationId xmlns:p14="http://schemas.microsoft.com/office/powerpoint/2010/main" val="122729113"/>
+      </p:ext>
+    </p:extLst>
+  </p:cSld>
+  <p:clrMapOvr>
+    <a:masterClrMapping/>
+  </p:clrMapOvr>
+</p:sld>
+</file>
+
+<file path=ppt/slides/slide16.xml><?xml version="1.0" encoding="utf-8"?>
+<p:sld xmlns:a="http://schemas.openxmlformats.org/drawingml/2006/main" xmlns:r="http://schemas.openxmlformats.org/officeDocument/2006/relationships" xmlns:p="http://schemas.openxmlformats.org/presentationml/2006/main">
+  <p:cSld>
+    <p:spTree>
+      <p:nvGrpSpPr>
+        <p:cNvPr id="1" name=""/>
+        <p:cNvGrpSpPr/>
+        <p:nvPr/>
+      </p:nvGrpSpPr>
+      <p:grpSpPr>
+        <a:xfrm>
+          <a:off x="0" y="0"/>
+          <a:ext cx="0" cy="0"/>
+          <a:chOff x="0" y="0"/>
+          <a:chExt cx="0" cy="0"/>
+        </a:xfrm>
+      </p:grpSpPr>
+      <p:sp>
+        <p:nvSpPr>
+          <p:cNvPr id="2" name="Title 1">
+            <a:extLst>
+              <a:ext uri="{FF2B5EF4-FFF2-40B4-BE49-F238E27FC236}">
+                <a16:creationId xmlns:a16="http://schemas.microsoft.com/office/drawing/2014/main" id="{29A159C3-31C5-4C93-8405-D1971A11A8A4}"/>
+              </a:ext>
+            </a:extLst>
+          </p:cNvPr>
+          <p:cNvSpPr>
+            <a:spLocks noGrp="1"/>
+          </p:cNvSpPr>
+          <p:nvPr>
+            <p:ph type="title"/>
+          </p:nvPr>
+        </p:nvSpPr>
+        <p:spPr/>
+        <p:txBody>
+          <a:bodyPr/>
+          <a:lstStyle/>
+          <a:p>
+            <a:r>
+              <a:rPr lang="en-US" dirty="0"/>
+              <a:t>Results (Unsecure) - Baseline</a:t>
+            </a:r>
+          </a:p>
+        </p:txBody>
+      </p:sp>
+      <p:pic>
+        <p:nvPicPr>
+          <p:cNvPr id="7" name="Content Placeholder 6">
+            <a:extLst>
+              <a:ext uri="{FF2B5EF4-FFF2-40B4-BE49-F238E27FC236}">
+                <a16:creationId xmlns:a16="http://schemas.microsoft.com/office/drawing/2014/main" id="{7F9D69CC-6D5C-423D-BC76-0BFF06BAEAEA}"/>
+              </a:ext>
+            </a:extLst>
+          </p:cNvPr>
+          <p:cNvPicPr>
+            <a:picLocks noGrp="1" noChangeAspect="1"/>
+          </p:cNvPicPr>
+          <p:nvPr>
+            <p:ph idx="1"/>
+          </p:nvPr>
+        </p:nvPicPr>
+        <p:blipFill>
+          <a:blip r:embed="rId2"/>
+          <a:stretch>
+            <a:fillRect/>
+          </a:stretch>
+        </p:blipFill>
+        <p:spPr>
+          <a:xfrm>
+            <a:off x="537404" y="2342278"/>
+            <a:ext cx="5228307" cy="3234866"/>
+          </a:xfrm>
+        </p:spPr>
+      </p:pic>
+      <p:pic>
+        <p:nvPicPr>
+          <p:cNvPr id="9" name="Picture 8">
+            <a:extLst>
+              <a:ext uri="{FF2B5EF4-FFF2-40B4-BE49-F238E27FC236}">
+                <a16:creationId xmlns:a16="http://schemas.microsoft.com/office/drawing/2014/main" id="{5B686D88-D381-426D-BE18-C7967489FE99}"/>
+              </a:ext>
+            </a:extLst>
+          </p:cNvPr>
+          <p:cNvPicPr>
+            <a:picLocks noChangeAspect="1"/>
+          </p:cNvPicPr>
+          <p:nvPr/>
+        </p:nvPicPr>
+        <p:blipFill>
+          <a:blip r:embed="rId3"/>
+          <a:stretch>
+            <a:fillRect/>
+          </a:stretch>
+        </p:blipFill>
+        <p:spPr>
+          <a:xfrm>
+            <a:off x="6426290" y="2342278"/>
+            <a:ext cx="4916080" cy="3216554"/>
+          </a:xfrm>
+          <a:prstGeom prst="rect">
+            <a:avLst/>
+          </a:prstGeom>
+        </p:spPr>
+      </p:pic>
+    </p:spTree>
+    <p:extLst>
+      <p:ext uri="{BB962C8B-B14F-4D97-AF65-F5344CB8AC3E}">
+        <p14:creationId xmlns:p14="http://schemas.microsoft.com/office/powerpoint/2010/main" val="747243455"/>
+      </p:ext>
+    </p:extLst>
+  </p:cSld>
+  <p:clrMapOvr>
+    <a:masterClrMapping/>
+  </p:clrMapOvr>
+</p:sld>
+</file>
+
+<file path=ppt/slides/slide17.xml><?xml version="1.0" encoding="utf-8"?>
+<p:sld xmlns:a="http://schemas.openxmlformats.org/drawingml/2006/main" xmlns:r="http://schemas.openxmlformats.org/officeDocument/2006/relationships" xmlns:p="http://schemas.openxmlformats.org/presentationml/2006/main">
+  <p:cSld>
+    <p:spTree>
+      <p:nvGrpSpPr>
+        <p:cNvPr id="1" name=""/>
+        <p:cNvGrpSpPr/>
+        <p:nvPr/>
+      </p:nvGrpSpPr>
+      <p:grpSpPr>
+        <a:xfrm>
+          <a:off x="0" y="0"/>
+          <a:ext cx="0" cy="0"/>
+          <a:chOff x="0" y="0"/>
+          <a:chExt cx="0" cy="0"/>
+        </a:xfrm>
+      </p:grpSpPr>
+      <p:sp>
+        <p:nvSpPr>
+          <p:cNvPr id="2" name="Title 1">
+            <a:extLst>
+              <a:ext uri="{FF2B5EF4-FFF2-40B4-BE49-F238E27FC236}">
+                <a16:creationId xmlns:a16="http://schemas.microsoft.com/office/drawing/2014/main" id="{F327D701-290B-41C1-8F1E-54AB7A4A402D}"/>
+              </a:ext>
+            </a:extLst>
+          </p:cNvPr>
+          <p:cNvSpPr>
+            <a:spLocks noGrp="1"/>
+          </p:cNvSpPr>
+          <p:nvPr>
+            <p:ph type="title"/>
+          </p:nvPr>
+        </p:nvSpPr>
+        <p:spPr/>
+        <p:txBody>
+          <a:bodyPr/>
+          <a:lstStyle/>
+          <a:p>
+            <a:r>
+              <a:rPr lang="en-US" dirty="0"/>
+              <a:t>Results (Unsecure) – Delay Implementation</a:t>
+            </a:r>
+          </a:p>
+        </p:txBody>
+      </p:sp>
+      <p:pic>
+        <p:nvPicPr>
+          <p:cNvPr id="5" name="Content Placeholder 4">
+            <a:extLst>
+              <a:ext uri="{FF2B5EF4-FFF2-40B4-BE49-F238E27FC236}">
+                <a16:creationId xmlns:a16="http://schemas.microsoft.com/office/drawing/2014/main" id="{73ECFA92-F28A-4789-96CA-5A39B430313B}"/>
+              </a:ext>
+            </a:extLst>
+          </p:cNvPr>
+          <p:cNvPicPr>
+            <a:picLocks noGrp="1" noChangeAspect="1"/>
+          </p:cNvPicPr>
+          <p:nvPr>
+            <p:ph idx="1"/>
+          </p:nvPr>
+        </p:nvPicPr>
+        <p:blipFill>
+          <a:blip r:embed="rId2"/>
+          <a:stretch>
+            <a:fillRect/>
+          </a:stretch>
+        </p:blipFill>
+        <p:spPr>
+          <a:xfrm>
+            <a:off x="683003" y="2097088"/>
+            <a:ext cx="5273545" cy="3389262"/>
+          </a:xfrm>
+        </p:spPr>
+      </p:pic>
+      <p:pic>
+        <p:nvPicPr>
+          <p:cNvPr id="7" name="Picture 6">
+            <a:extLst>
+              <a:ext uri="{FF2B5EF4-FFF2-40B4-BE49-F238E27FC236}">
+                <a16:creationId xmlns:a16="http://schemas.microsoft.com/office/drawing/2014/main" id="{2CB50ACA-63F6-4B22-985B-DB899CC360DA}"/>
+              </a:ext>
+            </a:extLst>
+          </p:cNvPr>
+          <p:cNvPicPr>
+            <a:picLocks noChangeAspect="1"/>
+          </p:cNvPicPr>
+          <p:nvPr/>
+        </p:nvPicPr>
+        <p:blipFill>
+          <a:blip r:embed="rId3"/>
+          <a:stretch>
+            <a:fillRect/>
+          </a:stretch>
+        </p:blipFill>
+        <p:spPr>
+          <a:xfrm>
+            <a:off x="6232276" y="2097088"/>
+            <a:ext cx="5273545" cy="3353683"/>
+          </a:xfrm>
+          <a:prstGeom prst="rect">
+            <a:avLst/>
+          </a:prstGeom>
+        </p:spPr>
+      </p:pic>
+    </p:spTree>
+    <p:extLst>
+      <p:ext uri="{BB962C8B-B14F-4D97-AF65-F5344CB8AC3E}">
+        <p14:creationId xmlns:p14="http://schemas.microsoft.com/office/powerpoint/2010/main" val="4220371155"/>
+      </p:ext>
+    </p:extLst>
+  </p:cSld>
+  <p:clrMapOvr>
+    <a:masterClrMapping/>
+  </p:clrMapOvr>
+</p:sld>
+</file>
+
+<file path=ppt/slides/slide18.xml><?xml version="1.0" encoding="utf-8"?>
+<p:sld xmlns:a="http://schemas.openxmlformats.org/drawingml/2006/main" xmlns:r="http://schemas.openxmlformats.org/officeDocument/2006/relationships" xmlns:p="http://schemas.openxmlformats.org/presentationml/2006/main">
+  <p:cSld>
+    <p:spTree>
+      <p:nvGrpSpPr>
+        <p:cNvPr id="1" name=""/>
+        <p:cNvGrpSpPr/>
+        <p:nvPr/>
+      </p:nvGrpSpPr>
+      <p:grpSpPr>
+        <a:xfrm>
+          <a:off x="0" y="0"/>
+          <a:ext cx="0" cy="0"/>
+          <a:chOff x="0" y="0"/>
+          <a:chExt cx="0" cy="0"/>
+        </a:xfrm>
+      </p:grpSpPr>
+      <p:sp>
+        <p:nvSpPr>
+          <p:cNvPr id="2" name="Title 1">
+            <a:extLst>
+              <a:ext uri="{FF2B5EF4-FFF2-40B4-BE49-F238E27FC236}">
+                <a16:creationId xmlns:a16="http://schemas.microsoft.com/office/drawing/2014/main" id="{34DB6CE4-2B13-4715-B5B2-615A55922CA1}"/>
+              </a:ext>
+            </a:extLst>
+          </p:cNvPr>
+          <p:cNvSpPr>
+            <a:spLocks noGrp="1"/>
+          </p:cNvSpPr>
+          <p:nvPr>
+            <p:ph type="title"/>
+          </p:nvPr>
+        </p:nvSpPr>
+        <p:spPr/>
+        <p:txBody>
+          <a:bodyPr>
+            <a:normAutofit/>
+          </a:bodyPr>
+          <a:lstStyle/>
+          <a:p>
+            <a:r>
+              <a:rPr lang="en-US" sz="4400" dirty="0">
+                <a:latin typeface="Rockwell" panose="02060603020205020403" pitchFamily="18" charset="0"/>
+              </a:rPr>
+              <a:t>secure Prototype - Mitigation</a:t>
+            </a:r>
+          </a:p>
+        </p:txBody>
+      </p:sp>
+      <p:sp>
+        <p:nvSpPr>
+          <p:cNvPr id="3" name="Content Placeholder 2">
+            <a:extLst>
+              <a:ext uri="{FF2B5EF4-FFF2-40B4-BE49-F238E27FC236}">
+                <a16:creationId xmlns:a16="http://schemas.microsoft.com/office/drawing/2014/main" id="{143F5361-68C0-4BF5-80C8-F1E7BF92B2DB}"/>
+              </a:ext>
+            </a:extLst>
+          </p:cNvPr>
+          <p:cNvSpPr>
+            <a:spLocks noGrp="1"/>
+          </p:cNvSpPr>
+          <p:nvPr>
+            <p:ph idx="1"/>
+          </p:nvPr>
+        </p:nvSpPr>
+        <p:spPr/>
+        <p:txBody>
+          <a:bodyPr>
+            <a:normAutofit/>
+          </a:bodyPr>
+          <a:lstStyle/>
+          <a:p>
+            <a:pPr lvl="1"/>
+            <a:r>
+              <a:rPr lang="en-US" sz="2200" dirty="0">
+                <a:latin typeface="Tahoma" panose="020B0604030504040204" pitchFamily="34" charset="0"/>
+                <a:ea typeface="Tahoma" panose="020B0604030504040204" pitchFamily="34" charset="0"/>
+                <a:cs typeface="Tahoma" panose="020B0604030504040204" pitchFamily="34" charset="0"/>
+              </a:rPr>
+              <a:t>Expand Unsecure Prototype - Mitigate Covert Channels with Delays</a:t>
+            </a:r>
+          </a:p>
+          <a:p>
+            <a:pPr lvl="2"/>
+            <a:r>
+              <a:rPr lang="en-US" sz="2000" dirty="0">
+                <a:latin typeface="Tahoma" panose="020B0604030504040204" pitchFamily="34" charset="0"/>
+                <a:ea typeface="Tahoma" panose="020B0604030504040204" pitchFamily="34" charset="0"/>
+                <a:cs typeface="Tahoma" panose="020B0604030504040204" pitchFamily="34" charset="0"/>
+              </a:rPr>
+              <a:t>Constant Delay</a:t>
+            </a:r>
+          </a:p>
+          <a:p>
+            <a:pPr lvl="2"/>
+            <a:r>
+              <a:rPr lang="en-US" sz="2000" dirty="0">
+                <a:latin typeface="Tahoma" panose="020B0604030504040204" pitchFamily="34" charset="0"/>
+                <a:ea typeface="Tahoma" panose="020B0604030504040204" pitchFamily="34" charset="0"/>
+                <a:cs typeface="Tahoma" panose="020B0604030504040204" pitchFamily="34" charset="0"/>
+              </a:rPr>
+              <a:t>Random Delay</a:t>
+            </a:r>
+          </a:p>
+          <a:p>
+            <a:pPr lvl="1"/>
+            <a:r>
+              <a:rPr lang="en-US" sz="2200" dirty="0">
+                <a:latin typeface="Tahoma" panose="020B0604030504040204" pitchFamily="34" charset="0"/>
+                <a:ea typeface="Tahoma" panose="020B0604030504040204" pitchFamily="34" charset="0"/>
+                <a:cs typeface="Tahoma" panose="020B0604030504040204" pitchFamily="34" charset="0"/>
+              </a:rPr>
+              <a:t>Simulate Control by Admin</a:t>
+            </a:r>
+          </a:p>
+          <a:p>
+            <a:pPr lvl="1"/>
+            <a:r>
+              <a:rPr lang="en-US" sz="2200" dirty="0">
+                <a:latin typeface="Tahoma" panose="020B0604030504040204" pitchFamily="34" charset="0"/>
+                <a:ea typeface="Tahoma" panose="020B0604030504040204" pitchFamily="34" charset="0"/>
+                <a:cs typeface="Tahoma" panose="020B0604030504040204" pitchFamily="34" charset="0"/>
+              </a:rPr>
+              <a:t>Performance Concerns</a:t>
+            </a:r>
+          </a:p>
+          <a:p>
+            <a:pPr lvl="1"/>
+            <a:r>
+              <a:rPr lang="en-US" sz="2200" dirty="0">
+                <a:latin typeface="Tahoma" panose="020B0604030504040204" pitchFamily="34" charset="0"/>
+                <a:ea typeface="Tahoma" panose="020B0604030504040204" pitchFamily="34" charset="0"/>
+                <a:cs typeface="Tahoma" panose="020B0604030504040204" pitchFamily="34" charset="0"/>
+              </a:rPr>
+              <a:t>Increase in Error Rate</a:t>
+            </a:r>
+            <a:endParaRPr lang="en-US" sz="2000" dirty="0">
+              <a:latin typeface="Tahoma" panose="020B0604030504040204" pitchFamily="34" charset="0"/>
+              <a:ea typeface="Tahoma" panose="020B0604030504040204" pitchFamily="34" charset="0"/>
+              <a:cs typeface="Tahoma" panose="020B0604030504040204" pitchFamily="34" charset="0"/>
+            </a:endParaRPr>
+          </a:p>
+          <a:p>
+            <a:pPr marL="457200" lvl="1" indent="0">
+              <a:buNone/>
+            </a:pPr>
+            <a:endParaRPr lang="en-US" sz="2200" dirty="0">
+              <a:latin typeface="Tahoma" panose="020B0604030504040204" pitchFamily="34" charset="0"/>
+              <a:ea typeface="Tahoma" panose="020B0604030504040204" pitchFamily="34" charset="0"/>
+              <a:cs typeface="Tahoma" panose="020B0604030504040204" pitchFamily="34" charset="0"/>
+            </a:endParaRPr>
+          </a:p>
+        </p:txBody>
+      </p:sp>
+      <p:pic>
+        <p:nvPicPr>
+          <p:cNvPr id="11266" name="Picture 2">
+            <a:extLst>
+              <a:ext uri="{FF2B5EF4-FFF2-40B4-BE49-F238E27FC236}">
+                <a16:creationId xmlns:a16="http://schemas.microsoft.com/office/drawing/2014/main" id="{715DD518-ED97-4D8E-A124-481165CBC2F4}"/>
+              </a:ext>
+            </a:extLst>
+          </p:cNvPr>
+          <p:cNvPicPr>
+            <a:picLocks noChangeAspect="1" noChangeArrowheads="1"/>
+          </p:cNvPicPr>
+          <p:nvPr/>
+        </p:nvPicPr>
+        <p:blipFill>
+          <a:blip r:embed="rId2">
+            <a:extLst>
+              <a:ext uri="{28A0092B-C50C-407E-A947-70E740481C1C}">
+                <a14:useLocalDpi xmlns:a14="http://schemas.microsoft.com/office/drawing/2010/main" val="0"/>
+              </a:ext>
+            </a:extLst>
+          </a:blip>
+          <a:srcRect/>
+          <a:stretch>
+            <a:fillRect/>
+          </a:stretch>
+        </p:blipFill>
+        <p:spPr bwMode="auto">
+          <a:xfrm>
+            <a:off x="5445503" y="3059355"/>
+            <a:ext cx="3180127" cy="3180127"/>
+          </a:xfrm>
+          <a:prstGeom prst="rect">
+            <a:avLst/>
+          </a:prstGeom>
+          <a:noFill/>
+          <a:extLst>
+            <a:ext uri="{909E8E84-426E-40DD-AFC4-6F175D3DCCD1}">
+              <a14:hiddenFill xmlns:a14="http://schemas.microsoft.com/office/drawing/2010/main">
+                <a:solidFill>
+                  <a:srgbClr val="FFFFFF"/>
+                </a:solidFill>
+              </a14:hiddenFill>
+            </a:ext>
+          </a:extLst>
+        </p:spPr>
+      </p:pic>
+    </p:spTree>
+    <p:extLst>
+      <p:ext uri="{BB962C8B-B14F-4D97-AF65-F5344CB8AC3E}">
+        <p14:creationId xmlns:p14="http://schemas.microsoft.com/office/powerpoint/2010/main" val="2888098691"/>
+      </p:ext>
+    </p:extLst>
+  </p:cSld>
+  <p:clrMapOvr>
+    <a:masterClrMapping/>
+  </p:clrMapOvr>
+</p:sld>
+</file>
+
+<file path=ppt/slides/slide19.xml><?xml version="1.0" encoding="utf-8"?>
+<p:sld xmlns:a="http://schemas.openxmlformats.org/drawingml/2006/main" xmlns:r="http://schemas.openxmlformats.org/officeDocument/2006/relationships" xmlns:p="http://schemas.openxmlformats.org/presentationml/2006/main">
+  <p:cSld>
+    <p:spTree>
+      <p:nvGrpSpPr>
+        <p:cNvPr id="1" name=""/>
+        <p:cNvGrpSpPr/>
+        <p:nvPr/>
+      </p:nvGrpSpPr>
+      <p:grpSpPr>
+        <a:xfrm>
+          <a:off x="0" y="0"/>
+          <a:ext cx="0" cy="0"/>
+          <a:chOff x="0" y="0"/>
+          <a:chExt cx="0" cy="0"/>
+        </a:xfrm>
+      </p:grpSpPr>
+      <p:sp>
+        <p:nvSpPr>
+          <p:cNvPr id="2" name="Title 1">
+            <a:extLst>
+              <a:ext uri="{FF2B5EF4-FFF2-40B4-BE49-F238E27FC236}">
+                <a16:creationId xmlns:a16="http://schemas.microsoft.com/office/drawing/2014/main" id="{34DB6CE4-2B13-4715-B5B2-615A55922CA1}"/>
+              </a:ext>
+            </a:extLst>
+          </p:cNvPr>
+          <p:cNvSpPr>
+            <a:spLocks noGrp="1"/>
+          </p:cNvSpPr>
+          <p:nvPr>
+            <p:ph type="title"/>
+          </p:nvPr>
+        </p:nvSpPr>
+        <p:spPr/>
+        <p:txBody>
+          <a:bodyPr>
+            <a:normAutofit/>
+          </a:bodyPr>
+          <a:lstStyle/>
+          <a:p>
+            <a:r>
+              <a:rPr lang="en-US" sz="4400" dirty="0">
+                <a:latin typeface="Rockwell" panose="02060603020205020403" pitchFamily="18" charset="0"/>
+              </a:rPr>
+              <a:t>secure Prototype - Demo</a:t>
+            </a:r>
+          </a:p>
+        </p:txBody>
+      </p:sp>
+    </p:spTree>
+    <p:extLst>
+      <p:ext uri="{BB962C8B-B14F-4D97-AF65-F5344CB8AC3E}">
+        <p14:creationId xmlns:p14="http://schemas.microsoft.com/office/powerpoint/2010/main" val="1472664218"/>
       </p:ext>
     </p:extLst>
   </p:cSld>
@@ -19639,49 +17371,1941 @@
               <a:rPr lang="en-US" sz="4400" dirty="0">
                 <a:latin typeface="Rockwell" panose="02060603020205020403" pitchFamily="18" charset="0"/>
               </a:rPr>
-              <a:t>The Problem</a:t>
+              <a:t>Layout</a:t>
             </a:r>
           </a:p>
         </p:txBody>
       </p:sp>
-      <p:graphicFrame>
-        <p:nvGraphicFramePr>
-          <p:cNvPr id="4" name="Content Placeholder 3">
+      <p:sp>
+        <p:nvSpPr>
+          <p:cNvPr id="3" name="Content Placeholder 2">
             <a:extLst>
               <a:ext uri="{FF2B5EF4-FFF2-40B4-BE49-F238E27FC236}">
-                <a16:creationId xmlns:a16="http://schemas.microsoft.com/office/drawing/2014/main" id="{8D4F1745-A55E-4835-88EB-BC637121B608}"/>
-              </a:ext>
-              <a:ext uri="{C183D7F6-B498-43B3-948B-1728B52AA6E4}">
-                <adec:decorative xmlns:adec="http://schemas.microsoft.com/office/drawing/2017/decorative" val="1"/>
+                <a16:creationId xmlns:a16="http://schemas.microsoft.com/office/drawing/2014/main" id="{143F5361-68C0-4BF5-80C8-F1E7BF92B2DB}"/>
               </a:ext>
             </a:extLst>
           </p:cNvPr>
-          <p:cNvGraphicFramePr>
-            <a:graphicFrameLocks noGrp="1"/>
-          </p:cNvGraphicFramePr>
+          <p:cNvSpPr>
+            <a:spLocks noGrp="1"/>
+          </p:cNvSpPr>
           <p:nvPr>
             <p:ph idx="1"/>
-            <p:extLst>
-              <p:ext uri="{D42A27DB-BD31-4B8C-83A1-F6EECF244321}">
-                <p14:modId xmlns:p14="http://schemas.microsoft.com/office/powerpoint/2010/main" val="1296887232"/>
-              </p:ext>
-            </p:extLst>
           </p:nvPr>
-        </p:nvGraphicFramePr>
-        <p:xfrm>
-          <a:off x="1141413" y="2249488"/>
-          <a:ext cx="9906000" cy="3541712"/>
-        </p:xfrm>
-        <a:graphic>
-          <a:graphicData uri="http://schemas.openxmlformats.org/drawingml/2006/diagram">
-            <dgm:relIds xmlns:dgm="http://schemas.openxmlformats.org/drawingml/2006/diagram" xmlns:r="http://schemas.openxmlformats.org/officeDocument/2006/relationships" r:dm="rId2" r:lo="rId3" r:qs="rId4" r:cs="rId5"/>
-          </a:graphicData>
-        </a:graphic>
-      </p:graphicFrame>
+        </p:nvSpPr>
+        <p:spPr>
+          <a:xfrm>
+            <a:off x="1141413" y="2249486"/>
+            <a:ext cx="5222336" cy="3989995"/>
+          </a:xfrm>
+        </p:spPr>
+        <p:txBody>
+          <a:bodyPr>
+            <a:normAutofit fontScale="92500" lnSpcReduction="10000"/>
+          </a:bodyPr>
+          <a:lstStyle/>
+          <a:p>
+            <a:pPr lvl="1"/>
+            <a:r>
+              <a:rPr lang="en-US" sz="2400" dirty="0">
+                <a:latin typeface="Tahoma" panose="020B0604030504040204" pitchFamily="34" charset="0"/>
+                <a:ea typeface="Tahoma" panose="020B0604030504040204" pitchFamily="34" charset="0"/>
+                <a:cs typeface="Tahoma" panose="020B0604030504040204" pitchFamily="34" charset="0"/>
+              </a:rPr>
+              <a:t>Introduction</a:t>
+            </a:r>
+          </a:p>
+          <a:p>
+            <a:pPr lvl="1"/>
+            <a:r>
+              <a:rPr lang="en-US" sz="2400" dirty="0">
+                <a:latin typeface="Tahoma" panose="020B0604030504040204" pitchFamily="34" charset="0"/>
+                <a:ea typeface="Tahoma" panose="020B0604030504040204" pitchFamily="34" charset="0"/>
+                <a:cs typeface="Tahoma" panose="020B0604030504040204" pitchFamily="34" charset="0"/>
+              </a:rPr>
+              <a:t>Importance</a:t>
+            </a:r>
+          </a:p>
+          <a:p>
+            <a:pPr lvl="1"/>
+            <a:r>
+              <a:rPr lang="en-US" sz="2400" dirty="0">
+                <a:latin typeface="Tahoma" panose="020B0604030504040204" pitchFamily="34" charset="0"/>
+                <a:ea typeface="Tahoma" panose="020B0604030504040204" pitchFamily="34" charset="0"/>
+                <a:cs typeface="Tahoma" panose="020B0604030504040204" pitchFamily="34" charset="0"/>
+              </a:rPr>
+              <a:t>Motivation</a:t>
+            </a:r>
+          </a:p>
+          <a:p>
+            <a:pPr lvl="1"/>
+            <a:r>
+              <a:rPr lang="en-US" sz="2400" dirty="0">
+                <a:latin typeface="Tahoma" panose="020B0604030504040204" pitchFamily="34" charset="0"/>
+                <a:ea typeface="Tahoma" panose="020B0604030504040204" pitchFamily="34" charset="0"/>
+                <a:cs typeface="Tahoma" panose="020B0604030504040204" pitchFamily="34" charset="0"/>
+              </a:rPr>
+              <a:t>Security Concerns</a:t>
+            </a:r>
+          </a:p>
+          <a:p>
+            <a:pPr lvl="1"/>
+            <a:r>
+              <a:rPr lang="en-US" sz="2400" dirty="0">
+                <a:latin typeface="Tahoma" panose="020B0604030504040204" pitchFamily="34" charset="0"/>
+                <a:ea typeface="Tahoma" panose="020B0604030504040204" pitchFamily="34" charset="0"/>
+                <a:cs typeface="Tahoma" panose="020B0604030504040204" pitchFamily="34" charset="0"/>
+              </a:rPr>
+              <a:t>Related Research</a:t>
+            </a:r>
+          </a:p>
+          <a:p>
+            <a:pPr lvl="1"/>
+            <a:r>
+              <a:rPr lang="en-US" sz="2400" dirty="0">
+                <a:latin typeface="Tahoma" panose="020B0604030504040204" pitchFamily="34" charset="0"/>
+                <a:ea typeface="Tahoma" panose="020B0604030504040204" pitchFamily="34" charset="0"/>
+                <a:cs typeface="Tahoma" panose="020B0604030504040204" pitchFamily="34" charset="0"/>
+              </a:rPr>
+              <a:t>Problem Statement</a:t>
+            </a:r>
+          </a:p>
+          <a:p>
+            <a:pPr lvl="1"/>
+            <a:r>
+              <a:rPr lang="en-US" sz="2400" dirty="0">
+                <a:latin typeface="Tahoma" panose="020B0604030504040204" pitchFamily="34" charset="0"/>
+                <a:ea typeface="Tahoma" panose="020B0604030504040204" pitchFamily="34" charset="0"/>
+                <a:cs typeface="Tahoma" panose="020B0604030504040204" pitchFamily="34" charset="0"/>
+              </a:rPr>
+              <a:t>Confidentiality Violations</a:t>
+            </a:r>
+          </a:p>
+          <a:p>
+            <a:pPr lvl="1"/>
+            <a:r>
+              <a:rPr lang="en-US" sz="2400" dirty="0">
+                <a:latin typeface="Tahoma" panose="020B0604030504040204" pitchFamily="34" charset="0"/>
+                <a:ea typeface="Tahoma" panose="020B0604030504040204" pitchFamily="34" charset="0"/>
+                <a:cs typeface="Tahoma" panose="020B0604030504040204" pitchFamily="34" charset="0"/>
+              </a:rPr>
+              <a:t>Covert Channels</a:t>
+            </a:r>
+          </a:p>
+          <a:p>
+            <a:pPr lvl="1"/>
+            <a:r>
+              <a:rPr lang="en-US" sz="2400" dirty="0">
+                <a:latin typeface="Tahoma" panose="020B0604030504040204" pitchFamily="34" charset="0"/>
+                <a:ea typeface="Tahoma" panose="020B0604030504040204" pitchFamily="34" charset="0"/>
+                <a:cs typeface="Tahoma" panose="020B0604030504040204" pitchFamily="34" charset="0"/>
+              </a:rPr>
+              <a:t>WebRTC API</a:t>
+            </a:r>
+          </a:p>
+          <a:p>
+            <a:pPr lvl="1"/>
+            <a:endParaRPr lang="en-US" sz="2400" dirty="0">
+              <a:latin typeface="Tahoma" panose="020B0604030504040204" pitchFamily="34" charset="0"/>
+              <a:ea typeface="Tahoma" panose="020B0604030504040204" pitchFamily="34" charset="0"/>
+              <a:cs typeface="Tahoma" panose="020B0604030504040204" pitchFamily="34" charset="0"/>
+            </a:endParaRPr>
+          </a:p>
+          <a:p>
+            <a:pPr lvl="1"/>
+            <a:endParaRPr lang="en-US" sz="2200" dirty="0">
+              <a:latin typeface="Tahoma" panose="020B0604030504040204" pitchFamily="34" charset="0"/>
+              <a:ea typeface="Tahoma" panose="020B0604030504040204" pitchFamily="34" charset="0"/>
+              <a:cs typeface="Tahoma" panose="020B0604030504040204" pitchFamily="34" charset="0"/>
+            </a:endParaRPr>
+          </a:p>
+        </p:txBody>
+      </p:sp>
+      <p:sp>
+        <p:nvSpPr>
+          <p:cNvPr id="6" name="Content Placeholder 2">
+            <a:extLst>
+              <a:ext uri="{FF2B5EF4-FFF2-40B4-BE49-F238E27FC236}">
+                <a16:creationId xmlns:a16="http://schemas.microsoft.com/office/drawing/2014/main" id="{AB85EED7-5788-479B-A0D8-0B73E632FE4B}"/>
+              </a:ext>
+            </a:extLst>
+          </p:cNvPr>
+          <p:cNvSpPr txBox="1">
+            <a:spLocks/>
+          </p:cNvSpPr>
+          <p:nvPr/>
+        </p:nvSpPr>
+        <p:spPr>
+          <a:xfrm>
+            <a:off x="6094411" y="2249486"/>
+            <a:ext cx="5222337" cy="4168091"/>
+          </a:xfrm>
+          <a:prstGeom prst="rect">
+            <a:avLst/>
+          </a:prstGeom>
+        </p:spPr>
+        <p:txBody>
+          <a:bodyPr vert="horz" lIns="91440" tIns="45720" rIns="91440" bIns="45720" rtlCol="0">
+            <a:normAutofit/>
+          </a:bodyPr>
+          <a:lstStyle>
+            <a:lvl1pPr marL="228600" indent="-228600" algn="l" defTabSz="914400" rtl="0" eaLnBrk="1" latinLnBrk="0" hangingPunct="1">
+              <a:lnSpc>
+                <a:spcPct val="120000"/>
+              </a:lnSpc>
+              <a:spcBef>
+                <a:spcPts val="1000"/>
+              </a:spcBef>
+              <a:buSzPct val="125000"/>
+              <a:buFont typeface="Arial" panose="020B0604020202020204" pitchFamily="34" charset="0"/>
+              <a:buChar char="•"/>
+              <a:defRPr sz="2400" kern="1200">
+                <a:solidFill>
+                  <a:schemeClr val="tx1"/>
+                </a:solidFill>
+                <a:latin typeface="+mn-lt"/>
+                <a:ea typeface="+mn-ea"/>
+                <a:cs typeface="+mn-cs"/>
+              </a:defRPr>
+            </a:lvl1pPr>
+            <a:lvl2pPr marL="685800" indent="-228600" algn="l" defTabSz="914400" rtl="0" eaLnBrk="1" latinLnBrk="0" hangingPunct="1">
+              <a:lnSpc>
+                <a:spcPct val="120000"/>
+              </a:lnSpc>
+              <a:spcBef>
+                <a:spcPts val="500"/>
+              </a:spcBef>
+              <a:buSzPct val="125000"/>
+              <a:buFont typeface="Arial" panose="020B0604020202020204" pitchFamily="34" charset="0"/>
+              <a:buChar char="•"/>
+              <a:defRPr sz="2000" kern="1200">
+                <a:solidFill>
+                  <a:schemeClr val="tx1"/>
+                </a:solidFill>
+                <a:latin typeface="+mn-lt"/>
+                <a:ea typeface="+mn-ea"/>
+                <a:cs typeface="+mn-cs"/>
+              </a:defRPr>
+            </a:lvl2pPr>
+            <a:lvl3pPr marL="1143000" indent="-228600" algn="l" defTabSz="914400" rtl="0" eaLnBrk="1" latinLnBrk="0" hangingPunct="1">
+              <a:lnSpc>
+                <a:spcPct val="120000"/>
+              </a:lnSpc>
+              <a:spcBef>
+                <a:spcPts val="500"/>
+              </a:spcBef>
+              <a:buSzPct val="125000"/>
+              <a:buFont typeface="Arial" panose="020B0604020202020204" pitchFamily="34" charset="0"/>
+              <a:buChar char="•"/>
+              <a:defRPr sz="1800" kern="1200">
+                <a:solidFill>
+                  <a:schemeClr val="tx1"/>
+                </a:solidFill>
+                <a:latin typeface="+mn-lt"/>
+                <a:ea typeface="+mn-ea"/>
+                <a:cs typeface="+mn-cs"/>
+              </a:defRPr>
+            </a:lvl3pPr>
+            <a:lvl4pPr marL="1600200" indent="-228600" algn="l" defTabSz="914400" rtl="0" eaLnBrk="1" latinLnBrk="0" hangingPunct="1">
+              <a:lnSpc>
+                <a:spcPct val="120000"/>
+              </a:lnSpc>
+              <a:spcBef>
+                <a:spcPts val="500"/>
+              </a:spcBef>
+              <a:buSzPct val="125000"/>
+              <a:buFont typeface="Arial" panose="020B0604020202020204" pitchFamily="34" charset="0"/>
+              <a:buChar char="•"/>
+              <a:defRPr sz="1600" kern="1200">
+                <a:solidFill>
+                  <a:schemeClr val="tx1"/>
+                </a:solidFill>
+                <a:latin typeface="+mn-lt"/>
+                <a:ea typeface="+mn-ea"/>
+                <a:cs typeface="+mn-cs"/>
+              </a:defRPr>
+            </a:lvl4pPr>
+            <a:lvl5pPr marL="2057400" indent="-228600" algn="l" defTabSz="914400" rtl="0" eaLnBrk="1" latinLnBrk="0" hangingPunct="1">
+              <a:lnSpc>
+                <a:spcPct val="120000"/>
+              </a:lnSpc>
+              <a:spcBef>
+                <a:spcPts val="500"/>
+              </a:spcBef>
+              <a:buSzPct val="125000"/>
+              <a:buFont typeface="Arial" panose="020B0604020202020204" pitchFamily="34" charset="0"/>
+              <a:buChar char="•"/>
+              <a:defRPr sz="1600" kern="1200">
+                <a:solidFill>
+                  <a:schemeClr val="tx1"/>
+                </a:solidFill>
+                <a:latin typeface="+mn-lt"/>
+                <a:ea typeface="+mn-ea"/>
+                <a:cs typeface="+mn-cs"/>
+              </a:defRPr>
+            </a:lvl5pPr>
+            <a:lvl6pPr marL="2514600" indent="-228600" algn="l" defTabSz="914400" rtl="0" eaLnBrk="1" latinLnBrk="0" hangingPunct="1">
+              <a:lnSpc>
+                <a:spcPct val="120000"/>
+              </a:lnSpc>
+              <a:spcBef>
+                <a:spcPts val="500"/>
+              </a:spcBef>
+              <a:buSzPct val="125000"/>
+              <a:buFont typeface="Arial" panose="020B0604020202020204" pitchFamily="34" charset="0"/>
+              <a:buChar char="•"/>
+              <a:defRPr sz="1400" kern="1200">
+                <a:solidFill>
+                  <a:schemeClr val="tx1"/>
+                </a:solidFill>
+                <a:latin typeface="+mn-lt"/>
+                <a:ea typeface="+mn-ea"/>
+                <a:cs typeface="+mn-cs"/>
+              </a:defRPr>
+            </a:lvl6pPr>
+            <a:lvl7pPr marL="2971800" indent="-228600" algn="l" defTabSz="914400" rtl="0" eaLnBrk="1" latinLnBrk="0" hangingPunct="1">
+              <a:lnSpc>
+                <a:spcPct val="120000"/>
+              </a:lnSpc>
+              <a:spcBef>
+                <a:spcPts val="500"/>
+              </a:spcBef>
+              <a:buSzPct val="125000"/>
+              <a:buFont typeface="Arial" panose="020B0604020202020204" pitchFamily="34" charset="0"/>
+              <a:buChar char="•"/>
+              <a:defRPr sz="1400" kern="1200">
+                <a:solidFill>
+                  <a:schemeClr val="tx1"/>
+                </a:solidFill>
+                <a:latin typeface="+mn-lt"/>
+                <a:ea typeface="+mn-ea"/>
+                <a:cs typeface="+mn-cs"/>
+              </a:defRPr>
+            </a:lvl7pPr>
+            <a:lvl8pPr marL="3429000" indent="-228600" algn="l" defTabSz="914400" rtl="0" eaLnBrk="1" latinLnBrk="0" hangingPunct="1">
+              <a:lnSpc>
+                <a:spcPct val="120000"/>
+              </a:lnSpc>
+              <a:spcBef>
+                <a:spcPts val="500"/>
+              </a:spcBef>
+              <a:buSzPct val="125000"/>
+              <a:buFont typeface="Arial" panose="020B0604020202020204" pitchFamily="34" charset="0"/>
+              <a:buChar char="•"/>
+              <a:defRPr sz="1400" kern="1200">
+                <a:solidFill>
+                  <a:schemeClr val="tx1"/>
+                </a:solidFill>
+                <a:latin typeface="+mn-lt"/>
+                <a:ea typeface="+mn-ea"/>
+                <a:cs typeface="+mn-cs"/>
+              </a:defRPr>
+            </a:lvl8pPr>
+            <a:lvl9pPr marL="3886200" indent="-228600" algn="l" defTabSz="914400" rtl="0" eaLnBrk="1" latinLnBrk="0" hangingPunct="1">
+              <a:lnSpc>
+                <a:spcPct val="120000"/>
+              </a:lnSpc>
+              <a:spcBef>
+                <a:spcPts val="500"/>
+              </a:spcBef>
+              <a:buSzPct val="125000"/>
+              <a:buFont typeface="Arial" panose="020B0604020202020204" pitchFamily="34" charset="0"/>
+              <a:buChar char="•"/>
+              <a:defRPr sz="1400" kern="1200">
+                <a:solidFill>
+                  <a:schemeClr val="tx1"/>
+                </a:solidFill>
+                <a:latin typeface="+mn-lt"/>
+                <a:ea typeface="+mn-ea"/>
+                <a:cs typeface="+mn-cs"/>
+              </a:defRPr>
+            </a:lvl9pPr>
+          </a:lstStyle>
+          <a:p>
+            <a:pPr lvl="1"/>
+            <a:r>
+              <a:rPr lang="en-US" sz="2400" dirty="0">
+                <a:latin typeface="Tahoma" panose="020B0604030504040204" pitchFamily="34" charset="0"/>
+                <a:ea typeface="Tahoma" panose="020B0604030504040204" pitchFamily="34" charset="0"/>
+                <a:cs typeface="Tahoma" panose="020B0604030504040204" pitchFamily="34" charset="0"/>
+              </a:rPr>
+              <a:t>Research Method</a:t>
+            </a:r>
+          </a:p>
+          <a:p>
+            <a:pPr lvl="1"/>
+            <a:r>
+              <a:rPr lang="en-US" sz="2400" dirty="0">
+                <a:latin typeface="Tahoma" panose="020B0604030504040204" pitchFamily="34" charset="0"/>
+                <a:ea typeface="Tahoma" panose="020B0604030504040204" pitchFamily="34" charset="0"/>
+                <a:cs typeface="Tahoma" panose="020B0604030504040204" pitchFamily="34" charset="0"/>
+              </a:rPr>
+              <a:t>Unsecure/Secure Prototype</a:t>
+            </a:r>
+          </a:p>
+          <a:p>
+            <a:pPr lvl="1"/>
+            <a:r>
+              <a:rPr lang="en-US" sz="2400" dirty="0">
+                <a:latin typeface="Tahoma" panose="020B0604030504040204" pitchFamily="34" charset="0"/>
+                <a:ea typeface="Tahoma" panose="020B0604030504040204" pitchFamily="34" charset="0"/>
+                <a:cs typeface="Tahoma" panose="020B0604030504040204" pitchFamily="34" charset="0"/>
+              </a:rPr>
+              <a:t>Performance Results</a:t>
+            </a:r>
+          </a:p>
+          <a:p>
+            <a:pPr lvl="1"/>
+            <a:r>
+              <a:rPr lang="en-US" sz="2400" dirty="0">
+                <a:latin typeface="Tahoma" panose="020B0604030504040204" pitchFamily="34" charset="0"/>
+                <a:ea typeface="Tahoma" panose="020B0604030504040204" pitchFamily="34" charset="0"/>
+                <a:cs typeface="Tahoma" panose="020B0604030504040204" pitchFamily="34" charset="0"/>
+              </a:rPr>
+              <a:t>IP Leaks</a:t>
+            </a:r>
+            <a:endParaRPr lang="en-US" sz="2200" dirty="0">
+              <a:latin typeface="Tahoma" panose="020B0604030504040204" pitchFamily="34" charset="0"/>
+              <a:ea typeface="Tahoma" panose="020B0604030504040204" pitchFamily="34" charset="0"/>
+              <a:cs typeface="Tahoma" panose="020B0604030504040204" pitchFamily="34" charset="0"/>
+            </a:endParaRPr>
+          </a:p>
+          <a:p>
+            <a:pPr lvl="1"/>
+            <a:r>
+              <a:rPr lang="en-US" sz="2600" dirty="0">
+                <a:latin typeface="Tahoma" panose="020B0604030504040204" pitchFamily="34" charset="0"/>
+                <a:ea typeface="Tahoma" panose="020B0604030504040204" pitchFamily="34" charset="0"/>
+                <a:cs typeface="Tahoma" panose="020B0604030504040204" pitchFamily="34" charset="0"/>
+              </a:rPr>
+              <a:t>Distributed Hash Table</a:t>
+            </a:r>
+          </a:p>
+          <a:p>
+            <a:pPr lvl="1"/>
+            <a:r>
+              <a:rPr lang="en-US" sz="2400" dirty="0">
+                <a:latin typeface="Tahoma" panose="020B0604030504040204" pitchFamily="34" charset="0"/>
+                <a:ea typeface="Tahoma" panose="020B0604030504040204" pitchFamily="34" charset="0"/>
+                <a:cs typeface="Tahoma" panose="020B0604030504040204" pitchFamily="34" charset="0"/>
+              </a:rPr>
+              <a:t>Conclusion</a:t>
+            </a:r>
+          </a:p>
+          <a:p>
+            <a:pPr lvl="1"/>
+            <a:r>
+              <a:rPr lang="en-US" sz="2400" dirty="0">
+                <a:latin typeface="Tahoma" panose="020B0604030504040204" pitchFamily="34" charset="0"/>
+                <a:ea typeface="Tahoma" panose="020B0604030504040204" pitchFamily="34" charset="0"/>
+                <a:cs typeface="Tahoma" panose="020B0604030504040204" pitchFamily="34" charset="0"/>
+              </a:rPr>
+              <a:t>Future Work</a:t>
+            </a:r>
+          </a:p>
+          <a:p>
+            <a:pPr lvl="1"/>
+            <a:r>
+              <a:rPr lang="en-US" sz="2400" dirty="0">
+                <a:latin typeface="Tahoma" panose="020B0604030504040204" pitchFamily="34" charset="0"/>
+                <a:ea typeface="Tahoma" panose="020B0604030504040204" pitchFamily="34" charset="0"/>
+                <a:cs typeface="Tahoma" panose="020B0604030504040204" pitchFamily="34" charset="0"/>
+              </a:rPr>
+              <a:t>References</a:t>
+            </a:r>
+          </a:p>
+          <a:p>
+            <a:pPr lvl="1"/>
+            <a:endParaRPr lang="en-US" sz="2400" dirty="0">
+              <a:latin typeface="Tahoma" panose="020B0604030504040204" pitchFamily="34" charset="0"/>
+              <a:ea typeface="Tahoma" panose="020B0604030504040204" pitchFamily="34" charset="0"/>
+              <a:cs typeface="Tahoma" panose="020B0604030504040204" pitchFamily="34" charset="0"/>
+            </a:endParaRPr>
+          </a:p>
+          <a:p>
+            <a:pPr lvl="1"/>
+            <a:endParaRPr lang="en-US" sz="2200" dirty="0">
+              <a:latin typeface="Tahoma" panose="020B0604030504040204" pitchFamily="34" charset="0"/>
+              <a:ea typeface="Tahoma" panose="020B0604030504040204" pitchFamily="34" charset="0"/>
+              <a:cs typeface="Tahoma" panose="020B0604030504040204" pitchFamily="34" charset="0"/>
+            </a:endParaRPr>
+          </a:p>
+          <a:p>
+            <a:pPr lvl="1"/>
+            <a:endParaRPr lang="en-US" sz="2400" dirty="0">
+              <a:latin typeface="Tahoma" panose="020B0604030504040204" pitchFamily="34" charset="0"/>
+              <a:ea typeface="Tahoma" panose="020B0604030504040204" pitchFamily="34" charset="0"/>
+              <a:cs typeface="Tahoma" panose="020B0604030504040204" pitchFamily="34" charset="0"/>
+            </a:endParaRPr>
+          </a:p>
+          <a:p>
+            <a:pPr lvl="1"/>
+            <a:endParaRPr lang="en-US" sz="2200" dirty="0">
+              <a:latin typeface="Tahoma" panose="020B0604030504040204" pitchFamily="34" charset="0"/>
+              <a:ea typeface="Tahoma" panose="020B0604030504040204" pitchFamily="34" charset="0"/>
+              <a:cs typeface="Tahoma" panose="020B0604030504040204" pitchFamily="34" charset="0"/>
+            </a:endParaRPr>
+          </a:p>
+        </p:txBody>
+      </p:sp>
     </p:spTree>
     <p:extLst>
       <p:ext uri="{BB962C8B-B14F-4D97-AF65-F5344CB8AC3E}">
-        <p14:creationId xmlns:p14="http://schemas.microsoft.com/office/powerpoint/2010/main" val="3253689747"/>
+        <p14:creationId xmlns:p14="http://schemas.microsoft.com/office/powerpoint/2010/main" val="1898193935"/>
+      </p:ext>
+    </p:extLst>
+  </p:cSld>
+  <p:clrMapOvr>
+    <a:masterClrMapping/>
+  </p:clrMapOvr>
+</p:sld>
+</file>
+
+<file path=ppt/slides/slide20.xml><?xml version="1.0" encoding="utf-8"?>
+<p:sld xmlns:a="http://schemas.openxmlformats.org/drawingml/2006/main" xmlns:r="http://schemas.openxmlformats.org/officeDocument/2006/relationships" xmlns:p="http://schemas.openxmlformats.org/presentationml/2006/main">
+  <p:cSld>
+    <p:spTree>
+      <p:nvGrpSpPr>
+        <p:cNvPr id="1" name=""/>
+        <p:cNvGrpSpPr/>
+        <p:nvPr/>
+      </p:nvGrpSpPr>
+      <p:grpSpPr>
+        <a:xfrm>
+          <a:off x="0" y="0"/>
+          <a:ext cx="0" cy="0"/>
+          <a:chOff x="0" y="0"/>
+          <a:chExt cx="0" cy="0"/>
+        </a:xfrm>
+      </p:grpSpPr>
+      <p:sp>
+        <p:nvSpPr>
+          <p:cNvPr id="2" name="Title 1">
+            <a:extLst>
+              <a:ext uri="{FF2B5EF4-FFF2-40B4-BE49-F238E27FC236}">
+                <a16:creationId xmlns:a16="http://schemas.microsoft.com/office/drawing/2014/main" id="{F327D701-290B-41C1-8F1E-54AB7A4A402D}"/>
+              </a:ext>
+            </a:extLst>
+          </p:cNvPr>
+          <p:cNvSpPr>
+            <a:spLocks noGrp="1"/>
+          </p:cNvSpPr>
+          <p:nvPr>
+            <p:ph type="title"/>
+          </p:nvPr>
+        </p:nvSpPr>
+        <p:spPr/>
+        <p:txBody>
+          <a:bodyPr/>
+          <a:lstStyle/>
+          <a:p>
+            <a:r>
+              <a:rPr lang="en-US" dirty="0"/>
+              <a:t>Results (secure) – Constant Delay</a:t>
+            </a:r>
+          </a:p>
+        </p:txBody>
+      </p:sp>
+      <p:pic>
+        <p:nvPicPr>
+          <p:cNvPr id="10" name="Content Placeholder 9">
+            <a:extLst>
+              <a:ext uri="{FF2B5EF4-FFF2-40B4-BE49-F238E27FC236}">
+                <a16:creationId xmlns:a16="http://schemas.microsoft.com/office/drawing/2014/main" id="{AB1CBEE9-3C49-41F9-A06C-ED4DEA6425E5}"/>
+              </a:ext>
+            </a:extLst>
+          </p:cNvPr>
+          <p:cNvPicPr>
+            <a:picLocks noGrp="1" noChangeAspect="1"/>
+          </p:cNvPicPr>
+          <p:nvPr>
+            <p:ph idx="1"/>
+          </p:nvPr>
+        </p:nvPicPr>
+        <p:blipFill>
+          <a:blip r:embed="rId2"/>
+          <a:stretch>
+            <a:fillRect/>
+          </a:stretch>
+        </p:blipFill>
+        <p:spPr>
+          <a:xfrm>
+            <a:off x="6209760" y="2148659"/>
+            <a:ext cx="5238707" cy="3383332"/>
+          </a:xfrm>
+        </p:spPr>
+      </p:pic>
+      <p:pic>
+        <p:nvPicPr>
+          <p:cNvPr id="8" name="Picture 7">
+            <a:extLst>
+              <a:ext uri="{FF2B5EF4-FFF2-40B4-BE49-F238E27FC236}">
+                <a16:creationId xmlns:a16="http://schemas.microsoft.com/office/drawing/2014/main" id="{439F8B8F-3276-4EB7-93EA-B9D595D1D763}"/>
+              </a:ext>
+            </a:extLst>
+          </p:cNvPr>
+          <p:cNvPicPr>
+            <a:picLocks noChangeAspect="1"/>
+          </p:cNvPicPr>
+          <p:nvPr/>
+        </p:nvPicPr>
+        <p:blipFill>
+          <a:blip r:embed="rId3"/>
+          <a:stretch>
+            <a:fillRect/>
+          </a:stretch>
+        </p:blipFill>
+        <p:spPr>
+          <a:xfrm>
+            <a:off x="591642" y="2148659"/>
+            <a:ext cx="5238707" cy="3455317"/>
+          </a:xfrm>
+          <a:prstGeom prst="rect">
+            <a:avLst/>
+          </a:prstGeom>
+        </p:spPr>
+      </p:pic>
+    </p:spTree>
+    <p:extLst>
+      <p:ext uri="{BB962C8B-B14F-4D97-AF65-F5344CB8AC3E}">
+        <p14:creationId xmlns:p14="http://schemas.microsoft.com/office/powerpoint/2010/main" val="1283178450"/>
+      </p:ext>
+    </p:extLst>
+  </p:cSld>
+  <p:clrMapOvr>
+    <a:masterClrMapping/>
+  </p:clrMapOvr>
+</p:sld>
+</file>
+
+<file path=ppt/slides/slide21.xml><?xml version="1.0" encoding="utf-8"?>
+<p:sld xmlns:a="http://schemas.openxmlformats.org/drawingml/2006/main" xmlns:r="http://schemas.openxmlformats.org/officeDocument/2006/relationships" xmlns:p="http://schemas.openxmlformats.org/presentationml/2006/main">
+  <p:cSld>
+    <p:spTree>
+      <p:nvGrpSpPr>
+        <p:cNvPr id="1" name=""/>
+        <p:cNvGrpSpPr/>
+        <p:nvPr/>
+      </p:nvGrpSpPr>
+      <p:grpSpPr>
+        <a:xfrm>
+          <a:off x="0" y="0"/>
+          <a:ext cx="0" cy="0"/>
+          <a:chOff x="0" y="0"/>
+          <a:chExt cx="0" cy="0"/>
+        </a:xfrm>
+      </p:grpSpPr>
+      <p:sp>
+        <p:nvSpPr>
+          <p:cNvPr id="2" name="Title 1">
+            <a:extLst>
+              <a:ext uri="{FF2B5EF4-FFF2-40B4-BE49-F238E27FC236}">
+                <a16:creationId xmlns:a16="http://schemas.microsoft.com/office/drawing/2014/main" id="{F327D701-290B-41C1-8F1E-54AB7A4A402D}"/>
+              </a:ext>
+            </a:extLst>
+          </p:cNvPr>
+          <p:cNvSpPr>
+            <a:spLocks noGrp="1"/>
+          </p:cNvSpPr>
+          <p:nvPr>
+            <p:ph type="title"/>
+          </p:nvPr>
+        </p:nvSpPr>
+        <p:spPr/>
+        <p:txBody>
+          <a:bodyPr/>
+          <a:lstStyle/>
+          <a:p>
+            <a:r>
+              <a:rPr lang="en-US" dirty="0"/>
+              <a:t>Results (secure) – Random Delay</a:t>
+            </a:r>
+          </a:p>
+        </p:txBody>
+      </p:sp>
+      <p:pic>
+        <p:nvPicPr>
+          <p:cNvPr id="14" name="Picture 13">
+            <a:extLst>
+              <a:ext uri="{FF2B5EF4-FFF2-40B4-BE49-F238E27FC236}">
+                <a16:creationId xmlns:a16="http://schemas.microsoft.com/office/drawing/2014/main" id="{79E7F468-1458-4BA7-AA96-E561E9BECFD9}"/>
+              </a:ext>
+            </a:extLst>
+          </p:cNvPr>
+          <p:cNvPicPr>
+            <a:picLocks noChangeAspect="1"/>
+          </p:cNvPicPr>
+          <p:nvPr/>
+        </p:nvPicPr>
+        <p:blipFill>
+          <a:blip r:embed="rId2"/>
+          <a:stretch>
+            <a:fillRect/>
+          </a:stretch>
+        </p:blipFill>
+        <p:spPr>
+          <a:xfrm>
+            <a:off x="466564" y="2124587"/>
+            <a:ext cx="5237951" cy="3392905"/>
+          </a:xfrm>
+          <a:prstGeom prst="rect">
+            <a:avLst/>
+          </a:prstGeom>
+        </p:spPr>
+      </p:pic>
+      <p:pic>
+        <p:nvPicPr>
+          <p:cNvPr id="16" name="Picture 15">
+            <a:extLst>
+              <a:ext uri="{FF2B5EF4-FFF2-40B4-BE49-F238E27FC236}">
+                <a16:creationId xmlns:a16="http://schemas.microsoft.com/office/drawing/2014/main" id="{D5919C7C-323D-4FF6-904C-1545B0C9C3D2}"/>
+              </a:ext>
+            </a:extLst>
+          </p:cNvPr>
+          <p:cNvPicPr>
+            <a:picLocks noChangeAspect="1"/>
+          </p:cNvPicPr>
+          <p:nvPr/>
+        </p:nvPicPr>
+        <p:blipFill>
+          <a:blip r:embed="rId3"/>
+          <a:stretch>
+            <a:fillRect/>
+          </a:stretch>
+        </p:blipFill>
+        <p:spPr>
+          <a:xfrm>
+            <a:off x="6094412" y="2109687"/>
+            <a:ext cx="5436065" cy="3422707"/>
+          </a:xfrm>
+          <a:prstGeom prst="rect">
+            <a:avLst/>
+          </a:prstGeom>
+        </p:spPr>
+      </p:pic>
+    </p:spTree>
+    <p:extLst>
+      <p:ext uri="{BB962C8B-B14F-4D97-AF65-F5344CB8AC3E}">
+        <p14:creationId xmlns:p14="http://schemas.microsoft.com/office/powerpoint/2010/main" val="998566497"/>
+      </p:ext>
+    </p:extLst>
+  </p:cSld>
+  <p:clrMapOvr>
+    <a:masterClrMapping/>
+  </p:clrMapOvr>
+</p:sld>
+</file>
+
+<file path=ppt/slides/slide22.xml><?xml version="1.0" encoding="utf-8"?>
+<p:sld xmlns:a="http://schemas.openxmlformats.org/drawingml/2006/main" xmlns:r="http://schemas.openxmlformats.org/officeDocument/2006/relationships" xmlns:p="http://schemas.openxmlformats.org/presentationml/2006/main">
+  <p:cSld>
+    <p:spTree>
+      <p:nvGrpSpPr>
+        <p:cNvPr id="1" name=""/>
+        <p:cNvGrpSpPr/>
+        <p:nvPr/>
+      </p:nvGrpSpPr>
+      <p:grpSpPr>
+        <a:xfrm>
+          <a:off x="0" y="0"/>
+          <a:ext cx="0" cy="0"/>
+          <a:chOff x="0" y="0"/>
+          <a:chExt cx="0" cy="0"/>
+        </a:xfrm>
+      </p:grpSpPr>
+      <p:sp>
+        <p:nvSpPr>
+          <p:cNvPr id="2" name="Title 1">
+            <a:extLst>
+              <a:ext uri="{FF2B5EF4-FFF2-40B4-BE49-F238E27FC236}">
+                <a16:creationId xmlns:a16="http://schemas.microsoft.com/office/drawing/2014/main" id="{34DB6CE4-2B13-4715-B5B2-615A55922CA1}"/>
+              </a:ext>
+            </a:extLst>
+          </p:cNvPr>
+          <p:cNvSpPr>
+            <a:spLocks noGrp="1"/>
+          </p:cNvSpPr>
+          <p:nvPr>
+            <p:ph type="title"/>
+          </p:nvPr>
+        </p:nvSpPr>
+        <p:spPr/>
+        <p:txBody>
+          <a:bodyPr>
+            <a:normAutofit/>
+          </a:bodyPr>
+          <a:lstStyle/>
+          <a:p>
+            <a:r>
+              <a:rPr lang="en-US" sz="4400" dirty="0">
+                <a:latin typeface="Rockwell" panose="02060603020205020403" pitchFamily="18" charset="0"/>
+              </a:rPr>
+              <a:t>Ip Leaks</a:t>
+            </a:r>
+          </a:p>
+        </p:txBody>
+      </p:sp>
+      <p:sp>
+        <p:nvSpPr>
+          <p:cNvPr id="3" name="Content Placeholder 2">
+            <a:extLst>
+              <a:ext uri="{FF2B5EF4-FFF2-40B4-BE49-F238E27FC236}">
+                <a16:creationId xmlns:a16="http://schemas.microsoft.com/office/drawing/2014/main" id="{143F5361-68C0-4BF5-80C8-F1E7BF92B2DB}"/>
+              </a:ext>
+            </a:extLst>
+          </p:cNvPr>
+          <p:cNvSpPr>
+            <a:spLocks noGrp="1"/>
+          </p:cNvSpPr>
+          <p:nvPr>
+            <p:ph idx="1"/>
+          </p:nvPr>
+        </p:nvSpPr>
+        <p:spPr/>
+        <p:txBody>
+          <a:bodyPr>
+            <a:normAutofit/>
+          </a:bodyPr>
+          <a:lstStyle/>
+          <a:p>
+            <a:pPr lvl="1"/>
+            <a:r>
+              <a:rPr lang="en-US" sz="2400" dirty="0">
+                <a:latin typeface="Tahoma" panose="020B0604030504040204" pitchFamily="34" charset="0"/>
+                <a:ea typeface="Tahoma" panose="020B0604030504040204" pitchFamily="34" charset="0"/>
+                <a:cs typeface="Tahoma" panose="020B0604030504040204" pitchFamily="34" charset="0"/>
+              </a:rPr>
+              <a:t>Sensitive Data Can Be Obtained</a:t>
+            </a:r>
+          </a:p>
+          <a:p>
+            <a:pPr lvl="2"/>
+            <a:r>
+              <a:rPr lang="en-US" sz="2000" dirty="0">
+                <a:latin typeface="Tahoma" panose="020B0604030504040204" pitchFamily="34" charset="0"/>
+                <a:ea typeface="Tahoma" panose="020B0604030504040204" pitchFamily="34" charset="0"/>
+                <a:cs typeface="Tahoma" panose="020B0604030504040204" pitchFamily="34" charset="0"/>
+              </a:rPr>
+              <a:t>Geographical Location via Public IP Address</a:t>
+            </a:r>
+          </a:p>
+          <a:p>
+            <a:pPr lvl="1"/>
+            <a:r>
+              <a:rPr lang="en-US" sz="2200" dirty="0">
+                <a:latin typeface="Tahoma" panose="020B0604030504040204" pitchFamily="34" charset="0"/>
+                <a:ea typeface="Tahoma" panose="020B0604030504040204" pitchFamily="34" charset="0"/>
+                <a:cs typeface="Tahoma" panose="020B0604030504040204" pitchFamily="34" charset="0"/>
+              </a:rPr>
+              <a:t>Public IP is Required Through STUN/TURN Protocols</a:t>
+            </a:r>
+          </a:p>
+          <a:p>
+            <a:pPr lvl="2"/>
+            <a:r>
+              <a:rPr lang="en-US" sz="2000" dirty="0">
+                <a:latin typeface="Tahoma" panose="020B0604030504040204" pitchFamily="34" charset="0"/>
+                <a:ea typeface="Tahoma" panose="020B0604030504040204" pitchFamily="34" charset="0"/>
+                <a:cs typeface="Tahoma" panose="020B0604030504040204" pitchFamily="34" charset="0"/>
+              </a:rPr>
+              <a:t>Google Implementation</a:t>
+            </a:r>
+          </a:p>
+        </p:txBody>
+      </p:sp>
+      <p:pic>
+        <p:nvPicPr>
+          <p:cNvPr id="5122" name="Picture 2">
+            <a:extLst>
+              <a:ext uri="{FF2B5EF4-FFF2-40B4-BE49-F238E27FC236}">
+                <a16:creationId xmlns:a16="http://schemas.microsoft.com/office/drawing/2014/main" id="{F520A40B-485C-47FF-AF64-A909765EB106}"/>
+              </a:ext>
+            </a:extLst>
+          </p:cNvPr>
+          <p:cNvPicPr>
+            <a:picLocks noChangeAspect="1" noChangeArrowheads="1"/>
+          </p:cNvPicPr>
+          <p:nvPr/>
+        </p:nvPicPr>
+        <p:blipFill>
+          <a:blip r:embed="rId2">
+            <a:extLst>
+              <a:ext uri="{28A0092B-C50C-407E-A947-70E740481C1C}">
+                <a14:useLocalDpi xmlns:a14="http://schemas.microsoft.com/office/drawing/2010/main" val="0"/>
+              </a:ext>
+            </a:extLst>
+          </a:blip>
+          <a:srcRect/>
+          <a:stretch>
+            <a:fillRect/>
+          </a:stretch>
+        </p:blipFill>
+        <p:spPr bwMode="auto">
+          <a:xfrm>
+            <a:off x="4360916" y="4142395"/>
+            <a:ext cx="3466990" cy="2097087"/>
+          </a:xfrm>
+          <a:prstGeom prst="rect">
+            <a:avLst/>
+          </a:prstGeom>
+          <a:noFill/>
+          <a:extLst>
+            <a:ext uri="{909E8E84-426E-40DD-AFC4-6F175D3DCCD1}">
+              <a14:hiddenFill xmlns:a14="http://schemas.microsoft.com/office/drawing/2010/main">
+                <a:solidFill>
+                  <a:srgbClr val="FFFFFF"/>
+                </a:solidFill>
+              </a14:hiddenFill>
+            </a:ext>
+          </a:extLst>
+        </p:spPr>
+      </p:pic>
+    </p:spTree>
+    <p:extLst>
+      <p:ext uri="{BB962C8B-B14F-4D97-AF65-F5344CB8AC3E}">
+        <p14:creationId xmlns:p14="http://schemas.microsoft.com/office/powerpoint/2010/main" val="3939304018"/>
+      </p:ext>
+    </p:extLst>
+  </p:cSld>
+  <p:clrMapOvr>
+    <a:masterClrMapping/>
+  </p:clrMapOvr>
+</p:sld>
+</file>
+
+<file path=ppt/slides/slide23.xml><?xml version="1.0" encoding="utf-8"?>
+<p:sld xmlns:a="http://schemas.openxmlformats.org/drawingml/2006/main" xmlns:r="http://schemas.openxmlformats.org/officeDocument/2006/relationships" xmlns:p="http://schemas.openxmlformats.org/presentationml/2006/main">
+  <p:cSld>
+    <p:spTree>
+      <p:nvGrpSpPr>
+        <p:cNvPr id="1" name=""/>
+        <p:cNvGrpSpPr/>
+        <p:nvPr/>
+      </p:nvGrpSpPr>
+      <p:grpSpPr>
+        <a:xfrm>
+          <a:off x="0" y="0"/>
+          <a:ext cx="0" cy="0"/>
+          <a:chOff x="0" y="0"/>
+          <a:chExt cx="0" cy="0"/>
+        </a:xfrm>
+      </p:grpSpPr>
+      <p:sp>
+        <p:nvSpPr>
+          <p:cNvPr id="2" name="Title 1">
+            <a:extLst>
+              <a:ext uri="{FF2B5EF4-FFF2-40B4-BE49-F238E27FC236}">
+                <a16:creationId xmlns:a16="http://schemas.microsoft.com/office/drawing/2014/main" id="{34DB6CE4-2B13-4715-B5B2-615A55922CA1}"/>
+              </a:ext>
+            </a:extLst>
+          </p:cNvPr>
+          <p:cNvSpPr>
+            <a:spLocks noGrp="1"/>
+          </p:cNvSpPr>
+          <p:nvPr>
+            <p:ph type="title"/>
+          </p:nvPr>
+        </p:nvSpPr>
+        <p:spPr/>
+        <p:txBody>
+          <a:bodyPr>
+            <a:normAutofit/>
+          </a:bodyPr>
+          <a:lstStyle/>
+          <a:p>
+            <a:r>
+              <a:rPr lang="en-US" sz="4400" dirty="0">
+                <a:latin typeface="Rockwell" panose="02060603020205020403" pitchFamily="18" charset="0"/>
+              </a:rPr>
+              <a:t>Distributed Hash Table	</a:t>
+            </a:r>
+          </a:p>
+        </p:txBody>
+      </p:sp>
+      <p:sp>
+        <p:nvSpPr>
+          <p:cNvPr id="3" name="Content Placeholder 2">
+            <a:extLst>
+              <a:ext uri="{FF2B5EF4-FFF2-40B4-BE49-F238E27FC236}">
+                <a16:creationId xmlns:a16="http://schemas.microsoft.com/office/drawing/2014/main" id="{143F5361-68C0-4BF5-80C8-F1E7BF92B2DB}"/>
+              </a:ext>
+            </a:extLst>
+          </p:cNvPr>
+          <p:cNvSpPr>
+            <a:spLocks noGrp="1"/>
+          </p:cNvSpPr>
+          <p:nvPr>
+            <p:ph idx="1"/>
+          </p:nvPr>
+        </p:nvSpPr>
+        <p:spPr/>
+        <p:txBody>
+          <a:bodyPr/>
+          <a:lstStyle/>
+          <a:p>
+            <a:r>
+              <a:rPr lang="en-US" dirty="0">
+                <a:latin typeface="Tahoma" panose="020B0604030504040204" pitchFamily="34" charset="0"/>
+                <a:ea typeface="Tahoma" panose="020B0604030504040204" pitchFamily="34" charset="0"/>
+                <a:cs typeface="Tahoma" panose="020B0604030504040204" pitchFamily="34" charset="0"/>
+              </a:rPr>
+              <a:t>Mitigating IP Leaks</a:t>
+            </a:r>
+          </a:p>
+          <a:p>
+            <a:pPr lvl="1"/>
+            <a:r>
+              <a:rPr lang="en-US" dirty="0">
+                <a:latin typeface="Tahoma" panose="020B0604030504040204" pitchFamily="34" charset="0"/>
+                <a:ea typeface="Tahoma" panose="020B0604030504040204" pitchFamily="34" charset="0"/>
+                <a:cs typeface="Tahoma" panose="020B0604030504040204" pitchFamily="34" charset="0"/>
+              </a:rPr>
+              <a:t>Current: STUN/TURN Protocol for Server Implementation</a:t>
+            </a:r>
+          </a:p>
+          <a:p>
+            <a:pPr lvl="1"/>
+            <a:r>
+              <a:rPr lang="en-US" dirty="0">
+                <a:latin typeface="Tahoma" panose="020B0604030504040204" pitchFamily="34" charset="0"/>
+                <a:ea typeface="Tahoma" panose="020B0604030504040204" pitchFamily="34" charset="0"/>
+                <a:cs typeface="Tahoma" panose="020B0604030504040204" pitchFamily="34" charset="0"/>
+              </a:rPr>
+              <a:t>New: Distributed Hash Table Server</a:t>
+            </a:r>
+          </a:p>
+          <a:p>
+            <a:pPr lvl="2"/>
+            <a:r>
+              <a:rPr lang="en-US" dirty="0">
+                <a:latin typeface="Tahoma" panose="020B0604030504040204" pitchFamily="34" charset="0"/>
+                <a:ea typeface="Tahoma" panose="020B0604030504040204" pitchFamily="34" charset="0"/>
+                <a:cs typeface="Tahoma" panose="020B0604030504040204" pitchFamily="34" charset="0"/>
+              </a:rPr>
+              <a:t>Seen with TOR</a:t>
+            </a:r>
+          </a:p>
+        </p:txBody>
+      </p:sp>
+      <p:pic>
+        <p:nvPicPr>
+          <p:cNvPr id="8194" name="Picture 2">
+            <a:extLst>
+              <a:ext uri="{FF2B5EF4-FFF2-40B4-BE49-F238E27FC236}">
+                <a16:creationId xmlns:a16="http://schemas.microsoft.com/office/drawing/2014/main" id="{5B554FBB-580C-43A9-9C85-076F6A895E63}"/>
+              </a:ext>
+            </a:extLst>
+          </p:cNvPr>
+          <p:cNvPicPr>
+            <a:picLocks noChangeAspect="1" noChangeArrowheads="1"/>
+          </p:cNvPicPr>
+          <p:nvPr/>
+        </p:nvPicPr>
+        <p:blipFill>
+          <a:blip r:embed="rId2">
+            <a:extLst>
+              <a:ext uri="{28A0092B-C50C-407E-A947-70E740481C1C}">
+                <a14:useLocalDpi xmlns:a14="http://schemas.microsoft.com/office/drawing/2010/main" val="0"/>
+              </a:ext>
+            </a:extLst>
+          </a:blip>
+          <a:srcRect/>
+          <a:stretch>
+            <a:fillRect/>
+          </a:stretch>
+        </p:blipFill>
+        <p:spPr bwMode="auto">
+          <a:xfrm>
+            <a:off x="4748068" y="3509818"/>
+            <a:ext cx="4162222" cy="2516909"/>
+          </a:xfrm>
+          <a:prstGeom prst="rect">
+            <a:avLst/>
+          </a:prstGeom>
+          <a:noFill/>
+          <a:ln>
+            <a:noFill/>
+          </a:ln>
+          <a:effectLst>
+            <a:outerShdw blurRad="44450" dist="27940" dir="5400000" algn="ctr">
+              <a:srgbClr val="000000">
+                <a:alpha val="32000"/>
+              </a:srgbClr>
+            </a:outerShdw>
+          </a:effectLst>
+          <a:scene3d>
+            <a:camera prst="orthographicFront">
+              <a:rot lat="0" lon="0" rev="0"/>
+            </a:camera>
+            <a:lightRig rig="balanced" dir="t">
+              <a:rot lat="0" lon="0" rev="8700000"/>
+            </a:lightRig>
+          </a:scene3d>
+          <a:sp3d>
+            <a:bevelT w="190500" h="38100"/>
+          </a:sp3d>
+          <a:extLst>
+            <a:ext uri="{909E8E84-426E-40DD-AFC4-6F175D3DCCD1}">
+              <a14:hiddenFill xmlns:a14="http://schemas.microsoft.com/office/drawing/2010/main">
+                <a:solidFill>
+                  <a:srgbClr val="FFFFFF"/>
+                </a:solidFill>
+              </a14:hiddenFill>
+            </a:ext>
+          </a:extLst>
+        </p:spPr>
+      </p:pic>
+    </p:spTree>
+    <p:extLst>
+      <p:ext uri="{BB962C8B-B14F-4D97-AF65-F5344CB8AC3E}">
+        <p14:creationId xmlns:p14="http://schemas.microsoft.com/office/powerpoint/2010/main" val="2940824284"/>
+      </p:ext>
+    </p:extLst>
+  </p:cSld>
+  <p:clrMapOvr>
+    <a:masterClrMapping/>
+  </p:clrMapOvr>
+</p:sld>
+</file>
+
+<file path=ppt/slides/slide24.xml><?xml version="1.0" encoding="utf-8"?>
+<p:sld xmlns:a="http://schemas.openxmlformats.org/drawingml/2006/main" xmlns:r="http://schemas.openxmlformats.org/officeDocument/2006/relationships" xmlns:p="http://schemas.openxmlformats.org/presentationml/2006/main">
+  <p:cSld>
+    <p:spTree>
+      <p:nvGrpSpPr>
+        <p:cNvPr id="1" name=""/>
+        <p:cNvGrpSpPr/>
+        <p:nvPr/>
+      </p:nvGrpSpPr>
+      <p:grpSpPr>
+        <a:xfrm>
+          <a:off x="0" y="0"/>
+          <a:ext cx="0" cy="0"/>
+          <a:chOff x="0" y="0"/>
+          <a:chExt cx="0" cy="0"/>
+        </a:xfrm>
+      </p:grpSpPr>
+      <p:sp>
+        <p:nvSpPr>
+          <p:cNvPr id="2" name="Title 1">
+            <a:extLst>
+              <a:ext uri="{FF2B5EF4-FFF2-40B4-BE49-F238E27FC236}">
+                <a16:creationId xmlns:a16="http://schemas.microsoft.com/office/drawing/2014/main" id="{34DB6CE4-2B13-4715-B5B2-615A55922CA1}"/>
+              </a:ext>
+            </a:extLst>
+          </p:cNvPr>
+          <p:cNvSpPr>
+            <a:spLocks noGrp="1"/>
+          </p:cNvSpPr>
+          <p:nvPr>
+            <p:ph type="title"/>
+          </p:nvPr>
+        </p:nvSpPr>
+        <p:spPr/>
+        <p:txBody>
+          <a:bodyPr>
+            <a:normAutofit/>
+          </a:bodyPr>
+          <a:lstStyle/>
+          <a:p>
+            <a:r>
+              <a:rPr lang="en-US" sz="4400" dirty="0">
+                <a:latin typeface="Rockwell" panose="02060603020205020403" pitchFamily="18" charset="0"/>
+              </a:rPr>
+              <a:t>DHT Implementation</a:t>
+            </a:r>
+          </a:p>
+        </p:txBody>
+      </p:sp>
+      <p:pic>
+        <p:nvPicPr>
+          <p:cNvPr id="14338" name="Picture 2">
+            <a:extLst>
+              <a:ext uri="{FF2B5EF4-FFF2-40B4-BE49-F238E27FC236}">
+                <a16:creationId xmlns:a16="http://schemas.microsoft.com/office/drawing/2014/main" id="{6D710A08-B98D-473E-B413-33B4A11EDC55}"/>
+              </a:ext>
+            </a:extLst>
+          </p:cNvPr>
+          <p:cNvPicPr>
+            <a:picLocks noChangeAspect="1" noChangeArrowheads="1"/>
+          </p:cNvPicPr>
+          <p:nvPr/>
+        </p:nvPicPr>
+        <p:blipFill>
+          <a:blip r:embed="rId2">
+            <a:extLst>
+              <a:ext uri="{28A0092B-C50C-407E-A947-70E740481C1C}">
+                <a14:useLocalDpi xmlns:a14="http://schemas.microsoft.com/office/drawing/2010/main" val="0"/>
+              </a:ext>
+            </a:extLst>
+          </a:blip>
+          <a:srcRect/>
+          <a:stretch>
+            <a:fillRect/>
+          </a:stretch>
+        </p:blipFill>
+        <p:spPr bwMode="auto">
+          <a:xfrm>
+            <a:off x="2461216" y="1744910"/>
+            <a:ext cx="7266392" cy="4668473"/>
+          </a:xfrm>
+          <a:prstGeom prst="rect">
+            <a:avLst/>
+          </a:prstGeom>
+          <a:noFill/>
+          <a:extLst>
+            <a:ext uri="{909E8E84-426E-40DD-AFC4-6F175D3DCCD1}">
+              <a14:hiddenFill xmlns:a14="http://schemas.microsoft.com/office/drawing/2010/main">
+                <a:solidFill>
+                  <a:srgbClr val="FFFFFF"/>
+                </a:solidFill>
+              </a14:hiddenFill>
+            </a:ext>
+          </a:extLst>
+        </p:spPr>
+      </p:pic>
+    </p:spTree>
+    <p:extLst>
+      <p:ext uri="{BB962C8B-B14F-4D97-AF65-F5344CB8AC3E}">
+        <p14:creationId xmlns:p14="http://schemas.microsoft.com/office/powerpoint/2010/main" val="2398633820"/>
+      </p:ext>
+    </p:extLst>
+  </p:cSld>
+  <p:clrMapOvr>
+    <a:masterClrMapping/>
+  </p:clrMapOvr>
+</p:sld>
+</file>
+
+<file path=ppt/slides/slide25.xml><?xml version="1.0" encoding="utf-8"?>
+<p:sld xmlns:a="http://schemas.openxmlformats.org/drawingml/2006/main" xmlns:r="http://schemas.openxmlformats.org/officeDocument/2006/relationships" xmlns:p="http://schemas.openxmlformats.org/presentationml/2006/main">
+  <p:cSld>
+    <p:spTree>
+      <p:nvGrpSpPr>
+        <p:cNvPr id="1" name=""/>
+        <p:cNvGrpSpPr/>
+        <p:nvPr/>
+      </p:nvGrpSpPr>
+      <p:grpSpPr>
+        <a:xfrm>
+          <a:off x="0" y="0"/>
+          <a:ext cx="0" cy="0"/>
+          <a:chOff x="0" y="0"/>
+          <a:chExt cx="0" cy="0"/>
+        </a:xfrm>
+      </p:grpSpPr>
+      <p:sp>
+        <p:nvSpPr>
+          <p:cNvPr id="2" name="Title 1">
+            <a:extLst>
+              <a:ext uri="{FF2B5EF4-FFF2-40B4-BE49-F238E27FC236}">
+                <a16:creationId xmlns:a16="http://schemas.microsoft.com/office/drawing/2014/main" id="{34DB6CE4-2B13-4715-B5B2-615A55922CA1}"/>
+              </a:ext>
+            </a:extLst>
+          </p:cNvPr>
+          <p:cNvSpPr>
+            <a:spLocks noGrp="1"/>
+          </p:cNvSpPr>
+          <p:nvPr>
+            <p:ph type="title"/>
+          </p:nvPr>
+        </p:nvSpPr>
+        <p:spPr/>
+        <p:txBody>
+          <a:bodyPr>
+            <a:normAutofit/>
+          </a:bodyPr>
+          <a:lstStyle/>
+          <a:p>
+            <a:r>
+              <a:rPr lang="en-US" sz="4400" dirty="0">
+                <a:latin typeface="Rockwell" panose="02060603020205020403" pitchFamily="18" charset="0"/>
+              </a:rPr>
+              <a:t>Conclusion</a:t>
+            </a:r>
+          </a:p>
+        </p:txBody>
+      </p:sp>
+      <p:sp>
+        <p:nvSpPr>
+          <p:cNvPr id="3" name="Content Placeholder 2">
+            <a:extLst>
+              <a:ext uri="{FF2B5EF4-FFF2-40B4-BE49-F238E27FC236}">
+                <a16:creationId xmlns:a16="http://schemas.microsoft.com/office/drawing/2014/main" id="{143F5361-68C0-4BF5-80C8-F1E7BF92B2DB}"/>
+              </a:ext>
+            </a:extLst>
+          </p:cNvPr>
+          <p:cNvSpPr>
+            <a:spLocks noGrp="1"/>
+          </p:cNvSpPr>
+          <p:nvPr>
+            <p:ph idx="1"/>
+          </p:nvPr>
+        </p:nvSpPr>
+        <p:spPr/>
+        <p:txBody>
+          <a:bodyPr>
+            <a:normAutofit/>
+          </a:bodyPr>
+          <a:lstStyle/>
+          <a:p>
+            <a:r>
+              <a:rPr lang="en-US" dirty="0">
+                <a:latin typeface="Tahoma" panose="020B0604030504040204" pitchFamily="34" charset="0"/>
+                <a:ea typeface="Tahoma" panose="020B0604030504040204" pitchFamily="34" charset="0"/>
+                <a:cs typeface="Tahoma" panose="020B0604030504040204" pitchFamily="34" charset="0"/>
+              </a:rPr>
+              <a:t>WebRTC is susceptible to Covert Channels</a:t>
+            </a:r>
+          </a:p>
+          <a:p>
+            <a:pPr lvl="1"/>
+            <a:r>
+              <a:rPr lang="en-US" dirty="0">
+                <a:latin typeface="Tahoma" panose="020B0604030504040204" pitchFamily="34" charset="0"/>
+                <a:ea typeface="Tahoma" panose="020B0604030504040204" pitchFamily="34" charset="0"/>
+                <a:cs typeface="Tahoma" panose="020B0604030504040204" pitchFamily="34" charset="0"/>
+              </a:rPr>
+              <a:t>Image Filtering allows Fluctuating Bitrates</a:t>
+            </a:r>
+          </a:p>
+          <a:p>
+            <a:pPr lvl="2"/>
+            <a:r>
+              <a:rPr lang="en-US" dirty="0">
+                <a:latin typeface="Tahoma" panose="020B0604030504040204" pitchFamily="34" charset="0"/>
+                <a:ea typeface="Tahoma" panose="020B0604030504040204" pitchFamily="34" charset="0"/>
+                <a:cs typeface="Tahoma" panose="020B0604030504040204" pitchFamily="34" charset="0"/>
+              </a:rPr>
+              <a:t>Bit can be sent, and received</a:t>
+            </a:r>
+          </a:p>
+          <a:p>
+            <a:pPr lvl="1"/>
+            <a:r>
+              <a:rPr lang="en-US" dirty="0">
+                <a:latin typeface="Tahoma" panose="020B0604030504040204" pitchFamily="34" charset="0"/>
+                <a:ea typeface="Tahoma" panose="020B0604030504040204" pitchFamily="34" charset="0"/>
+                <a:cs typeface="Tahoma" panose="020B0604030504040204" pitchFamily="34" charset="0"/>
+              </a:rPr>
+              <a:t>Mitigation Method of Delay Mechanisms</a:t>
+            </a:r>
+          </a:p>
+          <a:p>
+            <a:pPr lvl="2"/>
+            <a:r>
+              <a:rPr lang="en-US" dirty="0">
+                <a:latin typeface="Tahoma" panose="020B0604030504040204" pitchFamily="34" charset="0"/>
+                <a:ea typeface="Tahoma" panose="020B0604030504040204" pitchFamily="34" charset="0"/>
+                <a:cs typeface="Tahoma" panose="020B0604030504040204" pitchFamily="34" charset="0"/>
+              </a:rPr>
+              <a:t>Constant</a:t>
+            </a:r>
+          </a:p>
+          <a:p>
+            <a:pPr lvl="2"/>
+            <a:r>
+              <a:rPr lang="en-US" dirty="0">
+                <a:latin typeface="Tahoma" panose="020B0604030504040204" pitchFamily="34" charset="0"/>
+                <a:ea typeface="Tahoma" panose="020B0604030504040204" pitchFamily="34" charset="0"/>
+                <a:cs typeface="Tahoma" panose="020B0604030504040204" pitchFamily="34" charset="0"/>
+              </a:rPr>
+              <a:t>Random</a:t>
+            </a:r>
+          </a:p>
+          <a:p>
+            <a:r>
+              <a:rPr lang="en-US" dirty="0">
+                <a:latin typeface="Tahoma" panose="020B0604030504040204" pitchFamily="34" charset="0"/>
+                <a:ea typeface="Tahoma" panose="020B0604030504040204" pitchFamily="34" charset="0"/>
+                <a:cs typeface="Tahoma" panose="020B0604030504040204" pitchFamily="34" charset="0"/>
+              </a:rPr>
+              <a:t>WebRTC is susceptible to IP Leaks</a:t>
+            </a:r>
+          </a:p>
+          <a:p>
+            <a:pPr lvl="1"/>
+            <a:r>
+              <a:rPr lang="en-US" dirty="0">
+                <a:latin typeface="Tahoma" panose="020B0604030504040204" pitchFamily="34" charset="0"/>
+                <a:ea typeface="Tahoma" panose="020B0604030504040204" pitchFamily="34" charset="0"/>
+                <a:cs typeface="Tahoma" panose="020B0604030504040204" pitchFamily="34" charset="0"/>
+              </a:rPr>
+              <a:t>Distributed Hash Table Implementation</a:t>
+            </a:r>
+          </a:p>
+        </p:txBody>
+      </p:sp>
+    </p:spTree>
+    <p:extLst>
+      <p:ext uri="{BB962C8B-B14F-4D97-AF65-F5344CB8AC3E}">
+        <p14:creationId xmlns:p14="http://schemas.microsoft.com/office/powerpoint/2010/main" val="1453410763"/>
+      </p:ext>
+    </p:extLst>
+  </p:cSld>
+  <p:clrMapOvr>
+    <a:masterClrMapping/>
+  </p:clrMapOvr>
+</p:sld>
+</file>
+
+<file path=ppt/slides/slide26.xml><?xml version="1.0" encoding="utf-8"?>
+<p:sld xmlns:a="http://schemas.openxmlformats.org/drawingml/2006/main" xmlns:r="http://schemas.openxmlformats.org/officeDocument/2006/relationships" xmlns:p="http://schemas.openxmlformats.org/presentationml/2006/main">
+  <p:cSld>
+    <p:spTree>
+      <p:nvGrpSpPr>
+        <p:cNvPr id="1" name=""/>
+        <p:cNvGrpSpPr/>
+        <p:nvPr/>
+      </p:nvGrpSpPr>
+      <p:grpSpPr>
+        <a:xfrm>
+          <a:off x="0" y="0"/>
+          <a:ext cx="0" cy="0"/>
+          <a:chOff x="0" y="0"/>
+          <a:chExt cx="0" cy="0"/>
+        </a:xfrm>
+      </p:grpSpPr>
+      <p:sp>
+        <p:nvSpPr>
+          <p:cNvPr id="2" name="Title 1">
+            <a:extLst>
+              <a:ext uri="{FF2B5EF4-FFF2-40B4-BE49-F238E27FC236}">
+                <a16:creationId xmlns:a16="http://schemas.microsoft.com/office/drawing/2014/main" id="{34DB6CE4-2B13-4715-B5B2-615A55922CA1}"/>
+              </a:ext>
+            </a:extLst>
+          </p:cNvPr>
+          <p:cNvSpPr>
+            <a:spLocks noGrp="1"/>
+          </p:cNvSpPr>
+          <p:nvPr>
+            <p:ph type="title"/>
+          </p:nvPr>
+        </p:nvSpPr>
+        <p:spPr/>
+        <p:txBody>
+          <a:bodyPr>
+            <a:normAutofit/>
+          </a:bodyPr>
+          <a:lstStyle/>
+          <a:p>
+            <a:r>
+              <a:rPr lang="en-US" sz="4400" dirty="0">
+                <a:latin typeface="Rockwell" panose="02060603020205020403" pitchFamily="18" charset="0"/>
+              </a:rPr>
+              <a:t>Future Work</a:t>
+            </a:r>
+          </a:p>
+        </p:txBody>
+      </p:sp>
+      <p:sp>
+        <p:nvSpPr>
+          <p:cNvPr id="3" name="Content Placeholder 2">
+            <a:extLst>
+              <a:ext uri="{FF2B5EF4-FFF2-40B4-BE49-F238E27FC236}">
+                <a16:creationId xmlns:a16="http://schemas.microsoft.com/office/drawing/2014/main" id="{143F5361-68C0-4BF5-80C8-F1E7BF92B2DB}"/>
+              </a:ext>
+            </a:extLst>
+          </p:cNvPr>
+          <p:cNvSpPr>
+            <a:spLocks noGrp="1"/>
+          </p:cNvSpPr>
+          <p:nvPr>
+            <p:ph idx="1"/>
+          </p:nvPr>
+        </p:nvSpPr>
+        <p:spPr/>
+        <p:txBody>
+          <a:bodyPr>
+            <a:normAutofit/>
+          </a:bodyPr>
+          <a:lstStyle/>
+          <a:p>
+            <a:r>
+              <a:rPr lang="en-US" dirty="0">
+                <a:latin typeface="Tahoma" panose="020B0604030504040204" pitchFamily="34" charset="0"/>
+                <a:ea typeface="Tahoma" panose="020B0604030504040204" pitchFamily="34" charset="0"/>
+                <a:cs typeface="Tahoma" panose="020B0604030504040204" pitchFamily="34" charset="0"/>
+              </a:rPr>
+              <a:t>Network Concerns (Two Separated Clients)</a:t>
+            </a:r>
+          </a:p>
+          <a:p>
+            <a:r>
+              <a:rPr lang="en-US" dirty="0">
+                <a:latin typeface="Tahoma" panose="020B0604030504040204" pitchFamily="34" charset="0"/>
+                <a:ea typeface="Tahoma" panose="020B0604030504040204" pitchFamily="34" charset="0"/>
+                <a:cs typeface="Tahoma" panose="020B0604030504040204" pitchFamily="34" charset="0"/>
+              </a:rPr>
+              <a:t>Prototype Implementation of DHT</a:t>
+            </a:r>
+          </a:p>
+          <a:p>
+            <a:pPr lvl="1"/>
+            <a:r>
+              <a:rPr lang="en-US" dirty="0">
+                <a:latin typeface="Tahoma" panose="020B0604030504040204" pitchFamily="34" charset="0"/>
+                <a:ea typeface="Tahoma" panose="020B0604030504040204" pitchFamily="34" charset="0"/>
+                <a:cs typeface="Tahoma" panose="020B0604030504040204" pitchFamily="34" charset="0"/>
+              </a:rPr>
+              <a:t>Development, Testing, &amp; Analysis</a:t>
+            </a:r>
+          </a:p>
+        </p:txBody>
+      </p:sp>
+      <p:pic>
+        <p:nvPicPr>
+          <p:cNvPr id="15362" name="Picture 2">
+            <a:extLst>
+              <a:ext uri="{FF2B5EF4-FFF2-40B4-BE49-F238E27FC236}">
+                <a16:creationId xmlns:a16="http://schemas.microsoft.com/office/drawing/2014/main" id="{AB32F495-05F9-440B-BE27-AA12495DEAF3}"/>
+              </a:ext>
+            </a:extLst>
+          </p:cNvPr>
+          <p:cNvPicPr>
+            <a:picLocks noChangeAspect="1" noChangeArrowheads="1"/>
+          </p:cNvPicPr>
+          <p:nvPr/>
+        </p:nvPicPr>
+        <p:blipFill>
+          <a:blip r:embed="rId2">
+            <a:extLst>
+              <a:ext uri="{28A0092B-C50C-407E-A947-70E740481C1C}">
+                <a14:useLocalDpi xmlns:a14="http://schemas.microsoft.com/office/drawing/2010/main" val="0"/>
+              </a:ext>
+            </a:extLst>
+          </a:blip>
+          <a:srcRect/>
+          <a:stretch>
+            <a:fillRect/>
+          </a:stretch>
+        </p:blipFill>
+        <p:spPr bwMode="auto">
+          <a:xfrm>
+            <a:off x="7165252" y="3296673"/>
+            <a:ext cx="3882159" cy="2646927"/>
+          </a:xfrm>
+          <a:prstGeom prst="rect">
+            <a:avLst/>
+          </a:prstGeom>
+          <a:noFill/>
+          <a:extLst>
+            <a:ext uri="{909E8E84-426E-40DD-AFC4-6F175D3DCCD1}">
+              <a14:hiddenFill xmlns:a14="http://schemas.microsoft.com/office/drawing/2010/main">
+                <a:solidFill>
+                  <a:srgbClr val="FFFFFF"/>
+                </a:solidFill>
+              </a14:hiddenFill>
+            </a:ext>
+          </a:extLst>
+        </p:spPr>
+      </p:pic>
+    </p:spTree>
+    <p:extLst>
+      <p:ext uri="{BB962C8B-B14F-4D97-AF65-F5344CB8AC3E}">
+        <p14:creationId xmlns:p14="http://schemas.microsoft.com/office/powerpoint/2010/main" val="934345427"/>
+      </p:ext>
+    </p:extLst>
+  </p:cSld>
+  <p:clrMapOvr>
+    <a:masterClrMapping/>
+  </p:clrMapOvr>
+</p:sld>
+</file>
+
+<file path=ppt/slides/slide27.xml><?xml version="1.0" encoding="utf-8"?>
+<p:sld xmlns:a="http://schemas.openxmlformats.org/drawingml/2006/main" xmlns:r="http://schemas.openxmlformats.org/officeDocument/2006/relationships" xmlns:p="http://schemas.openxmlformats.org/presentationml/2006/main">
+  <p:cSld>
+    <p:spTree>
+      <p:nvGrpSpPr>
+        <p:cNvPr id="1" name=""/>
+        <p:cNvGrpSpPr/>
+        <p:nvPr/>
+      </p:nvGrpSpPr>
+      <p:grpSpPr>
+        <a:xfrm>
+          <a:off x="0" y="0"/>
+          <a:ext cx="0" cy="0"/>
+          <a:chOff x="0" y="0"/>
+          <a:chExt cx="0" cy="0"/>
+        </a:xfrm>
+      </p:grpSpPr>
+      <p:sp>
+        <p:nvSpPr>
+          <p:cNvPr id="2" name="Title 1">
+            <a:extLst>
+              <a:ext uri="{FF2B5EF4-FFF2-40B4-BE49-F238E27FC236}">
+                <a16:creationId xmlns:a16="http://schemas.microsoft.com/office/drawing/2014/main" id="{34DB6CE4-2B13-4715-B5B2-615A55922CA1}"/>
+              </a:ext>
+            </a:extLst>
+          </p:cNvPr>
+          <p:cNvSpPr>
+            <a:spLocks noGrp="1"/>
+          </p:cNvSpPr>
+          <p:nvPr>
+            <p:ph type="title"/>
+          </p:nvPr>
+        </p:nvSpPr>
+        <p:spPr/>
+        <p:txBody>
+          <a:bodyPr>
+            <a:normAutofit/>
+          </a:bodyPr>
+          <a:lstStyle/>
+          <a:p>
+            <a:r>
+              <a:rPr lang="en-US" sz="4400" dirty="0">
+                <a:latin typeface="Rockwell" panose="02060603020205020403" pitchFamily="18" charset="0"/>
+              </a:rPr>
+              <a:t>References</a:t>
+            </a:r>
+          </a:p>
+        </p:txBody>
+      </p:sp>
+      <p:sp>
+        <p:nvSpPr>
+          <p:cNvPr id="3" name="Content Placeholder 2">
+            <a:extLst>
+              <a:ext uri="{FF2B5EF4-FFF2-40B4-BE49-F238E27FC236}">
+                <a16:creationId xmlns:a16="http://schemas.microsoft.com/office/drawing/2014/main" id="{143F5361-68C0-4BF5-80C8-F1E7BF92B2DB}"/>
+              </a:ext>
+            </a:extLst>
+          </p:cNvPr>
+          <p:cNvSpPr>
+            <a:spLocks noGrp="1"/>
+          </p:cNvSpPr>
+          <p:nvPr>
+            <p:ph idx="1"/>
+          </p:nvPr>
+        </p:nvSpPr>
+        <p:spPr>
+          <a:xfrm>
+            <a:off x="1141413" y="1844888"/>
+            <a:ext cx="10703843" cy="4394594"/>
+          </a:xfrm>
+        </p:spPr>
+        <p:txBody>
+          <a:bodyPr vert="horz" lIns="91440" tIns="45720" rIns="91440" bIns="45720" rtlCol="0" anchor="t">
+            <a:normAutofit fontScale="47500" lnSpcReduction="20000"/>
+          </a:bodyPr>
+          <a:lstStyle/>
+          <a:p>
+            <a:pPr lvl="0"/>
+            <a:r>
+              <a:rPr lang="en-US" dirty="0">
+                <a:latin typeface="Tahoma" panose="020B0604030504040204" pitchFamily="34" charset="0"/>
+                <a:ea typeface="Tahoma" panose="020B0604030504040204" pitchFamily="34" charset="0"/>
+                <a:cs typeface="Tahoma" panose="020B0604030504040204" pitchFamily="34" charset="0"/>
+              </a:rPr>
+              <a:t>[WebRTC Transparent Logo]. (2020). https://www.pnglib.com/wp-content/uploads/2020/01/webrtc-logo_5e2e9f5f06511.png</a:t>
+            </a:r>
+          </a:p>
+          <a:p>
+            <a:pPr lvl="0"/>
+            <a:r>
+              <a:rPr lang="en-US" dirty="0">
+                <a:latin typeface="Tahoma" panose="020B0604030504040204" pitchFamily="34" charset="0"/>
+                <a:ea typeface="Tahoma" panose="020B0604030504040204" pitchFamily="34" charset="0"/>
+                <a:cs typeface="Tahoma" panose="020B0604030504040204" pitchFamily="34" charset="0"/>
+              </a:rPr>
+              <a:t>[WebRTC Overview]. (2017). https://fameglob.com/wp-content/uploads/2017/08/web_rtc_wht_we_do_graphic.jpg</a:t>
+            </a:r>
+          </a:p>
+          <a:p>
+            <a:pPr lvl="0"/>
+            <a:r>
+              <a:rPr lang="en-US" dirty="0">
+                <a:latin typeface="Tahoma" panose="020B0604030504040204" pitchFamily="34" charset="0"/>
+                <a:ea typeface="Tahoma" panose="020B0604030504040204" pitchFamily="34" charset="0"/>
+                <a:cs typeface="Tahoma" panose="020B0604030504040204" pitchFamily="34" charset="0"/>
+              </a:rPr>
+              <a:t>[Security Vulnerabilities]. (2015). https://betanews.com/wp-content/uploads/2015/03/freak_security_vulnerability.jpg</a:t>
+            </a:r>
+          </a:p>
+          <a:p>
+            <a:pPr lvl="0"/>
+            <a:r>
+              <a:rPr lang="en-US" dirty="0">
+                <a:latin typeface="Tahoma" panose="020B0604030504040204" pitchFamily="34" charset="0"/>
+                <a:ea typeface="Tahoma" panose="020B0604030504040204" pitchFamily="34" charset="0"/>
+                <a:cs typeface="Tahoma" panose="020B0604030504040204" pitchFamily="34" charset="0"/>
+              </a:rPr>
+              <a:t>B. Mordechai, “Constructivism in Computer Science Education,” in Proceedings of the Twenty-Ninth SIGCSE Technical Symposium on Computer Science, SIGCSE ’98, pp. 257-261, 1998.</a:t>
+            </a:r>
+          </a:p>
+          <a:p>
+            <a:pPr lvl="0"/>
+            <a:r>
+              <a:rPr lang="en-US" dirty="0">
+                <a:latin typeface="Tahoma" panose="020B0604030504040204" pitchFamily="34" charset="0"/>
+                <a:ea typeface="Tahoma" panose="020B0604030504040204" pitchFamily="34" charset="0"/>
+                <a:cs typeface="Tahoma" panose="020B0604030504040204" pitchFamily="34" charset="0"/>
+              </a:rPr>
+              <a:t>B. Lampson, “A Note on the Confinement Problem,” in </a:t>
+            </a:r>
+            <a:r>
+              <a:rPr lang="en-US" dirty="0" err="1">
+                <a:latin typeface="Tahoma" panose="020B0604030504040204" pitchFamily="34" charset="0"/>
+                <a:ea typeface="Tahoma" panose="020B0604030504040204" pitchFamily="34" charset="0"/>
+                <a:cs typeface="Tahoma" panose="020B0604030504040204" pitchFamily="34" charset="0"/>
+              </a:rPr>
+              <a:t>Comunications</a:t>
+            </a:r>
+            <a:r>
+              <a:rPr lang="en-US" dirty="0">
+                <a:latin typeface="Tahoma" panose="020B0604030504040204" pitchFamily="34" charset="0"/>
+                <a:ea typeface="Tahoma" panose="020B0604030504040204" pitchFamily="34" charset="0"/>
+                <a:cs typeface="Tahoma" panose="020B0604030504040204" pitchFamily="34" charset="0"/>
+              </a:rPr>
+              <a:t> of the ACM, 1973.</a:t>
+            </a:r>
+          </a:p>
+          <a:p>
+            <a:pPr lvl="0"/>
+            <a:r>
+              <a:rPr lang="en-US" dirty="0">
+                <a:latin typeface="Tahoma" panose="020B0604030504040204" pitchFamily="34" charset="0"/>
+                <a:ea typeface="Tahoma" panose="020B0604030504040204" pitchFamily="34" charset="0"/>
+                <a:cs typeface="Tahoma" panose="020B0604030504040204" pitchFamily="34" charset="0"/>
+              </a:rPr>
+              <a:t>[Hacker]. https://www.lifewire.com/thmb/sC-xsCCN9WdW9l5h-T6XqpuPGR0=/5697x3446/filters:fill(auto,1)/hacker-with-laptop-922359280-5c32d4a546e0fb00011bb991.jpg</a:t>
+            </a:r>
+          </a:p>
+          <a:p>
+            <a:pPr lvl="0"/>
+            <a:r>
+              <a:rPr lang="en-US" dirty="0">
+                <a:latin typeface="Tahoma" panose="020B0604030504040204" pitchFamily="34" charset="0"/>
+                <a:ea typeface="Tahoma" panose="020B0604030504040204" pitchFamily="34" charset="0"/>
+                <a:cs typeface="Tahoma" panose="020B0604030504040204" pitchFamily="34" charset="0"/>
+              </a:rPr>
+              <a:t>[Image Filtering]. (2018). https://sudo.isl.co/webrtc-real-time-image-filtering/flow-6807f3324c.png</a:t>
+            </a:r>
+          </a:p>
+          <a:p>
+            <a:pPr lvl="0"/>
+            <a:r>
+              <a:rPr lang="en-US" dirty="0">
+                <a:latin typeface="Tahoma" panose="020B0604030504040204" pitchFamily="34" charset="0"/>
+                <a:ea typeface="Tahoma" panose="020B0604030504040204" pitchFamily="34" charset="0"/>
+                <a:cs typeface="Tahoma" panose="020B0604030504040204" pitchFamily="34" charset="0"/>
+              </a:rPr>
+              <a:t>[WebRTC API]. https://image.slidesharecdn.com/webrtcup-130320110314-phpapp02/95/webrtc-15-638.jpg?cb=1363777440</a:t>
+            </a:r>
+          </a:p>
+          <a:p>
+            <a:pPr lvl="0"/>
+            <a:r>
+              <a:rPr lang="en-US" dirty="0">
+                <a:latin typeface="Tahoma" panose="020B0604030504040204" pitchFamily="34" charset="0"/>
+                <a:ea typeface="Tahoma" panose="020B0604030504040204" pitchFamily="34" charset="0"/>
+                <a:cs typeface="Tahoma" panose="020B0604030504040204" pitchFamily="34" charset="0"/>
+              </a:rPr>
+              <a:t>[Padlock]. https://img.pngio.com/lock-icon-this-is-a-graphic-representation-of-a-pad-lock-the-kind-of-png-50-px-lock-and-key-png-free-1600_1600.png</a:t>
+            </a:r>
+          </a:p>
+          <a:p>
+            <a:pPr lvl="0"/>
+            <a:r>
+              <a:rPr lang="en-US" dirty="0">
+                <a:latin typeface="Tahoma" panose="020B0604030504040204" pitchFamily="34" charset="0"/>
+                <a:ea typeface="Tahoma" panose="020B0604030504040204" pitchFamily="34" charset="0"/>
+                <a:cs typeface="Tahoma" panose="020B0604030504040204" pitchFamily="34" charset="0"/>
+              </a:rPr>
+              <a:t>[TOR]. (2011). https://www.loudtechie.com/wp-content/uploads/2015/08/Tor-logo-2011-flat.svg_.png</a:t>
+            </a:r>
+          </a:p>
+          <a:p>
+            <a:pPr lvl="0"/>
+            <a:r>
+              <a:rPr lang="en-US" dirty="0">
+                <a:latin typeface="Tahoma" panose="020B0604030504040204" pitchFamily="34" charset="0"/>
+                <a:ea typeface="Tahoma" panose="020B0604030504040204" pitchFamily="34" charset="0"/>
+                <a:cs typeface="Tahoma" panose="020B0604030504040204" pitchFamily="34" charset="0"/>
+              </a:rPr>
+              <a:t>[TOR]. (2018). https://images.idgesg.net/images/article/2018/07/tor-3-100763520-orig.jpg</a:t>
+            </a:r>
+          </a:p>
+          <a:p>
+            <a:pPr lvl="0"/>
+            <a:r>
+              <a:rPr lang="en-US" dirty="0">
+                <a:latin typeface="Tahoma" panose="020B0604030504040204" pitchFamily="34" charset="0"/>
+                <a:ea typeface="Tahoma" panose="020B0604030504040204" pitchFamily="34" charset="0"/>
+                <a:cs typeface="Tahoma" panose="020B0604030504040204" pitchFamily="34" charset="0"/>
+              </a:rPr>
+              <a:t>[Future Work]. (2017). https://www.kochiesbusinessbuilders.com.au/wp-content/uploads/2017/10/robot.jpg</a:t>
+            </a:r>
+          </a:p>
+          <a:p>
+            <a:pPr lvl="0"/>
+            <a:r>
+              <a:rPr lang="en-US" dirty="0">
+                <a:latin typeface="Tahoma" panose="020B0604030504040204" pitchFamily="34" charset="0"/>
+                <a:ea typeface="Tahoma" panose="020B0604030504040204" pitchFamily="34" charset="0"/>
+                <a:cs typeface="Tahoma" panose="020B0604030504040204" pitchFamily="34" charset="0"/>
+              </a:rPr>
+              <a:t>[Thank You]. https://i.pinimg.com/originals/66/1a/08/661a08971315878673a562cd5f2c7220.jpg</a:t>
+            </a:r>
+          </a:p>
+          <a:p>
+            <a:pPr lvl="0"/>
+            <a:endParaRPr lang="en-US" dirty="0">
+              <a:latin typeface="Tahoma" panose="020B0604030504040204" pitchFamily="34" charset="0"/>
+              <a:ea typeface="Tahoma" panose="020B0604030504040204" pitchFamily="34" charset="0"/>
+              <a:cs typeface="Tahoma" panose="020B0604030504040204" pitchFamily="34" charset="0"/>
+            </a:endParaRPr>
+          </a:p>
+          <a:p>
+            <a:pPr lvl="0"/>
+            <a:endParaRPr lang="en-US" dirty="0">
+              <a:latin typeface="Tahoma" panose="020B0604030504040204" pitchFamily="34" charset="0"/>
+              <a:ea typeface="Tahoma" panose="020B0604030504040204" pitchFamily="34" charset="0"/>
+              <a:cs typeface="Tahoma" panose="020B0604030504040204" pitchFamily="34" charset="0"/>
+            </a:endParaRPr>
+          </a:p>
+          <a:p>
+            <a:pPr lvl="0"/>
+            <a:endParaRPr lang="en-US" dirty="0">
+              <a:latin typeface="Tahoma" panose="020B0604030504040204" pitchFamily="34" charset="0"/>
+              <a:ea typeface="Tahoma" panose="020B0604030504040204" pitchFamily="34" charset="0"/>
+              <a:cs typeface="Tahoma" panose="020B0604030504040204" pitchFamily="34" charset="0"/>
+            </a:endParaRPr>
+          </a:p>
+          <a:p>
+            <a:pPr lvl="0"/>
+            <a:endParaRPr lang="en-US" dirty="0">
+              <a:latin typeface="Tahoma" panose="020B0604030504040204" pitchFamily="34" charset="0"/>
+              <a:ea typeface="Tahoma" panose="020B0604030504040204" pitchFamily="34" charset="0"/>
+              <a:cs typeface="Tahoma" panose="020B0604030504040204" pitchFamily="34" charset="0"/>
+            </a:endParaRPr>
+          </a:p>
+          <a:p>
+            <a:pPr lvl="0"/>
+            <a:endParaRPr lang="en-US" dirty="0">
+              <a:latin typeface="Tahoma" panose="020B0604030504040204" pitchFamily="34" charset="0"/>
+              <a:ea typeface="Tahoma" panose="020B0604030504040204" pitchFamily="34" charset="0"/>
+              <a:cs typeface="Tahoma" panose="020B0604030504040204" pitchFamily="34" charset="0"/>
+            </a:endParaRPr>
+          </a:p>
+        </p:txBody>
+      </p:sp>
+    </p:spTree>
+    <p:extLst>
+      <p:ext uri="{BB962C8B-B14F-4D97-AF65-F5344CB8AC3E}">
+        <p14:creationId xmlns:p14="http://schemas.microsoft.com/office/powerpoint/2010/main" val="1902613301"/>
+      </p:ext>
+    </p:extLst>
+  </p:cSld>
+  <p:clrMapOvr>
+    <a:masterClrMapping/>
+  </p:clrMapOvr>
+</p:sld>
+</file>
+
+<file path=ppt/slides/slide28.xml><?xml version="1.0" encoding="utf-8"?>
+<p:sld xmlns:a="http://schemas.openxmlformats.org/drawingml/2006/main" xmlns:r="http://schemas.openxmlformats.org/officeDocument/2006/relationships" xmlns:p="http://schemas.openxmlformats.org/presentationml/2006/main">
+  <p:cSld>
+    <p:spTree>
+      <p:nvGrpSpPr>
+        <p:cNvPr id="1" name=""/>
+        <p:cNvGrpSpPr/>
+        <p:nvPr/>
+      </p:nvGrpSpPr>
+      <p:grpSpPr>
+        <a:xfrm>
+          <a:off x="0" y="0"/>
+          <a:ext cx="0" cy="0"/>
+          <a:chOff x="0" y="0"/>
+          <a:chExt cx="0" cy="0"/>
+        </a:xfrm>
+      </p:grpSpPr>
+      <p:pic>
+        <p:nvPicPr>
+          <p:cNvPr id="17410" name="Picture 2">
+            <a:extLst>
+              <a:ext uri="{FF2B5EF4-FFF2-40B4-BE49-F238E27FC236}">
+                <a16:creationId xmlns:a16="http://schemas.microsoft.com/office/drawing/2014/main" id="{3E95EC6C-AF59-4FA7-8DF3-7A5ADA91961E}"/>
+              </a:ext>
+            </a:extLst>
+          </p:cNvPr>
+          <p:cNvPicPr>
+            <a:picLocks noChangeAspect="1" noChangeArrowheads="1"/>
+          </p:cNvPicPr>
+          <p:nvPr/>
+        </p:nvPicPr>
+        <p:blipFill>
+          <a:blip r:embed="rId2">
+            <a:extLst>
+              <a:ext uri="{28A0092B-C50C-407E-A947-70E740481C1C}">
+                <a14:useLocalDpi xmlns:a14="http://schemas.microsoft.com/office/drawing/2010/main" val="0"/>
+              </a:ext>
+            </a:extLst>
+          </a:blip>
+          <a:srcRect/>
+          <a:stretch>
+            <a:fillRect/>
+          </a:stretch>
+        </p:blipFill>
+        <p:spPr bwMode="auto">
+          <a:xfrm>
+            <a:off x="3181350" y="246034"/>
+            <a:ext cx="5829300" cy="4772025"/>
+          </a:xfrm>
+          <a:prstGeom prst="rect">
+            <a:avLst/>
+          </a:prstGeom>
+          <a:noFill/>
+          <a:extLst>
+            <a:ext uri="{909E8E84-426E-40DD-AFC4-6F175D3DCCD1}">
+              <a14:hiddenFill xmlns:a14="http://schemas.microsoft.com/office/drawing/2010/main">
+                <a:solidFill>
+                  <a:srgbClr val="FFFFFF"/>
+                </a:solidFill>
+              </a14:hiddenFill>
+            </a:ext>
+          </a:extLst>
+        </p:spPr>
+      </p:pic>
+      <p:sp>
+        <p:nvSpPr>
+          <p:cNvPr id="4" name="TextBox 3">
+            <a:extLst>
+              <a:ext uri="{FF2B5EF4-FFF2-40B4-BE49-F238E27FC236}">
+                <a16:creationId xmlns:a16="http://schemas.microsoft.com/office/drawing/2014/main" id="{8C66A7C5-0566-4E45-973C-3FB05FDBF9F5}"/>
+              </a:ext>
+            </a:extLst>
+          </p:cNvPr>
+          <p:cNvSpPr txBox="1"/>
+          <p:nvPr/>
+        </p:nvSpPr>
+        <p:spPr>
+          <a:xfrm>
+            <a:off x="3994557" y="5301842"/>
+            <a:ext cx="4202885" cy="707886"/>
+          </a:xfrm>
+          <a:prstGeom prst="rect">
+            <a:avLst/>
+          </a:prstGeom>
+          <a:noFill/>
+        </p:spPr>
+        <p:txBody>
+          <a:bodyPr wrap="square" rtlCol="0">
+            <a:spAutoFit/>
+          </a:bodyPr>
+          <a:lstStyle/>
+          <a:p>
+            <a:pPr algn="ctr"/>
+            <a:r>
+              <a:rPr lang="en-US" sz="4000" b="1" dirty="0"/>
+              <a:t>Questions?</a:t>
+            </a:r>
+          </a:p>
+        </p:txBody>
+      </p:sp>
+    </p:spTree>
+    <p:extLst>
+      <p:ext uri="{BB962C8B-B14F-4D97-AF65-F5344CB8AC3E}">
+        <p14:creationId xmlns:p14="http://schemas.microsoft.com/office/powerpoint/2010/main" val="2308146092"/>
       </p:ext>
     </p:extLst>
   </p:cSld>
@@ -19735,7 +19359,7 @@
               <a:rPr lang="en-US" sz="4400" dirty="0">
                 <a:latin typeface="Rockwell" panose="02060603020205020403" pitchFamily="18" charset="0"/>
               </a:rPr>
-              <a:t>Background Information</a:t>
+              <a:t>Introduction</a:t>
             </a:r>
           </a:p>
         </p:txBody>
@@ -19758,90 +19382,140 @@
         </p:nvSpPr>
         <p:spPr/>
         <p:txBody>
-          <a:bodyPr/>
+          <a:bodyPr>
+            <a:normAutofit/>
+          </a:bodyPr>
           <a:lstStyle/>
           <a:p>
-            <a:r>
-              <a:rPr lang="en-US" dirty="0">
+            <a:pPr lvl="1"/>
+            <a:r>
+              <a:rPr lang="en-US" sz="2400" dirty="0">
                 <a:latin typeface="Tahoma" panose="020B0604030504040204" pitchFamily="34" charset="0"/>
                 <a:ea typeface="Tahoma" panose="020B0604030504040204" pitchFamily="34" charset="0"/>
                 <a:cs typeface="Tahoma" panose="020B0604030504040204" pitchFamily="34" charset="0"/>
               </a:rPr>
-              <a:t>What is your research?</a:t>
+              <a:t>Real-Time Video Communication</a:t>
             </a:r>
           </a:p>
           <a:p>
             <a:pPr lvl="1"/>
             <a:r>
-              <a:rPr lang="en-US" dirty="0">
+              <a:rPr lang="en-US" sz="2400" dirty="0">
                 <a:latin typeface="Tahoma" panose="020B0604030504040204" pitchFamily="34" charset="0"/>
                 <a:ea typeface="Tahoma" panose="020B0604030504040204" pitchFamily="34" charset="0"/>
                 <a:cs typeface="Tahoma" panose="020B0604030504040204" pitchFamily="34" charset="0"/>
               </a:rPr>
-              <a:t>How did you discover this problem?</a:t>
+              <a:t>No Added Plugins or Installs</a:t>
             </a:r>
           </a:p>
           <a:p>
             <a:pPr lvl="1"/>
             <a:r>
-              <a:rPr lang="en-US" dirty="0">
+              <a:rPr lang="en-US" sz="2400" dirty="0">
                 <a:latin typeface="Tahoma" panose="020B0604030504040204" pitchFamily="34" charset="0"/>
                 <a:ea typeface="Tahoma" panose="020B0604030504040204" pitchFamily="34" charset="0"/>
                 <a:cs typeface="Tahoma" panose="020B0604030504040204" pitchFamily="34" charset="0"/>
               </a:rPr>
-              <a:t>How did you get information to research this problem and attempt to solve it?</a:t>
-            </a:r>
-          </a:p>
-          <a:p>
-            <a:pPr lvl="2"/>
-            <a:r>
-              <a:rPr lang="en-US" dirty="0">
+              <a:t>Relatively New</a:t>
+            </a:r>
+          </a:p>
+          <a:p>
+            <a:pPr lvl="1"/>
+            <a:r>
+              <a:rPr lang="en-US" sz="2400" dirty="0">
                 <a:latin typeface="Tahoma" panose="020B0604030504040204" pitchFamily="34" charset="0"/>
                 <a:ea typeface="Tahoma" panose="020B0604030504040204" pitchFamily="34" charset="0"/>
                 <a:cs typeface="Tahoma" panose="020B0604030504040204" pitchFamily="34" charset="0"/>
               </a:rPr>
-              <a:t>Interviews?</a:t>
+              <a:t>How WebRTC Works</a:t>
             </a:r>
           </a:p>
           <a:p>
             <a:pPr lvl="2"/>
             <a:r>
-              <a:rPr lang="en-US" dirty="0">
+              <a:rPr lang="en-US" sz="2200" dirty="0">
                 <a:latin typeface="Tahoma" panose="020B0604030504040204" pitchFamily="34" charset="0"/>
                 <a:ea typeface="Tahoma" panose="020B0604030504040204" pitchFamily="34" charset="0"/>
                 <a:cs typeface="Tahoma" panose="020B0604030504040204" pitchFamily="34" charset="0"/>
               </a:rPr>
-              <a:t>Personal experience?</a:t>
+              <a:t>Web Browser Specification</a:t>
             </a:r>
           </a:p>
           <a:p>
             <a:pPr lvl="2"/>
             <a:r>
-              <a:rPr lang="en-US" dirty="0">
+              <a:rPr lang="en-US" sz="2200" dirty="0">
                 <a:latin typeface="Tahoma" panose="020B0604030504040204" pitchFamily="34" charset="0"/>
                 <a:ea typeface="Tahoma" panose="020B0604030504040204" pitchFamily="34" charset="0"/>
                 <a:cs typeface="Tahoma" panose="020B0604030504040204" pitchFamily="34" charset="0"/>
               </a:rPr>
-              <a:t>Internet/Books?</a:t>
+              <a:t>Two or More Clients</a:t>
             </a:r>
           </a:p>
           <a:p>
             <a:pPr lvl="2"/>
             <a:r>
-              <a:rPr lang="en-US" dirty="0">
+              <a:rPr lang="en-US" sz="2200" dirty="0">
                 <a:latin typeface="Tahoma" panose="020B0604030504040204" pitchFamily="34" charset="0"/>
                 <a:ea typeface="Tahoma" panose="020B0604030504040204" pitchFamily="34" charset="0"/>
                 <a:cs typeface="Tahoma" panose="020B0604030504040204" pitchFamily="34" charset="0"/>
               </a:rPr>
-              <a:t>Other ways?</a:t>
+              <a:t>Server</a:t>
             </a:r>
           </a:p>
         </p:txBody>
       </p:sp>
+      <p:pic>
+        <p:nvPicPr>
+          <p:cNvPr id="5" name="Picture 4">
+            <a:extLst>
+              <a:ext uri="{FF2B5EF4-FFF2-40B4-BE49-F238E27FC236}">
+                <a16:creationId xmlns:a16="http://schemas.microsoft.com/office/drawing/2014/main" id="{1C34DEAC-D00E-43E6-A57E-A6FAEC3532FE}"/>
+              </a:ext>
+            </a:extLst>
+          </p:cNvPr>
+          <p:cNvPicPr>
+            <a:picLocks noChangeAspect="1" noChangeArrowheads="1"/>
+          </p:cNvPicPr>
+          <p:nvPr/>
+        </p:nvPicPr>
+        <p:blipFill>
+          <a:blip r:embed="rId2">
+            <a:extLst>
+              <a:ext uri="{28A0092B-C50C-407E-A947-70E740481C1C}">
+                <a14:useLocalDpi xmlns:a14="http://schemas.microsoft.com/office/drawing/2010/main" val="0"/>
+              </a:ext>
+            </a:extLst>
+          </a:blip>
+          <a:srcRect/>
+          <a:stretch>
+            <a:fillRect/>
+          </a:stretch>
+        </p:blipFill>
+        <p:spPr bwMode="auto">
+          <a:xfrm>
+            <a:off x="6094411" y="3117823"/>
+            <a:ext cx="4253554" cy="3021605"/>
+          </a:xfrm>
+          <a:prstGeom prst="rect">
+            <a:avLst/>
+          </a:prstGeom>
+          <a:noFill/>
+          <a:extLst>
+            <a:ext uri="{909E8E84-426E-40DD-AFC4-6F175D3DCCD1}">
+              <a14:hiddenFill xmlns:a14="http://schemas.microsoft.com/office/drawing/2010/main">
+                <a:solidFill>
+                  <a:srgbClr val="FFFFFF"/>
+                </a:solidFill>
+              </a14:hiddenFill>
+            </a:ext>
+          </a:extLst>
+        </p:spPr>
+      </p:pic>
     </p:spTree>
     <p:extLst>
       <p:ext uri="{BB962C8B-B14F-4D97-AF65-F5344CB8AC3E}">
-        <p14:creationId xmlns:p14="http://schemas.microsoft.com/office/powerpoint/2010/main" val="2172179498"/>
+        <p14:creationId xmlns:p14="http://schemas.microsoft.com/office/powerpoint/2010/main" val="2444850563"/>
       </p:ext>
     </p:extLst>
   </p:cSld>
@@ -19895,49 +19569,119 @@
               <a:rPr lang="en-US" sz="4400" dirty="0">
                 <a:latin typeface="Rockwell" panose="02060603020205020403" pitchFamily="18" charset="0"/>
               </a:rPr>
-              <a:t>Workable Solutions </a:t>
+              <a:t>Importance</a:t>
             </a:r>
           </a:p>
         </p:txBody>
       </p:sp>
-      <p:graphicFrame>
-        <p:nvGraphicFramePr>
-          <p:cNvPr id="4" name="Content Placeholder 3">
+      <p:sp>
+        <p:nvSpPr>
+          <p:cNvPr id="3" name="Content Placeholder 2">
             <a:extLst>
               <a:ext uri="{FF2B5EF4-FFF2-40B4-BE49-F238E27FC236}">
-                <a16:creationId xmlns:a16="http://schemas.microsoft.com/office/drawing/2014/main" id="{242FA989-6B7C-488C-85ED-CB8D01BA3254}"/>
-              </a:ext>
-              <a:ext uri="{C183D7F6-B498-43B3-948B-1728B52AA6E4}">
-                <adec:decorative xmlns:adec="http://schemas.microsoft.com/office/drawing/2017/decorative" val="1"/>
+                <a16:creationId xmlns:a16="http://schemas.microsoft.com/office/drawing/2014/main" id="{143F5361-68C0-4BF5-80C8-F1E7BF92B2DB}"/>
               </a:ext>
             </a:extLst>
           </p:cNvPr>
-          <p:cNvGraphicFramePr>
-            <a:graphicFrameLocks noGrp="1"/>
-          </p:cNvGraphicFramePr>
+          <p:cNvSpPr>
+            <a:spLocks noGrp="1"/>
+          </p:cNvSpPr>
           <p:nvPr>
             <p:ph idx="1"/>
-            <p:extLst>
-              <p:ext uri="{D42A27DB-BD31-4B8C-83A1-F6EECF244321}">
-                <p14:modId xmlns:p14="http://schemas.microsoft.com/office/powerpoint/2010/main" val="690685210"/>
-              </p:ext>
-            </p:extLst>
           </p:nvPr>
-        </p:nvGraphicFramePr>
-        <p:xfrm>
-          <a:off x="477061" y="1871331"/>
-          <a:ext cx="11314446" cy="4492256"/>
-        </p:xfrm>
-        <a:graphic>
-          <a:graphicData uri="http://schemas.openxmlformats.org/drawingml/2006/diagram">
-            <dgm:relIds xmlns:dgm="http://schemas.openxmlformats.org/drawingml/2006/diagram" xmlns:r="http://schemas.openxmlformats.org/officeDocument/2006/relationships" r:dm="rId2" r:lo="rId3" r:qs="rId4" r:cs="rId5"/>
-          </a:graphicData>
-        </a:graphic>
-      </p:graphicFrame>
+        </p:nvSpPr>
+        <p:spPr/>
+        <p:txBody>
+          <a:bodyPr>
+            <a:normAutofit/>
+          </a:bodyPr>
+          <a:lstStyle/>
+          <a:p>
+            <a:pPr lvl="1"/>
+            <a:r>
+              <a:rPr lang="en-US" sz="2400" dirty="0">
+                <a:latin typeface="Tahoma" panose="020B0604030504040204" pitchFamily="34" charset="0"/>
+                <a:ea typeface="Tahoma" panose="020B0604030504040204" pitchFamily="34" charset="0"/>
+                <a:cs typeface="Tahoma" panose="020B0604030504040204" pitchFamily="34" charset="0"/>
+              </a:rPr>
+              <a:t>Immense Growth of Media Communication (Virtual Environments)</a:t>
+            </a:r>
+          </a:p>
+          <a:p>
+            <a:pPr lvl="1"/>
+            <a:r>
+              <a:rPr lang="en-US" sz="2400" dirty="0">
+                <a:latin typeface="Tahoma" panose="020B0604030504040204" pitchFamily="34" charset="0"/>
+                <a:ea typeface="Tahoma" panose="020B0604030504040204" pitchFamily="34" charset="0"/>
+                <a:cs typeface="Tahoma" panose="020B0604030504040204" pitchFamily="34" charset="0"/>
+              </a:rPr>
+              <a:t>Open-Source</a:t>
+            </a:r>
+          </a:p>
+          <a:p>
+            <a:pPr lvl="1"/>
+            <a:r>
+              <a:rPr lang="en-US" sz="2400" dirty="0">
+                <a:latin typeface="Tahoma" panose="020B0604030504040204" pitchFamily="34" charset="0"/>
+                <a:ea typeface="Tahoma" panose="020B0604030504040204" pitchFamily="34" charset="0"/>
+                <a:cs typeface="Tahoma" panose="020B0604030504040204" pitchFamily="34" charset="0"/>
+              </a:rPr>
+              <a:t>Not All Security Protocols Have Been Examined</a:t>
+            </a:r>
+          </a:p>
+        </p:txBody>
+      </p:sp>
+      <p:pic>
+        <p:nvPicPr>
+          <p:cNvPr id="3074" name="Picture 2">
+            <a:extLst>
+              <a:ext uri="{FF2B5EF4-FFF2-40B4-BE49-F238E27FC236}">
+                <a16:creationId xmlns:a16="http://schemas.microsoft.com/office/drawing/2014/main" id="{D4C51C14-E706-4C74-B892-559FCBAD50C0}"/>
+              </a:ext>
+            </a:extLst>
+          </p:cNvPr>
+          <p:cNvPicPr>
+            <a:picLocks noChangeAspect="1" noChangeArrowheads="1"/>
+          </p:cNvPicPr>
+          <p:nvPr/>
+        </p:nvPicPr>
+        <p:blipFill>
+          <a:blip r:embed="rId2">
+            <a:extLst>
+              <a:ext uri="{28A0092B-C50C-407E-A947-70E740481C1C}">
+                <a14:useLocalDpi xmlns:a14="http://schemas.microsoft.com/office/drawing/2010/main" val="0"/>
+              </a:ext>
+            </a:extLst>
+          </a:blip>
+          <a:srcRect/>
+          <a:stretch>
+            <a:fillRect/>
+          </a:stretch>
+        </p:blipFill>
+        <p:spPr bwMode="auto">
+          <a:xfrm>
+            <a:off x="4117189" y="3798116"/>
+            <a:ext cx="3954444" cy="2638356"/>
+          </a:xfrm>
+          <a:prstGeom prst="rect">
+            <a:avLst/>
+          </a:prstGeom>
+          <a:noFill/>
+          <a:extLst>
+            <a:ext uri="{909E8E84-426E-40DD-AFC4-6F175D3DCCD1}">
+              <a14:hiddenFill xmlns:a14="http://schemas.microsoft.com/office/drawing/2010/main">
+                <a:solidFill>
+                  <a:srgbClr val="FFFFFF"/>
+                </a:solidFill>
+              </a14:hiddenFill>
+            </a:ext>
+          </a:extLst>
+        </p:spPr>
+      </p:pic>
     </p:spTree>
     <p:extLst>
       <p:ext uri="{BB962C8B-B14F-4D97-AF65-F5344CB8AC3E}">
-        <p14:creationId xmlns:p14="http://schemas.microsoft.com/office/powerpoint/2010/main" val="1193417028"/>
+        <p14:creationId xmlns:p14="http://schemas.microsoft.com/office/powerpoint/2010/main" val="3609739267"/>
       </p:ext>
     </p:extLst>
   </p:cSld>
@@ -19991,7 +19735,7 @@
               <a:rPr lang="en-US" sz="4400" dirty="0">
                 <a:latin typeface="Rockwell" panose="02060603020205020403" pitchFamily="18" charset="0"/>
               </a:rPr>
-              <a:t>The Prototype</a:t>
+              <a:t>Motivation</a:t>
             </a:r>
           </a:p>
         </p:txBody>
@@ -20009,10 +19753,15 @@
             <a:spLocks noGrp="1"/>
           </p:cNvSpPr>
           <p:nvPr>
-            <p:ph sz="half" idx="1"/>
+            <p:ph idx="1"/>
           </p:nvPr>
         </p:nvSpPr>
-        <p:spPr/>
+        <p:spPr>
+          <a:xfrm>
+            <a:off x="511728" y="2249487"/>
+            <a:ext cx="11140580" cy="3541714"/>
+          </a:xfrm>
+        </p:spPr>
         <p:txBody>
           <a:bodyPr>
             <a:normAutofit/>
@@ -20026,7 +19775,7 @@
                 <a:ea typeface="Tahoma" panose="020B0604030504040204" pitchFamily="34" charset="0"/>
                 <a:cs typeface="Tahoma" panose="020B0604030504040204" pitchFamily="34" charset="0"/>
               </a:rPr>
-              <a:t>Choose the best workable solution and create a plan to build a prototype</a:t>
+              <a:t>New and Not Fully Examined Specification</a:t>
             </a:r>
           </a:p>
           <a:p>
@@ -20037,7 +19786,7 @@
                 <a:ea typeface="Tahoma" panose="020B0604030504040204" pitchFamily="34" charset="0"/>
                 <a:cs typeface="Tahoma" panose="020B0604030504040204" pitchFamily="34" charset="0"/>
               </a:rPr>
-              <a:t>What materials will you use for your prototype?</a:t>
+              <a:t>Lasting Impact on Computer Science and Real-Time Communication</a:t>
             </a:r>
           </a:p>
           <a:p>
@@ -20048,50 +19797,64 @@
                 <a:ea typeface="Tahoma" panose="020B0604030504040204" pitchFamily="34" charset="0"/>
                 <a:cs typeface="Tahoma" panose="020B0604030504040204" pitchFamily="34" charset="0"/>
               </a:rPr>
-              <a:t>Will your prototype be actual size or a model? Why?</a:t>
-            </a:r>
-          </a:p>
-        </p:txBody>
-      </p:sp>
-      <p:sp>
-        <p:nvSpPr>
-          <p:cNvPr id="4" name="Content Placeholder 3">
-            <a:extLst>
-              <a:ext uri="{FF2B5EF4-FFF2-40B4-BE49-F238E27FC236}">
-                <a16:creationId xmlns:a16="http://schemas.microsoft.com/office/drawing/2014/main" id="{7B7B7B7B-7D76-4749-8BC0-1A579CBD0BA6}"/>
-              </a:ext>
-            </a:extLst>
-          </p:cNvPr>
-          <p:cNvSpPr>
-            <a:spLocks noGrp="1"/>
-          </p:cNvSpPr>
-          <p:nvPr>
-            <p:ph sz="half" idx="2"/>
-          </p:nvPr>
-        </p:nvSpPr>
-        <p:spPr/>
-        <p:txBody>
-          <a:bodyPr anchor="ctr"/>
-          <a:lstStyle/>
-          <a:p>
-            <a:pPr marL="0" indent="0" algn="ctr">
-              <a:buNone/>
-            </a:pPr>
-            <a:r>
-              <a:rPr lang="en-US" dirty="0">
+              <a:t>Increase of Virtual Environments</a:t>
+            </a:r>
+          </a:p>
+          <a:p>
+            <a:pPr lvl="1"/>
+            <a:endParaRPr lang="en-US" sz="2400" dirty="0">
+              <a:latin typeface="Tahoma" panose="020B0604030504040204" pitchFamily="34" charset="0"/>
+              <a:ea typeface="Tahoma" panose="020B0604030504040204" pitchFamily="34" charset="0"/>
+              <a:cs typeface="Tahoma" panose="020B0604030504040204" pitchFamily="34" charset="0"/>
+            </a:endParaRPr>
+          </a:p>
+          <a:p>
+            <a:pPr lvl="1"/>
+            <a:r>
+              <a:rPr lang="en-US" sz="2400" dirty="0">
                 <a:latin typeface="Tahoma" panose="020B0604030504040204" pitchFamily="34" charset="0"/>
                 <a:ea typeface="Tahoma" panose="020B0604030504040204" pitchFamily="34" charset="0"/>
                 <a:cs typeface="Tahoma" panose="020B0604030504040204" pitchFamily="34" charset="0"/>
               </a:rPr>
-              <a:t>&lt;Insert a picture or drawing of your prototype here&gt;</a:t>
-            </a:r>
+              <a:t>Further Security</a:t>
+            </a:r>
+          </a:p>
+          <a:p>
+            <a:pPr lvl="2"/>
+            <a:r>
+              <a:rPr lang="en-US" sz="2200" dirty="0">
+                <a:latin typeface="Tahoma" panose="020B0604030504040204" pitchFamily="34" charset="0"/>
+                <a:ea typeface="Tahoma" panose="020B0604030504040204" pitchFamily="34" charset="0"/>
+                <a:cs typeface="Tahoma" panose="020B0604030504040204" pitchFamily="34" charset="0"/>
+              </a:rPr>
+              <a:t>Increase Potential Specification Use</a:t>
+            </a:r>
+          </a:p>
+          <a:p>
+            <a:pPr lvl="2"/>
+            <a:r>
+              <a:rPr lang="en-US" sz="2200" dirty="0">
+                <a:latin typeface="Tahoma" panose="020B0604030504040204" pitchFamily="34" charset="0"/>
+                <a:ea typeface="Tahoma" panose="020B0604030504040204" pitchFamily="34" charset="0"/>
+                <a:cs typeface="Tahoma" panose="020B0604030504040204" pitchFamily="34" charset="0"/>
+              </a:rPr>
+              <a:t>Mitigate Vulnerabilities: Hidden Data Transfer &amp; Sensitive Information Leaks</a:t>
+            </a:r>
+          </a:p>
+          <a:p>
+            <a:pPr lvl="1"/>
+            <a:endParaRPr lang="en-US" sz="2400" dirty="0">
+              <a:latin typeface="Tahoma" panose="020B0604030504040204" pitchFamily="34" charset="0"/>
+              <a:ea typeface="Tahoma" panose="020B0604030504040204" pitchFamily="34" charset="0"/>
+              <a:cs typeface="Tahoma" panose="020B0604030504040204" pitchFamily="34" charset="0"/>
+            </a:endParaRPr>
           </a:p>
         </p:txBody>
       </p:sp>
     </p:spTree>
     <p:extLst>
       <p:ext uri="{BB962C8B-B14F-4D97-AF65-F5344CB8AC3E}">
-        <p14:creationId xmlns:p14="http://schemas.microsoft.com/office/powerpoint/2010/main" val="1398410914"/>
+        <p14:creationId xmlns:p14="http://schemas.microsoft.com/office/powerpoint/2010/main" val="1482514924"/>
       </p:ext>
     </p:extLst>
   </p:cSld>
@@ -20145,7 +19908,7 @@
               <a:rPr lang="en-US" sz="4400" dirty="0">
                 <a:latin typeface="Rockwell" panose="02060603020205020403" pitchFamily="18" charset="0"/>
               </a:rPr>
-              <a:t>Testing The Prototype</a:t>
+              <a:t>Security Concerns</a:t>
             </a:r>
           </a:p>
         </p:txBody>
@@ -20180,7 +19943,7 @@
                 <a:ea typeface="Tahoma" panose="020B0604030504040204" pitchFamily="34" charset="0"/>
                 <a:cs typeface="Tahoma" panose="020B0604030504040204" pitchFamily="34" charset="0"/>
               </a:rPr>
-              <a:t>What worked? What did not work? Why?</a:t>
+              <a:t>Confidentiality Violations</a:t>
             </a:r>
           </a:p>
           <a:p>
@@ -20191,8 +19954,16 @@
                 <a:ea typeface="Tahoma" panose="020B0604030504040204" pitchFamily="34" charset="0"/>
                 <a:cs typeface="Tahoma" panose="020B0604030504040204" pitchFamily="34" charset="0"/>
               </a:rPr>
-              <a:t>What materials need to be changed and/or kept? Why?</a:t>
-            </a:r>
+              <a:t>IP Leaks</a:t>
+            </a:r>
+          </a:p>
+          <a:p>
+            <a:pPr lvl="1"/>
+            <a:endParaRPr lang="en-US" sz="2400" dirty="0">
+              <a:latin typeface="Tahoma" panose="020B0604030504040204" pitchFamily="34" charset="0"/>
+              <a:ea typeface="Tahoma" panose="020B0604030504040204" pitchFamily="34" charset="0"/>
+              <a:cs typeface="Tahoma" panose="020B0604030504040204" pitchFamily="34" charset="0"/>
+            </a:endParaRPr>
           </a:p>
           <a:p>
             <a:pPr lvl="1"/>
@@ -20202,18 +19973,29 @@
                 <a:ea typeface="Tahoma" panose="020B0604030504040204" pitchFamily="34" charset="0"/>
                 <a:cs typeface="Tahoma" panose="020B0604030504040204" pitchFamily="34" charset="0"/>
               </a:rPr>
-              <a:t>Did the size of your prototype give you enough information to move forward with a final product? Why or why not?</a:t>
-            </a:r>
-          </a:p>
-          <a:p>
-            <a:pPr lvl="1"/>
-            <a:r>
-              <a:rPr lang="en-US" sz="2400" dirty="0">
+              <a:t>Among Others, Two Chosen by Committee</a:t>
+            </a:r>
+          </a:p>
+          <a:p>
+            <a:pPr lvl="2"/>
+            <a:r>
+              <a:rPr lang="en-US" sz="2000" dirty="0">
                 <a:latin typeface="Tahoma" panose="020B0604030504040204" pitchFamily="34" charset="0"/>
                 <a:ea typeface="Tahoma" panose="020B0604030504040204" pitchFamily="34" charset="0"/>
                 <a:cs typeface="Tahoma" panose="020B0604030504040204" pitchFamily="34" charset="0"/>
               </a:rPr>
-              <a:t>Did you have other people test your design and give you feedback? Why or why not?</a:t>
+              <a:t>Allowed for Prototype Implementation</a:t>
+            </a:r>
+          </a:p>
+          <a:p>
+            <a:pPr lvl="2"/>
+            <a:r>
+              <a:rPr lang="en-US" sz="2000" dirty="0">
+                <a:latin typeface="Tahoma" panose="020B0604030504040204" pitchFamily="34" charset="0"/>
+                <a:ea typeface="Tahoma" panose="020B0604030504040204" pitchFamily="34" charset="0"/>
+                <a:cs typeface="Tahoma" panose="020B0604030504040204" pitchFamily="34" charset="0"/>
+              </a:rPr>
+              <a:t>Time Permitting</a:t>
             </a:r>
           </a:p>
         </p:txBody>
@@ -20221,7 +20003,7 @@
     </p:spTree>
     <p:extLst>
       <p:ext uri="{BB962C8B-B14F-4D97-AF65-F5344CB8AC3E}">
-        <p14:creationId xmlns:p14="http://schemas.microsoft.com/office/powerpoint/2010/main" val="1348318116"/>
+        <p14:creationId xmlns:p14="http://schemas.microsoft.com/office/powerpoint/2010/main" val="3213572642"/>
       </p:ext>
     </p:extLst>
   </p:cSld>
@@ -20275,94 +20057,49 @@
               <a:rPr lang="en-US" sz="4400" dirty="0">
                 <a:latin typeface="Rockwell" panose="02060603020205020403" pitchFamily="18" charset="0"/>
               </a:rPr>
-              <a:t>Redesigning The Prototype</a:t>
+              <a:t>Related Research</a:t>
             </a:r>
           </a:p>
         </p:txBody>
       </p:sp>
-      <p:sp>
-        <p:nvSpPr>
-          <p:cNvPr id="3" name="Content Placeholder 2">
+      <p:graphicFrame>
+        <p:nvGraphicFramePr>
+          <p:cNvPr id="4" name="Content Placeholder 3">
             <a:extLst>
               <a:ext uri="{FF2B5EF4-FFF2-40B4-BE49-F238E27FC236}">
-                <a16:creationId xmlns:a16="http://schemas.microsoft.com/office/drawing/2014/main" id="{143F5361-68C0-4BF5-80C8-F1E7BF92B2DB}"/>
+                <a16:creationId xmlns:a16="http://schemas.microsoft.com/office/drawing/2014/main" id="{8D4F1745-A55E-4835-88EB-BC637121B608}"/>
+              </a:ext>
+              <a:ext uri="{C183D7F6-B498-43B3-948B-1728B52AA6E4}">
+                <adec:decorative xmlns:adec="http://schemas.microsoft.com/office/drawing/2017/decorative" val="1"/>
               </a:ext>
             </a:extLst>
           </p:cNvPr>
-          <p:cNvSpPr>
-            <a:spLocks noGrp="1"/>
-          </p:cNvSpPr>
+          <p:cNvGraphicFramePr>
+            <a:graphicFrameLocks noGrp="1"/>
+          </p:cNvGraphicFramePr>
           <p:nvPr>
             <p:ph idx="1"/>
+            <p:extLst>
+              <p:ext uri="{D42A27DB-BD31-4B8C-83A1-F6EECF244321}">
+                <p14:modId xmlns:p14="http://schemas.microsoft.com/office/powerpoint/2010/main" val="3849616767"/>
+              </p:ext>
+            </p:extLst>
           </p:nvPr>
-        </p:nvSpPr>
-        <p:spPr/>
-        <p:txBody>
-          <a:bodyPr>
-            <a:normAutofit/>
-          </a:bodyPr>
-          <a:lstStyle/>
-          <a:p>
-            <a:pPr lvl="1"/>
-            <a:r>
-              <a:rPr lang="en-US" sz="2400" dirty="0">
-                <a:latin typeface="Tahoma" panose="020B0604030504040204" pitchFamily="34" charset="0"/>
-                <a:ea typeface="Tahoma" panose="020B0604030504040204" pitchFamily="34" charset="0"/>
-                <a:cs typeface="Tahoma" panose="020B0604030504040204" pitchFamily="34" charset="0"/>
-              </a:rPr>
-              <a:t>Use the data from your testing to redesign with…</a:t>
-            </a:r>
-          </a:p>
-          <a:p>
-            <a:pPr lvl="2"/>
-            <a:r>
-              <a:rPr lang="en-US" sz="2000" dirty="0">
-                <a:latin typeface="Tahoma" panose="020B0604030504040204" pitchFamily="34" charset="0"/>
-                <a:ea typeface="Tahoma" panose="020B0604030504040204" pitchFamily="34" charset="0"/>
-                <a:cs typeface="Tahoma" panose="020B0604030504040204" pitchFamily="34" charset="0"/>
-              </a:rPr>
-              <a:t>Different materials</a:t>
-            </a:r>
-          </a:p>
-          <a:p>
-            <a:pPr lvl="2"/>
-            <a:r>
-              <a:rPr lang="en-US" sz="2000" dirty="0">
-                <a:latin typeface="Tahoma" panose="020B0604030504040204" pitchFamily="34" charset="0"/>
-                <a:ea typeface="Tahoma" panose="020B0604030504040204" pitchFamily="34" charset="0"/>
-                <a:cs typeface="Tahoma" panose="020B0604030504040204" pitchFamily="34" charset="0"/>
-              </a:rPr>
-              <a:t>Different builds</a:t>
-            </a:r>
-          </a:p>
-          <a:p>
-            <a:pPr lvl="2"/>
-            <a:r>
-              <a:rPr lang="en-US" sz="2000" dirty="0">
-                <a:latin typeface="Tahoma" panose="020B0604030504040204" pitchFamily="34" charset="0"/>
-                <a:ea typeface="Tahoma" panose="020B0604030504040204" pitchFamily="34" charset="0"/>
-                <a:cs typeface="Tahoma" panose="020B0604030504040204" pitchFamily="34" charset="0"/>
-              </a:rPr>
-              <a:t>Different sizes</a:t>
-            </a:r>
-          </a:p>
-          <a:p>
-            <a:pPr lvl="1"/>
-            <a:r>
-              <a:rPr lang="en-US" sz="2400" dirty="0">
-                <a:latin typeface="Tahoma" panose="020B0604030504040204" pitchFamily="34" charset="0"/>
-                <a:ea typeface="Tahoma" panose="020B0604030504040204" pitchFamily="34" charset="0"/>
-                <a:cs typeface="Tahoma" panose="020B0604030504040204" pitchFamily="34" charset="0"/>
-              </a:rPr>
-              <a:t>Write about or show images of your prototype redesigning process and result</a:t>
-            </a:r>
-          </a:p>
-        </p:txBody>
-      </p:sp>
+        </p:nvGraphicFramePr>
+        <p:xfrm>
+          <a:off x="1141413" y="2249488"/>
+          <a:ext cx="9906000" cy="3541712"/>
+        </p:xfrm>
+        <a:graphic>
+          <a:graphicData uri="http://schemas.openxmlformats.org/drawingml/2006/diagram">
+            <dgm:relIds xmlns:dgm="http://schemas.openxmlformats.org/drawingml/2006/diagram" xmlns:r="http://schemas.openxmlformats.org/officeDocument/2006/relationships" r:dm="rId2" r:lo="rId3" r:qs="rId4" r:cs="rId5"/>
+          </a:graphicData>
+        </a:graphic>
+      </p:graphicFrame>
     </p:spTree>
     <p:extLst>
       <p:ext uri="{BB962C8B-B14F-4D97-AF65-F5344CB8AC3E}">
-        <p14:creationId xmlns:p14="http://schemas.microsoft.com/office/powerpoint/2010/main" val="2919556985"/>
+        <p14:creationId xmlns:p14="http://schemas.microsoft.com/office/powerpoint/2010/main" val="3253689747"/>
       </p:ext>
     </p:extLst>
   </p:cSld>
@@ -20416,7 +20153,7 @@
               <a:rPr lang="en-US" sz="4400" dirty="0">
                 <a:latin typeface="Rockwell" panose="02060603020205020403" pitchFamily="18" charset="0"/>
               </a:rPr>
-              <a:t>Final Result</a:t>
+              <a:t>Problem Statement</a:t>
             </a:r>
           </a:p>
         </p:txBody>
@@ -20439,106 +20176,249 @@
         </p:nvSpPr>
         <p:spPr/>
         <p:txBody>
-          <a:bodyPr vert="horz" lIns="91440" tIns="45720" rIns="91440" bIns="45720" rtlCol="0" anchor="t">
-            <a:normAutofit fontScale="92500" lnSpcReduction="20000"/>
+          <a:bodyPr>
+            <a:normAutofit/>
           </a:bodyPr>
           <a:lstStyle/>
           <a:p>
-            <a:pPr lvl="0"/>
-            <a:r>
-              <a:rPr lang="en-US" dirty="0">
+            <a:pPr lvl="1"/>
+            <a:r>
+              <a:rPr lang="en-US" sz="2400" dirty="0">
                 <a:latin typeface="Tahoma" panose="020B0604030504040204" pitchFamily="34" charset="0"/>
                 <a:ea typeface="Tahoma" panose="020B0604030504040204" pitchFamily="34" charset="0"/>
                 <a:cs typeface="Tahoma" panose="020B0604030504040204" pitchFamily="34" charset="0"/>
               </a:rPr>
-              <a:t>Once you have a final product, go back to your second slide and review the initial questions you answered</a:t>
-            </a:r>
+              <a:t>“WebRTC has the foundation to allow for a secure and simple connection to be made by two users without installing native apps or plugins.”</a:t>
+            </a:r>
+          </a:p>
+          <a:p>
+            <a:pPr marL="457200" lvl="1" indent="0">
+              <a:buNone/>
+            </a:pPr>
+            <a:endParaRPr lang="en-US" sz="2400" dirty="0">
+              <a:latin typeface="Tahoma" panose="020B0604030504040204" pitchFamily="34" charset="0"/>
+              <a:ea typeface="Tahoma" panose="020B0604030504040204" pitchFamily="34" charset="0"/>
+              <a:cs typeface="Tahoma" panose="020B0604030504040204" pitchFamily="34" charset="0"/>
+            </a:endParaRPr>
           </a:p>
           <a:p>
             <a:pPr lvl="1"/>
             <a:r>
-              <a:rPr lang="en-US" dirty="0">
+              <a:rPr lang="en-US" sz="2400" dirty="0">
                 <a:latin typeface="Tahoma" panose="020B0604030504040204" pitchFamily="34" charset="0"/>
                 <a:ea typeface="Tahoma" panose="020B0604030504040204" pitchFamily="34" charset="0"/>
                 <a:cs typeface="Tahoma" panose="020B0604030504040204" pitchFamily="34" charset="0"/>
               </a:rPr>
-              <a:t>Does your final prototype solve your problem for the person or people for whom it needs to be solved?</a:t>
-            </a:r>
-          </a:p>
-          <a:p>
-            <a:pPr lvl="2"/>
-            <a:r>
-              <a:rPr lang="en-US" dirty="0">
+              <a:t>Relatively New and Immense Potential</a:t>
+            </a:r>
+          </a:p>
+          <a:p>
+            <a:pPr lvl="1"/>
+            <a:r>
+              <a:rPr lang="en-US" sz="2400" dirty="0">
                 <a:latin typeface="Tahoma" panose="020B0604030504040204" pitchFamily="34" charset="0"/>
                 <a:ea typeface="Tahoma" panose="020B0604030504040204" pitchFamily="34" charset="0"/>
                 <a:cs typeface="Tahoma" panose="020B0604030504040204" pitchFamily="34" charset="0"/>
               </a:rPr>
-              <a:t>If yes, </a:t>
-            </a:r>
-            <a:r>
-              <a:rPr lang="en-US" b="1" dirty="0">
-                <a:latin typeface="Tahoma" panose="020B0604030504040204" pitchFamily="34" charset="0"/>
-                <a:ea typeface="Tahoma" panose="020B0604030504040204" pitchFamily="34" charset="0"/>
-                <a:cs typeface="Tahoma" panose="020B0604030504040204" pitchFamily="34" charset="0"/>
-              </a:rPr>
-              <a:t>WAY TO GO</a:t>
-            </a:r>
-            <a:r>
-              <a:rPr lang="en-US" dirty="0">
-                <a:latin typeface="Tahoma" panose="020B0604030504040204" pitchFamily="34" charset="0"/>
-                <a:ea typeface="Tahoma" panose="020B0604030504040204" pitchFamily="34" charset="0"/>
-                <a:cs typeface="Tahoma" panose="020B0604030504040204" pitchFamily="34" charset="0"/>
-              </a:rPr>
-              <a:t>! But always think about if you can improve it even more!</a:t>
-            </a:r>
-          </a:p>
-          <a:p>
-            <a:pPr lvl="2"/>
-            <a:r>
-              <a:rPr lang="en-US" dirty="0">
-                <a:latin typeface="Tahoma" panose="020B0604030504040204" pitchFamily="34" charset="0"/>
-                <a:ea typeface="Tahoma" panose="020B0604030504040204" pitchFamily="34" charset="0"/>
-                <a:cs typeface="Tahoma" panose="020B0604030504040204" pitchFamily="34" charset="0"/>
-              </a:rPr>
-              <a:t>If no, copy this PowerPoint and start the problem/solution cycle again </a:t>
-            </a:r>
-          </a:p>
-          <a:p>
-            <a:r>
-              <a:rPr lang="en-US" dirty="0">
-                <a:latin typeface="Tahoma" panose="020B0604030504040204" pitchFamily="34" charset="0"/>
-                <a:ea typeface="Tahoma" panose="020B0604030504040204" pitchFamily="34" charset="0"/>
-                <a:cs typeface="Tahoma" panose="020B0604030504040204" pitchFamily="34" charset="0"/>
-              </a:rPr>
-              <a:t>Insert pictures of your final design</a:t>
-            </a:r>
-          </a:p>
-          <a:p>
-            <a:r>
-              <a:rPr lang="en-US" dirty="0">
-                <a:latin typeface="Tahoma" panose="020B0604030504040204" pitchFamily="34" charset="0"/>
-                <a:ea typeface="Tahoma" panose="020B0604030504040204" pitchFamily="34" charset="0"/>
-                <a:cs typeface="Tahoma" panose="020B0604030504040204" pitchFamily="34" charset="0"/>
-              </a:rPr>
-              <a:t>Discuss why this design solves the problem</a:t>
-            </a:r>
-          </a:p>
-          <a:p>
-            <a:r>
-              <a:rPr lang="en-US" dirty="0">
-                <a:latin typeface="Tahoma" panose="020B0604030504040204" pitchFamily="34" charset="0"/>
-                <a:ea typeface="Tahoma" panose="020B0604030504040204" pitchFamily="34" charset="0"/>
-                <a:cs typeface="Tahoma" panose="020B0604030504040204" pitchFamily="34" charset="0"/>
-              </a:rPr>
-              <a:t>Reflect on how you feel about the process from start to finish in this project</a:t>
-            </a:r>
+              <a:t>Security Vulnerabilities do Exist, Need Exploration</a:t>
+            </a:r>
+          </a:p>
+          <a:p>
+            <a:pPr lvl="1"/>
+            <a:endParaRPr lang="en-US" sz="2200" dirty="0">
+              <a:latin typeface="Tahoma" panose="020B0604030504040204" pitchFamily="34" charset="0"/>
+              <a:ea typeface="Tahoma" panose="020B0604030504040204" pitchFamily="34" charset="0"/>
+              <a:cs typeface="Tahoma" panose="020B0604030504040204" pitchFamily="34" charset="0"/>
+            </a:endParaRPr>
           </a:p>
         </p:txBody>
       </p:sp>
     </p:spTree>
     <p:extLst>
       <p:ext uri="{BB962C8B-B14F-4D97-AF65-F5344CB8AC3E}">
-        <p14:creationId xmlns:p14="http://schemas.microsoft.com/office/powerpoint/2010/main" val="1902613301"/>
+        <p14:creationId xmlns:p14="http://schemas.microsoft.com/office/powerpoint/2010/main" val="3184299789"/>
+      </p:ext>
+    </p:extLst>
+  </p:cSld>
+  <p:clrMapOvr>
+    <a:masterClrMapping/>
+  </p:clrMapOvr>
+</p:sld>
+</file>
+
+<file path=ppt/slides/slide9.xml><?xml version="1.0" encoding="utf-8"?>
+<p:sld xmlns:a="http://schemas.openxmlformats.org/drawingml/2006/main" xmlns:r="http://schemas.openxmlformats.org/officeDocument/2006/relationships" xmlns:p="http://schemas.openxmlformats.org/presentationml/2006/main">
+  <p:cSld>
+    <p:spTree>
+      <p:nvGrpSpPr>
+        <p:cNvPr id="1" name=""/>
+        <p:cNvGrpSpPr/>
+        <p:nvPr/>
+      </p:nvGrpSpPr>
+      <p:grpSpPr>
+        <a:xfrm>
+          <a:off x="0" y="0"/>
+          <a:ext cx="0" cy="0"/>
+          <a:chOff x="0" y="0"/>
+          <a:chExt cx="0" cy="0"/>
+        </a:xfrm>
+      </p:grpSpPr>
+      <p:sp>
+        <p:nvSpPr>
+          <p:cNvPr id="2" name="Title 1">
+            <a:extLst>
+              <a:ext uri="{FF2B5EF4-FFF2-40B4-BE49-F238E27FC236}">
+                <a16:creationId xmlns:a16="http://schemas.microsoft.com/office/drawing/2014/main" id="{34DB6CE4-2B13-4715-B5B2-615A55922CA1}"/>
+              </a:ext>
+            </a:extLst>
+          </p:cNvPr>
+          <p:cNvSpPr>
+            <a:spLocks noGrp="1"/>
+          </p:cNvSpPr>
+          <p:nvPr>
+            <p:ph type="title"/>
+          </p:nvPr>
+        </p:nvSpPr>
+        <p:spPr/>
+        <p:txBody>
+          <a:bodyPr>
+            <a:normAutofit/>
+          </a:bodyPr>
+          <a:lstStyle/>
+          <a:p>
+            <a:r>
+              <a:rPr lang="en-US" sz="4400" dirty="0">
+                <a:latin typeface="Rockwell" panose="02060603020205020403" pitchFamily="18" charset="0"/>
+              </a:rPr>
+              <a:t>Confidentiality Violations</a:t>
+            </a:r>
+          </a:p>
+        </p:txBody>
+      </p:sp>
+      <p:sp>
+        <p:nvSpPr>
+          <p:cNvPr id="3" name="Content Placeholder 2">
+            <a:extLst>
+              <a:ext uri="{FF2B5EF4-FFF2-40B4-BE49-F238E27FC236}">
+                <a16:creationId xmlns:a16="http://schemas.microsoft.com/office/drawing/2014/main" id="{143F5361-68C0-4BF5-80C8-F1E7BF92B2DB}"/>
+              </a:ext>
+            </a:extLst>
+          </p:cNvPr>
+          <p:cNvSpPr>
+            <a:spLocks noGrp="1"/>
+          </p:cNvSpPr>
+          <p:nvPr>
+            <p:ph idx="1"/>
+          </p:nvPr>
+        </p:nvSpPr>
+        <p:spPr/>
+        <p:txBody>
+          <a:bodyPr>
+            <a:normAutofit/>
+          </a:bodyPr>
+          <a:lstStyle/>
+          <a:p>
+            <a:pPr lvl="1"/>
+            <a:r>
+              <a:rPr lang="en-US" sz="2400" dirty="0">
+                <a:latin typeface="Tahoma" panose="020B0604030504040204" pitchFamily="34" charset="0"/>
+                <a:ea typeface="Tahoma" panose="020B0604030504040204" pitchFamily="34" charset="0"/>
+                <a:cs typeface="Tahoma" panose="020B0604030504040204" pitchFamily="34" charset="0"/>
+              </a:rPr>
+              <a:t>Peer-To-Peer Connection -&gt; Real-Time Data</a:t>
+            </a:r>
+          </a:p>
+          <a:p>
+            <a:pPr lvl="1"/>
+            <a:r>
+              <a:rPr lang="en-US" sz="2400" dirty="0">
+                <a:latin typeface="Tahoma" panose="020B0604030504040204" pitchFamily="34" charset="0"/>
+                <a:ea typeface="Tahoma" panose="020B0604030504040204" pitchFamily="34" charset="0"/>
+                <a:cs typeface="Tahoma" panose="020B0604030504040204" pitchFamily="34" charset="0"/>
+              </a:rPr>
+              <a:t>WebRTC API</a:t>
+            </a:r>
+          </a:p>
+          <a:p>
+            <a:pPr lvl="1"/>
+            <a:r>
+              <a:rPr lang="en-US" sz="2400" dirty="0">
+                <a:latin typeface="Tahoma" panose="020B0604030504040204" pitchFamily="34" charset="0"/>
+                <a:ea typeface="Tahoma" panose="020B0604030504040204" pitchFamily="34" charset="0"/>
+                <a:cs typeface="Tahoma" panose="020B0604030504040204" pitchFamily="34" charset="0"/>
+              </a:rPr>
+              <a:t>Great for Development, Concerning with Hackers/Exploits</a:t>
+            </a:r>
+          </a:p>
+          <a:p>
+            <a:pPr lvl="1"/>
+            <a:r>
+              <a:rPr lang="en-US" sz="2400" dirty="0">
+                <a:latin typeface="Tahoma" panose="020B0604030504040204" pitchFamily="34" charset="0"/>
+                <a:ea typeface="Tahoma" panose="020B0604030504040204" pitchFamily="34" charset="0"/>
+                <a:cs typeface="Tahoma" panose="020B0604030504040204" pitchFamily="34" charset="0"/>
+              </a:rPr>
+              <a:t>Covert Channels</a:t>
+            </a:r>
+            <a:endParaRPr lang="en-US" sz="2200" dirty="0">
+              <a:latin typeface="Tahoma" panose="020B0604030504040204" pitchFamily="34" charset="0"/>
+              <a:ea typeface="Tahoma" panose="020B0604030504040204" pitchFamily="34" charset="0"/>
+              <a:cs typeface="Tahoma" panose="020B0604030504040204" pitchFamily="34" charset="0"/>
+            </a:endParaRPr>
+          </a:p>
+        </p:txBody>
+      </p:sp>
+      <p:pic>
+        <p:nvPicPr>
+          <p:cNvPr id="5122" name="Picture 2">
+            <a:extLst>
+              <a:ext uri="{FF2B5EF4-FFF2-40B4-BE49-F238E27FC236}">
+                <a16:creationId xmlns:a16="http://schemas.microsoft.com/office/drawing/2014/main" id="{F520A40B-485C-47FF-AF64-A909765EB106}"/>
+              </a:ext>
+            </a:extLst>
+          </p:cNvPr>
+          <p:cNvPicPr>
+            <a:picLocks noChangeAspect="1" noChangeArrowheads="1"/>
+          </p:cNvPicPr>
+          <p:nvPr/>
+        </p:nvPicPr>
+        <p:blipFill>
+          <a:blip r:embed="rId2">
+            <a:extLst>
+              <a:ext uri="{28A0092B-C50C-407E-A947-70E740481C1C}">
+                <a14:useLocalDpi xmlns:a14="http://schemas.microsoft.com/office/drawing/2010/main" val="0"/>
+              </a:ext>
+            </a:extLst>
+          </a:blip>
+          <a:srcRect/>
+          <a:stretch>
+            <a:fillRect/>
+          </a:stretch>
+        </p:blipFill>
+        <p:spPr bwMode="auto">
+          <a:xfrm>
+            <a:off x="4360916" y="3930402"/>
+            <a:ext cx="3466990" cy="2097087"/>
+          </a:xfrm>
+          <a:prstGeom prst="rect">
+            <a:avLst/>
+          </a:prstGeom>
+          <a:noFill/>
+          <a:extLst>
+            <a:ext uri="{909E8E84-426E-40DD-AFC4-6F175D3DCCD1}">
+              <a14:hiddenFill xmlns:a14="http://schemas.microsoft.com/office/drawing/2010/main">
+                <a:solidFill>
+                  <a:srgbClr val="FFFFFF"/>
+                </a:solidFill>
+              </a14:hiddenFill>
+            </a:ext>
+          </a:extLst>
+        </p:spPr>
+      </p:pic>
+    </p:spTree>
+    <p:extLst>
+      <p:ext uri="{BB962C8B-B14F-4D97-AF65-F5344CB8AC3E}">
+        <p14:creationId xmlns:p14="http://schemas.microsoft.com/office/powerpoint/2010/main" val="1320328294"/>
       </p:ext>
     </p:extLst>
   </p:cSld>
@@ -21390,6 +21270,23 @@
 </file>
 
 <file path=customXml/item1.xml><?xml version="1.0" encoding="utf-8"?>
+<p:properties xmlns:p="http://schemas.microsoft.com/office/2006/metadata/properties" xmlns:xsi="http://www.w3.org/2001/XMLSchema-instance" xmlns:pc="http://schemas.microsoft.com/office/infopath/2007/PartnerControls">
+  <documentManagement>
+    <MediaServiceKeyPoints xmlns="71af3243-3dd4-4a8d-8c0d-dd76da1f02a5" xsi:nil="true"/>
+  </documentManagement>
+</p:properties>
+</file>
+
+<file path=customXml/item2.xml><?xml version="1.0" encoding="utf-8"?>
+<?mso-contentType ?>
+<FormTemplates xmlns="http://schemas.microsoft.com/sharepoint/v3/contenttype/forms">
+  <Display>DocumentLibraryForm</Display>
+  <Edit>DocumentLibraryForm</Edit>
+  <New>DocumentLibraryForm</New>
+</FormTemplates>
+</file>
+
+<file path=customXml/item3.xml><?xml version="1.0" encoding="utf-8"?>
 <ct:contentTypeSchema xmlns:ct="http://schemas.microsoft.com/office/2006/metadata/contentType" xmlns:ma="http://schemas.microsoft.com/office/2006/metadata/properties/metaAttributes" ct:_="" ma:_="" ma:contentTypeName="Document" ma:contentTypeID="0x01010079F111ED35F8CC479449609E8A0923A6" ma:contentTypeVersion="11" ma:contentTypeDescription="Create a new document." ma:contentTypeScope="" ma:versionID="96291512c1ee715ab617f4c07df79fc1">
   <xsd:schema xmlns:xsd="http://www.w3.org/2001/XMLSchema" xmlns:xs="http://www.w3.org/2001/XMLSchema" xmlns:p="http://schemas.microsoft.com/office/2006/metadata/properties" xmlns:ns2="71af3243-3dd4-4a8d-8c0d-dd76da1f02a5" xmlns:ns3="16c05727-aa75-4e4a-9b5f-8a80a1165891" targetNamespace="http://schemas.microsoft.com/office/2006/metadata/properties" ma:root="true" ma:fieldsID="8256c27c40ca5c40ce1cf6c44f0205df" ns2:_="" ns3:_="">
     <xsd:import namespace="71af3243-3dd4-4a8d-8c0d-dd76da1f02a5"/>
@@ -21600,24 +21497,25 @@
 </ct:contentTypeSchema>
 </file>
 
-<file path=customXml/item2.xml><?xml version="1.0" encoding="utf-8"?>
-<p:properties xmlns:p="http://schemas.microsoft.com/office/2006/metadata/properties" xmlns:xsi="http://www.w3.org/2001/XMLSchema-instance" xmlns:pc="http://schemas.microsoft.com/office/infopath/2007/PartnerControls">
-  <documentManagement>
-    <MediaServiceKeyPoints xmlns="71af3243-3dd4-4a8d-8c0d-dd76da1f02a5" xsi:nil="true"/>
-  </documentManagement>
-</p:properties>
+<file path=customXml/itemProps1.xml><?xml version="1.0" encoding="utf-8"?>
+<ds:datastoreItem xmlns:ds="http://schemas.openxmlformats.org/officeDocument/2006/customXml" ds:itemID="{E7866CFD-F94E-4AE5-ACEA-86FEC0F48A10}">
+  <ds:schemaRefs>
+    <ds:schemaRef ds:uri="http://schemas.microsoft.com/office/2006/metadata/properties"/>
+    <ds:schemaRef ds:uri="http://schemas.microsoft.com/office/infopath/2007/PartnerControls"/>
+    <ds:schemaRef ds:uri="71af3243-3dd4-4a8d-8c0d-dd76da1f02a5"/>
+  </ds:schemaRefs>
+</ds:datastoreItem>
 </file>
 
-<file path=customXml/item3.xml><?xml version="1.0" encoding="utf-8"?>
-<?mso-contentType ?>
-<FormTemplates xmlns="http://schemas.microsoft.com/sharepoint/v3/contenttype/forms">
-  <Display>DocumentLibraryForm</Display>
-  <Edit>DocumentLibraryForm</Edit>
-  <New>DocumentLibraryForm</New>
-</FormTemplates>
+<file path=customXml/itemProps2.xml><?xml version="1.0" encoding="utf-8"?>
+<ds:datastoreItem xmlns:ds="http://schemas.openxmlformats.org/officeDocument/2006/customXml" ds:itemID="{B579702B-25C7-40D7-9E29-7686B11A9660}">
+  <ds:schemaRefs>
+    <ds:schemaRef ds:uri="http://schemas.microsoft.com/sharepoint/v3/contenttype/forms"/>
+  </ds:schemaRefs>
+</ds:datastoreItem>
 </file>
 
-<file path=customXml/itemProps1.xml><?xml version="1.0" encoding="utf-8"?>
+<file path=customXml/itemProps3.xml><?xml version="1.0" encoding="utf-8"?>
 <ds:datastoreItem xmlns:ds="http://schemas.openxmlformats.org/officeDocument/2006/customXml" ds:itemID="{A7C0B241-13E5-418D-8920-D23491E2D2C0}">
   <ds:schemaRefs>
     <ds:schemaRef ds:uri="http://schemas.microsoft.com/office/2006/metadata/contentType"/>
@@ -21634,22 +21532,4 @@
     <ds:schemaRef ds:uri="http://schemas.microsoft.com/internal/obd"/>
   </ds:schemaRefs>
 </ds:datastoreItem>
-</file>
-
-<file path=customXml/itemProps2.xml><?xml version="1.0" encoding="utf-8"?>
-<ds:datastoreItem xmlns:ds="http://schemas.openxmlformats.org/officeDocument/2006/customXml" ds:itemID="{E7866CFD-F94E-4AE5-ACEA-86FEC0F48A10}">
-  <ds:schemaRefs>
-    <ds:schemaRef ds:uri="http://schemas.microsoft.com/office/2006/metadata/properties"/>
-    <ds:schemaRef ds:uri="http://schemas.microsoft.com/office/infopath/2007/PartnerControls"/>
-    <ds:schemaRef ds:uri="71af3243-3dd4-4a8d-8c0d-dd76da1f02a5"/>
-  </ds:schemaRefs>
-</ds:datastoreItem>
-</file>
-
-<file path=customXml/itemProps3.xml><?xml version="1.0" encoding="utf-8"?>
-<ds:datastoreItem xmlns:ds="http://schemas.openxmlformats.org/officeDocument/2006/customXml" ds:itemID="{B579702B-25C7-40D7-9E29-7686B11A9660}">
-  <ds:schemaRefs>
-    <ds:schemaRef ds:uri="http://schemas.microsoft.com/sharepoint/v3/contenttype/forms"/>
-  </ds:schemaRefs>
-</ds:datastoreItem>
 </file>